--- a/Course_Avail_Progress.pptx
+++ b/Course_Avail_Progress.pptx
@@ -3,22 +3,27 @@
 <p:presentation xmlns:a="http://schemas.openxmlformats.org/drawingml/2006/main" xmlns:r="http://schemas.openxmlformats.org/officeDocument/2006/relationships" xmlns:p="http://schemas.openxmlformats.org/presentationml/2006/main" saveSubsetFonts="1">
   <p:sldMasterIdLst>
     <p:sldMasterId id="2147483660" r:id="rId1"/>
+    <p:sldMasterId id="2147483673" r:id="rId2"/>
+    <p:sldMasterId id="2147483685" r:id="rId3"/>
   </p:sldMasterIdLst>
   <p:sldIdLst>
-    <p:sldId id="258" r:id="rId2"/>
-    <p:sldId id="262" r:id="rId3"/>
-    <p:sldId id="263" r:id="rId4"/>
-    <p:sldId id="259" r:id="rId5"/>
-    <p:sldId id="260" r:id="rId6"/>
-    <p:sldId id="261" r:id="rId7"/>
+    <p:sldId id="258" r:id="rId4"/>
+    <p:sldId id="265" r:id="rId5"/>
+    <p:sldId id="263" r:id="rId6"/>
+    <p:sldId id="264" r:id="rId7"/>
+    <p:sldId id="259" r:id="rId8"/>
+    <p:sldId id="260" r:id="rId9"/>
+    <p:sldId id="267" r:id="rId10"/>
+    <p:sldId id="266" r:id="rId11"/>
+    <p:sldId id="261" r:id="rId12"/>
   </p:sldIdLst>
-  <p:sldSz cx="9144000" cy="6858000" type="screen4x3"/>
+  <p:sldSz cx="9144000" cy="5143500" type="screen16x9"/>
   <p:notesSz cx="6858000" cy="9144000"/>
   <p:defaultTextStyle>
     <a:defPPr>
       <a:defRPr lang="en-US"/>
     </a:defPPr>
-    <a:lvl1pPr marL="0" algn="l" defTabSz="914400" rtl="0" eaLnBrk="1" latinLnBrk="0" hangingPunct="1">
+    <a:lvl1pPr marL="0" algn="l" defTabSz="914378" rtl="0" eaLnBrk="1" latinLnBrk="0" hangingPunct="1">
       <a:defRPr sz="1800" kern="1200">
         <a:solidFill>
           <a:schemeClr val="tx1"/>
@@ -28,7 +33,7 @@
         <a:cs typeface="+mn-cs"/>
       </a:defRPr>
     </a:lvl1pPr>
-    <a:lvl2pPr marL="457200" algn="l" defTabSz="914400" rtl="0" eaLnBrk="1" latinLnBrk="0" hangingPunct="1">
+    <a:lvl2pPr marL="457189" algn="l" defTabSz="914378" rtl="0" eaLnBrk="1" latinLnBrk="0" hangingPunct="1">
       <a:defRPr sz="1800" kern="1200">
         <a:solidFill>
           <a:schemeClr val="tx1"/>
@@ -38,7 +43,7 @@
         <a:cs typeface="+mn-cs"/>
       </a:defRPr>
     </a:lvl2pPr>
-    <a:lvl3pPr marL="914400" algn="l" defTabSz="914400" rtl="0" eaLnBrk="1" latinLnBrk="0" hangingPunct="1">
+    <a:lvl3pPr marL="914378" algn="l" defTabSz="914378" rtl="0" eaLnBrk="1" latinLnBrk="0" hangingPunct="1">
       <a:defRPr sz="1800" kern="1200">
         <a:solidFill>
           <a:schemeClr val="tx1"/>
@@ -48,7 +53,7 @@
         <a:cs typeface="+mn-cs"/>
       </a:defRPr>
     </a:lvl3pPr>
-    <a:lvl4pPr marL="1371600" algn="l" defTabSz="914400" rtl="0" eaLnBrk="1" latinLnBrk="0" hangingPunct="1">
+    <a:lvl4pPr marL="1371566" algn="l" defTabSz="914378" rtl="0" eaLnBrk="1" latinLnBrk="0" hangingPunct="1">
       <a:defRPr sz="1800" kern="1200">
         <a:solidFill>
           <a:schemeClr val="tx1"/>
@@ -58,7 +63,7 @@
         <a:cs typeface="+mn-cs"/>
       </a:defRPr>
     </a:lvl4pPr>
-    <a:lvl5pPr marL="1828800" algn="l" defTabSz="914400" rtl="0" eaLnBrk="1" latinLnBrk="0" hangingPunct="1">
+    <a:lvl5pPr marL="1828754" algn="l" defTabSz="914378" rtl="0" eaLnBrk="1" latinLnBrk="0" hangingPunct="1">
       <a:defRPr sz="1800" kern="1200">
         <a:solidFill>
           <a:schemeClr val="tx1"/>
@@ -68,7 +73,7 @@
         <a:cs typeface="+mn-cs"/>
       </a:defRPr>
     </a:lvl5pPr>
-    <a:lvl6pPr marL="2286000" algn="l" defTabSz="914400" rtl="0" eaLnBrk="1" latinLnBrk="0" hangingPunct="1">
+    <a:lvl6pPr marL="2285943" algn="l" defTabSz="914378" rtl="0" eaLnBrk="1" latinLnBrk="0" hangingPunct="1">
       <a:defRPr sz="1800" kern="1200">
         <a:solidFill>
           <a:schemeClr val="tx1"/>
@@ -78,7 +83,7 @@
         <a:cs typeface="+mn-cs"/>
       </a:defRPr>
     </a:lvl6pPr>
-    <a:lvl7pPr marL="2743200" algn="l" defTabSz="914400" rtl="0" eaLnBrk="1" latinLnBrk="0" hangingPunct="1">
+    <a:lvl7pPr marL="2743132" algn="l" defTabSz="914378" rtl="0" eaLnBrk="1" latinLnBrk="0" hangingPunct="1">
       <a:defRPr sz="1800" kern="1200">
         <a:solidFill>
           <a:schemeClr val="tx1"/>
@@ -88,7 +93,7 @@
         <a:cs typeface="+mn-cs"/>
       </a:defRPr>
     </a:lvl7pPr>
-    <a:lvl8pPr marL="3200400" algn="l" defTabSz="914400" rtl="0" eaLnBrk="1" latinLnBrk="0" hangingPunct="1">
+    <a:lvl8pPr marL="3200320" algn="l" defTabSz="914378" rtl="0" eaLnBrk="1" latinLnBrk="0" hangingPunct="1">
       <a:defRPr sz="1800" kern="1200">
         <a:solidFill>
           <a:schemeClr val="tx1"/>
@@ -98,7 +103,7 @@
         <a:cs typeface="+mn-cs"/>
       </a:defRPr>
     </a:lvl8pPr>
-    <a:lvl9pPr marL="3657600" algn="l" defTabSz="914400" rtl="0" eaLnBrk="1" latinLnBrk="0" hangingPunct="1">
+    <a:lvl9pPr marL="3657509" algn="l" defTabSz="914378" rtl="0" eaLnBrk="1" latinLnBrk="0" hangingPunct="1">
       <a:defRPr sz="1800" kern="1200">
         <a:solidFill>
           <a:schemeClr val="tx1"/>
@@ -137,8 +142,8 @@
         </p:nvSpPr>
         <p:spPr>
           <a:xfrm>
-            <a:off x="1328166" y="1295400"/>
-            <a:ext cx="6487668" cy="3152887"/>
+            <a:off x="1328166" y="971552"/>
+            <a:ext cx="6487668" cy="2364665"/>
           </a:xfrm>
           <a:prstGeom prst="rect">
             <a:avLst/>
@@ -157,12 +162,12 @@
           </a:effectLst>
         </p:spPr>
         <p:txBody>
-          <a:bodyPr vert="horz" lIns="91440" tIns="45720" rIns="91440" bIns="45720" rtlCol="0">
+          <a:bodyPr vert="horz" lIns="91438" tIns="45719" rIns="91438" bIns="45719" rtlCol="0">
             <a:normAutofit/>
           </a:bodyPr>
           <a:lstStyle/>
           <a:p>
-            <a:pPr marL="0" indent="0" algn="l" defTabSz="914400" rtl="0" eaLnBrk="1" latinLnBrk="0" hangingPunct="1">
+            <a:pPr marL="0" indent="0" algn="l" defTabSz="914378" rtl="0" eaLnBrk="1" latinLnBrk="0" hangingPunct="1">
               <a:spcBef>
                 <a:spcPts val="2000"/>
               </a:spcBef>
@@ -202,16 +207,16 @@
         </p:nvSpPr>
         <p:spPr>
           <a:xfrm>
-            <a:off x="1322921" y="1523999"/>
-            <a:ext cx="6498158" cy="1724867"/>
+            <a:off x="1322922" y="1143001"/>
+            <a:ext cx="6498158" cy="1293650"/>
           </a:xfrm>
         </p:spPr>
         <p:txBody>
-          <a:bodyPr vert="horz" lIns="91440" tIns="45720" rIns="91440" bIns="45720" rtlCol="0" anchor="b" anchorCtr="0">
+          <a:bodyPr vert="horz" lIns="91438" tIns="45719" rIns="91438" bIns="45719" rtlCol="0" anchor="b" anchorCtr="0">
             <a:noAutofit/>
           </a:bodyPr>
           <a:lstStyle>
-            <a:lvl1pPr marL="0" indent="0" algn="ctr" defTabSz="914400" rtl="0" eaLnBrk="1" latinLnBrk="0" hangingPunct="1">
+            <a:lvl1pPr marL="0" indent="0" algn="ctr" defTabSz="914378" rtl="0" eaLnBrk="1" latinLnBrk="0" hangingPunct="1">
               <a:spcBef>
                 <a:spcPct val="0"/>
               </a:spcBef>
@@ -255,16 +260,16 @@
         </p:nvSpPr>
         <p:spPr>
           <a:xfrm>
-            <a:off x="1322921" y="3299012"/>
-            <a:ext cx="6498159" cy="916641"/>
+            <a:off x="1322923" y="2474260"/>
+            <a:ext cx="6498159" cy="687481"/>
           </a:xfrm>
         </p:spPr>
         <p:txBody>
-          <a:bodyPr vert="horz" lIns="91440" tIns="45720" rIns="91440" bIns="45720" rtlCol="0">
+          <a:bodyPr vert="horz" lIns="91438" tIns="45719" rIns="91438" bIns="45719" rtlCol="0">
             <a:normAutofit/>
           </a:bodyPr>
           <a:lstStyle>
-            <a:lvl1pPr marL="0" indent="0" algn="ctr" defTabSz="914400" rtl="0" eaLnBrk="1" latinLnBrk="0" hangingPunct="1">
+            <a:lvl1pPr marL="0" indent="0" algn="ctr" defTabSz="914378" rtl="0" eaLnBrk="1" latinLnBrk="0" hangingPunct="1">
               <a:spcBef>
                 <a:spcPts val="300"/>
               </a:spcBef>
@@ -288,7 +293,7 @@
                 <a:cs typeface="+mn-cs"/>
               </a:defRPr>
             </a:lvl1pPr>
-            <a:lvl2pPr marL="457200" indent="0" algn="ctr">
+            <a:lvl2pPr marL="457189" indent="0" algn="ctr">
               <a:buNone/>
               <a:defRPr>
                 <a:solidFill>
@@ -298,7 +303,7 @@
                 </a:solidFill>
               </a:defRPr>
             </a:lvl2pPr>
-            <a:lvl3pPr marL="914400" indent="0" algn="ctr">
+            <a:lvl3pPr marL="914378" indent="0" algn="ctr">
               <a:buNone/>
               <a:defRPr>
                 <a:solidFill>
@@ -308,7 +313,7 @@
                 </a:solidFill>
               </a:defRPr>
             </a:lvl3pPr>
-            <a:lvl4pPr marL="1371600" indent="0" algn="ctr">
+            <a:lvl4pPr marL="1371566" indent="0" algn="ctr">
               <a:buNone/>
               <a:defRPr>
                 <a:solidFill>
@@ -318,7 +323,7 @@
                 </a:solidFill>
               </a:defRPr>
             </a:lvl4pPr>
-            <a:lvl5pPr marL="1828800" indent="0" algn="ctr">
+            <a:lvl5pPr marL="1828754" indent="0" algn="ctr">
               <a:buNone/>
               <a:defRPr>
                 <a:solidFill>
@@ -328,7 +333,7 @@
                 </a:solidFill>
               </a:defRPr>
             </a:lvl5pPr>
-            <a:lvl6pPr marL="2286000" indent="0" algn="ctr">
+            <a:lvl6pPr marL="2285943" indent="0" algn="ctr">
               <a:buNone/>
               <a:defRPr>
                 <a:solidFill>
@@ -338,7 +343,7 @@
                 </a:solidFill>
               </a:defRPr>
             </a:lvl6pPr>
-            <a:lvl7pPr marL="2743200" indent="0" algn="ctr">
+            <a:lvl7pPr marL="2743132" indent="0" algn="ctr">
               <a:buNone/>
               <a:defRPr>
                 <a:solidFill>
@@ -348,7 +353,7 @@
                 </a:solidFill>
               </a:defRPr>
             </a:lvl7pPr>
-            <a:lvl8pPr marL="3200400" indent="0" algn="ctr">
+            <a:lvl8pPr marL="3200320" indent="0" algn="ctr">
               <a:buNone/>
               <a:defRPr>
                 <a:solidFill>
@@ -358,7 +363,7 @@
                 </a:solidFill>
               </a:defRPr>
             </a:lvl8pPr>
-            <a:lvl9pPr marL="3657600" indent="0" algn="ctr">
+            <a:lvl9pPr marL="3657509" indent="0" algn="ctr">
               <a:buNone/>
               <a:defRPr>
                 <a:solidFill>
@@ -395,7 +400,7 @@
           <a:p>
             <a:fld id="{B01F9CA3-105E-4857-9057-6DB6197DA786}" type="datetimeFigureOut">
               <a:rPr lang="en-US" smtClean="0"/>
-              <a:t>10/28/13</a:t>
+              <a:t>10/29/13</a:t>
             </a:fld>
             <a:endParaRPr lang="en-US"/>
           </a:p>
@@ -480,8 +485,8 @@
         </p:nvSpPr>
         <p:spPr>
           <a:xfrm>
-            <a:off x="533398" y="611872"/>
-            <a:ext cx="4079545" cy="1162050"/>
+            <a:off x="533400" y="458905"/>
+            <a:ext cx="4079545" cy="871538"/>
           </a:xfrm>
         </p:spPr>
         <p:txBody>
@@ -512,8 +517,8 @@
         </p:nvSpPr>
         <p:spPr>
           <a:xfrm>
-            <a:off x="533398" y="1787856"/>
-            <a:ext cx="4079545" cy="3720152"/>
+            <a:off x="533400" y="1340892"/>
+            <a:ext cx="4079545" cy="2790114"/>
           </a:xfrm>
         </p:spPr>
         <p:txBody>
@@ -528,35 +533,35 @@
               <a:buNone/>
               <a:defRPr sz="1800"/>
             </a:lvl1pPr>
-            <a:lvl2pPr marL="457200" indent="0">
+            <a:lvl2pPr marL="457189" indent="0">
               <a:buNone/>
               <a:defRPr sz="1200"/>
             </a:lvl2pPr>
-            <a:lvl3pPr marL="914400" indent="0">
+            <a:lvl3pPr marL="914378" indent="0">
               <a:buNone/>
               <a:defRPr sz="1000"/>
             </a:lvl3pPr>
-            <a:lvl4pPr marL="1371600" indent="0">
+            <a:lvl4pPr marL="1371566" indent="0">
               <a:buNone/>
               <a:defRPr sz="900"/>
             </a:lvl4pPr>
-            <a:lvl5pPr marL="1828800" indent="0">
+            <a:lvl5pPr marL="1828754" indent="0">
               <a:buNone/>
               <a:defRPr sz="900"/>
             </a:lvl5pPr>
-            <a:lvl6pPr marL="2286000" indent="0">
+            <a:lvl6pPr marL="2285943" indent="0">
               <a:buNone/>
               <a:defRPr sz="900"/>
             </a:lvl6pPr>
-            <a:lvl7pPr marL="2743200" indent="0">
+            <a:lvl7pPr marL="2743132" indent="0">
               <a:buNone/>
               <a:defRPr sz="900"/>
             </a:lvl7pPr>
-            <a:lvl8pPr marL="3200400" indent="0">
+            <a:lvl8pPr marL="3200320" indent="0">
               <a:buNone/>
               <a:defRPr sz="900"/>
             </a:lvl8pPr>
-            <a:lvl9pPr marL="3657600" indent="0">
+            <a:lvl9pPr marL="3657509" indent="0">
               <a:buNone/>
               <a:defRPr sz="900"/>
             </a:lvl9pPr>
@@ -587,7 +592,7 @@
           <a:p>
             <a:fld id="{B01F9CA3-105E-4857-9057-6DB6197DA786}" type="datetimeFigureOut">
               <a:rPr lang="en-US" smtClean="0"/>
-              <a:t>10/28/13</a:t>
+              <a:t>10/29/13</a:t>
             </a:fld>
             <a:endParaRPr lang="en-US"/>
           </a:p>
@@ -647,8 +652,8 @@
         </p:nvSpPr>
         <p:spPr>
           <a:xfrm>
-            <a:off x="5090617" y="359392"/>
-            <a:ext cx="3657600" cy="5318077"/>
+            <a:off x="5090617" y="269544"/>
+            <a:ext cx="3657600" cy="3988558"/>
           </a:xfrm>
           <a:ln w="3175">
             <a:solidFill>
@@ -664,11 +669,11 @@
           </a:effectLst>
         </p:spPr>
         <p:txBody>
-          <a:bodyPr vert="horz" lIns="91440" tIns="45720" rIns="91440" bIns="45720" rtlCol="0">
+          <a:bodyPr vert="horz" lIns="91438" tIns="45719" rIns="91438" bIns="45719" rtlCol="0">
             <a:normAutofit/>
           </a:bodyPr>
           <a:lstStyle>
-            <a:lvl1pPr marL="0" indent="0" algn="l" defTabSz="914400" rtl="0" eaLnBrk="1" latinLnBrk="0" hangingPunct="1">
+            <a:lvl1pPr marL="0" indent="0" algn="l" defTabSz="914378" rtl="0" eaLnBrk="1" latinLnBrk="0" hangingPunct="1">
               <a:spcBef>
                 <a:spcPts val="2000"/>
               </a:spcBef>
@@ -693,35 +698,35 @@
                 <a:cs typeface="+mn-cs"/>
               </a:defRPr>
             </a:lvl1pPr>
-            <a:lvl2pPr marL="457200" indent="0">
+            <a:lvl2pPr marL="457189" indent="0">
               <a:buNone/>
               <a:defRPr sz="2800"/>
             </a:lvl2pPr>
-            <a:lvl3pPr marL="914400" indent="0">
+            <a:lvl3pPr marL="914378" indent="0">
               <a:buNone/>
               <a:defRPr sz="2400"/>
             </a:lvl3pPr>
-            <a:lvl4pPr marL="1371600" indent="0">
+            <a:lvl4pPr marL="1371566" indent="0">
               <a:buNone/>
               <a:defRPr sz="2000"/>
             </a:lvl4pPr>
-            <a:lvl5pPr marL="1828800" indent="0">
+            <a:lvl5pPr marL="1828754" indent="0">
               <a:buNone/>
               <a:defRPr sz="2000"/>
             </a:lvl5pPr>
-            <a:lvl6pPr marL="2286000" indent="0">
+            <a:lvl6pPr marL="2285943" indent="0">
               <a:buNone/>
               <a:defRPr sz="2000"/>
             </a:lvl6pPr>
-            <a:lvl7pPr marL="2743200" indent="0">
+            <a:lvl7pPr marL="2743132" indent="0">
               <a:buNone/>
               <a:defRPr sz="2000"/>
             </a:lvl7pPr>
-            <a:lvl8pPr marL="3200400" indent="0">
+            <a:lvl8pPr marL="3200320" indent="0">
               <a:buNone/>
               <a:defRPr sz="2000"/>
             </a:lvl8pPr>
-            <a:lvl9pPr marL="3657600" indent="0">
+            <a:lvl9pPr marL="3657509" indent="0">
               <a:buNone/>
               <a:defRPr sz="2000"/>
             </a:lvl9pPr>
@@ -856,7 +861,7 @@
           <a:p>
             <a:fld id="{B01F9CA3-105E-4857-9057-6DB6197DA786}" type="datetimeFigureOut">
               <a:rPr lang="en-US" smtClean="0"/>
-              <a:t>10/28/13</a:t>
+              <a:t>10/29/13</a:t>
             </a:fld>
             <a:endParaRPr lang="en-US"/>
           </a:p>
@@ -941,8 +946,8 @@
         </p:nvSpPr>
         <p:spPr>
           <a:xfrm>
-            <a:off x="7369792" y="368301"/>
-            <a:ext cx="1524000" cy="5575300"/>
+            <a:off x="7369792" y="276227"/>
+            <a:ext cx="1524000" cy="4181475"/>
           </a:xfrm>
         </p:spPr>
         <p:txBody>
@@ -969,8 +974,8 @@
         </p:nvSpPr>
         <p:spPr>
           <a:xfrm>
-            <a:off x="549274" y="368301"/>
-            <a:ext cx="6689726" cy="5575300"/>
+            <a:off x="549274" y="276227"/>
+            <a:ext cx="6689726" cy="4181475"/>
           </a:xfrm>
         </p:spPr>
         <p:txBody>
@@ -1035,7 +1040,7 @@
           <a:p>
             <a:fld id="{B01F9CA3-105E-4857-9057-6DB6197DA786}" type="datetimeFigureOut">
               <a:rPr lang="en-US" smtClean="0"/>
-              <a:t>10/28/13</a:t>
+              <a:t>10/29/13</a:t>
             </a:fld>
             <a:endParaRPr lang="en-US"/>
           </a:p>
@@ -1084,6 +1089,1685 @@
         </p:txBody>
       </p:sp>
     </p:spTree>
+  </p:cSld>
+  <p:clrMapOvr>
+    <a:masterClrMapping/>
+  </p:clrMapOvr>
+</p:sldLayout>
+</file>
+
+<file path=ppt/slideLayouts/slideLayout13.xml><?xml version="1.0" encoding="utf-8"?>
+<p:sldLayout xmlns:a="http://schemas.openxmlformats.org/drawingml/2006/main" xmlns:r="http://schemas.openxmlformats.org/officeDocument/2006/relationships" xmlns:p="http://schemas.openxmlformats.org/presentationml/2006/main" type="title" preserve="1">
+  <p:cSld name="Title Slide">
+    <p:spTree>
+      <p:nvGrpSpPr>
+        <p:cNvPr id="1" name=""/>
+        <p:cNvGrpSpPr/>
+        <p:nvPr/>
+      </p:nvGrpSpPr>
+      <p:grpSpPr>
+        <a:xfrm>
+          <a:off x="0" y="0"/>
+          <a:ext cx="0" cy="0"/>
+          <a:chOff x="0" y="0"/>
+          <a:chExt cx="0" cy="0"/>
+        </a:xfrm>
+      </p:grpSpPr>
+      <p:sp>
+        <p:nvSpPr>
+          <p:cNvPr id="2" name="Title 1"/>
+          <p:cNvSpPr>
+            <a:spLocks noGrp="1"/>
+          </p:cNvSpPr>
+          <p:nvPr>
+            <p:ph type="ctrTitle"/>
+          </p:nvPr>
+        </p:nvSpPr>
+        <p:spPr>
+          <a:xfrm>
+            <a:off x="1143000" y="841772"/>
+            <a:ext cx="6858000" cy="1790700"/>
+          </a:xfrm>
+        </p:spPr>
+        <p:txBody>
+          <a:bodyPr anchor="b"/>
+          <a:lstStyle>
+            <a:lvl1pPr algn="ctr">
+              <a:defRPr sz="4500"/>
+            </a:lvl1pPr>
+          </a:lstStyle>
+          <a:p>
+            <a:r>
+              <a:rPr lang="en-US" smtClean="0"/>
+              <a:t>Click to edit Master title style</a:t>
+            </a:r>
+            <a:endParaRPr lang="en-US"/>
+          </a:p>
+        </p:txBody>
+      </p:sp>
+      <p:sp>
+        <p:nvSpPr>
+          <p:cNvPr id="3" name="Subtitle 2"/>
+          <p:cNvSpPr>
+            <a:spLocks noGrp="1"/>
+          </p:cNvSpPr>
+          <p:nvPr>
+            <p:ph type="subTitle" idx="1"/>
+          </p:nvPr>
+        </p:nvSpPr>
+        <p:spPr>
+          <a:xfrm>
+            <a:off x="1143000" y="2701528"/>
+            <a:ext cx="6858000" cy="1241822"/>
+          </a:xfrm>
+        </p:spPr>
+        <p:txBody>
+          <a:bodyPr/>
+          <a:lstStyle>
+            <a:lvl1pPr marL="0" indent="0" algn="ctr">
+              <a:buNone/>
+              <a:defRPr sz="1800"/>
+            </a:lvl1pPr>
+            <a:lvl2pPr marL="342892" indent="0" algn="ctr">
+              <a:buNone/>
+              <a:defRPr sz="1500"/>
+            </a:lvl2pPr>
+            <a:lvl3pPr marL="685783" indent="0" algn="ctr">
+              <a:buNone/>
+              <a:defRPr sz="1400"/>
+            </a:lvl3pPr>
+            <a:lvl4pPr marL="1028675" indent="0" algn="ctr">
+              <a:buNone/>
+              <a:defRPr sz="1200"/>
+            </a:lvl4pPr>
+            <a:lvl5pPr marL="1371566" indent="0" algn="ctr">
+              <a:buNone/>
+              <a:defRPr sz="1200"/>
+            </a:lvl5pPr>
+            <a:lvl6pPr marL="1714457" indent="0" algn="ctr">
+              <a:buNone/>
+              <a:defRPr sz="1200"/>
+            </a:lvl6pPr>
+            <a:lvl7pPr marL="2057348" indent="0" algn="ctr">
+              <a:buNone/>
+              <a:defRPr sz="1200"/>
+            </a:lvl7pPr>
+            <a:lvl8pPr marL="2400240" indent="0" algn="ctr">
+              <a:buNone/>
+              <a:defRPr sz="1200"/>
+            </a:lvl8pPr>
+            <a:lvl9pPr marL="2743132" indent="0" algn="ctr">
+              <a:buNone/>
+              <a:defRPr sz="1200"/>
+            </a:lvl9pPr>
+          </a:lstStyle>
+          <a:p>
+            <a:r>
+              <a:rPr lang="en-US" smtClean="0"/>
+              <a:t>Click to edit Master subtitle style</a:t>
+            </a:r>
+            <a:endParaRPr lang="en-US"/>
+          </a:p>
+        </p:txBody>
+      </p:sp>
+      <p:sp>
+        <p:nvSpPr>
+          <p:cNvPr id="4" name="Date Placeholder 3"/>
+          <p:cNvSpPr>
+            <a:spLocks noGrp="1"/>
+          </p:cNvSpPr>
+          <p:nvPr>
+            <p:ph type="dt" sz="half" idx="10"/>
+          </p:nvPr>
+        </p:nvSpPr>
+        <p:spPr/>
+        <p:txBody>
+          <a:bodyPr/>
+          <a:lstStyle/>
+          <a:p>
+            <a:fld id="{D2C2715B-F942-4F5E-A633-D0A1D132D002}" type="datetimeFigureOut">
+              <a:rPr lang="en-US" smtClean="0">
+                <a:solidFill>
+                  <a:prstClr val="black">
+                    <a:tint val="75000"/>
+                  </a:prstClr>
+                </a:solidFill>
+                <a:latin typeface="Calibri"/>
+              </a:rPr>
+              <a:pPr/>
+              <a:t>10/29/13</a:t>
+            </a:fld>
+            <a:endParaRPr lang="en-US">
+              <a:solidFill>
+                <a:prstClr val="black">
+                  <a:tint val="75000"/>
+                </a:prstClr>
+              </a:solidFill>
+              <a:latin typeface="Calibri"/>
+            </a:endParaRPr>
+          </a:p>
+        </p:txBody>
+      </p:sp>
+      <p:sp>
+        <p:nvSpPr>
+          <p:cNvPr id="5" name="Footer Placeholder 4"/>
+          <p:cNvSpPr>
+            <a:spLocks noGrp="1"/>
+          </p:cNvSpPr>
+          <p:nvPr>
+            <p:ph type="ftr" sz="quarter" idx="11"/>
+          </p:nvPr>
+        </p:nvSpPr>
+        <p:spPr/>
+        <p:txBody>
+          <a:bodyPr/>
+          <a:lstStyle/>
+          <a:p>
+            <a:endParaRPr lang="en-US">
+              <a:solidFill>
+                <a:prstClr val="black">
+                  <a:tint val="75000"/>
+                </a:prstClr>
+              </a:solidFill>
+              <a:latin typeface="Calibri"/>
+            </a:endParaRPr>
+          </a:p>
+        </p:txBody>
+      </p:sp>
+      <p:sp>
+        <p:nvSpPr>
+          <p:cNvPr id="6" name="Slide Number Placeholder 5"/>
+          <p:cNvSpPr>
+            <a:spLocks noGrp="1"/>
+          </p:cNvSpPr>
+          <p:nvPr>
+            <p:ph type="sldNum" sz="quarter" idx="12"/>
+          </p:nvPr>
+        </p:nvSpPr>
+        <p:spPr/>
+        <p:txBody>
+          <a:bodyPr/>
+          <a:lstStyle/>
+          <a:p>
+            <a:fld id="{0DE94595-C6D2-4D8B-9FF7-0FE108ABBDE1}" type="slidenum">
+              <a:rPr lang="en-US" smtClean="0">
+                <a:solidFill>
+                  <a:prstClr val="black">
+                    <a:tint val="75000"/>
+                  </a:prstClr>
+                </a:solidFill>
+                <a:latin typeface="Calibri"/>
+              </a:rPr>
+              <a:pPr/>
+              <a:t>‹#›</a:t>
+            </a:fld>
+            <a:endParaRPr lang="en-US">
+              <a:solidFill>
+                <a:prstClr val="black">
+                  <a:tint val="75000"/>
+                </a:prstClr>
+              </a:solidFill>
+              <a:latin typeface="Calibri"/>
+            </a:endParaRPr>
+          </a:p>
+        </p:txBody>
+      </p:sp>
+    </p:spTree>
+    <p:extLst>
+      <p:ext uri="{BB962C8B-B14F-4D97-AF65-F5344CB8AC3E}">
+        <p14:creationId xmlns:p14="http://schemas.microsoft.com/office/powerpoint/2010/main" val="609499652"/>
+      </p:ext>
+    </p:extLst>
+  </p:cSld>
+  <p:clrMapOvr>
+    <a:masterClrMapping/>
+  </p:clrMapOvr>
+</p:sldLayout>
+</file>
+
+<file path=ppt/slideLayouts/slideLayout14.xml><?xml version="1.0" encoding="utf-8"?>
+<p:sldLayout xmlns:a="http://schemas.openxmlformats.org/drawingml/2006/main" xmlns:r="http://schemas.openxmlformats.org/officeDocument/2006/relationships" xmlns:p="http://schemas.openxmlformats.org/presentationml/2006/main" type="obj" preserve="1">
+  <p:cSld name="Title and Content">
+    <p:spTree>
+      <p:nvGrpSpPr>
+        <p:cNvPr id="1" name=""/>
+        <p:cNvGrpSpPr/>
+        <p:nvPr/>
+      </p:nvGrpSpPr>
+      <p:grpSpPr>
+        <a:xfrm>
+          <a:off x="0" y="0"/>
+          <a:ext cx="0" cy="0"/>
+          <a:chOff x="0" y="0"/>
+          <a:chExt cx="0" cy="0"/>
+        </a:xfrm>
+      </p:grpSpPr>
+      <p:sp>
+        <p:nvSpPr>
+          <p:cNvPr id="2" name="Title 1"/>
+          <p:cNvSpPr>
+            <a:spLocks noGrp="1"/>
+          </p:cNvSpPr>
+          <p:nvPr>
+            <p:ph type="title"/>
+          </p:nvPr>
+        </p:nvSpPr>
+        <p:spPr/>
+        <p:txBody>
+          <a:bodyPr/>
+          <a:lstStyle/>
+          <a:p>
+            <a:r>
+              <a:rPr lang="en-US" smtClean="0"/>
+              <a:t>Click to edit Master title style</a:t>
+            </a:r>
+            <a:endParaRPr lang="en-US"/>
+          </a:p>
+        </p:txBody>
+      </p:sp>
+      <p:sp>
+        <p:nvSpPr>
+          <p:cNvPr id="3" name="Content Placeholder 2"/>
+          <p:cNvSpPr>
+            <a:spLocks noGrp="1"/>
+          </p:cNvSpPr>
+          <p:nvPr>
+            <p:ph idx="1"/>
+          </p:nvPr>
+        </p:nvSpPr>
+        <p:spPr/>
+        <p:txBody>
+          <a:bodyPr/>
+          <a:lstStyle/>
+          <a:p>
+            <a:pPr lvl="0"/>
+            <a:r>
+              <a:rPr lang="en-US" smtClean="0"/>
+              <a:t>Click to edit Master text styles</a:t>
+            </a:r>
+          </a:p>
+          <a:p>
+            <a:pPr lvl="1"/>
+            <a:r>
+              <a:rPr lang="en-US" smtClean="0"/>
+              <a:t>Second level</a:t>
+            </a:r>
+          </a:p>
+          <a:p>
+            <a:pPr lvl="2"/>
+            <a:r>
+              <a:rPr lang="en-US" smtClean="0"/>
+              <a:t>Third level</a:t>
+            </a:r>
+          </a:p>
+          <a:p>
+            <a:pPr lvl="3"/>
+            <a:r>
+              <a:rPr lang="en-US" smtClean="0"/>
+              <a:t>Fourth level</a:t>
+            </a:r>
+          </a:p>
+          <a:p>
+            <a:pPr lvl="4"/>
+            <a:r>
+              <a:rPr lang="en-US" smtClean="0"/>
+              <a:t>Fifth level</a:t>
+            </a:r>
+            <a:endParaRPr lang="en-US"/>
+          </a:p>
+        </p:txBody>
+      </p:sp>
+      <p:sp>
+        <p:nvSpPr>
+          <p:cNvPr id="4" name="Date Placeholder 3"/>
+          <p:cNvSpPr>
+            <a:spLocks noGrp="1"/>
+          </p:cNvSpPr>
+          <p:nvPr>
+            <p:ph type="dt" sz="half" idx="10"/>
+          </p:nvPr>
+        </p:nvSpPr>
+        <p:spPr/>
+        <p:txBody>
+          <a:bodyPr/>
+          <a:lstStyle/>
+          <a:p>
+            <a:fld id="{D2C2715B-F942-4F5E-A633-D0A1D132D002}" type="datetimeFigureOut">
+              <a:rPr lang="en-US" smtClean="0">
+                <a:solidFill>
+                  <a:prstClr val="black">
+                    <a:tint val="75000"/>
+                  </a:prstClr>
+                </a:solidFill>
+                <a:latin typeface="Calibri"/>
+              </a:rPr>
+              <a:pPr/>
+              <a:t>10/29/13</a:t>
+            </a:fld>
+            <a:endParaRPr lang="en-US">
+              <a:solidFill>
+                <a:prstClr val="black">
+                  <a:tint val="75000"/>
+                </a:prstClr>
+              </a:solidFill>
+              <a:latin typeface="Calibri"/>
+            </a:endParaRPr>
+          </a:p>
+        </p:txBody>
+      </p:sp>
+      <p:sp>
+        <p:nvSpPr>
+          <p:cNvPr id="5" name="Footer Placeholder 4"/>
+          <p:cNvSpPr>
+            <a:spLocks noGrp="1"/>
+          </p:cNvSpPr>
+          <p:nvPr>
+            <p:ph type="ftr" sz="quarter" idx="11"/>
+          </p:nvPr>
+        </p:nvSpPr>
+        <p:spPr/>
+        <p:txBody>
+          <a:bodyPr/>
+          <a:lstStyle/>
+          <a:p>
+            <a:endParaRPr lang="en-US">
+              <a:solidFill>
+                <a:prstClr val="black">
+                  <a:tint val="75000"/>
+                </a:prstClr>
+              </a:solidFill>
+              <a:latin typeface="Calibri"/>
+            </a:endParaRPr>
+          </a:p>
+        </p:txBody>
+      </p:sp>
+      <p:sp>
+        <p:nvSpPr>
+          <p:cNvPr id="6" name="Slide Number Placeholder 5"/>
+          <p:cNvSpPr>
+            <a:spLocks noGrp="1"/>
+          </p:cNvSpPr>
+          <p:nvPr>
+            <p:ph type="sldNum" sz="quarter" idx="12"/>
+          </p:nvPr>
+        </p:nvSpPr>
+        <p:spPr/>
+        <p:txBody>
+          <a:bodyPr/>
+          <a:lstStyle/>
+          <a:p>
+            <a:fld id="{0DE94595-C6D2-4D8B-9FF7-0FE108ABBDE1}" type="slidenum">
+              <a:rPr lang="en-US" smtClean="0">
+                <a:solidFill>
+                  <a:prstClr val="black">
+                    <a:tint val="75000"/>
+                  </a:prstClr>
+                </a:solidFill>
+                <a:latin typeface="Calibri"/>
+              </a:rPr>
+              <a:pPr/>
+              <a:t>‹#›</a:t>
+            </a:fld>
+            <a:endParaRPr lang="en-US">
+              <a:solidFill>
+                <a:prstClr val="black">
+                  <a:tint val="75000"/>
+                </a:prstClr>
+              </a:solidFill>
+              <a:latin typeface="Calibri"/>
+            </a:endParaRPr>
+          </a:p>
+        </p:txBody>
+      </p:sp>
+    </p:spTree>
+    <p:extLst>
+      <p:ext uri="{BB962C8B-B14F-4D97-AF65-F5344CB8AC3E}">
+        <p14:creationId xmlns:p14="http://schemas.microsoft.com/office/powerpoint/2010/main" val="1577235843"/>
+      </p:ext>
+    </p:extLst>
+  </p:cSld>
+  <p:clrMapOvr>
+    <a:masterClrMapping/>
+  </p:clrMapOvr>
+</p:sldLayout>
+</file>
+
+<file path=ppt/slideLayouts/slideLayout15.xml><?xml version="1.0" encoding="utf-8"?>
+<p:sldLayout xmlns:a="http://schemas.openxmlformats.org/drawingml/2006/main" xmlns:r="http://schemas.openxmlformats.org/officeDocument/2006/relationships" xmlns:p="http://schemas.openxmlformats.org/presentationml/2006/main" type="secHead" preserve="1">
+  <p:cSld name="Section Header">
+    <p:spTree>
+      <p:nvGrpSpPr>
+        <p:cNvPr id="1" name=""/>
+        <p:cNvGrpSpPr/>
+        <p:nvPr/>
+      </p:nvGrpSpPr>
+      <p:grpSpPr>
+        <a:xfrm>
+          <a:off x="0" y="0"/>
+          <a:ext cx="0" cy="0"/>
+          <a:chOff x="0" y="0"/>
+          <a:chExt cx="0" cy="0"/>
+        </a:xfrm>
+      </p:grpSpPr>
+      <p:sp>
+        <p:nvSpPr>
+          <p:cNvPr id="2" name="Title 1"/>
+          <p:cNvSpPr>
+            <a:spLocks noGrp="1"/>
+          </p:cNvSpPr>
+          <p:nvPr>
+            <p:ph type="title"/>
+          </p:nvPr>
+        </p:nvSpPr>
+        <p:spPr>
+          <a:xfrm>
+            <a:off x="623888" y="1282305"/>
+            <a:ext cx="7886700" cy="2139553"/>
+          </a:xfrm>
+        </p:spPr>
+        <p:txBody>
+          <a:bodyPr anchor="b"/>
+          <a:lstStyle>
+            <a:lvl1pPr>
+              <a:defRPr sz="4500"/>
+            </a:lvl1pPr>
+          </a:lstStyle>
+          <a:p>
+            <a:r>
+              <a:rPr lang="en-US" smtClean="0"/>
+              <a:t>Click to edit Master title style</a:t>
+            </a:r>
+            <a:endParaRPr lang="en-US"/>
+          </a:p>
+        </p:txBody>
+      </p:sp>
+      <p:sp>
+        <p:nvSpPr>
+          <p:cNvPr id="3" name="Text Placeholder 2"/>
+          <p:cNvSpPr>
+            <a:spLocks noGrp="1"/>
+          </p:cNvSpPr>
+          <p:nvPr>
+            <p:ph type="body" idx="1"/>
+          </p:nvPr>
+        </p:nvSpPr>
+        <p:spPr>
+          <a:xfrm>
+            <a:off x="623888" y="3442099"/>
+            <a:ext cx="7886700" cy="1125140"/>
+          </a:xfrm>
+        </p:spPr>
+        <p:txBody>
+          <a:bodyPr/>
+          <a:lstStyle>
+            <a:lvl1pPr marL="0" indent="0">
+              <a:buNone/>
+              <a:defRPr sz="1800">
+                <a:solidFill>
+                  <a:schemeClr val="tx1">
+                    <a:tint val="75000"/>
+                  </a:schemeClr>
+                </a:solidFill>
+              </a:defRPr>
+            </a:lvl1pPr>
+            <a:lvl2pPr marL="342892" indent="0">
+              <a:buNone/>
+              <a:defRPr sz="1500">
+                <a:solidFill>
+                  <a:schemeClr val="tx1">
+                    <a:tint val="75000"/>
+                  </a:schemeClr>
+                </a:solidFill>
+              </a:defRPr>
+            </a:lvl2pPr>
+            <a:lvl3pPr marL="685783" indent="0">
+              <a:buNone/>
+              <a:defRPr sz="1400">
+                <a:solidFill>
+                  <a:schemeClr val="tx1">
+                    <a:tint val="75000"/>
+                  </a:schemeClr>
+                </a:solidFill>
+              </a:defRPr>
+            </a:lvl3pPr>
+            <a:lvl4pPr marL="1028675" indent="0">
+              <a:buNone/>
+              <a:defRPr sz="1200">
+                <a:solidFill>
+                  <a:schemeClr val="tx1">
+                    <a:tint val="75000"/>
+                  </a:schemeClr>
+                </a:solidFill>
+              </a:defRPr>
+            </a:lvl4pPr>
+            <a:lvl5pPr marL="1371566" indent="0">
+              <a:buNone/>
+              <a:defRPr sz="1200">
+                <a:solidFill>
+                  <a:schemeClr val="tx1">
+                    <a:tint val="75000"/>
+                  </a:schemeClr>
+                </a:solidFill>
+              </a:defRPr>
+            </a:lvl5pPr>
+            <a:lvl6pPr marL="1714457" indent="0">
+              <a:buNone/>
+              <a:defRPr sz="1200">
+                <a:solidFill>
+                  <a:schemeClr val="tx1">
+                    <a:tint val="75000"/>
+                  </a:schemeClr>
+                </a:solidFill>
+              </a:defRPr>
+            </a:lvl6pPr>
+            <a:lvl7pPr marL="2057348" indent="0">
+              <a:buNone/>
+              <a:defRPr sz="1200">
+                <a:solidFill>
+                  <a:schemeClr val="tx1">
+                    <a:tint val="75000"/>
+                  </a:schemeClr>
+                </a:solidFill>
+              </a:defRPr>
+            </a:lvl7pPr>
+            <a:lvl8pPr marL="2400240" indent="0">
+              <a:buNone/>
+              <a:defRPr sz="1200">
+                <a:solidFill>
+                  <a:schemeClr val="tx1">
+                    <a:tint val="75000"/>
+                  </a:schemeClr>
+                </a:solidFill>
+              </a:defRPr>
+            </a:lvl8pPr>
+            <a:lvl9pPr marL="2743132" indent="0">
+              <a:buNone/>
+              <a:defRPr sz="1200">
+                <a:solidFill>
+                  <a:schemeClr val="tx1">
+                    <a:tint val="75000"/>
+                  </a:schemeClr>
+                </a:solidFill>
+              </a:defRPr>
+            </a:lvl9pPr>
+          </a:lstStyle>
+          <a:p>
+            <a:pPr lvl="0"/>
+            <a:r>
+              <a:rPr lang="en-US" smtClean="0"/>
+              <a:t>Click to edit Master text styles</a:t>
+            </a:r>
+          </a:p>
+        </p:txBody>
+      </p:sp>
+      <p:sp>
+        <p:nvSpPr>
+          <p:cNvPr id="4" name="Date Placeholder 3"/>
+          <p:cNvSpPr>
+            <a:spLocks noGrp="1"/>
+          </p:cNvSpPr>
+          <p:nvPr>
+            <p:ph type="dt" sz="half" idx="10"/>
+          </p:nvPr>
+        </p:nvSpPr>
+        <p:spPr/>
+        <p:txBody>
+          <a:bodyPr/>
+          <a:lstStyle/>
+          <a:p>
+            <a:fld id="{D2C2715B-F942-4F5E-A633-D0A1D132D002}" type="datetimeFigureOut">
+              <a:rPr lang="en-US" smtClean="0">
+                <a:solidFill>
+                  <a:prstClr val="black">
+                    <a:tint val="75000"/>
+                  </a:prstClr>
+                </a:solidFill>
+                <a:latin typeface="Calibri"/>
+              </a:rPr>
+              <a:pPr/>
+              <a:t>10/29/13</a:t>
+            </a:fld>
+            <a:endParaRPr lang="en-US">
+              <a:solidFill>
+                <a:prstClr val="black">
+                  <a:tint val="75000"/>
+                </a:prstClr>
+              </a:solidFill>
+              <a:latin typeface="Calibri"/>
+            </a:endParaRPr>
+          </a:p>
+        </p:txBody>
+      </p:sp>
+      <p:sp>
+        <p:nvSpPr>
+          <p:cNvPr id="5" name="Footer Placeholder 4"/>
+          <p:cNvSpPr>
+            <a:spLocks noGrp="1"/>
+          </p:cNvSpPr>
+          <p:nvPr>
+            <p:ph type="ftr" sz="quarter" idx="11"/>
+          </p:nvPr>
+        </p:nvSpPr>
+        <p:spPr/>
+        <p:txBody>
+          <a:bodyPr/>
+          <a:lstStyle/>
+          <a:p>
+            <a:endParaRPr lang="en-US">
+              <a:solidFill>
+                <a:prstClr val="black">
+                  <a:tint val="75000"/>
+                </a:prstClr>
+              </a:solidFill>
+              <a:latin typeface="Calibri"/>
+            </a:endParaRPr>
+          </a:p>
+        </p:txBody>
+      </p:sp>
+      <p:sp>
+        <p:nvSpPr>
+          <p:cNvPr id="6" name="Slide Number Placeholder 5"/>
+          <p:cNvSpPr>
+            <a:spLocks noGrp="1"/>
+          </p:cNvSpPr>
+          <p:nvPr>
+            <p:ph type="sldNum" sz="quarter" idx="12"/>
+          </p:nvPr>
+        </p:nvSpPr>
+        <p:spPr/>
+        <p:txBody>
+          <a:bodyPr/>
+          <a:lstStyle/>
+          <a:p>
+            <a:fld id="{0DE94595-C6D2-4D8B-9FF7-0FE108ABBDE1}" type="slidenum">
+              <a:rPr lang="en-US" smtClean="0">
+                <a:solidFill>
+                  <a:prstClr val="black">
+                    <a:tint val="75000"/>
+                  </a:prstClr>
+                </a:solidFill>
+                <a:latin typeface="Calibri"/>
+              </a:rPr>
+              <a:pPr/>
+              <a:t>‹#›</a:t>
+            </a:fld>
+            <a:endParaRPr lang="en-US">
+              <a:solidFill>
+                <a:prstClr val="black">
+                  <a:tint val="75000"/>
+                </a:prstClr>
+              </a:solidFill>
+              <a:latin typeface="Calibri"/>
+            </a:endParaRPr>
+          </a:p>
+        </p:txBody>
+      </p:sp>
+    </p:spTree>
+    <p:extLst>
+      <p:ext uri="{BB962C8B-B14F-4D97-AF65-F5344CB8AC3E}">
+        <p14:creationId xmlns:p14="http://schemas.microsoft.com/office/powerpoint/2010/main" val="1073000251"/>
+      </p:ext>
+    </p:extLst>
+  </p:cSld>
+  <p:clrMapOvr>
+    <a:masterClrMapping/>
+  </p:clrMapOvr>
+</p:sldLayout>
+</file>
+
+<file path=ppt/slideLayouts/slideLayout16.xml><?xml version="1.0" encoding="utf-8"?>
+<p:sldLayout xmlns:a="http://schemas.openxmlformats.org/drawingml/2006/main" xmlns:r="http://schemas.openxmlformats.org/officeDocument/2006/relationships" xmlns:p="http://schemas.openxmlformats.org/presentationml/2006/main" type="twoObj" preserve="1">
+  <p:cSld name="Two Content">
+    <p:spTree>
+      <p:nvGrpSpPr>
+        <p:cNvPr id="1" name=""/>
+        <p:cNvGrpSpPr/>
+        <p:nvPr/>
+      </p:nvGrpSpPr>
+      <p:grpSpPr>
+        <a:xfrm>
+          <a:off x="0" y="0"/>
+          <a:ext cx="0" cy="0"/>
+          <a:chOff x="0" y="0"/>
+          <a:chExt cx="0" cy="0"/>
+        </a:xfrm>
+      </p:grpSpPr>
+      <p:sp>
+        <p:nvSpPr>
+          <p:cNvPr id="2" name="Title 1"/>
+          <p:cNvSpPr>
+            <a:spLocks noGrp="1"/>
+          </p:cNvSpPr>
+          <p:nvPr>
+            <p:ph type="title"/>
+          </p:nvPr>
+        </p:nvSpPr>
+        <p:spPr/>
+        <p:txBody>
+          <a:bodyPr/>
+          <a:lstStyle/>
+          <a:p>
+            <a:r>
+              <a:rPr lang="en-US" smtClean="0"/>
+              <a:t>Click to edit Master title style</a:t>
+            </a:r>
+            <a:endParaRPr lang="en-US"/>
+          </a:p>
+        </p:txBody>
+      </p:sp>
+      <p:sp>
+        <p:nvSpPr>
+          <p:cNvPr id="3" name="Content Placeholder 2"/>
+          <p:cNvSpPr>
+            <a:spLocks noGrp="1"/>
+          </p:cNvSpPr>
+          <p:nvPr>
+            <p:ph sz="half" idx="1"/>
+          </p:nvPr>
+        </p:nvSpPr>
+        <p:spPr>
+          <a:xfrm>
+            <a:off x="628650" y="1369219"/>
+            <a:ext cx="3886200" cy="3263504"/>
+          </a:xfrm>
+        </p:spPr>
+        <p:txBody>
+          <a:bodyPr/>
+          <a:lstStyle/>
+          <a:p>
+            <a:pPr lvl="0"/>
+            <a:r>
+              <a:rPr lang="en-US" smtClean="0"/>
+              <a:t>Click to edit Master text styles</a:t>
+            </a:r>
+          </a:p>
+          <a:p>
+            <a:pPr lvl="1"/>
+            <a:r>
+              <a:rPr lang="en-US" smtClean="0"/>
+              <a:t>Second level</a:t>
+            </a:r>
+          </a:p>
+          <a:p>
+            <a:pPr lvl="2"/>
+            <a:r>
+              <a:rPr lang="en-US" smtClean="0"/>
+              <a:t>Third level</a:t>
+            </a:r>
+          </a:p>
+          <a:p>
+            <a:pPr lvl="3"/>
+            <a:r>
+              <a:rPr lang="en-US" smtClean="0"/>
+              <a:t>Fourth level</a:t>
+            </a:r>
+          </a:p>
+          <a:p>
+            <a:pPr lvl="4"/>
+            <a:r>
+              <a:rPr lang="en-US" smtClean="0"/>
+              <a:t>Fifth level</a:t>
+            </a:r>
+            <a:endParaRPr lang="en-US"/>
+          </a:p>
+        </p:txBody>
+      </p:sp>
+      <p:sp>
+        <p:nvSpPr>
+          <p:cNvPr id="4" name="Content Placeholder 3"/>
+          <p:cNvSpPr>
+            <a:spLocks noGrp="1"/>
+          </p:cNvSpPr>
+          <p:nvPr>
+            <p:ph sz="half" idx="2"/>
+          </p:nvPr>
+        </p:nvSpPr>
+        <p:spPr>
+          <a:xfrm>
+            <a:off x="4629150" y="1369219"/>
+            <a:ext cx="3886200" cy="3263504"/>
+          </a:xfrm>
+        </p:spPr>
+        <p:txBody>
+          <a:bodyPr/>
+          <a:lstStyle/>
+          <a:p>
+            <a:pPr lvl="0"/>
+            <a:r>
+              <a:rPr lang="en-US" smtClean="0"/>
+              <a:t>Click to edit Master text styles</a:t>
+            </a:r>
+          </a:p>
+          <a:p>
+            <a:pPr lvl="1"/>
+            <a:r>
+              <a:rPr lang="en-US" smtClean="0"/>
+              <a:t>Second level</a:t>
+            </a:r>
+          </a:p>
+          <a:p>
+            <a:pPr lvl="2"/>
+            <a:r>
+              <a:rPr lang="en-US" smtClean="0"/>
+              <a:t>Third level</a:t>
+            </a:r>
+          </a:p>
+          <a:p>
+            <a:pPr lvl="3"/>
+            <a:r>
+              <a:rPr lang="en-US" smtClean="0"/>
+              <a:t>Fourth level</a:t>
+            </a:r>
+          </a:p>
+          <a:p>
+            <a:pPr lvl="4"/>
+            <a:r>
+              <a:rPr lang="en-US" smtClean="0"/>
+              <a:t>Fifth level</a:t>
+            </a:r>
+            <a:endParaRPr lang="en-US"/>
+          </a:p>
+        </p:txBody>
+      </p:sp>
+      <p:sp>
+        <p:nvSpPr>
+          <p:cNvPr id="5" name="Date Placeholder 4"/>
+          <p:cNvSpPr>
+            <a:spLocks noGrp="1"/>
+          </p:cNvSpPr>
+          <p:nvPr>
+            <p:ph type="dt" sz="half" idx="10"/>
+          </p:nvPr>
+        </p:nvSpPr>
+        <p:spPr/>
+        <p:txBody>
+          <a:bodyPr/>
+          <a:lstStyle/>
+          <a:p>
+            <a:fld id="{D2C2715B-F942-4F5E-A633-D0A1D132D002}" type="datetimeFigureOut">
+              <a:rPr lang="en-US" smtClean="0">
+                <a:solidFill>
+                  <a:prstClr val="black">
+                    <a:tint val="75000"/>
+                  </a:prstClr>
+                </a:solidFill>
+                <a:latin typeface="Calibri"/>
+              </a:rPr>
+              <a:pPr/>
+              <a:t>10/29/13</a:t>
+            </a:fld>
+            <a:endParaRPr lang="en-US">
+              <a:solidFill>
+                <a:prstClr val="black">
+                  <a:tint val="75000"/>
+                </a:prstClr>
+              </a:solidFill>
+              <a:latin typeface="Calibri"/>
+            </a:endParaRPr>
+          </a:p>
+        </p:txBody>
+      </p:sp>
+      <p:sp>
+        <p:nvSpPr>
+          <p:cNvPr id="6" name="Footer Placeholder 5"/>
+          <p:cNvSpPr>
+            <a:spLocks noGrp="1"/>
+          </p:cNvSpPr>
+          <p:nvPr>
+            <p:ph type="ftr" sz="quarter" idx="11"/>
+          </p:nvPr>
+        </p:nvSpPr>
+        <p:spPr/>
+        <p:txBody>
+          <a:bodyPr/>
+          <a:lstStyle/>
+          <a:p>
+            <a:endParaRPr lang="en-US">
+              <a:solidFill>
+                <a:prstClr val="black">
+                  <a:tint val="75000"/>
+                </a:prstClr>
+              </a:solidFill>
+              <a:latin typeface="Calibri"/>
+            </a:endParaRPr>
+          </a:p>
+        </p:txBody>
+      </p:sp>
+      <p:sp>
+        <p:nvSpPr>
+          <p:cNvPr id="7" name="Slide Number Placeholder 6"/>
+          <p:cNvSpPr>
+            <a:spLocks noGrp="1"/>
+          </p:cNvSpPr>
+          <p:nvPr>
+            <p:ph type="sldNum" sz="quarter" idx="12"/>
+          </p:nvPr>
+        </p:nvSpPr>
+        <p:spPr/>
+        <p:txBody>
+          <a:bodyPr/>
+          <a:lstStyle/>
+          <a:p>
+            <a:fld id="{0DE94595-C6D2-4D8B-9FF7-0FE108ABBDE1}" type="slidenum">
+              <a:rPr lang="en-US" smtClean="0">
+                <a:solidFill>
+                  <a:prstClr val="black">
+                    <a:tint val="75000"/>
+                  </a:prstClr>
+                </a:solidFill>
+                <a:latin typeface="Calibri"/>
+              </a:rPr>
+              <a:pPr/>
+              <a:t>‹#›</a:t>
+            </a:fld>
+            <a:endParaRPr lang="en-US">
+              <a:solidFill>
+                <a:prstClr val="black">
+                  <a:tint val="75000"/>
+                </a:prstClr>
+              </a:solidFill>
+              <a:latin typeface="Calibri"/>
+            </a:endParaRPr>
+          </a:p>
+        </p:txBody>
+      </p:sp>
+    </p:spTree>
+    <p:extLst>
+      <p:ext uri="{BB962C8B-B14F-4D97-AF65-F5344CB8AC3E}">
+        <p14:creationId xmlns:p14="http://schemas.microsoft.com/office/powerpoint/2010/main" val="1087466792"/>
+      </p:ext>
+    </p:extLst>
+  </p:cSld>
+  <p:clrMapOvr>
+    <a:masterClrMapping/>
+  </p:clrMapOvr>
+</p:sldLayout>
+</file>
+
+<file path=ppt/slideLayouts/slideLayout17.xml><?xml version="1.0" encoding="utf-8"?>
+<p:sldLayout xmlns:a="http://schemas.openxmlformats.org/drawingml/2006/main" xmlns:r="http://schemas.openxmlformats.org/officeDocument/2006/relationships" xmlns:p="http://schemas.openxmlformats.org/presentationml/2006/main" type="twoTxTwoObj" preserve="1">
+  <p:cSld name="Comparison">
+    <p:spTree>
+      <p:nvGrpSpPr>
+        <p:cNvPr id="1" name=""/>
+        <p:cNvGrpSpPr/>
+        <p:nvPr/>
+      </p:nvGrpSpPr>
+      <p:grpSpPr>
+        <a:xfrm>
+          <a:off x="0" y="0"/>
+          <a:ext cx="0" cy="0"/>
+          <a:chOff x="0" y="0"/>
+          <a:chExt cx="0" cy="0"/>
+        </a:xfrm>
+      </p:grpSpPr>
+      <p:sp>
+        <p:nvSpPr>
+          <p:cNvPr id="2" name="Title 1"/>
+          <p:cNvSpPr>
+            <a:spLocks noGrp="1"/>
+          </p:cNvSpPr>
+          <p:nvPr>
+            <p:ph type="title"/>
+          </p:nvPr>
+        </p:nvSpPr>
+        <p:spPr>
+          <a:xfrm>
+            <a:off x="629841" y="273844"/>
+            <a:ext cx="7886700" cy="994172"/>
+          </a:xfrm>
+        </p:spPr>
+        <p:txBody>
+          <a:bodyPr/>
+          <a:lstStyle/>
+          <a:p>
+            <a:r>
+              <a:rPr lang="en-US" smtClean="0"/>
+              <a:t>Click to edit Master title style</a:t>
+            </a:r>
+            <a:endParaRPr lang="en-US"/>
+          </a:p>
+        </p:txBody>
+      </p:sp>
+      <p:sp>
+        <p:nvSpPr>
+          <p:cNvPr id="3" name="Text Placeholder 2"/>
+          <p:cNvSpPr>
+            <a:spLocks noGrp="1"/>
+          </p:cNvSpPr>
+          <p:nvPr>
+            <p:ph type="body" idx="1"/>
+          </p:nvPr>
+        </p:nvSpPr>
+        <p:spPr>
+          <a:xfrm>
+            <a:off x="629842" y="1260872"/>
+            <a:ext cx="3868340" cy="617934"/>
+          </a:xfrm>
+        </p:spPr>
+        <p:txBody>
+          <a:bodyPr anchor="b"/>
+          <a:lstStyle>
+            <a:lvl1pPr marL="0" indent="0">
+              <a:buNone/>
+              <a:defRPr sz="1800" b="1"/>
+            </a:lvl1pPr>
+            <a:lvl2pPr marL="342892" indent="0">
+              <a:buNone/>
+              <a:defRPr sz="1500" b="1"/>
+            </a:lvl2pPr>
+            <a:lvl3pPr marL="685783" indent="0">
+              <a:buNone/>
+              <a:defRPr sz="1400" b="1"/>
+            </a:lvl3pPr>
+            <a:lvl4pPr marL="1028675" indent="0">
+              <a:buNone/>
+              <a:defRPr sz="1200" b="1"/>
+            </a:lvl4pPr>
+            <a:lvl5pPr marL="1371566" indent="0">
+              <a:buNone/>
+              <a:defRPr sz="1200" b="1"/>
+            </a:lvl5pPr>
+            <a:lvl6pPr marL="1714457" indent="0">
+              <a:buNone/>
+              <a:defRPr sz="1200" b="1"/>
+            </a:lvl6pPr>
+            <a:lvl7pPr marL="2057348" indent="0">
+              <a:buNone/>
+              <a:defRPr sz="1200" b="1"/>
+            </a:lvl7pPr>
+            <a:lvl8pPr marL="2400240" indent="0">
+              <a:buNone/>
+              <a:defRPr sz="1200" b="1"/>
+            </a:lvl8pPr>
+            <a:lvl9pPr marL="2743132" indent="0">
+              <a:buNone/>
+              <a:defRPr sz="1200" b="1"/>
+            </a:lvl9pPr>
+          </a:lstStyle>
+          <a:p>
+            <a:pPr lvl="0"/>
+            <a:r>
+              <a:rPr lang="en-US" smtClean="0"/>
+              <a:t>Click to edit Master text styles</a:t>
+            </a:r>
+          </a:p>
+        </p:txBody>
+      </p:sp>
+      <p:sp>
+        <p:nvSpPr>
+          <p:cNvPr id="4" name="Content Placeholder 3"/>
+          <p:cNvSpPr>
+            <a:spLocks noGrp="1"/>
+          </p:cNvSpPr>
+          <p:nvPr>
+            <p:ph sz="half" idx="2"/>
+          </p:nvPr>
+        </p:nvSpPr>
+        <p:spPr>
+          <a:xfrm>
+            <a:off x="629842" y="1878806"/>
+            <a:ext cx="3868340" cy="2763441"/>
+          </a:xfrm>
+        </p:spPr>
+        <p:txBody>
+          <a:bodyPr/>
+          <a:lstStyle/>
+          <a:p>
+            <a:pPr lvl="0"/>
+            <a:r>
+              <a:rPr lang="en-US" smtClean="0"/>
+              <a:t>Click to edit Master text styles</a:t>
+            </a:r>
+          </a:p>
+          <a:p>
+            <a:pPr lvl="1"/>
+            <a:r>
+              <a:rPr lang="en-US" smtClean="0"/>
+              <a:t>Second level</a:t>
+            </a:r>
+          </a:p>
+          <a:p>
+            <a:pPr lvl="2"/>
+            <a:r>
+              <a:rPr lang="en-US" smtClean="0"/>
+              <a:t>Third level</a:t>
+            </a:r>
+          </a:p>
+          <a:p>
+            <a:pPr lvl="3"/>
+            <a:r>
+              <a:rPr lang="en-US" smtClean="0"/>
+              <a:t>Fourth level</a:t>
+            </a:r>
+          </a:p>
+          <a:p>
+            <a:pPr lvl="4"/>
+            <a:r>
+              <a:rPr lang="en-US" smtClean="0"/>
+              <a:t>Fifth level</a:t>
+            </a:r>
+            <a:endParaRPr lang="en-US"/>
+          </a:p>
+        </p:txBody>
+      </p:sp>
+      <p:sp>
+        <p:nvSpPr>
+          <p:cNvPr id="5" name="Text Placeholder 4"/>
+          <p:cNvSpPr>
+            <a:spLocks noGrp="1"/>
+          </p:cNvSpPr>
+          <p:nvPr>
+            <p:ph type="body" sz="quarter" idx="3"/>
+          </p:nvPr>
+        </p:nvSpPr>
+        <p:spPr>
+          <a:xfrm>
+            <a:off x="4629151" y="1260872"/>
+            <a:ext cx="3887391" cy="617934"/>
+          </a:xfrm>
+        </p:spPr>
+        <p:txBody>
+          <a:bodyPr anchor="b"/>
+          <a:lstStyle>
+            <a:lvl1pPr marL="0" indent="0">
+              <a:buNone/>
+              <a:defRPr sz="1800" b="1"/>
+            </a:lvl1pPr>
+            <a:lvl2pPr marL="342892" indent="0">
+              <a:buNone/>
+              <a:defRPr sz="1500" b="1"/>
+            </a:lvl2pPr>
+            <a:lvl3pPr marL="685783" indent="0">
+              <a:buNone/>
+              <a:defRPr sz="1400" b="1"/>
+            </a:lvl3pPr>
+            <a:lvl4pPr marL="1028675" indent="0">
+              <a:buNone/>
+              <a:defRPr sz="1200" b="1"/>
+            </a:lvl4pPr>
+            <a:lvl5pPr marL="1371566" indent="0">
+              <a:buNone/>
+              <a:defRPr sz="1200" b="1"/>
+            </a:lvl5pPr>
+            <a:lvl6pPr marL="1714457" indent="0">
+              <a:buNone/>
+              <a:defRPr sz="1200" b="1"/>
+            </a:lvl6pPr>
+            <a:lvl7pPr marL="2057348" indent="0">
+              <a:buNone/>
+              <a:defRPr sz="1200" b="1"/>
+            </a:lvl7pPr>
+            <a:lvl8pPr marL="2400240" indent="0">
+              <a:buNone/>
+              <a:defRPr sz="1200" b="1"/>
+            </a:lvl8pPr>
+            <a:lvl9pPr marL="2743132" indent="0">
+              <a:buNone/>
+              <a:defRPr sz="1200" b="1"/>
+            </a:lvl9pPr>
+          </a:lstStyle>
+          <a:p>
+            <a:pPr lvl="0"/>
+            <a:r>
+              <a:rPr lang="en-US" smtClean="0"/>
+              <a:t>Click to edit Master text styles</a:t>
+            </a:r>
+          </a:p>
+        </p:txBody>
+      </p:sp>
+      <p:sp>
+        <p:nvSpPr>
+          <p:cNvPr id="6" name="Content Placeholder 5"/>
+          <p:cNvSpPr>
+            <a:spLocks noGrp="1"/>
+          </p:cNvSpPr>
+          <p:nvPr>
+            <p:ph sz="quarter" idx="4"/>
+          </p:nvPr>
+        </p:nvSpPr>
+        <p:spPr>
+          <a:xfrm>
+            <a:off x="4629151" y="1878806"/>
+            <a:ext cx="3887391" cy="2763441"/>
+          </a:xfrm>
+        </p:spPr>
+        <p:txBody>
+          <a:bodyPr/>
+          <a:lstStyle/>
+          <a:p>
+            <a:pPr lvl="0"/>
+            <a:r>
+              <a:rPr lang="en-US" smtClean="0"/>
+              <a:t>Click to edit Master text styles</a:t>
+            </a:r>
+          </a:p>
+          <a:p>
+            <a:pPr lvl="1"/>
+            <a:r>
+              <a:rPr lang="en-US" smtClean="0"/>
+              <a:t>Second level</a:t>
+            </a:r>
+          </a:p>
+          <a:p>
+            <a:pPr lvl="2"/>
+            <a:r>
+              <a:rPr lang="en-US" smtClean="0"/>
+              <a:t>Third level</a:t>
+            </a:r>
+          </a:p>
+          <a:p>
+            <a:pPr lvl="3"/>
+            <a:r>
+              <a:rPr lang="en-US" smtClean="0"/>
+              <a:t>Fourth level</a:t>
+            </a:r>
+          </a:p>
+          <a:p>
+            <a:pPr lvl="4"/>
+            <a:r>
+              <a:rPr lang="en-US" smtClean="0"/>
+              <a:t>Fifth level</a:t>
+            </a:r>
+            <a:endParaRPr lang="en-US"/>
+          </a:p>
+        </p:txBody>
+      </p:sp>
+      <p:sp>
+        <p:nvSpPr>
+          <p:cNvPr id="7" name="Date Placeholder 6"/>
+          <p:cNvSpPr>
+            <a:spLocks noGrp="1"/>
+          </p:cNvSpPr>
+          <p:nvPr>
+            <p:ph type="dt" sz="half" idx="10"/>
+          </p:nvPr>
+        </p:nvSpPr>
+        <p:spPr/>
+        <p:txBody>
+          <a:bodyPr/>
+          <a:lstStyle/>
+          <a:p>
+            <a:fld id="{D2C2715B-F942-4F5E-A633-D0A1D132D002}" type="datetimeFigureOut">
+              <a:rPr lang="en-US" smtClean="0">
+                <a:solidFill>
+                  <a:prstClr val="black">
+                    <a:tint val="75000"/>
+                  </a:prstClr>
+                </a:solidFill>
+                <a:latin typeface="Calibri"/>
+              </a:rPr>
+              <a:pPr/>
+              <a:t>10/29/13</a:t>
+            </a:fld>
+            <a:endParaRPr lang="en-US">
+              <a:solidFill>
+                <a:prstClr val="black">
+                  <a:tint val="75000"/>
+                </a:prstClr>
+              </a:solidFill>
+              <a:latin typeface="Calibri"/>
+            </a:endParaRPr>
+          </a:p>
+        </p:txBody>
+      </p:sp>
+      <p:sp>
+        <p:nvSpPr>
+          <p:cNvPr id="8" name="Footer Placeholder 7"/>
+          <p:cNvSpPr>
+            <a:spLocks noGrp="1"/>
+          </p:cNvSpPr>
+          <p:nvPr>
+            <p:ph type="ftr" sz="quarter" idx="11"/>
+          </p:nvPr>
+        </p:nvSpPr>
+        <p:spPr/>
+        <p:txBody>
+          <a:bodyPr/>
+          <a:lstStyle/>
+          <a:p>
+            <a:endParaRPr lang="en-US">
+              <a:solidFill>
+                <a:prstClr val="black">
+                  <a:tint val="75000"/>
+                </a:prstClr>
+              </a:solidFill>
+              <a:latin typeface="Calibri"/>
+            </a:endParaRPr>
+          </a:p>
+        </p:txBody>
+      </p:sp>
+      <p:sp>
+        <p:nvSpPr>
+          <p:cNvPr id="9" name="Slide Number Placeholder 8"/>
+          <p:cNvSpPr>
+            <a:spLocks noGrp="1"/>
+          </p:cNvSpPr>
+          <p:nvPr>
+            <p:ph type="sldNum" sz="quarter" idx="12"/>
+          </p:nvPr>
+        </p:nvSpPr>
+        <p:spPr/>
+        <p:txBody>
+          <a:bodyPr/>
+          <a:lstStyle/>
+          <a:p>
+            <a:fld id="{0DE94595-C6D2-4D8B-9FF7-0FE108ABBDE1}" type="slidenum">
+              <a:rPr lang="en-US" smtClean="0">
+                <a:solidFill>
+                  <a:prstClr val="black">
+                    <a:tint val="75000"/>
+                  </a:prstClr>
+                </a:solidFill>
+                <a:latin typeface="Calibri"/>
+              </a:rPr>
+              <a:pPr/>
+              <a:t>‹#›</a:t>
+            </a:fld>
+            <a:endParaRPr lang="en-US">
+              <a:solidFill>
+                <a:prstClr val="black">
+                  <a:tint val="75000"/>
+                </a:prstClr>
+              </a:solidFill>
+              <a:latin typeface="Calibri"/>
+            </a:endParaRPr>
+          </a:p>
+        </p:txBody>
+      </p:sp>
+    </p:spTree>
+    <p:extLst>
+      <p:ext uri="{BB962C8B-B14F-4D97-AF65-F5344CB8AC3E}">
+        <p14:creationId xmlns:p14="http://schemas.microsoft.com/office/powerpoint/2010/main" val="977453745"/>
+      </p:ext>
+    </p:extLst>
+  </p:cSld>
+  <p:clrMapOvr>
+    <a:masterClrMapping/>
+  </p:clrMapOvr>
+</p:sldLayout>
+</file>
+
+<file path=ppt/slideLayouts/slideLayout18.xml><?xml version="1.0" encoding="utf-8"?>
+<p:sldLayout xmlns:a="http://schemas.openxmlformats.org/drawingml/2006/main" xmlns:r="http://schemas.openxmlformats.org/officeDocument/2006/relationships" xmlns:p="http://schemas.openxmlformats.org/presentationml/2006/main" type="titleOnly" preserve="1">
+  <p:cSld name="Title Only">
+    <p:spTree>
+      <p:nvGrpSpPr>
+        <p:cNvPr id="1" name=""/>
+        <p:cNvGrpSpPr/>
+        <p:nvPr/>
+      </p:nvGrpSpPr>
+      <p:grpSpPr>
+        <a:xfrm>
+          <a:off x="0" y="0"/>
+          <a:ext cx="0" cy="0"/>
+          <a:chOff x="0" y="0"/>
+          <a:chExt cx="0" cy="0"/>
+        </a:xfrm>
+      </p:grpSpPr>
+      <p:sp>
+        <p:nvSpPr>
+          <p:cNvPr id="2" name="Title 1"/>
+          <p:cNvSpPr>
+            <a:spLocks noGrp="1"/>
+          </p:cNvSpPr>
+          <p:nvPr>
+            <p:ph type="title"/>
+          </p:nvPr>
+        </p:nvSpPr>
+        <p:spPr/>
+        <p:txBody>
+          <a:bodyPr/>
+          <a:lstStyle/>
+          <a:p>
+            <a:r>
+              <a:rPr lang="en-US" smtClean="0"/>
+              <a:t>Click to edit Master title style</a:t>
+            </a:r>
+            <a:endParaRPr lang="en-US"/>
+          </a:p>
+        </p:txBody>
+      </p:sp>
+      <p:sp>
+        <p:nvSpPr>
+          <p:cNvPr id="3" name="Date Placeholder 2"/>
+          <p:cNvSpPr>
+            <a:spLocks noGrp="1"/>
+          </p:cNvSpPr>
+          <p:nvPr>
+            <p:ph type="dt" sz="half" idx="10"/>
+          </p:nvPr>
+        </p:nvSpPr>
+        <p:spPr/>
+        <p:txBody>
+          <a:bodyPr/>
+          <a:lstStyle/>
+          <a:p>
+            <a:fld id="{D2C2715B-F942-4F5E-A633-D0A1D132D002}" type="datetimeFigureOut">
+              <a:rPr lang="en-US" smtClean="0">
+                <a:solidFill>
+                  <a:prstClr val="black">
+                    <a:tint val="75000"/>
+                  </a:prstClr>
+                </a:solidFill>
+                <a:latin typeface="Calibri"/>
+              </a:rPr>
+              <a:pPr/>
+              <a:t>10/29/13</a:t>
+            </a:fld>
+            <a:endParaRPr lang="en-US">
+              <a:solidFill>
+                <a:prstClr val="black">
+                  <a:tint val="75000"/>
+                </a:prstClr>
+              </a:solidFill>
+              <a:latin typeface="Calibri"/>
+            </a:endParaRPr>
+          </a:p>
+        </p:txBody>
+      </p:sp>
+      <p:sp>
+        <p:nvSpPr>
+          <p:cNvPr id="4" name="Footer Placeholder 3"/>
+          <p:cNvSpPr>
+            <a:spLocks noGrp="1"/>
+          </p:cNvSpPr>
+          <p:nvPr>
+            <p:ph type="ftr" sz="quarter" idx="11"/>
+          </p:nvPr>
+        </p:nvSpPr>
+        <p:spPr/>
+        <p:txBody>
+          <a:bodyPr/>
+          <a:lstStyle/>
+          <a:p>
+            <a:endParaRPr lang="en-US">
+              <a:solidFill>
+                <a:prstClr val="black">
+                  <a:tint val="75000"/>
+                </a:prstClr>
+              </a:solidFill>
+              <a:latin typeface="Calibri"/>
+            </a:endParaRPr>
+          </a:p>
+        </p:txBody>
+      </p:sp>
+      <p:sp>
+        <p:nvSpPr>
+          <p:cNvPr id="5" name="Slide Number Placeholder 4"/>
+          <p:cNvSpPr>
+            <a:spLocks noGrp="1"/>
+          </p:cNvSpPr>
+          <p:nvPr>
+            <p:ph type="sldNum" sz="quarter" idx="12"/>
+          </p:nvPr>
+        </p:nvSpPr>
+        <p:spPr/>
+        <p:txBody>
+          <a:bodyPr/>
+          <a:lstStyle/>
+          <a:p>
+            <a:fld id="{0DE94595-C6D2-4D8B-9FF7-0FE108ABBDE1}" type="slidenum">
+              <a:rPr lang="en-US" smtClean="0">
+                <a:solidFill>
+                  <a:prstClr val="black">
+                    <a:tint val="75000"/>
+                  </a:prstClr>
+                </a:solidFill>
+                <a:latin typeface="Calibri"/>
+              </a:rPr>
+              <a:pPr/>
+              <a:t>‹#›</a:t>
+            </a:fld>
+            <a:endParaRPr lang="en-US">
+              <a:solidFill>
+                <a:prstClr val="black">
+                  <a:tint val="75000"/>
+                </a:prstClr>
+              </a:solidFill>
+              <a:latin typeface="Calibri"/>
+            </a:endParaRPr>
+          </a:p>
+        </p:txBody>
+      </p:sp>
+    </p:spTree>
+    <p:extLst>
+      <p:ext uri="{BB962C8B-B14F-4D97-AF65-F5344CB8AC3E}">
+        <p14:creationId xmlns:p14="http://schemas.microsoft.com/office/powerpoint/2010/main" val="879565565"/>
+      </p:ext>
+    </p:extLst>
+  </p:cSld>
+  <p:clrMapOvr>
+    <a:masterClrMapping/>
+  </p:clrMapOvr>
+</p:sldLayout>
+</file>
+
+<file path=ppt/slideLayouts/slideLayout19.xml><?xml version="1.0" encoding="utf-8"?>
+<p:sldLayout xmlns:a="http://schemas.openxmlformats.org/drawingml/2006/main" xmlns:r="http://schemas.openxmlformats.org/officeDocument/2006/relationships" xmlns:p="http://schemas.openxmlformats.org/presentationml/2006/main" type="blank" preserve="1">
+  <p:cSld name="Blank">
+    <p:spTree>
+      <p:nvGrpSpPr>
+        <p:cNvPr id="1" name=""/>
+        <p:cNvGrpSpPr/>
+        <p:nvPr/>
+      </p:nvGrpSpPr>
+      <p:grpSpPr>
+        <a:xfrm>
+          <a:off x="0" y="0"/>
+          <a:ext cx="0" cy="0"/>
+          <a:chOff x="0" y="0"/>
+          <a:chExt cx="0" cy="0"/>
+        </a:xfrm>
+      </p:grpSpPr>
+      <p:sp>
+        <p:nvSpPr>
+          <p:cNvPr id="2" name="Date Placeholder 1"/>
+          <p:cNvSpPr>
+            <a:spLocks noGrp="1"/>
+          </p:cNvSpPr>
+          <p:nvPr>
+            <p:ph type="dt" sz="half" idx="10"/>
+          </p:nvPr>
+        </p:nvSpPr>
+        <p:spPr/>
+        <p:txBody>
+          <a:bodyPr/>
+          <a:lstStyle/>
+          <a:p>
+            <a:fld id="{D2C2715B-F942-4F5E-A633-D0A1D132D002}" type="datetimeFigureOut">
+              <a:rPr lang="en-US" smtClean="0">
+                <a:solidFill>
+                  <a:prstClr val="black">
+                    <a:tint val="75000"/>
+                  </a:prstClr>
+                </a:solidFill>
+                <a:latin typeface="Calibri"/>
+              </a:rPr>
+              <a:pPr/>
+              <a:t>10/29/13</a:t>
+            </a:fld>
+            <a:endParaRPr lang="en-US">
+              <a:solidFill>
+                <a:prstClr val="black">
+                  <a:tint val="75000"/>
+                </a:prstClr>
+              </a:solidFill>
+              <a:latin typeface="Calibri"/>
+            </a:endParaRPr>
+          </a:p>
+        </p:txBody>
+      </p:sp>
+      <p:sp>
+        <p:nvSpPr>
+          <p:cNvPr id="3" name="Footer Placeholder 2"/>
+          <p:cNvSpPr>
+            <a:spLocks noGrp="1"/>
+          </p:cNvSpPr>
+          <p:nvPr>
+            <p:ph type="ftr" sz="quarter" idx="11"/>
+          </p:nvPr>
+        </p:nvSpPr>
+        <p:spPr/>
+        <p:txBody>
+          <a:bodyPr/>
+          <a:lstStyle/>
+          <a:p>
+            <a:endParaRPr lang="en-US">
+              <a:solidFill>
+                <a:prstClr val="black">
+                  <a:tint val="75000"/>
+                </a:prstClr>
+              </a:solidFill>
+              <a:latin typeface="Calibri"/>
+            </a:endParaRPr>
+          </a:p>
+        </p:txBody>
+      </p:sp>
+      <p:sp>
+        <p:nvSpPr>
+          <p:cNvPr id="4" name="Slide Number Placeholder 3"/>
+          <p:cNvSpPr>
+            <a:spLocks noGrp="1"/>
+          </p:cNvSpPr>
+          <p:nvPr>
+            <p:ph type="sldNum" sz="quarter" idx="12"/>
+          </p:nvPr>
+        </p:nvSpPr>
+        <p:spPr/>
+        <p:txBody>
+          <a:bodyPr/>
+          <a:lstStyle/>
+          <a:p>
+            <a:fld id="{0DE94595-C6D2-4D8B-9FF7-0FE108ABBDE1}" type="slidenum">
+              <a:rPr lang="en-US" smtClean="0">
+                <a:solidFill>
+                  <a:prstClr val="black">
+                    <a:tint val="75000"/>
+                  </a:prstClr>
+                </a:solidFill>
+                <a:latin typeface="Calibri"/>
+              </a:rPr>
+              <a:pPr/>
+              <a:t>‹#›</a:t>
+            </a:fld>
+            <a:endParaRPr lang="en-US">
+              <a:solidFill>
+                <a:prstClr val="black">
+                  <a:tint val="75000"/>
+                </a:prstClr>
+              </a:solidFill>
+              <a:latin typeface="Calibri"/>
+            </a:endParaRPr>
+          </a:p>
+        </p:txBody>
+      </p:sp>
+    </p:spTree>
+    <p:extLst>
+      <p:ext uri="{BB962C8B-B14F-4D97-AF65-F5344CB8AC3E}">
+        <p14:creationId xmlns:p14="http://schemas.microsoft.com/office/powerpoint/2010/main" val="882200666"/>
+      </p:ext>
+    </p:extLst>
   </p:cSld>
   <p:clrMapOvr>
     <a:masterClrMapping/>
@@ -1204,7 +2888,7 @@
           <a:p>
             <a:fld id="{B01F9CA3-105E-4857-9057-6DB6197DA786}" type="datetimeFigureOut">
               <a:rPr lang="en-US" smtClean="0"/>
-              <a:t>10/28/13</a:t>
+              <a:t>10/29/13</a:t>
             </a:fld>
             <a:endParaRPr lang="en-US"/>
           </a:p>
@@ -1253,6 +2937,2581 @@
         </p:txBody>
       </p:sp>
     </p:spTree>
+  </p:cSld>
+  <p:clrMapOvr>
+    <a:masterClrMapping/>
+  </p:clrMapOvr>
+</p:sldLayout>
+</file>
+
+<file path=ppt/slideLayouts/slideLayout20.xml><?xml version="1.0" encoding="utf-8"?>
+<p:sldLayout xmlns:a="http://schemas.openxmlformats.org/drawingml/2006/main" xmlns:r="http://schemas.openxmlformats.org/officeDocument/2006/relationships" xmlns:p="http://schemas.openxmlformats.org/presentationml/2006/main" type="objTx" preserve="1">
+  <p:cSld name="Content with Caption">
+    <p:spTree>
+      <p:nvGrpSpPr>
+        <p:cNvPr id="1" name=""/>
+        <p:cNvGrpSpPr/>
+        <p:nvPr/>
+      </p:nvGrpSpPr>
+      <p:grpSpPr>
+        <a:xfrm>
+          <a:off x="0" y="0"/>
+          <a:ext cx="0" cy="0"/>
+          <a:chOff x="0" y="0"/>
+          <a:chExt cx="0" cy="0"/>
+        </a:xfrm>
+      </p:grpSpPr>
+      <p:sp>
+        <p:nvSpPr>
+          <p:cNvPr id="2" name="Title 1"/>
+          <p:cNvSpPr>
+            <a:spLocks noGrp="1"/>
+          </p:cNvSpPr>
+          <p:nvPr>
+            <p:ph type="title"/>
+          </p:nvPr>
+        </p:nvSpPr>
+        <p:spPr>
+          <a:xfrm>
+            <a:off x="629841" y="342900"/>
+            <a:ext cx="2949178" cy="1200150"/>
+          </a:xfrm>
+        </p:spPr>
+        <p:txBody>
+          <a:bodyPr anchor="b"/>
+          <a:lstStyle>
+            <a:lvl1pPr>
+              <a:defRPr sz="2400"/>
+            </a:lvl1pPr>
+          </a:lstStyle>
+          <a:p>
+            <a:r>
+              <a:rPr lang="en-US" smtClean="0"/>
+              <a:t>Click to edit Master title style</a:t>
+            </a:r>
+            <a:endParaRPr lang="en-US"/>
+          </a:p>
+        </p:txBody>
+      </p:sp>
+      <p:sp>
+        <p:nvSpPr>
+          <p:cNvPr id="3" name="Content Placeholder 2"/>
+          <p:cNvSpPr>
+            <a:spLocks noGrp="1"/>
+          </p:cNvSpPr>
+          <p:nvPr>
+            <p:ph idx="1"/>
+          </p:nvPr>
+        </p:nvSpPr>
+        <p:spPr>
+          <a:xfrm>
+            <a:off x="3887391" y="740570"/>
+            <a:ext cx="4629150" cy="3655219"/>
+          </a:xfrm>
+        </p:spPr>
+        <p:txBody>
+          <a:bodyPr/>
+          <a:lstStyle>
+            <a:lvl1pPr>
+              <a:defRPr sz="2400"/>
+            </a:lvl1pPr>
+            <a:lvl2pPr>
+              <a:defRPr sz="2100"/>
+            </a:lvl2pPr>
+            <a:lvl3pPr>
+              <a:defRPr sz="1800"/>
+            </a:lvl3pPr>
+            <a:lvl4pPr>
+              <a:defRPr sz="1500"/>
+            </a:lvl4pPr>
+            <a:lvl5pPr>
+              <a:defRPr sz="1500"/>
+            </a:lvl5pPr>
+            <a:lvl6pPr>
+              <a:defRPr sz="1500"/>
+            </a:lvl6pPr>
+            <a:lvl7pPr>
+              <a:defRPr sz="1500"/>
+            </a:lvl7pPr>
+            <a:lvl8pPr>
+              <a:defRPr sz="1500"/>
+            </a:lvl8pPr>
+            <a:lvl9pPr>
+              <a:defRPr sz="1500"/>
+            </a:lvl9pPr>
+          </a:lstStyle>
+          <a:p>
+            <a:pPr lvl="0"/>
+            <a:r>
+              <a:rPr lang="en-US" smtClean="0"/>
+              <a:t>Click to edit Master text styles</a:t>
+            </a:r>
+          </a:p>
+          <a:p>
+            <a:pPr lvl="1"/>
+            <a:r>
+              <a:rPr lang="en-US" smtClean="0"/>
+              <a:t>Second level</a:t>
+            </a:r>
+          </a:p>
+          <a:p>
+            <a:pPr lvl="2"/>
+            <a:r>
+              <a:rPr lang="en-US" smtClean="0"/>
+              <a:t>Third level</a:t>
+            </a:r>
+          </a:p>
+          <a:p>
+            <a:pPr lvl="3"/>
+            <a:r>
+              <a:rPr lang="en-US" smtClean="0"/>
+              <a:t>Fourth level</a:t>
+            </a:r>
+          </a:p>
+          <a:p>
+            <a:pPr lvl="4"/>
+            <a:r>
+              <a:rPr lang="en-US" smtClean="0"/>
+              <a:t>Fifth level</a:t>
+            </a:r>
+            <a:endParaRPr lang="en-US"/>
+          </a:p>
+        </p:txBody>
+      </p:sp>
+      <p:sp>
+        <p:nvSpPr>
+          <p:cNvPr id="4" name="Text Placeholder 3"/>
+          <p:cNvSpPr>
+            <a:spLocks noGrp="1"/>
+          </p:cNvSpPr>
+          <p:nvPr>
+            <p:ph type="body" sz="half" idx="2"/>
+          </p:nvPr>
+        </p:nvSpPr>
+        <p:spPr>
+          <a:xfrm>
+            <a:off x="629841" y="1543051"/>
+            <a:ext cx="2949178" cy="2858691"/>
+          </a:xfrm>
+        </p:spPr>
+        <p:txBody>
+          <a:bodyPr/>
+          <a:lstStyle>
+            <a:lvl1pPr marL="0" indent="0">
+              <a:buNone/>
+              <a:defRPr sz="1200"/>
+            </a:lvl1pPr>
+            <a:lvl2pPr marL="342892" indent="0">
+              <a:buNone/>
+              <a:defRPr sz="1100"/>
+            </a:lvl2pPr>
+            <a:lvl3pPr marL="685783" indent="0">
+              <a:buNone/>
+              <a:defRPr sz="900"/>
+            </a:lvl3pPr>
+            <a:lvl4pPr marL="1028675" indent="0">
+              <a:buNone/>
+              <a:defRPr sz="800"/>
+            </a:lvl4pPr>
+            <a:lvl5pPr marL="1371566" indent="0">
+              <a:buNone/>
+              <a:defRPr sz="800"/>
+            </a:lvl5pPr>
+            <a:lvl6pPr marL="1714457" indent="0">
+              <a:buNone/>
+              <a:defRPr sz="800"/>
+            </a:lvl6pPr>
+            <a:lvl7pPr marL="2057348" indent="0">
+              <a:buNone/>
+              <a:defRPr sz="800"/>
+            </a:lvl7pPr>
+            <a:lvl8pPr marL="2400240" indent="0">
+              <a:buNone/>
+              <a:defRPr sz="800"/>
+            </a:lvl8pPr>
+            <a:lvl9pPr marL="2743132" indent="0">
+              <a:buNone/>
+              <a:defRPr sz="800"/>
+            </a:lvl9pPr>
+          </a:lstStyle>
+          <a:p>
+            <a:pPr lvl="0"/>
+            <a:r>
+              <a:rPr lang="en-US" smtClean="0"/>
+              <a:t>Click to edit Master text styles</a:t>
+            </a:r>
+          </a:p>
+        </p:txBody>
+      </p:sp>
+      <p:sp>
+        <p:nvSpPr>
+          <p:cNvPr id="5" name="Date Placeholder 4"/>
+          <p:cNvSpPr>
+            <a:spLocks noGrp="1"/>
+          </p:cNvSpPr>
+          <p:nvPr>
+            <p:ph type="dt" sz="half" idx="10"/>
+          </p:nvPr>
+        </p:nvSpPr>
+        <p:spPr/>
+        <p:txBody>
+          <a:bodyPr/>
+          <a:lstStyle/>
+          <a:p>
+            <a:fld id="{D2C2715B-F942-4F5E-A633-D0A1D132D002}" type="datetimeFigureOut">
+              <a:rPr lang="en-US" smtClean="0">
+                <a:solidFill>
+                  <a:prstClr val="black">
+                    <a:tint val="75000"/>
+                  </a:prstClr>
+                </a:solidFill>
+                <a:latin typeface="Calibri"/>
+              </a:rPr>
+              <a:pPr/>
+              <a:t>10/29/13</a:t>
+            </a:fld>
+            <a:endParaRPr lang="en-US">
+              <a:solidFill>
+                <a:prstClr val="black">
+                  <a:tint val="75000"/>
+                </a:prstClr>
+              </a:solidFill>
+              <a:latin typeface="Calibri"/>
+            </a:endParaRPr>
+          </a:p>
+        </p:txBody>
+      </p:sp>
+      <p:sp>
+        <p:nvSpPr>
+          <p:cNvPr id="6" name="Footer Placeholder 5"/>
+          <p:cNvSpPr>
+            <a:spLocks noGrp="1"/>
+          </p:cNvSpPr>
+          <p:nvPr>
+            <p:ph type="ftr" sz="quarter" idx="11"/>
+          </p:nvPr>
+        </p:nvSpPr>
+        <p:spPr/>
+        <p:txBody>
+          <a:bodyPr/>
+          <a:lstStyle/>
+          <a:p>
+            <a:endParaRPr lang="en-US">
+              <a:solidFill>
+                <a:prstClr val="black">
+                  <a:tint val="75000"/>
+                </a:prstClr>
+              </a:solidFill>
+              <a:latin typeface="Calibri"/>
+            </a:endParaRPr>
+          </a:p>
+        </p:txBody>
+      </p:sp>
+      <p:sp>
+        <p:nvSpPr>
+          <p:cNvPr id="7" name="Slide Number Placeholder 6"/>
+          <p:cNvSpPr>
+            <a:spLocks noGrp="1"/>
+          </p:cNvSpPr>
+          <p:nvPr>
+            <p:ph type="sldNum" sz="quarter" idx="12"/>
+          </p:nvPr>
+        </p:nvSpPr>
+        <p:spPr/>
+        <p:txBody>
+          <a:bodyPr/>
+          <a:lstStyle/>
+          <a:p>
+            <a:fld id="{0DE94595-C6D2-4D8B-9FF7-0FE108ABBDE1}" type="slidenum">
+              <a:rPr lang="en-US" smtClean="0">
+                <a:solidFill>
+                  <a:prstClr val="black">
+                    <a:tint val="75000"/>
+                  </a:prstClr>
+                </a:solidFill>
+                <a:latin typeface="Calibri"/>
+              </a:rPr>
+              <a:pPr/>
+              <a:t>‹#›</a:t>
+            </a:fld>
+            <a:endParaRPr lang="en-US">
+              <a:solidFill>
+                <a:prstClr val="black">
+                  <a:tint val="75000"/>
+                </a:prstClr>
+              </a:solidFill>
+              <a:latin typeface="Calibri"/>
+            </a:endParaRPr>
+          </a:p>
+        </p:txBody>
+      </p:sp>
+    </p:spTree>
+    <p:extLst>
+      <p:ext uri="{BB962C8B-B14F-4D97-AF65-F5344CB8AC3E}">
+        <p14:creationId xmlns:p14="http://schemas.microsoft.com/office/powerpoint/2010/main" val="777220953"/>
+      </p:ext>
+    </p:extLst>
+  </p:cSld>
+  <p:clrMapOvr>
+    <a:masterClrMapping/>
+  </p:clrMapOvr>
+</p:sldLayout>
+</file>
+
+<file path=ppt/slideLayouts/slideLayout21.xml><?xml version="1.0" encoding="utf-8"?>
+<p:sldLayout xmlns:a="http://schemas.openxmlformats.org/drawingml/2006/main" xmlns:r="http://schemas.openxmlformats.org/officeDocument/2006/relationships" xmlns:p="http://schemas.openxmlformats.org/presentationml/2006/main" type="picTx" preserve="1">
+  <p:cSld name="Picture with Caption">
+    <p:spTree>
+      <p:nvGrpSpPr>
+        <p:cNvPr id="1" name=""/>
+        <p:cNvGrpSpPr/>
+        <p:nvPr/>
+      </p:nvGrpSpPr>
+      <p:grpSpPr>
+        <a:xfrm>
+          <a:off x="0" y="0"/>
+          <a:ext cx="0" cy="0"/>
+          <a:chOff x="0" y="0"/>
+          <a:chExt cx="0" cy="0"/>
+        </a:xfrm>
+      </p:grpSpPr>
+      <p:sp>
+        <p:nvSpPr>
+          <p:cNvPr id="2" name="Title 1"/>
+          <p:cNvSpPr>
+            <a:spLocks noGrp="1"/>
+          </p:cNvSpPr>
+          <p:nvPr>
+            <p:ph type="title"/>
+          </p:nvPr>
+        </p:nvSpPr>
+        <p:spPr>
+          <a:xfrm>
+            <a:off x="629841" y="342900"/>
+            <a:ext cx="2949178" cy="1200150"/>
+          </a:xfrm>
+        </p:spPr>
+        <p:txBody>
+          <a:bodyPr anchor="b"/>
+          <a:lstStyle>
+            <a:lvl1pPr>
+              <a:defRPr sz="2400"/>
+            </a:lvl1pPr>
+          </a:lstStyle>
+          <a:p>
+            <a:r>
+              <a:rPr lang="en-US" smtClean="0"/>
+              <a:t>Click to edit Master title style</a:t>
+            </a:r>
+            <a:endParaRPr lang="en-US"/>
+          </a:p>
+        </p:txBody>
+      </p:sp>
+      <p:sp>
+        <p:nvSpPr>
+          <p:cNvPr id="3" name="Picture Placeholder 2"/>
+          <p:cNvSpPr>
+            <a:spLocks noGrp="1"/>
+          </p:cNvSpPr>
+          <p:nvPr>
+            <p:ph type="pic" idx="1"/>
+          </p:nvPr>
+        </p:nvSpPr>
+        <p:spPr>
+          <a:xfrm>
+            <a:off x="3887391" y="740570"/>
+            <a:ext cx="4629150" cy="3655219"/>
+          </a:xfrm>
+        </p:spPr>
+        <p:txBody>
+          <a:bodyPr/>
+          <a:lstStyle>
+            <a:lvl1pPr marL="0" indent="0">
+              <a:buNone/>
+              <a:defRPr sz="2400"/>
+            </a:lvl1pPr>
+            <a:lvl2pPr marL="342892" indent="0">
+              <a:buNone/>
+              <a:defRPr sz="2100"/>
+            </a:lvl2pPr>
+            <a:lvl3pPr marL="685783" indent="0">
+              <a:buNone/>
+              <a:defRPr sz="1800"/>
+            </a:lvl3pPr>
+            <a:lvl4pPr marL="1028675" indent="0">
+              <a:buNone/>
+              <a:defRPr sz="1500"/>
+            </a:lvl4pPr>
+            <a:lvl5pPr marL="1371566" indent="0">
+              <a:buNone/>
+              <a:defRPr sz="1500"/>
+            </a:lvl5pPr>
+            <a:lvl6pPr marL="1714457" indent="0">
+              <a:buNone/>
+              <a:defRPr sz="1500"/>
+            </a:lvl6pPr>
+            <a:lvl7pPr marL="2057348" indent="0">
+              <a:buNone/>
+              <a:defRPr sz="1500"/>
+            </a:lvl7pPr>
+            <a:lvl8pPr marL="2400240" indent="0">
+              <a:buNone/>
+              <a:defRPr sz="1500"/>
+            </a:lvl8pPr>
+            <a:lvl9pPr marL="2743132" indent="0">
+              <a:buNone/>
+              <a:defRPr sz="1500"/>
+            </a:lvl9pPr>
+          </a:lstStyle>
+          <a:p>
+            <a:endParaRPr lang="en-US"/>
+          </a:p>
+        </p:txBody>
+      </p:sp>
+      <p:sp>
+        <p:nvSpPr>
+          <p:cNvPr id="4" name="Text Placeholder 3"/>
+          <p:cNvSpPr>
+            <a:spLocks noGrp="1"/>
+          </p:cNvSpPr>
+          <p:nvPr>
+            <p:ph type="body" sz="half" idx="2"/>
+          </p:nvPr>
+        </p:nvSpPr>
+        <p:spPr>
+          <a:xfrm>
+            <a:off x="629841" y="1543051"/>
+            <a:ext cx="2949178" cy="2858691"/>
+          </a:xfrm>
+        </p:spPr>
+        <p:txBody>
+          <a:bodyPr/>
+          <a:lstStyle>
+            <a:lvl1pPr marL="0" indent="0">
+              <a:buNone/>
+              <a:defRPr sz="1200"/>
+            </a:lvl1pPr>
+            <a:lvl2pPr marL="342892" indent="0">
+              <a:buNone/>
+              <a:defRPr sz="1100"/>
+            </a:lvl2pPr>
+            <a:lvl3pPr marL="685783" indent="0">
+              <a:buNone/>
+              <a:defRPr sz="900"/>
+            </a:lvl3pPr>
+            <a:lvl4pPr marL="1028675" indent="0">
+              <a:buNone/>
+              <a:defRPr sz="800"/>
+            </a:lvl4pPr>
+            <a:lvl5pPr marL="1371566" indent="0">
+              <a:buNone/>
+              <a:defRPr sz="800"/>
+            </a:lvl5pPr>
+            <a:lvl6pPr marL="1714457" indent="0">
+              <a:buNone/>
+              <a:defRPr sz="800"/>
+            </a:lvl6pPr>
+            <a:lvl7pPr marL="2057348" indent="0">
+              <a:buNone/>
+              <a:defRPr sz="800"/>
+            </a:lvl7pPr>
+            <a:lvl8pPr marL="2400240" indent="0">
+              <a:buNone/>
+              <a:defRPr sz="800"/>
+            </a:lvl8pPr>
+            <a:lvl9pPr marL="2743132" indent="0">
+              <a:buNone/>
+              <a:defRPr sz="800"/>
+            </a:lvl9pPr>
+          </a:lstStyle>
+          <a:p>
+            <a:pPr lvl="0"/>
+            <a:r>
+              <a:rPr lang="en-US" smtClean="0"/>
+              <a:t>Click to edit Master text styles</a:t>
+            </a:r>
+          </a:p>
+        </p:txBody>
+      </p:sp>
+      <p:sp>
+        <p:nvSpPr>
+          <p:cNvPr id="5" name="Date Placeholder 4"/>
+          <p:cNvSpPr>
+            <a:spLocks noGrp="1"/>
+          </p:cNvSpPr>
+          <p:nvPr>
+            <p:ph type="dt" sz="half" idx="10"/>
+          </p:nvPr>
+        </p:nvSpPr>
+        <p:spPr/>
+        <p:txBody>
+          <a:bodyPr/>
+          <a:lstStyle/>
+          <a:p>
+            <a:fld id="{D2C2715B-F942-4F5E-A633-D0A1D132D002}" type="datetimeFigureOut">
+              <a:rPr lang="en-US" smtClean="0">
+                <a:solidFill>
+                  <a:prstClr val="black">
+                    <a:tint val="75000"/>
+                  </a:prstClr>
+                </a:solidFill>
+                <a:latin typeface="Calibri"/>
+              </a:rPr>
+              <a:pPr/>
+              <a:t>10/29/13</a:t>
+            </a:fld>
+            <a:endParaRPr lang="en-US">
+              <a:solidFill>
+                <a:prstClr val="black">
+                  <a:tint val="75000"/>
+                </a:prstClr>
+              </a:solidFill>
+              <a:latin typeface="Calibri"/>
+            </a:endParaRPr>
+          </a:p>
+        </p:txBody>
+      </p:sp>
+      <p:sp>
+        <p:nvSpPr>
+          <p:cNvPr id="6" name="Footer Placeholder 5"/>
+          <p:cNvSpPr>
+            <a:spLocks noGrp="1"/>
+          </p:cNvSpPr>
+          <p:nvPr>
+            <p:ph type="ftr" sz="quarter" idx="11"/>
+          </p:nvPr>
+        </p:nvSpPr>
+        <p:spPr/>
+        <p:txBody>
+          <a:bodyPr/>
+          <a:lstStyle/>
+          <a:p>
+            <a:endParaRPr lang="en-US">
+              <a:solidFill>
+                <a:prstClr val="black">
+                  <a:tint val="75000"/>
+                </a:prstClr>
+              </a:solidFill>
+              <a:latin typeface="Calibri"/>
+            </a:endParaRPr>
+          </a:p>
+        </p:txBody>
+      </p:sp>
+      <p:sp>
+        <p:nvSpPr>
+          <p:cNvPr id="7" name="Slide Number Placeholder 6"/>
+          <p:cNvSpPr>
+            <a:spLocks noGrp="1"/>
+          </p:cNvSpPr>
+          <p:nvPr>
+            <p:ph type="sldNum" sz="quarter" idx="12"/>
+          </p:nvPr>
+        </p:nvSpPr>
+        <p:spPr/>
+        <p:txBody>
+          <a:bodyPr/>
+          <a:lstStyle/>
+          <a:p>
+            <a:fld id="{0DE94595-C6D2-4D8B-9FF7-0FE108ABBDE1}" type="slidenum">
+              <a:rPr lang="en-US" smtClean="0">
+                <a:solidFill>
+                  <a:prstClr val="black">
+                    <a:tint val="75000"/>
+                  </a:prstClr>
+                </a:solidFill>
+                <a:latin typeface="Calibri"/>
+              </a:rPr>
+              <a:pPr/>
+              <a:t>‹#›</a:t>
+            </a:fld>
+            <a:endParaRPr lang="en-US">
+              <a:solidFill>
+                <a:prstClr val="black">
+                  <a:tint val="75000"/>
+                </a:prstClr>
+              </a:solidFill>
+              <a:latin typeface="Calibri"/>
+            </a:endParaRPr>
+          </a:p>
+        </p:txBody>
+      </p:sp>
+    </p:spTree>
+    <p:extLst>
+      <p:ext uri="{BB962C8B-B14F-4D97-AF65-F5344CB8AC3E}">
+        <p14:creationId xmlns:p14="http://schemas.microsoft.com/office/powerpoint/2010/main" val="3016381520"/>
+      </p:ext>
+    </p:extLst>
+  </p:cSld>
+  <p:clrMapOvr>
+    <a:masterClrMapping/>
+  </p:clrMapOvr>
+</p:sldLayout>
+</file>
+
+<file path=ppt/slideLayouts/slideLayout22.xml><?xml version="1.0" encoding="utf-8"?>
+<p:sldLayout xmlns:a="http://schemas.openxmlformats.org/drawingml/2006/main" xmlns:r="http://schemas.openxmlformats.org/officeDocument/2006/relationships" xmlns:p="http://schemas.openxmlformats.org/presentationml/2006/main" type="vertTx" preserve="1">
+  <p:cSld name="Title and Vertical Text">
+    <p:spTree>
+      <p:nvGrpSpPr>
+        <p:cNvPr id="1" name=""/>
+        <p:cNvGrpSpPr/>
+        <p:nvPr/>
+      </p:nvGrpSpPr>
+      <p:grpSpPr>
+        <a:xfrm>
+          <a:off x="0" y="0"/>
+          <a:ext cx="0" cy="0"/>
+          <a:chOff x="0" y="0"/>
+          <a:chExt cx="0" cy="0"/>
+        </a:xfrm>
+      </p:grpSpPr>
+      <p:sp>
+        <p:nvSpPr>
+          <p:cNvPr id="2" name="Title 1"/>
+          <p:cNvSpPr>
+            <a:spLocks noGrp="1"/>
+          </p:cNvSpPr>
+          <p:nvPr>
+            <p:ph type="title"/>
+          </p:nvPr>
+        </p:nvSpPr>
+        <p:spPr/>
+        <p:txBody>
+          <a:bodyPr/>
+          <a:lstStyle/>
+          <a:p>
+            <a:r>
+              <a:rPr lang="en-US" smtClean="0"/>
+              <a:t>Click to edit Master title style</a:t>
+            </a:r>
+            <a:endParaRPr lang="en-US"/>
+          </a:p>
+        </p:txBody>
+      </p:sp>
+      <p:sp>
+        <p:nvSpPr>
+          <p:cNvPr id="3" name="Vertical Text Placeholder 2"/>
+          <p:cNvSpPr>
+            <a:spLocks noGrp="1"/>
+          </p:cNvSpPr>
+          <p:nvPr>
+            <p:ph type="body" orient="vert" idx="1"/>
+          </p:nvPr>
+        </p:nvSpPr>
+        <p:spPr/>
+        <p:txBody>
+          <a:bodyPr vert="eaVert"/>
+          <a:lstStyle/>
+          <a:p>
+            <a:pPr lvl="0"/>
+            <a:r>
+              <a:rPr lang="en-US" smtClean="0"/>
+              <a:t>Click to edit Master text styles</a:t>
+            </a:r>
+          </a:p>
+          <a:p>
+            <a:pPr lvl="1"/>
+            <a:r>
+              <a:rPr lang="en-US" smtClean="0"/>
+              <a:t>Second level</a:t>
+            </a:r>
+          </a:p>
+          <a:p>
+            <a:pPr lvl="2"/>
+            <a:r>
+              <a:rPr lang="en-US" smtClean="0"/>
+              <a:t>Third level</a:t>
+            </a:r>
+          </a:p>
+          <a:p>
+            <a:pPr lvl="3"/>
+            <a:r>
+              <a:rPr lang="en-US" smtClean="0"/>
+              <a:t>Fourth level</a:t>
+            </a:r>
+          </a:p>
+          <a:p>
+            <a:pPr lvl="4"/>
+            <a:r>
+              <a:rPr lang="en-US" smtClean="0"/>
+              <a:t>Fifth level</a:t>
+            </a:r>
+            <a:endParaRPr lang="en-US"/>
+          </a:p>
+        </p:txBody>
+      </p:sp>
+      <p:sp>
+        <p:nvSpPr>
+          <p:cNvPr id="4" name="Date Placeholder 3"/>
+          <p:cNvSpPr>
+            <a:spLocks noGrp="1"/>
+          </p:cNvSpPr>
+          <p:nvPr>
+            <p:ph type="dt" sz="half" idx="10"/>
+          </p:nvPr>
+        </p:nvSpPr>
+        <p:spPr/>
+        <p:txBody>
+          <a:bodyPr/>
+          <a:lstStyle/>
+          <a:p>
+            <a:fld id="{D2C2715B-F942-4F5E-A633-D0A1D132D002}" type="datetimeFigureOut">
+              <a:rPr lang="en-US" smtClean="0">
+                <a:solidFill>
+                  <a:prstClr val="black">
+                    <a:tint val="75000"/>
+                  </a:prstClr>
+                </a:solidFill>
+                <a:latin typeface="Calibri"/>
+              </a:rPr>
+              <a:pPr/>
+              <a:t>10/29/13</a:t>
+            </a:fld>
+            <a:endParaRPr lang="en-US">
+              <a:solidFill>
+                <a:prstClr val="black">
+                  <a:tint val="75000"/>
+                </a:prstClr>
+              </a:solidFill>
+              <a:latin typeface="Calibri"/>
+            </a:endParaRPr>
+          </a:p>
+        </p:txBody>
+      </p:sp>
+      <p:sp>
+        <p:nvSpPr>
+          <p:cNvPr id="5" name="Footer Placeholder 4"/>
+          <p:cNvSpPr>
+            <a:spLocks noGrp="1"/>
+          </p:cNvSpPr>
+          <p:nvPr>
+            <p:ph type="ftr" sz="quarter" idx="11"/>
+          </p:nvPr>
+        </p:nvSpPr>
+        <p:spPr/>
+        <p:txBody>
+          <a:bodyPr/>
+          <a:lstStyle/>
+          <a:p>
+            <a:endParaRPr lang="en-US">
+              <a:solidFill>
+                <a:prstClr val="black">
+                  <a:tint val="75000"/>
+                </a:prstClr>
+              </a:solidFill>
+              <a:latin typeface="Calibri"/>
+            </a:endParaRPr>
+          </a:p>
+        </p:txBody>
+      </p:sp>
+      <p:sp>
+        <p:nvSpPr>
+          <p:cNvPr id="6" name="Slide Number Placeholder 5"/>
+          <p:cNvSpPr>
+            <a:spLocks noGrp="1"/>
+          </p:cNvSpPr>
+          <p:nvPr>
+            <p:ph type="sldNum" sz="quarter" idx="12"/>
+          </p:nvPr>
+        </p:nvSpPr>
+        <p:spPr/>
+        <p:txBody>
+          <a:bodyPr/>
+          <a:lstStyle/>
+          <a:p>
+            <a:fld id="{0DE94595-C6D2-4D8B-9FF7-0FE108ABBDE1}" type="slidenum">
+              <a:rPr lang="en-US" smtClean="0">
+                <a:solidFill>
+                  <a:prstClr val="black">
+                    <a:tint val="75000"/>
+                  </a:prstClr>
+                </a:solidFill>
+                <a:latin typeface="Calibri"/>
+              </a:rPr>
+              <a:pPr/>
+              <a:t>‹#›</a:t>
+            </a:fld>
+            <a:endParaRPr lang="en-US">
+              <a:solidFill>
+                <a:prstClr val="black">
+                  <a:tint val="75000"/>
+                </a:prstClr>
+              </a:solidFill>
+              <a:latin typeface="Calibri"/>
+            </a:endParaRPr>
+          </a:p>
+        </p:txBody>
+      </p:sp>
+    </p:spTree>
+    <p:extLst>
+      <p:ext uri="{BB962C8B-B14F-4D97-AF65-F5344CB8AC3E}">
+        <p14:creationId xmlns:p14="http://schemas.microsoft.com/office/powerpoint/2010/main" val="3815915275"/>
+      </p:ext>
+    </p:extLst>
+  </p:cSld>
+  <p:clrMapOvr>
+    <a:masterClrMapping/>
+  </p:clrMapOvr>
+</p:sldLayout>
+</file>
+
+<file path=ppt/slideLayouts/slideLayout23.xml><?xml version="1.0" encoding="utf-8"?>
+<p:sldLayout xmlns:a="http://schemas.openxmlformats.org/drawingml/2006/main" xmlns:r="http://schemas.openxmlformats.org/officeDocument/2006/relationships" xmlns:p="http://schemas.openxmlformats.org/presentationml/2006/main" type="vertTitleAndTx" preserve="1">
+  <p:cSld name="Vertical Title and Text">
+    <p:spTree>
+      <p:nvGrpSpPr>
+        <p:cNvPr id="1" name=""/>
+        <p:cNvGrpSpPr/>
+        <p:nvPr/>
+      </p:nvGrpSpPr>
+      <p:grpSpPr>
+        <a:xfrm>
+          <a:off x="0" y="0"/>
+          <a:ext cx="0" cy="0"/>
+          <a:chOff x="0" y="0"/>
+          <a:chExt cx="0" cy="0"/>
+        </a:xfrm>
+      </p:grpSpPr>
+      <p:sp>
+        <p:nvSpPr>
+          <p:cNvPr id="2" name="Vertical Title 1"/>
+          <p:cNvSpPr>
+            <a:spLocks noGrp="1"/>
+          </p:cNvSpPr>
+          <p:nvPr>
+            <p:ph type="title" orient="vert"/>
+          </p:nvPr>
+        </p:nvSpPr>
+        <p:spPr>
+          <a:xfrm>
+            <a:off x="6543676" y="273845"/>
+            <a:ext cx="1971675" cy="4358879"/>
+          </a:xfrm>
+        </p:spPr>
+        <p:txBody>
+          <a:bodyPr vert="eaVert"/>
+          <a:lstStyle/>
+          <a:p>
+            <a:r>
+              <a:rPr lang="en-US" smtClean="0"/>
+              <a:t>Click to edit Master title style</a:t>
+            </a:r>
+            <a:endParaRPr lang="en-US"/>
+          </a:p>
+        </p:txBody>
+      </p:sp>
+      <p:sp>
+        <p:nvSpPr>
+          <p:cNvPr id="3" name="Vertical Text Placeholder 2"/>
+          <p:cNvSpPr>
+            <a:spLocks noGrp="1"/>
+          </p:cNvSpPr>
+          <p:nvPr>
+            <p:ph type="body" orient="vert" idx="1"/>
+          </p:nvPr>
+        </p:nvSpPr>
+        <p:spPr>
+          <a:xfrm>
+            <a:off x="628651" y="273845"/>
+            <a:ext cx="5800725" cy="4358879"/>
+          </a:xfrm>
+        </p:spPr>
+        <p:txBody>
+          <a:bodyPr vert="eaVert"/>
+          <a:lstStyle/>
+          <a:p>
+            <a:pPr lvl="0"/>
+            <a:r>
+              <a:rPr lang="en-US" smtClean="0"/>
+              <a:t>Click to edit Master text styles</a:t>
+            </a:r>
+          </a:p>
+          <a:p>
+            <a:pPr lvl="1"/>
+            <a:r>
+              <a:rPr lang="en-US" smtClean="0"/>
+              <a:t>Second level</a:t>
+            </a:r>
+          </a:p>
+          <a:p>
+            <a:pPr lvl="2"/>
+            <a:r>
+              <a:rPr lang="en-US" smtClean="0"/>
+              <a:t>Third level</a:t>
+            </a:r>
+          </a:p>
+          <a:p>
+            <a:pPr lvl="3"/>
+            <a:r>
+              <a:rPr lang="en-US" smtClean="0"/>
+              <a:t>Fourth level</a:t>
+            </a:r>
+          </a:p>
+          <a:p>
+            <a:pPr lvl="4"/>
+            <a:r>
+              <a:rPr lang="en-US" smtClean="0"/>
+              <a:t>Fifth level</a:t>
+            </a:r>
+            <a:endParaRPr lang="en-US"/>
+          </a:p>
+        </p:txBody>
+      </p:sp>
+      <p:sp>
+        <p:nvSpPr>
+          <p:cNvPr id="4" name="Date Placeholder 3"/>
+          <p:cNvSpPr>
+            <a:spLocks noGrp="1"/>
+          </p:cNvSpPr>
+          <p:nvPr>
+            <p:ph type="dt" sz="half" idx="10"/>
+          </p:nvPr>
+        </p:nvSpPr>
+        <p:spPr/>
+        <p:txBody>
+          <a:bodyPr/>
+          <a:lstStyle/>
+          <a:p>
+            <a:fld id="{D2C2715B-F942-4F5E-A633-D0A1D132D002}" type="datetimeFigureOut">
+              <a:rPr lang="en-US" smtClean="0">
+                <a:solidFill>
+                  <a:prstClr val="black">
+                    <a:tint val="75000"/>
+                  </a:prstClr>
+                </a:solidFill>
+                <a:latin typeface="Calibri"/>
+              </a:rPr>
+              <a:pPr/>
+              <a:t>10/29/13</a:t>
+            </a:fld>
+            <a:endParaRPr lang="en-US">
+              <a:solidFill>
+                <a:prstClr val="black">
+                  <a:tint val="75000"/>
+                </a:prstClr>
+              </a:solidFill>
+              <a:latin typeface="Calibri"/>
+            </a:endParaRPr>
+          </a:p>
+        </p:txBody>
+      </p:sp>
+      <p:sp>
+        <p:nvSpPr>
+          <p:cNvPr id="5" name="Footer Placeholder 4"/>
+          <p:cNvSpPr>
+            <a:spLocks noGrp="1"/>
+          </p:cNvSpPr>
+          <p:nvPr>
+            <p:ph type="ftr" sz="quarter" idx="11"/>
+          </p:nvPr>
+        </p:nvSpPr>
+        <p:spPr/>
+        <p:txBody>
+          <a:bodyPr/>
+          <a:lstStyle/>
+          <a:p>
+            <a:endParaRPr lang="en-US">
+              <a:solidFill>
+                <a:prstClr val="black">
+                  <a:tint val="75000"/>
+                </a:prstClr>
+              </a:solidFill>
+              <a:latin typeface="Calibri"/>
+            </a:endParaRPr>
+          </a:p>
+        </p:txBody>
+      </p:sp>
+      <p:sp>
+        <p:nvSpPr>
+          <p:cNvPr id="6" name="Slide Number Placeholder 5"/>
+          <p:cNvSpPr>
+            <a:spLocks noGrp="1"/>
+          </p:cNvSpPr>
+          <p:nvPr>
+            <p:ph type="sldNum" sz="quarter" idx="12"/>
+          </p:nvPr>
+        </p:nvSpPr>
+        <p:spPr/>
+        <p:txBody>
+          <a:bodyPr/>
+          <a:lstStyle/>
+          <a:p>
+            <a:fld id="{0DE94595-C6D2-4D8B-9FF7-0FE108ABBDE1}" type="slidenum">
+              <a:rPr lang="en-US" smtClean="0">
+                <a:solidFill>
+                  <a:prstClr val="black">
+                    <a:tint val="75000"/>
+                  </a:prstClr>
+                </a:solidFill>
+                <a:latin typeface="Calibri"/>
+              </a:rPr>
+              <a:pPr/>
+              <a:t>‹#›</a:t>
+            </a:fld>
+            <a:endParaRPr lang="en-US">
+              <a:solidFill>
+                <a:prstClr val="black">
+                  <a:tint val="75000"/>
+                </a:prstClr>
+              </a:solidFill>
+              <a:latin typeface="Calibri"/>
+            </a:endParaRPr>
+          </a:p>
+        </p:txBody>
+      </p:sp>
+    </p:spTree>
+    <p:extLst>
+      <p:ext uri="{BB962C8B-B14F-4D97-AF65-F5344CB8AC3E}">
+        <p14:creationId xmlns:p14="http://schemas.microsoft.com/office/powerpoint/2010/main" val="1264702219"/>
+      </p:ext>
+    </p:extLst>
+  </p:cSld>
+  <p:clrMapOvr>
+    <a:masterClrMapping/>
+  </p:clrMapOvr>
+</p:sldLayout>
+</file>
+
+<file path=ppt/slideLayouts/slideLayout24.xml><?xml version="1.0" encoding="utf-8"?>
+<p:sldLayout xmlns:a="http://schemas.openxmlformats.org/drawingml/2006/main" xmlns:r="http://schemas.openxmlformats.org/officeDocument/2006/relationships" xmlns:p="http://schemas.openxmlformats.org/presentationml/2006/main" type="title" preserve="1">
+  <p:cSld name="Title Slide">
+    <p:spTree>
+      <p:nvGrpSpPr>
+        <p:cNvPr id="1" name=""/>
+        <p:cNvGrpSpPr/>
+        <p:nvPr/>
+      </p:nvGrpSpPr>
+      <p:grpSpPr>
+        <a:xfrm>
+          <a:off x="0" y="0"/>
+          <a:ext cx="0" cy="0"/>
+          <a:chOff x="0" y="0"/>
+          <a:chExt cx="0" cy="0"/>
+        </a:xfrm>
+      </p:grpSpPr>
+      <p:sp>
+        <p:nvSpPr>
+          <p:cNvPr id="2" name="Title 1"/>
+          <p:cNvSpPr>
+            <a:spLocks noGrp="1"/>
+          </p:cNvSpPr>
+          <p:nvPr>
+            <p:ph type="ctrTitle"/>
+          </p:nvPr>
+        </p:nvSpPr>
+        <p:spPr>
+          <a:xfrm>
+            <a:off x="1143000" y="841772"/>
+            <a:ext cx="6858000" cy="1790700"/>
+          </a:xfrm>
+        </p:spPr>
+        <p:txBody>
+          <a:bodyPr anchor="b"/>
+          <a:lstStyle>
+            <a:lvl1pPr algn="ctr">
+              <a:defRPr sz="4500"/>
+            </a:lvl1pPr>
+          </a:lstStyle>
+          <a:p>
+            <a:r>
+              <a:rPr lang="en-US" smtClean="0"/>
+              <a:t>Click to edit Master title style</a:t>
+            </a:r>
+            <a:endParaRPr lang="en-US"/>
+          </a:p>
+        </p:txBody>
+      </p:sp>
+      <p:sp>
+        <p:nvSpPr>
+          <p:cNvPr id="3" name="Subtitle 2"/>
+          <p:cNvSpPr>
+            <a:spLocks noGrp="1"/>
+          </p:cNvSpPr>
+          <p:nvPr>
+            <p:ph type="subTitle" idx="1"/>
+          </p:nvPr>
+        </p:nvSpPr>
+        <p:spPr>
+          <a:xfrm>
+            <a:off x="1143000" y="2701528"/>
+            <a:ext cx="6858000" cy="1241822"/>
+          </a:xfrm>
+        </p:spPr>
+        <p:txBody>
+          <a:bodyPr/>
+          <a:lstStyle>
+            <a:lvl1pPr marL="0" indent="0" algn="ctr">
+              <a:buNone/>
+              <a:defRPr sz="1800"/>
+            </a:lvl1pPr>
+            <a:lvl2pPr marL="342900" indent="0" algn="ctr">
+              <a:buNone/>
+              <a:defRPr sz="1500"/>
+            </a:lvl2pPr>
+            <a:lvl3pPr marL="685800" indent="0" algn="ctr">
+              <a:buNone/>
+              <a:defRPr sz="1400"/>
+            </a:lvl3pPr>
+            <a:lvl4pPr marL="1028700" indent="0" algn="ctr">
+              <a:buNone/>
+              <a:defRPr sz="1200"/>
+            </a:lvl4pPr>
+            <a:lvl5pPr marL="1371600" indent="0" algn="ctr">
+              <a:buNone/>
+              <a:defRPr sz="1200"/>
+            </a:lvl5pPr>
+            <a:lvl6pPr marL="1714500" indent="0" algn="ctr">
+              <a:buNone/>
+              <a:defRPr sz="1200"/>
+            </a:lvl6pPr>
+            <a:lvl7pPr marL="2057400" indent="0" algn="ctr">
+              <a:buNone/>
+              <a:defRPr sz="1200"/>
+            </a:lvl7pPr>
+            <a:lvl8pPr marL="2400300" indent="0" algn="ctr">
+              <a:buNone/>
+              <a:defRPr sz="1200"/>
+            </a:lvl8pPr>
+            <a:lvl9pPr marL="2743200" indent="0" algn="ctr">
+              <a:buNone/>
+              <a:defRPr sz="1200"/>
+            </a:lvl9pPr>
+          </a:lstStyle>
+          <a:p>
+            <a:r>
+              <a:rPr lang="en-US" smtClean="0"/>
+              <a:t>Click to edit Master subtitle style</a:t>
+            </a:r>
+            <a:endParaRPr lang="en-US"/>
+          </a:p>
+        </p:txBody>
+      </p:sp>
+      <p:sp>
+        <p:nvSpPr>
+          <p:cNvPr id="4" name="Date Placeholder 3"/>
+          <p:cNvSpPr>
+            <a:spLocks noGrp="1"/>
+          </p:cNvSpPr>
+          <p:nvPr>
+            <p:ph type="dt" sz="half" idx="10"/>
+          </p:nvPr>
+        </p:nvSpPr>
+        <p:spPr/>
+        <p:txBody>
+          <a:bodyPr/>
+          <a:lstStyle/>
+          <a:p>
+            <a:fld id="{D2C2715B-F942-4F5E-A633-D0A1D132D002}" type="datetimeFigureOut">
+              <a:rPr lang="en-US" smtClean="0">
+                <a:solidFill>
+                  <a:prstClr val="black">
+                    <a:tint val="75000"/>
+                  </a:prstClr>
+                </a:solidFill>
+                <a:latin typeface="Calibri"/>
+              </a:rPr>
+              <a:pPr/>
+              <a:t>10/29/13</a:t>
+            </a:fld>
+            <a:endParaRPr lang="en-US">
+              <a:solidFill>
+                <a:prstClr val="black">
+                  <a:tint val="75000"/>
+                </a:prstClr>
+              </a:solidFill>
+              <a:latin typeface="Calibri"/>
+            </a:endParaRPr>
+          </a:p>
+        </p:txBody>
+      </p:sp>
+      <p:sp>
+        <p:nvSpPr>
+          <p:cNvPr id="5" name="Footer Placeholder 4"/>
+          <p:cNvSpPr>
+            <a:spLocks noGrp="1"/>
+          </p:cNvSpPr>
+          <p:nvPr>
+            <p:ph type="ftr" sz="quarter" idx="11"/>
+          </p:nvPr>
+        </p:nvSpPr>
+        <p:spPr/>
+        <p:txBody>
+          <a:bodyPr/>
+          <a:lstStyle/>
+          <a:p>
+            <a:endParaRPr lang="en-US">
+              <a:solidFill>
+                <a:prstClr val="black">
+                  <a:tint val="75000"/>
+                </a:prstClr>
+              </a:solidFill>
+              <a:latin typeface="Calibri"/>
+            </a:endParaRPr>
+          </a:p>
+        </p:txBody>
+      </p:sp>
+      <p:sp>
+        <p:nvSpPr>
+          <p:cNvPr id="6" name="Slide Number Placeholder 5"/>
+          <p:cNvSpPr>
+            <a:spLocks noGrp="1"/>
+          </p:cNvSpPr>
+          <p:nvPr>
+            <p:ph type="sldNum" sz="quarter" idx="12"/>
+          </p:nvPr>
+        </p:nvSpPr>
+        <p:spPr/>
+        <p:txBody>
+          <a:bodyPr/>
+          <a:lstStyle/>
+          <a:p>
+            <a:fld id="{0DE94595-C6D2-4D8B-9FF7-0FE108ABBDE1}" type="slidenum">
+              <a:rPr lang="en-US" smtClean="0">
+                <a:solidFill>
+                  <a:prstClr val="black">
+                    <a:tint val="75000"/>
+                  </a:prstClr>
+                </a:solidFill>
+                <a:latin typeface="Calibri"/>
+              </a:rPr>
+              <a:pPr/>
+              <a:t>‹#›</a:t>
+            </a:fld>
+            <a:endParaRPr lang="en-US">
+              <a:solidFill>
+                <a:prstClr val="black">
+                  <a:tint val="75000"/>
+                </a:prstClr>
+              </a:solidFill>
+              <a:latin typeface="Calibri"/>
+            </a:endParaRPr>
+          </a:p>
+        </p:txBody>
+      </p:sp>
+    </p:spTree>
+    <p:extLst>
+      <p:ext uri="{BB962C8B-B14F-4D97-AF65-F5344CB8AC3E}">
+        <p14:creationId xmlns:p14="http://schemas.microsoft.com/office/powerpoint/2010/main" val="2420169980"/>
+      </p:ext>
+    </p:extLst>
+  </p:cSld>
+  <p:clrMapOvr>
+    <a:masterClrMapping/>
+  </p:clrMapOvr>
+</p:sldLayout>
+</file>
+
+<file path=ppt/slideLayouts/slideLayout25.xml><?xml version="1.0" encoding="utf-8"?>
+<p:sldLayout xmlns:a="http://schemas.openxmlformats.org/drawingml/2006/main" xmlns:r="http://schemas.openxmlformats.org/officeDocument/2006/relationships" xmlns:p="http://schemas.openxmlformats.org/presentationml/2006/main" type="obj" preserve="1">
+  <p:cSld name="Title and Content">
+    <p:spTree>
+      <p:nvGrpSpPr>
+        <p:cNvPr id="1" name=""/>
+        <p:cNvGrpSpPr/>
+        <p:nvPr/>
+      </p:nvGrpSpPr>
+      <p:grpSpPr>
+        <a:xfrm>
+          <a:off x="0" y="0"/>
+          <a:ext cx="0" cy="0"/>
+          <a:chOff x="0" y="0"/>
+          <a:chExt cx="0" cy="0"/>
+        </a:xfrm>
+      </p:grpSpPr>
+      <p:sp>
+        <p:nvSpPr>
+          <p:cNvPr id="2" name="Title 1"/>
+          <p:cNvSpPr>
+            <a:spLocks noGrp="1"/>
+          </p:cNvSpPr>
+          <p:nvPr>
+            <p:ph type="title"/>
+          </p:nvPr>
+        </p:nvSpPr>
+        <p:spPr/>
+        <p:txBody>
+          <a:bodyPr/>
+          <a:lstStyle/>
+          <a:p>
+            <a:r>
+              <a:rPr lang="en-US" smtClean="0"/>
+              <a:t>Click to edit Master title style</a:t>
+            </a:r>
+            <a:endParaRPr lang="en-US"/>
+          </a:p>
+        </p:txBody>
+      </p:sp>
+      <p:sp>
+        <p:nvSpPr>
+          <p:cNvPr id="3" name="Content Placeholder 2"/>
+          <p:cNvSpPr>
+            <a:spLocks noGrp="1"/>
+          </p:cNvSpPr>
+          <p:nvPr>
+            <p:ph idx="1"/>
+          </p:nvPr>
+        </p:nvSpPr>
+        <p:spPr/>
+        <p:txBody>
+          <a:bodyPr/>
+          <a:lstStyle/>
+          <a:p>
+            <a:pPr lvl="0"/>
+            <a:r>
+              <a:rPr lang="en-US" smtClean="0"/>
+              <a:t>Click to edit Master text styles</a:t>
+            </a:r>
+          </a:p>
+          <a:p>
+            <a:pPr lvl="1"/>
+            <a:r>
+              <a:rPr lang="en-US" smtClean="0"/>
+              <a:t>Second level</a:t>
+            </a:r>
+          </a:p>
+          <a:p>
+            <a:pPr lvl="2"/>
+            <a:r>
+              <a:rPr lang="en-US" smtClean="0"/>
+              <a:t>Third level</a:t>
+            </a:r>
+          </a:p>
+          <a:p>
+            <a:pPr lvl="3"/>
+            <a:r>
+              <a:rPr lang="en-US" smtClean="0"/>
+              <a:t>Fourth level</a:t>
+            </a:r>
+          </a:p>
+          <a:p>
+            <a:pPr lvl="4"/>
+            <a:r>
+              <a:rPr lang="en-US" smtClean="0"/>
+              <a:t>Fifth level</a:t>
+            </a:r>
+            <a:endParaRPr lang="en-US"/>
+          </a:p>
+        </p:txBody>
+      </p:sp>
+      <p:sp>
+        <p:nvSpPr>
+          <p:cNvPr id="4" name="Date Placeholder 3"/>
+          <p:cNvSpPr>
+            <a:spLocks noGrp="1"/>
+          </p:cNvSpPr>
+          <p:nvPr>
+            <p:ph type="dt" sz="half" idx="10"/>
+          </p:nvPr>
+        </p:nvSpPr>
+        <p:spPr/>
+        <p:txBody>
+          <a:bodyPr/>
+          <a:lstStyle/>
+          <a:p>
+            <a:fld id="{D2C2715B-F942-4F5E-A633-D0A1D132D002}" type="datetimeFigureOut">
+              <a:rPr lang="en-US" smtClean="0">
+                <a:solidFill>
+                  <a:prstClr val="black">
+                    <a:tint val="75000"/>
+                  </a:prstClr>
+                </a:solidFill>
+                <a:latin typeface="Calibri"/>
+              </a:rPr>
+              <a:pPr/>
+              <a:t>10/29/13</a:t>
+            </a:fld>
+            <a:endParaRPr lang="en-US">
+              <a:solidFill>
+                <a:prstClr val="black">
+                  <a:tint val="75000"/>
+                </a:prstClr>
+              </a:solidFill>
+              <a:latin typeface="Calibri"/>
+            </a:endParaRPr>
+          </a:p>
+        </p:txBody>
+      </p:sp>
+      <p:sp>
+        <p:nvSpPr>
+          <p:cNvPr id="5" name="Footer Placeholder 4"/>
+          <p:cNvSpPr>
+            <a:spLocks noGrp="1"/>
+          </p:cNvSpPr>
+          <p:nvPr>
+            <p:ph type="ftr" sz="quarter" idx="11"/>
+          </p:nvPr>
+        </p:nvSpPr>
+        <p:spPr/>
+        <p:txBody>
+          <a:bodyPr/>
+          <a:lstStyle/>
+          <a:p>
+            <a:endParaRPr lang="en-US">
+              <a:solidFill>
+                <a:prstClr val="black">
+                  <a:tint val="75000"/>
+                </a:prstClr>
+              </a:solidFill>
+              <a:latin typeface="Calibri"/>
+            </a:endParaRPr>
+          </a:p>
+        </p:txBody>
+      </p:sp>
+      <p:sp>
+        <p:nvSpPr>
+          <p:cNvPr id="6" name="Slide Number Placeholder 5"/>
+          <p:cNvSpPr>
+            <a:spLocks noGrp="1"/>
+          </p:cNvSpPr>
+          <p:nvPr>
+            <p:ph type="sldNum" sz="quarter" idx="12"/>
+          </p:nvPr>
+        </p:nvSpPr>
+        <p:spPr/>
+        <p:txBody>
+          <a:bodyPr/>
+          <a:lstStyle/>
+          <a:p>
+            <a:fld id="{0DE94595-C6D2-4D8B-9FF7-0FE108ABBDE1}" type="slidenum">
+              <a:rPr lang="en-US" smtClean="0">
+                <a:solidFill>
+                  <a:prstClr val="black">
+                    <a:tint val="75000"/>
+                  </a:prstClr>
+                </a:solidFill>
+                <a:latin typeface="Calibri"/>
+              </a:rPr>
+              <a:pPr/>
+              <a:t>‹#›</a:t>
+            </a:fld>
+            <a:endParaRPr lang="en-US">
+              <a:solidFill>
+                <a:prstClr val="black">
+                  <a:tint val="75000"/>
+                </a:prstClr>
+              </a:solidFill>
+              <a:latin typeface="Calibri"/>
+            </a:endParaRPr>
+          </a:p>
+        </p:txBody>
+      </p:sp>
+    </p:spTree>
+    <p:extLst>
+      <p:ext uri="{BB962C8B-B14F-4D97-AF65-F5344CB8AC3E}">
+        <p14:creationId xmlns:p14="http://schemas.microsoft.com/office/powerpoint/2010/main" val="14575727"/>
+      </p:ext>
+    </p:extLst>
+  </p:cSld>
+  <p:clrMapOvr>
+    <a:masterClrMapping/>
+  </p:clrMapOvr>
+</p:sldLayout>
+</file>
+
+<file path=ppt/slideLayouts/slideLayout26.xml><?xml version="1.0" encoding="utf-8"?>
+<p:sldLayout xmlns:a="http://schemas.openxmlformats.org/drawingml/2006/main" xmlns:r="http://schemas.openxmlformats.org/officeDocument/2006/relationships" xmlns:p="http://schemas.openxmlformats.org/presentationml/2006/main" type="secHead" preserve="1">
+  <p:cSld name="Section Header">
+    <p:spTree>
+      <p:nvGrpSpPr>
+        <p:cNvPr id="1" name=""/>
+        <p:cNvGrpSpPr/>
+        <p:nvPr/>
+      </p:nvGrpSpPr>
+      <p:grpSpPr>
+        <a:xfrm>
+          <a:off x="0" y="0"/>
+          <a:ext cx="0" cy="0"/>
+          <a:chOff x="0" y="0"/>
+          <a:chExt cx="0" cy="0"/>
+        </a:xfrm>
+      </p:grpSpPr>
+      <p:sp>
+        <p:nvSpPr>
+          <p:cNvPr id="2" name="Title 1"/>
+          <p:cNvSpPr>
+            <a:spLocks noGrp="1"/>
+          </p:cNvSpPr>
+          <p:nvPr>
+            <p:ph type="title"/>
+          </p:nvPr>
+        </p:nvSpPr>
+        <p:spPr>
+          <a:xfrm>
+            <a:off x="623888" y="1282304"/>
+            <a:ext cx="7886700" cy="2139553"/>
+          </a:xfrm>
+        </p:spPr>
+        <p:txBody>
+          <a:bodyPr anchor="b"/>
+          <a:lstStyle>
+            <a:lvl1pPr>
+              <a:defRPr sz="4500"/>
+            </a:lvl1pPr>
+          </a:lstStyle>
+          <a:p>
+            <a:r>
+              <a:rPr lang="en-US" smtClean="0"/>
+              <a:t>Click to edit Master title style</a:t>
+            </a:r>
+            <a:endParaRPr lang="en-US"/>
+          </a:p>
+        </p:txBody>
+      </p:sp>
+      <p:sp>
+        <p:nvSpPr>
+          <p:cNvPr id="3" name="Text Placeholder 2"/>
+          <p:cNvSpPr>
+            <a:spLocks noGrp="1"/>
+          </p:cNvSpPr>
+          <p:nvPr>
+            <p:ph type="body" idx="1"/>
+          </p:nvPr>
+        </p:nvSpPr>
+        <p:spPr>
+          <a:xfrm>
+            <a:off x="623888" y="3442098"/>
+            <a:ext cx="7886700" cy="1125140"/>
+          </a:xfrm>
+        </p:spPr>
+        <p:txBody>
+          <a:bodyPr/>
+          <a:lstStyle>
+            <a:lvl1pPr marL="0" indent="0">
+              <a:buNone/>
+              <a:defRPr sz="1800">
+                <a:solidFill>
+                  <a:schemeClr val="tx1">
+                    <a:tint val="75000"/>
+                  </a:schemeClr>
+                </a:solidFill>
+              </a:defRPr>
+            </a:lvl1pPr>
+            <a:lvl2pPr marL="342900" indent="0">
+              <a:buNone/>
+              <a:defRPr sz="1500">
+                <a:solidFill>
+                  <a:schemeClr val="tx1">
+                    <a:tint val="75000"/>
+                  </a:schemeClr>
+                </a:solidFill>
+              </a:defRPr>
+            </a:lvl2pPr>
+            <a:lvl3pPr marL="685800" indent="0">
+              <a:buNone/>
+              <a:defRPr sz="1400">
+                <a:solidFill>
+                  <a:schemeClr val="tx1">
+                    <a:tint val="75000"/>
+                  </a:schemeClr>
+                </a:solidFill>
+              </a:defRPr>
+            </a:lvl3pPr>
+            <a:lvl4pPr marL="1028700" indent="0">
+              <a:buNone/>
+              <a:defRPr sz="1200">
+                <a:solidFill>
+                  <a:schemeClr val="tx1">
+                    <a:tint val="75000"/>
+                  </a:schemeClr>
+                </a:solidFill>
+              </a:defRPr>
+            </a:lvl4pPr>
+            <a:lvl5pPr marL="1371600" indent="0">
+              <a:buNone/>
+              <a:defRPr sz="1200">
+                <a:solidFill>
+                  <a:schemeClr val="tx1">
+                    <a:tint val="75000"/>
+                  </a:schemeClr>
+                </a:solidFill>
+              </a:defRPr>
+            </a:lvl5pPr>
+            <a:lvl6pPr marL="1714500" indent="0">
+              <a:buNone/>
+              <a:defRPr sz="1200">
+                <a:solidFill>
+                  <a:schemeClr val="tx1">
+                    <a:tint val="75000"/>
+                  </a:schemeClr>
+                </a:solidFill>
+              </a:defRPr>
+            </a:lvl6pPr>
+            <a:lvl7pPr marL="2057400" indent="0">
+              <a:buNone/>
+              <a:defRPr sz="1200">
+                <a:solidFill>
+                  <a:schemeClr val="tx1">
+                    <a:tint val="75000"/>
+                  </a:schemeClr>
+                </a:solidFill>
+              </a:defRPr>
+            </a:lvl7pPr>
+            <a:lvl8pPr marL="2400300" indent="0">
+              <a:buNone/>
+              <a:defRPr sz="1200">
+                <a:solidFill>
+                  <a:schemeClr val="tx1">
+                    <a:tint val="75000"/>
+                  </a:schemeClr>
+                </a:solidFill>
+              </a:defRPr>
+            </a:lvl8pPr>
+            <a:lvl9pPr marL="2743200" indent="0">
+              <a:buNone/>
+              <a:defRPr sz="1200">
+                <a:solidFill>
+                  <a:schemeClr val="tx1">
+                    <a:tint val="75000"/>
+                  </a:schemeClr>
+                </a:solidFill>
+              </a:defRPr>
+            </a:lvl9pPr>
+          </a:lstStyle>
+          <a:p>
+            <a:pPr lvl="0"/>
+            <a:r>
+              <a:rPr lang="en-US" smtClean="0"/>
+              <a:t>Click to edit Master text styles</a:t>
+            </a:r>
+          </a:p>
+        </p:txBody>
+      </p:sp>
+      <p:sp>
+        <p:nvSpPr>
+          <p:cNvPr id="4" name="Date Placeholder 3"/>
+          <p:cNvSpPr>
+            <a:spLocks noGrp="1"/>
+          </p:cNvSpPr>
+          <p:nvPr>
+            <p:ph type="dt" sz="half" idx="10"/>
+          </p:nvPr>
+        </p:nvSpPr>
+        <p:spPr/>
+        <p:txBody>
+          <a:bodyPr/>
+          <a:lstStyle/>
+          <a:p>
+            <a:fld id="{D2C2715B-F942-4F5E-A633-D0A1D132D002}" type="datetimeFigureOut">
+              <a:rPr lang="en-US" smtClean="0">
+                <a:solidFill>
+                  <a:prstClr val="black">
+                    <a:tint val="75000"/>
+                  </a:prstClr>
+                </a:solidFill>
+                <a:latin typeface="Calibri"/>
+              </a:rPr>
+              <a:pPr/>
+              <a:t>10/29/13</a:t>
+            </a:fld>
+            <a:endParaRPr lang="en-US">
+              <a:solidFill>
+                <a:prstClr val="black">
+                  <a:tint val="75000"/>
+                </a:prstClr>
+              </a:solidFill>
+              <a:latin typeface="Calibri"/>
+            </a:endParaRPr>
+          </a:p>
+        </p:txBody>
+      </p:sp>
+      <p:sp>
+        <p:nvSpPr>
+          <p:cNvPr id="5" name="Footer Placeholder 4"/>
+          <p:cNvSpPr>
+            <a:spLocks noGrp="1"/>
+          </p:cNvSpPr>
+          <p:nvPr>
+            <p:ph type="ftr" sz="quarter" idx="11"/>
+          </p:nvPr>
+        </p:nvSpPr>
+        <p:spPr/>
+        <p:txBody>
+          <a:bodyPr/>
+          <a:lstStyle/>
+          <a:p>
+            <a:endParaRPr lang="en-US">
+              <a:solidFill>
+                <a:prstClr val="black">
+                  <a:tint val="75000"/>
+                </a:prstClr>
+              </a:solidFill>
+              <a:latin typeface="Calibri"/>
+            </a:endParaRPr>
+          </a:p>
+        </p:txBody>
+      </p:sp>
+      <p:sp>
+        <p:nvSpPr>
+          <p:cNvPr id="6" name="Slide Number Placeholder 5"/>
+          <p:cNvSpPr>
+            <a:spLocks noGrp="1"/>
+          </p:cNvSpPr>
+          <p:nvPr>
+            <p:ph type="sldNum" sz="quarter" idx="12"/>
+          </p:nvPr>
+        </p:nvSpPr>
+        <p:spPr/>
+        <p:txBody>
+          <a:bodyPr/>
+          <a:lstStyle/>
+          <a:p>
+            <a:fld id="{0DE94595-C6D2-4D8B-9FF7-0FE108ABBDE1}" type="slidenum">
+              <a:rPr lang="en-US" smtClean="0">
+                <a:solidFill>
+                  <a:prstClr val="black">
+                    <a:tint val="75000"/>
+                  </a:prstClr>
+                </a:solidFill>
+                <a:latin typeface="Calibri"/>
+              </a:rPr>
+              <a:pPr/>
+              <a:t>‹#›</a:t>
+            </a:fld>
+            <a:endParaRPr lang="en-US">
+              <a:solidFill>
+                <a:prstClr val="black">
+                  <a:tint val="75000"/>
+                </a:prstClr>
+              </a:solidFill>
+              <a:latin typeface="Calibri"/>
+            </a:endParaRPr>
+          </a:p>
+        </p:txBody>
+      </p:sp>
+    </p:spTree>
+    <p:extLst>
+      <p:ext uri="{BB962C8B-B14F-4D97-AF65-F5344CB8AC3E}">
+        <p14:creationId xmlns:p14="http://schemas.microsoft.com/office/powerpoint/2010/main" val="2166827697"/>
+      </p:ext>
+    </p:extLst>
+  </p:cSld>
+  <p:clrMapOvr>
+    <a:masterClrMapping/>
+  </p:clrMapOvr>
+</p:sldLayout>
+</file>
+
+<file path=ppt/slideLayouts/slideLayout27.xml><?xml version="1.0" encoding="utf-8"?>
+<p:sldLayout xmlns:a="http://schemas.openxmlformats.org/drawingml/2006/main" xmlns:r="http://schemas.openxmlformats.org/officeDocument/2006/relationships" xmlns:p="http://schemas.openxmlformats.org/presentationml/2006/main" type="twoObj" preserve="1">
+  <p:cSld name="Two Content">
+    <p:spTree>
+      <p:nvGrpSpPr>
+        <p:cNvPr id="1" name=""/>
+        <p:cNvGrpSpPr/>
+        <p:nvPr/>
+      </p:nvGrpSpPr>
+      <p:grpSpPr>
+        <a:xfrm>
+          <a:off x="0" y="0"/>
+          <a:ext cx="0" cy="0"/>
+          <a:chOff x="0" y="0"/>
+          <a:chExt cx="0" cy="0"/>
+        </a:xfrm>
+      </p:grpSpPr>
+      <p:sp>
+        <p:nvSpPr>
+          <p:cNvPr id="2" name="Title 1"/>
+          <p:cNvSpPr>
+            <a:spLocks noGrp="1"/>
+          </p:cNvSpPr>
+          <p:nvPr>
+            <p:ph type="title"/>
+          </p:nvPr>
+        </p:nvSpPr>
+        <p:spPr/>
+        <p:txBody>
+          <a:bodyPr/>
+          <a:lstStyle/>
+          <a:p>
+            <a:r>
+              <a:rPr lang="en-US" smtClean="0"/>
+              <a:t>Click to edit Master title style</a:t>
+            </a:r>
+            <a:endParaRPr lang="en-US"/>
+          </a:p>
+        </p:txBody>
+      </p:sp>
+      <p:sp>
+        <p:nvSpPr>
+          <p:cNvPr id="3" name="Content Placeholder 2"/>
+          <p:cNvSpPr>
+            <a:spLocks noGrp="1"/>
+          </p:cNvSpPr>
+          <p:nvPr>
+            <p:ph sz="half" idx="1"/>
+          </p:nvPr>
+        </p:nvSpPr>
+        <p:spPr>
+          <a:xfrm>
+            <a:off x="628650" y="1369219"/>
+            <a:ext cx="3886200" cy="3263504"/>
+          </a:xfrm>
+        </p:spPr>
+        <p:txBody>
+          <a:bodyPr/>
+          <a:lstStyle/>
+          <a:p>
+            <a:pPr lvl="0"/>
+            <a:r>
+              <a:rPr lang="en-US" smtClean="0"/>
+              <a:t>Click to edit Master text styles</a:t>
+            </a:r>
+          </a:p>
+          <a:p>
+            <a:pPr lvl="1"/>
+            <a:r>
+              <a:rPr lang="en-US" smtClean="0"/>
+              <a:t>Second level</a:t>
+            </a:r>
+          </a:p>
+          <a:p>
+            <a:pPr lvl="2"/>
+            <a:r>
+              <a:rPr lang="en-US" smtClean="0"/>
+              <a:t>Third level</a:t>
+            </a:r>
+          </a:p>
+          <a:p>
+            <a:pPr lvl="3"/>
+            <a:r>
+              <a:rPr lang="en-US" smtClean="0"/>
+              <a:t>Fourth level</a:t>
+            </a:r>
+          </a:p>
+          <a:p>
+            <a:pPr lvl="4"/>
+            <a:r>
+              <a:rPr lang="en-US" smtClean="0"/>
+              <a:t>Fifth level</a:t>
+            </a:r>
+            <a:endParaRPr lang="en-US"/>
+          </a:p>
+        </p:txBody>
+      </p:sp>
+      <p:sp>
+        <p:nvSpPr>
+          <p:cNvPr id="4" name="Content Placeholder 3"/>
+          <p:cNvSpPr>
+            <a:spLocks noGrp="1"/>
+          </p:cNvSpPr>
+          <p:nvPr>
+            <p:ph sz="half" idx="2"/>
+          </p:nvPr>
+        </p:nvSpPr>
+        <p:spPr>
+          <a:xfrm>
+            <a:off x="4629150" y="1369219"/>
+            <a:ext cx="3886200" cy="3263504"/>
+          </a:xfrm>
+        </p:spPr>
+        <p:txBody>
+          <a:bodyPr/>
+          <a:lstStyle/>
+          <a:p>
+            <a:pPr lvl="0"/>
+            <a:r>
+              <a:rPr lang="en-US" smtClean="0"/>
+              <a:t>Click to edit Master text styles</a:t>
+            </a:r>
+          </a:p>
+          <a:p>
+            <a:pPr lvl="1"/>
+            <a:r>
+              <a:rPr lang="en-US" smtClean="0"/>
+              <a:t>Second level</a:t>
+            </a:r>
+          </a:p>
+          <a:p>
+            <a:pPr lvl="2"/>
+            <a:r>
+              <a:rPr lang="en-US" smtClean="0"/>
+              <a:t>Third level</a:t>
+            </a:r>
+          </a:p>
+          <a:p>
+            <a:pPr lvl="3"/>
+            <a:r>
+              <a:rPr lang="en-US" smtClean="0"/>
+              <a:t>Fourth level</a:t>
+            </a:r>
+          </a:p>
+          <a:p>
+            <a:pPr lvl="4"/>
+            <a:r>
+              <a:rPr lang="en-US" smtClean="0"/>
+              <a:t>Fifth level</a:t>
+            </a:r>
+            <a:endParaRPr lang="en-US"/>
+          </a:p>
+        </p:txBody>
+      </p:sp>
+      <p:sp>
+        <p:nvSpPr>
+          <p:cNvPr id="5" name="Date Placeholder 4"/>
+          <p:cNvSpPr>
+            <a:spLocks noGrp="1"/>
+          </p:cNvSpPr>
+          <p:nvPr>
+            <p:ph type="dt" sz="half" idx="10"/>
+          </p:nvPr>
+        </p:nvSpPr>
+        <p:spPr/>
+        <p:txBody>
+          <a:bodyPr/>
+          <a:lstStyle/>
+          <a:p>
+            <a:fld id="{D2C2715B-F942-4F5E-A633-D0A1D132D002}" type="datetimeFigureOut">
+              <a:rPr lang="en-US" smtClean="0">
+                <a:solidFill>
+                  <a:prstClr val="black">
+                    <a:tint val="75000"/>
+                  </a:prstClr>
+                </a:solidFill>
+                <a:latin typeface="Calibri"/>
+              </a:rPr>
+              <a:pPr/>
+              <a:t>10/29/13</a:t>
+            </a:fld>
+            <a:endParaRPr lang="en-US">
+              <a:solidFill>
+                <a:prstClr val="black">
+                  <a:tint val="75000"/>
+                </a:prstClr>
+              </a:solidFill>
+              <a:latin typeface="Calibri"/>
+            </a:endParaRPr>
+          </a:p>
+        </p:txBody>
+      </p:sp>
+      <p:sp>
+        <p:nvSpPr>
+          <p:cNvPr id="6" name="Footer Placeholder 5"/>
+          <p:cNvSpPr>
+            <a:spLocks noGrp="1"/>
+          </p:cNvSpPr>
+          <p:nvPr>
+            <p:ph type="ftr" sz="quarter" idx="11"/>
+          </p:nvPr>
+        </p:nvSpPr>
+        <p:spPr/>
+        <p:txBody>
+          <a:bodyPr/>
+          <a:lstStyle/>
+          <a:p>
+            <a:endParaRPr lang="en-US">
+              <a:solidFill>
+                <a:prstClr val="black">
+                  <a:tint val="75000"/>
+                </a:prstClr>
+              </a:solidFill>
+              <a:latin typeface="Calibri"/>
+            </a:endParaRPr>
+          </a:p>
+        </p:txBody>
+      </p:sp>
+      <p:sp>
+        <p:nvSpPr>
+          <p:cNvPr id="7" name="Slide Number Placeholder 6"/>
+          <p:cNvSpPr>
+            <a:spLocks noGrp="1"/>
+          </p:cNvSpPr>
+          <p:nvPr>
+            <p:ph type="sldNum" sz="quarter" idx="12"/>
+          </p:nvPr>
+        </p:nvSpPr>
+        <p:spPr/>
+        <p:txBody>
+          <a:bodyPr/>
+          <a:lstStyle/>
+          <a:p>
+            <a:fld id="{0DE94595-C6D2-4D8B-9FF7-0FE108ABBDE1}" type="slidenum">
+              <a:rPr lang="en-US" smtClean="0">
+                <a:solidFill>
+                  <a:prstClr val="black">
+                    <a:tint val="75000"/>
+                  </a:prstClr>
+                </a:solidFill>
+                <a:latin typeface="Calibri"/>
+              </a:rPr>
+              <a:pPr/>
+              <a:t>‹#›</a:t>
+            </a:fld>
+            <a:endParaRPr lang="en-US">
+              <a:solidFill>
+                <a:prstClr val="black">
+                  <a:tint val="75000"/>
+                </a:prstClr>
+              </a:solidFill>
+              <a:latin typeface="Calibri"/>
+            </a:endParaRPr>
+          </a:p>
+        </p:txBody>
+      </p:sp>
+    </p:spTree>
+    <p:extLst>
+      <p:ext uri="{BB962C8B-B14F-4D97-AF65-F5344CB8AC3E}">
+        <p14:creationId xmlns:p14="http://schemas.microsoft.com/office/powerpoint/2010/main" val="682842944"/>
+      </p:ext>
+    </p:extLst>
+  </p:cSld>
+  <p:clrMapOvr>
+    <a:masterClrMapping/>
+  </p:clrMapOvr>
+</p:sldLayout>
+</file>
+
+<file path=ppt/slideLayouts/slideLayout28.xml><?xml version="1.0" encoding="utf-8"?>
+<p:sldLayout xmlns:a="http://schemas.openxmlformats.org/drawingml/2006/main" xmlns:r="http://schemas.openxmlformats.org/officeDocument/2006/relationships" xmlns:p="http://schemas.openxmlformats.org/presentationml/2006/main" type="twoTxTwoObj" preserve="1">
+  <p:cSld name="Comparison">
+    <p:spTree>
+      <p:nvGrpSpPr>
+        <p:cNvPr id="1" name=""/>
+        <p:cNvGrpSpPr/>
+        <p:nvPr/>
+      </p:nvGrpSpPr>
+      <p:grpSpPr>
+        <a:xfrm>
+          <a:off x="0" y="0"/>
+          <a:ext cx="0" cy="0"/>
+          <a:chOff x="0" y="0"/>
+          <a:chExt cx="0" cy="0"/>
+        </a:xfrm>
+      </p:grpSpPr>
+      <p:sp>
+        <p:nvSpPr>
+          <p:cNvPr id="2" name="Title 1"/>
+          <p:cNvSpPr>
+            <a:spLocks noGrp="1"/>
+          </p:cNvSpPr>
+          <p:nvPr>
+            <p:ph type="title"/>
+          </p:nvPr>
+        </p:nvSpPr>
+        <p:spPr>
+          <a:xfrm>
+            <a:off x="629841" y="273844"/>
+            <a:ext cx="7886700" cy="994172"/>
+          </a:xfrm>
+        </p:spPr>
+        <p:txBody>
+          <a:bodyPr/>
+          <a:lstStyle/>
+          <a:p>
+            <a:r>
+              <a:rPr lang="en-US" smtClean="0"/>
+              <a:t>Click to edit Master title style</a:t>
+            </a:r>
+            <a:endParaRPr lang="en-US"/>
+          </a:p>
+        </p:txBody>
+      </p:sp>
+      <p:sp>
+        <p:nvSpPr>
+          <p:cNvPr id="3" name="Text Placeholder 2"/>
+          <p:cNvSpPr>
+            <a:spLocks noGrp="1"/>
+          </p:cNvSpPr>
+          <p:nvPr>
+            <p:ph type="body" idx="1"/>
+          </p:nvPr>
+        </p:nvSpPr>
+        <p:spPr>
+          <a:xfrm>
+            <a:off x="629842" y="1260872"/>
+            <a:ext cx="3868340" cy="617934"/>
+          </a:xfrm>
+        </p:spPr>
+        <p:txBody>
+          <a:bodyPr anchor="b"/>
+          <a:lstStyle>
+            <a:lvl1pPr marL="0" indent="0">
+              <a:buNone/>
+              <a:defRPr sz="1800" b="1"/>
+            </a:lvl1pPr>
+            <a:lvl2pPr marL="342900" indent="0">
+              <a:buNone/>
+              <a:defRPr sz="1500" b="1"/>
+            </a:lvl2pPr>
+            <a:lvl3pPr marL="685800" indent="0">
+              <a:buNone/>
+              <a:defRPr sz="1400" b="1"/>
+            </a:lvl3pPr>
+            <a:lvl4pPr marL="1028700" indent="0">
+              <a:buNone/>
+              <a:defRPr sz="1200" b="1"/>
+            </a:lvl4pPr>
+            <a:lvl5pPr marL="1371600" indent="0">
+              <a:buNone/>
+              <a:defRPr sz="1200" b="1"/>
+            </a:lvl5pPr>
+            <a:lvl6pPr marL="1714500" indent="0">
+              <a:buNone/>
+              <a:defRPr sz="1200" b="1"/>
+            </a:lvl6pPr>
+            <a:lvl7pPr marL="2057400" indent="0">
+              <a:buNone/>
+              <a:defRPr sz="1200" b="1"/>
+            </a:lvl7pPr>
+            <a:lvl8pPr marL="2400300" indent="0">
+              <a:buNone/>
+              <a:defRPr sz="1200" b="1"/>
+            </a:lvl8pPr>
+            <a:lvl9pPr marL="2743200" indent="0">
+              <a:buNone/>
+              <a:defRPr sz="1200" b="1"/>
+            </a:lvl9pPr>
+          </a:lstStyle>
+          <a:p>
+            <a:pPr lvl="0"/>
+            <a:r>
+              <a:rPr lang="en-US" smtClean="0"/>
+              <a:t>Click to edit Master text styles</a:t>
+            </a:r>
+          </a:p>
+        </p:txBody>
+      </p:sp>
+      <p:sp>
+        <p:nvSpPr>
+          <p:cNvPr id="4" name="Content Placeholder 3"/>
+          <p:cNvSpPr>
+            <a:spLocks noGrp="1"/>
+          </p:cNvSpPr>
+          <p:nvPr>
+            <p:ph sz="half" idx="2"/>
+          </p:nvPr>
+        </p:nvSpPr>
+        <p:spPr>
+          <a:xfrm>
+            <a:off x="629842" y="1878806"/>
+            <a:ext cx="3868340" cy="2763441"/>
+          </a:xfrm>
+        </p:spPr>
+        <p:txBody>
+          <a:bodyPr/>
+          <a:lstStyle/>
+          <a:p>
+            <a:pPr lvl="0"/>
+            <a:r>
+              <a:rPr lang="en-US" smtClean="0"/>
+              <a:t>Click to edit Master text styles</a:t>
+            </a:r>
+          </a:p>
+          <a:p>
+            <a:pPr lvl="1"/>
+            <a:r>
+              <a:rPr lang="en-US" smtClean="0"/>
+              <a:t>Second level</a:t>
+            </a:r>
+          </a:p>
+          <a:p>
+            <a:pPr lvl="2"/>
+            <a:r>
+              <a:rPr lang="en-US" smtClean="0"/>
+              <a:t>Third level</a:t>
+            </a:r>
+          </a:p>
+          <a:p>
+            <a:pPr lvl="3"/>
+            <a:r>
+              <a:rPr lang="en-US" smtClean="0"/>
+              <a:t>Fourth level</a:t>
+            </a:r>
+          </a:p>
+          <a:p>
+            <a:pPr lvl="4"/>
+            <a:r>
+              <a:rPr lang="en-US" smtClean="0"/>
+              <a:t>Fifth level</a:t>
+            </a:r>
+            <a:endParaRPr lang="en-US"/>
+          </a:p>
+        </p:txBody>
+      </p:sp>
+      <p:sp>
+        <p:nvSpPr>
+          <p:cNvPr id="5" name="Text Placeholder 4"/>
+          <p:cNvSpPr>
+            <a:spLocks noGrp="1"/>
+          </p:cNvSpPr>
+          <p:nvPr>
+            <p:ph type="body" sz="quarter" idx="3"/>
+          </p:nvPr>
+        </p:nvSpPr>
+        <p:spPr>
+          <a:xfrm>
+            <a:off x="4629150" y="1260872"/>
+            <a:ext cx="3887391" cy="617934"/>
+          </a:xfrm>
+        </p:spPr>
+        <p:txBody>
+          <a:bodyPr anchor="b"/>
+          <a:lstStyle>
+            <a:lvl1pPr marL="0" indent="0">
+              <a:buNone/>
+              <a:defRPr sz="1800" b="1"/>
+            </a:lvl1pPr>
+            <a:lvl2pPr marL="342900" indent="0">
+              <a:buNone/>
+              <a:defRPr sz="1500" b="1"/>
+            </a:lvl2pPr>
+            <a:lvl3pPr marL="685800" indent="0">
+              <a:buNone/>
+              <a:defRPr sz="1400" b="1"/>
+            </a:lvl3pPr>
+            <a:lvl4pPr marL="1028700" indent="0">
+              <a:buNone/>
+              <a:defRPr sz="1200" b="1"/>
+            </a:lvl4pPr>
+            <a:lvl5pPr marL="1371600" indent="0">
+              <a:buNone/>
+              <a:defRPr sz="1200" b="1"/>
+            </a:lvl5pPr>
+            <a:lvl6pPr marL="1714500" indent="0">
+              <a:buNone/>
+              <a:defRPr sz="1200" b="1"/>
+            </a:lvl6pPr>
+            <a:lvl7pPr marL="2057400" indent="0">
+              <a:buNone/>
+              <a:defRPr sz="1200" b="1"/>
+            </a:lvl7pPr>
+            <a:lvl8pPr marL="2400300" indent="0">
+              <a:buNone/>
+              <a:defRPr sz="1200" b="1"/>
+            </a:lvl8pPr>
+            <a:lvl9pPr marL="2743200" indent="0">
+              <a:buNone/>
+              <a:defRPr sz="1200" b="1"/>
+            </a:lvl9pPr>
+          </a:lstStyle>
+          <a:p>
+            <a:pPr lvl="0"/>
+            <a:r>
+              <a:rPr lang="en-US" smtClean="0"/>
+              <a:t>Click to edit Master text styles</a:t>
+            </a:r>
+          </a:p>
+        </p:txBody>
+      </p:sp>
+      <p:sp>
+        <p:nvSpPr>
+          <p:cNvPr id="6" name="Content Placeholder 5"/>
+          <p:cNvSpPr>
+            <a:spLocks noGrp="1"/>
+          </p:cNvSpPr>
+          <p:nvPr>
+            <p:ph sz="quarter" idx="4"/>
+          </p:nvPr>
+        </p:nvSpPr>
+        <p:spPr>
+          <a:xfrm>
+            <a:off x="4629150" y="1878806"/>
+            <a:ext cx="3887391" cy="2763441"/>
+          </a:xfrm>
+        </p:spPr>
+        <p:txBody>
+          <a:bodyPr/>
+          <a:lstStyle/>
+          <a:p>
+            <a:pPr lvl="0"/>
+            <a:r>
+              <a:rPr lang="en-US" smtClean="0"/>
+              <a:t>Click to edit Master text styles</a:t>
+            </a:r>
+          </a:p>
+          <a:p>
+            <a:pPr lvl="1"/>
+            <a:r>
+              <a:rPr lang="en-US" smtClean="0"/>
+              <a:t>Second level</a:t>
+            </a:r>
+          </a:p>
+          <a:p>
+            <a:pPr lvl="2"/>
+            <a:r>
+              <a:rPr lang="en-US" smtClean="0"/>
+              <a:t>Third level</a:t>
+            </a:r>
+          </a:p>
+          <a:p>
+            <a:pPr lvl="3"/>
+            <a:r>
+              <a:rPr lang="en-US" smtClean="0"/>
+              <a:t>Fourth level</a:t>
+            </a:r>
+          </a:p>
+          <a:p>
+            <a:pPr lvl="4"/>
+            <a:r>
+              <a:rPr lang="en-US" smtClean="0"/>
+              <a:t>Fifth level</a:t>
+            </a:r>
+            <a:endParaRPr lang="en-US"/>
+          </a:p>
+        </p:txBody>
+      </p:sp>
+      <p:sp>
+        <p:nvSpPr>
+          <p:cNvPr id="7" name="Date Placeholder 6"/>
+          <p:cNvSpPr>
+            <a:spLocks noGrp="1"/>
+          </p:cNvSpPr>
+          <p:nvPr>
+            <p:ph type="dt" sz="half" idx="10"/>
+          </p:nvPr>
+        </p:nvSpPr>
+        <p:spPr/>
+        <p:txBody>
+          <a:bodyPr/>
+          <a:lstStyle/>
+          <a:p>
+            <a:fld id="{D2C2715B-F942-4F5E-A633-D0A1D132D002}" type="datetimeFigureOut">
+              <a:rPr lang="en-US" smtClean="0">
+                <a:solidFill>
+                  <a:prstClr val="black">
+                    <a:tint val="75000"/>
+                  </a:prstClr>
+                </a:solidFill>
+                <a:latin typeface="Calibri"/>
+              </a:rPr>
+              <a:pPr/>
+              <a:t>10/29/13</a:t>
+            </a:fld>
+            <a:endParaRPr lang="en-US">
+              <a:solidFill>
+                <a:prstClr val="black">
+                  <a:tint val="75000"/>
+                </a:prstClr>
+              </a:solidFill>
+              <a:latin typeface="Calibri"/>
+            </a:endParaRPr>
+          </a:p>
+        </p:txBody>
+      </p:sp>
+      <p:sp>
+        <p:nvSpPr>
+          <p:cNvPr id="8" name="Footer Placeholder 7"/>
+          <p:cNvSpPr>
+            <a:spLocks noGrp="1"/>
+          </p:cNvSpPr>
+          <p:nvPr>
+            <p:ph type="ftr" sz="quarter" idx="11"/>
+          </p:nvPr>
+        </p:nvSpPr>
+        <p:spPr/>
+        <p:txBody>
+          <a:bodyPr/>
+          <a:lstStyle/>
+          <a:p>
+            <a:endParaRPr lang="en-US">
+              <a:solidFill>
+                <a:prstClr val="black">
+                  <a:tint val="75000"/>
+                </a:prstClr>
+              </a:solidFill>
+              <a:latin typeface="Calibri"/>
+            </a:endParaRPr>
+          </a:p>
+        </p:txBody>
+      </p:sp>
+      <p:sp>
+        <p:nvSpPr>
+          <p:cNvPr id="9" name="Slide Number Placeholder 8"/>
+          <p:cNvSpPr>
+            <a:spLocks noGrp="1"/>
+          </p:cNvSpPr>
+          <p:nvPr>
+            <p:ph type="sldNum" sz="quarter" idx="12"/>
+          </p:nvPr>
+        </p:nvSpPr>
+        <p:spPr/>
+        <p:txBody>
+          <a:bodyPr/>
+          <a:lstStyle/>
+          <a:p>
+            <a:fld id="{0DE94595-C6D2-4D8B-9FF7-0FE108ABBDE1}" type="slidenum">
+              <a:rPr lang="en-US" smtClean="0">
+                <a:solidFill>
+                  <a:prstClr val="black">
+                    <a:tint val="75000"/>
+                  </a:prstClr>
+                </a:solidFill>
+                <a:latin typeface="Calibri"/>
+              </a:rPr>
+              <a:pPr/>
+              <a:t>‹#›</a:t>
+            </a:fld>
+            <a:endParaRPr lang="en-US">
+              <a:solidFill>
+                <a:prstClr val="black">
+                  <a:tint val="75000"/>
+                </a:prstClr>
+              </a:solidFill>
+              <a:latin typeface="Calibri"/>
+            </a:endParaRPr>
+          </a:p>
+        </p:txBody>
+      </p:sp>
+    </p:spTree>
+    <p:extLst>
+      <p:ext uri="{BB962C8B-B14F-4D97-AF65-F5344CB8AC3E}">
+        <p14:creationId xmlns:p14="http://schemas.microsoft.com/office/powerpoint/2010/main" val="956577881"/>
+      </p:ext>
+    </p:extLst>
+  </p:cSld>
+  <p:clrMapOvr>
+    <a:masterClrMapping/>
+  </p:clrMapOvr>
+</p:sldLayout>
+</file>
+
+<file path=ppt/slideLayouts/slideLayout29.xml><?xml version="1.0" encoding="utf-8"?>
+<p:sldLayout xmlns:a="http://schemas.openxmlformats.org/drawingml/2006/main" xmlns:r="http://schemas.openxmlformats.org/officeDocument/2006/relationships" xmlns:p="http://schemas.openxmlformats.org/presentationml/2006/main" type="titleOnly" preserve="1">
+  <p:cSld name="Title Only">
+    <p:spTree>
+      <p:nvGrpSpPr>
+        <p:cNvPr id="1" name=""/>
+        <p:cNvGrpSpPr/>
+        <p:nvPr/>
+      </p:nvGrpSpPr>
+      <p:grpSpPr>
+        <a:xfrm>
+          <a:off x="0" y="0"/>
+          <a:ext cx="0" cy="0"/>
+          <a:chOff x="0" y="0"/>
+          <a:chExt cx="0" cy="0"/>
+        </a:xfrm>
+      </p:grpSpPr>
+      <p:sp>
+        <p:nvSpPr>
+          <p:cNvPr id="2" name="Title 1"/>
+          <p:cNvSpPr>
+            <a:spLocks noGrp="1"/>
+          </p:cNvSpPr>
+          <p:nvPr>
+            <p:ph type="title"/>
+          </p:nvPr>
+        </p:nvSpPr>
+        <p:spPr/>
+        <p:txBody>
+          <a:bodyPr/>
+          <a:lstStyle/>
+          <a:p>
+            <a:r>
+              <a:rPr lang="en-US" smtClean="0"/>
+              <a:t>Click to edit Master title style</a:t>
+            </a:r>
+            <a:endParaRPr lang="en-US"/>
+          </a:p>
+        </p:txBody>
+      </p:sp>
+      <p:sp>
+        <p:nvSpPr>
+          <p:cNvPr id="3" name="Date Placeholder 2"/>
+          <p:cNvSpPr>
+            <a:spLocks noGrp="1"/>
+          </p:cNvSpPr>
+          <p:nvPr>
+            <p:ph type="dt" sz="half" idx="10"/>
+          </p:nvPr>
+        </p:nvSpPr>
+        <p:spPr/>
+        <p:txBody>
+          <a:bodyPr/>
+          <a:lstStyle/>
+          <a:p>
+            <a:fld id="{D2C2715B-F942-4F5E-A633-D0A1D132D002}" type="datetimeFigureOut">
+              <a:rPr lang="en-US" smtClean="0">
+                <a:solidFill>
+                  <a:prstClr val="black">
+                    <a:tint val="75000"/>
+                  </a:prstClr>
+                </a:solidFill>
+                <a:latin typeface="Calibri"/>
+              </a:rPr>
+              <a:pPr/>
+              <a:t>10/29/13</a:t>
+            </a:fld>
+            <a:endParaRPr lang="en-US">
+              <a:solidFill>
+                <a:prstClr val="black">
+                  <a:tint val="75000"/>
+                </a:prstClr>
+              </a:solidFill>
+              <a:latin typeface="Calibri"/>
+            </a:endParaRPr>
+          </a:p>
+        </p:txBody>
+      </p:sp>
+      <p:sp>
+        <p:nvSpPr>
+          <p:cNvPr id="4" name="Footer Placeholder 3"/>
+          <p:cNvSpPr>
+            <a:spLocks noGrp="1"/>
+          </p:cNvSpPr>
+          <p:nvPr>
+            <p:ph type="ftr" sz="quarter" idx="11"/>
+          </p:nvPr>
+        </p:nvSpPr>
+        <p:spPr/>
+        <p:txBody>
+          <a:bodyPr/>
+          <a:lstStyle/>
+          <a:p>
+            <a:endParaRPr lang="en-US">
+              <a:solidFill>
+                <a:prstClr val="black">
+                  <a:tint val="75000"/>
+                </a:prstClr>
+              </a:solidFill>
+              <a:latin typeface="Calibri"/>
+            </a:endParaRPr>
+          </a:p>
+        </p:txBody>
+      </p:sp>
+      <p:sp>
+        <p:nvSpPr>
+          <p:cNvPr id="5" name="Slide Number Placeholder 4"/>
+          <p:cNvSpPr>
+            <a:spLocks noGrp="1"/>
+          </p:cNvSpPr>
+          <p:nvPr>
+            <p:ph type="sldNum" sz="quarter" idx="12"/>
+          </p:nvPr>
+        </p:nvSpPr>
+        <p:spPr/>
+        <p:txBody>
+          <a:bodyPr/>
+          <a:lstStyle/>
+          <a:p>
+            <a:fld id="{0DE94595-C6D2-4D8B-9FF7-0FE108ABBDE1}" type="slidenum">
+              <a:rPr lang="en-US" smtClean="0">
+                <a:solidFill>
+                  <a:prstClr val="black">
+                    <a:tint val="75000"/>
+                  </a:prstClr>
+                </a:solidFill>
+                <a:latin typeface="Calibri"/>
+              </a:rPr>
+              <a:pPr/>
+              <a:t>‹#›</a:t>
+            </a:fld>
+            <a:endParaRPr lang="en-US">
+              <a:solidFill>
+                <a:prstClr val="black">
+                  <a:tint val="75000"/>
+                </a:prstClr>
+              </a:solidFill>
+              <a:latin typeface="Calibri"/>
+            </a:endParaRPr>
+          </a:p>
+        </p:txBody>
+      </p:sp>
+    </p:spTree>
+    <p:extLst>
+      <p:ext uri="{BB962C8B-B14F-4D97-AF65-F5344CB8AC3E}">
+        <p14:creationId xmlns:p14="http://schemas.microsoft.com/office/powerpoint/2010/main" val="2896054990"/>
+      </p:ext>
+    </p:extLst>
   </p:cSld>
   <p:clrMapOvr>
     <a:masterClrMapping/>
@@ -1289,8 +5548,8 @@
         </p:nvSpPr>
         <p:spPr>
           <a:xfrm>
-            <a:off x="363538" y="3352801"/>
-            <a:ext cx="8416925" cy="1470025"/>
+            <a:off x="363540" y="2514602"/>
+            <a:ext cx="8416925" cy="1102519"/>
           </a:xfrm>
         </p:spPr>
         <p:txBody>
@@ -1317,8 +5576,8 @@
         </p:nvSpPr>
         <p:spPr>
           <a:xfrm>
-            <a:off x="363538" y="4771029"/>
-            <a:ext cx="8416925" cy="972671"/>
+            <a:off x="363540" y="3578273"/>
+            <a:ext cx="8416925" cy="729503"/>
           </a:xfrm>
         </p:spPr>
         <p:txBody>
@@ -1339,7 +5598,7 @@
                 </a:solidFill>
               </a:defRPr>
             </a:lvl1pPr>
-            <a:lvl2pPr marL="457200" indent="0" algn="ctr">
+            <a:lvl2pPr marL="457189" indent="0" algn="ctr">
               <a:buNone/>
               <a:defRPr>
                 <a:solidFill>
@@ -1349,7 +5608,7 @@
                 </a:solidFill>
               </a:defRPr>
             </a:lvl2pPr>
-            <a:lvl3pPr marL="914400" indent="0" algn="ctr">
+            <a:lvl3pPr marL="914378" indent="0" algn="ctr">
               <a:buNone/>
               <a:defRPr>
                 <a:solidFill>
@@ -1359,7 +5618,7 @@
                 </a:solidFill>
               </a:defRPr>
             </a:lvl3pPr>
-            <a:lvl4pPr marL="1371600" indent="0" algn="ctr">
+            <a:lvl4pPr marL="1371566" indent="0" algn="ctr">
               <a:buNone/>
               <a:defRPr>
                 <a:solidFill>
@@ -1369,7 +5628,7 @@
                 </a:solidFill>
               </a:defRPr>
             </a:lvl4pPr>
-            <a:lvl5pPr marL="1828800" indent="0" algn="ctr">
+            <a:lvl5pPr marL="1828754" indent="0" algn="ctr">
               <a:buNone/>
               <a:defRPr>
                 <a:solidFill>
@@ -1379,7 +5638,7 @@
                 </a:solidFill>
               </a:defRPr>
             </a:lvl5pPr>
-            <a:lvl6pPr marL="2286000" indent="0" algn="ctr">
+            <a:lvl6pPr marL="2285943" indent="0" algn="ctr">
               <a:buNone/>
               <a:defRPr>
                 <a:solidFill>
@@ -1389,7 +5648,7 @@
                 </a:solidFill>
               </a:defRPr>
             </a:lvl6pPr>
-            <a:lvl7pPr marL="2743200" indent="0" algn="ctr">
+            <a:lvl7pPr marL="2743132" indent="0" algn="ctr">
               <a:buNone/>
               <a:defRPr>
                 <a:solidFill>
@@ -1399,7 +5658,7 @@
                 </a:solidFill>
               </a:defRPr>
             </a:lvl7pPr>
-            <a:lvl8pPr marL="3200400" indent="0" algn="ctr">
+            <a:lvl8pPr marL="3200320" indent="0" algn="ctr">
               <a:buNone/>
               <a:defRPr>
                 <a:solidFill>
@@ -1409,7 +5668,7 @@
                 </a:solidFill>
               </a:defRPr>
             </a:lvl8pPr>
-            <a:lvl9pPr marL="3657600" indent="0" algn="ctr">
+            <a:lvl9pPr marL="3657509" indent="0" algn="ctr">
               <a:buNone/>
               <a:defRPr>
                 <a:solidFill>
@@ -1446,7 +5705,7 @@
           <a:p>
             <a:fld id="{B01F9CA3-105E-4857-9057-6DB6197DA786}" type="datetimeFigureOut">
               <a:rPr lang="en-US" smtClean="0"/>
-              <a:t>10/28/13</a:t>
+              <a:t>10/29/13</a:t>
             </a:fld>
             <a:endParaRPr lang="en-US"/>
           </a:p>
@@ -1506,8 +5765,8 @@
         </p:nvSpPr>
         <p:spPr>
           <a:xfrm>
-            <a:off x="370980" y="363538"/>
-            <a:ext cx="8402040" cy="2836862"/>
+            <a:off x="370980" y="272654"/>
+            <a:ext cx="8402040" cy="2127647"/>
           </a:xfrm>
           <a:ln w="3175">
             <a:solidFill>
@@ -1529,35 +5788,35 @@
               <a:buNone/>
               <a:defRPr sz="3200"/>
             </a:lvl1pPr>
-            <a:lvl2pPr marL="457200" indent="0">
+            <a:lvl2pPr marL="457189" indent="0">
               <a:buNone/>
               <a:defRPr sz="2800"/>
             </a:lvl2pPr>
-            <a:lvl3pPr marL="914400" indent="0">
+            <a:lvl3pPr marL="914378" indent="0">
               <a:buNone/>
               <a:defRPr sz="2400"/>
             </a:lvl3pPr>
-            <a:lvl4pPr marL="1371600" indent="0">
+            <a:lvl4pPr marL="1371566" indent="0">
               <a:buNone/>
               <a:defRPr sz="2000"/>
             </a:lvl4pPr>
-            <a:lvl5pPr marL="1828800" indent="0">
+            <a:lvl5pPr marL="1828754" indent="0">
               <a:buNone/>
               <a:defRPr sz="2000"/>
             </a:lvl5pPr>
-            <a:lvl6pPr marL="2286000" indent="0">
+            <a:lvl6pPr marL="2285943" indent="0">
               <a:buNone/>
               <a:defRPr sz="2000"/>
             </a:lvl6pPr>
-            <a:lvl7pPr marL="2743200" indent="0">
+            <a:lvl7pPr marL="2743132" indent="0">
               <a:buNone/>
               <a:defRPr sz="2000"/>
             </a:lvl7pPr>
-            <a:lvl8pPr marL="3200400" indent="0">
+            <a:lvl8pPr marL="3200320" indent="0">
               <a:buNone/>
               <a:defRPr sz="2000"/>
             </a:lvl8pPr>
-            <a:lvl9pPr marL="3657600" indent="0">
+            <a:lvl9pPr marL="3657509" indent="0">
               <a:buNone/>
               <a:defRPr sz="2000"/>
             </a:lvl9pPr>
@@ -1572,6 +5831,1166 @@
         </p:txBody>
       </p:sp>
     </p:spTree>
+  </p:cSld>
+  <p:clrMapOvr>
+    <a:masterClrMapping/>
+  </p:clrMapOvr>
+</p:sldLayout>
+</file>
+
+<file path=ppt/slideLayouts/slideLayout30.xml><?xml version="1.0" encoding="utf-8"?>
+<p:sldLayout xmlns:a="http://schemas.openxmlformats.org/drawingml/2006/main" xmlns:r="http://schemas.openxmlformats.org/officeDocument/2006/relationships" xmlns:p="http://schemas.openxmlformats.org/presentationml/2006/main" type="blank" preserve="1">
+  <p:cSld name="Blank">
+    <p:spTree>
+      <p:nvGrpSpPr>
+        <p:cNvPr id="1" name=""/>
+        <p:cNvGrpSpPr/>
+        <p:nvPr/>
+      </p:nvGrpSpPr>
+      <p:grpSpPr>
+        <a:xfrm>
+          <a:off x="0" y="0"/>
+          <a:ext cx="0" cy="0"/>
+          <a:chOff x="0" y="0"/>
+          <a:chExt cx="0" cy="0"/>
+        </a:xfrm>
+      </p:grpSpPr>
+      <p:sp>
+        <p:nvSpPr>
+          <p:cNvPr id="2" name="Date Placeholder 1"/>
+          <p:cNvSpPr>
+            <a:spLocks noGrp="1"/>
+          </p:cNvSpPr>
+          <p:nvPr>
+            <p:ph type="dt" sz="half" idx="10"/>
+          </p:nvPr>
+        </p:nvSpPr>
+        <p:spPr/>
+        <p:txBody>
+          <a:bodyPr/>
+          <a:lstStyle/>
+          <a:p>
+            <a:fld id="{D2C2715B-F942-4F5E-A633-D0A1D132D002}" type="datetimeFigureOut">
+              <a:rPr lang="en-US" smtClean="0">
+                <a:solidFill>
+                  <a:prstClr val="black">
+                    <a:tint val="75000"/>
+                  </a:prstClr>
+                </a:solidFill>
+                <a:latin typeface="Calibri"/>
+              </a:rPr>
+              <a:pPr/>
+              <a:t>10/29/13</a:t>
+            </a:fld>
+            <a:endParaRPr lang="en-US">
+              <a:solidFill>
+                <a:prstClr val="black">
+                  <a:tint val="75000"/>
+                </a:prstClr>
+              </a:solidFill>
+              <a:latin typeface="Calibri"/>
+            </a:endParaRPr>
+          </a:p>
+        </p:txBody>
+      </p:sp>
+      <p:sp>
+        <p:nvSpPr>
+          <p:cNvPr id="3" name="Footer Placeholder 2"/>
+          <p:cNvSpPr>
+            <a:spLocks noGrp="1"/>
+          </p:cNvSpPr>
+          <p:nvPr>
+            <p:ph type="ftr" sz="quarter" idx="11"/>
+          </p:nvPr>
+        </p:nvSpPr>
+        <p:spPr/>
+        <p:txBody>
+          <a:bodyPr/>
+          <a:lstStyle/>
+          <a:p>
+            <a:endParaRPr lang="en-US">
+              <a:solidFill>
+                <a:prstClr val="black">
+                  <a:tint val="75000"/>
+                </a:prstClr>
+              </a:solidFill>
+              <a:latin typeface="Calibri"/>
+            </a:endParaRPr>
+          </a:p>
+        </p:txBody>
+      </p:sp>
+      <p:sp>
+        <p:nvSpPr>
+          <p:cNvPr id="4" name="Slide Number Placeholder 3"/>
+          <p:cNvSpPr>
+            <a:spLocks noGrp="1"/>
+          </p:cNvSpPr>
+          <p:nvPr>
+            <p:ph type="sldNum" sz="quarter" idx="12"/>
+          </p:nvPr>
+        </p:nvSpPr>
+        <p:spPr/>
+        <p:txBody>
+          <a:bodyPr/>
+          <a:lstStyle/>
+          <a:p>
+            <a:fld id="{0DE94595-C6D2-4D8B-9FF7-0FE108ABBDE1}" type="slidenum">
+              <a:rPr lang="en-US" smtClean="0">
+                <a:solidFill>
+                  <a:prstClr val="black">
+                    <a:tint val="75000"/>
+                  </a:prstClr>
+                </a:solidFill>
+                <a:latin typeface="Calibri"/>
+              </a:rPr>
+              <a:pPr/>
+              <a:t>‹#›</a:t>
+            </a:fld>
+            <a:endParaRPr lang="en-US">
+              <a:solidFill>
+                <a:prstClr val="black">
+                  <a:tint val="75000"/>
+                </a:prstClr>
+              </a:solidFill>
+              <a:latin typeface="Calibri"/>
+            </a:endParaRPr>
+          </a:p>
+        </p:txBody>
+      </p:sp>
+    </p:spTree>
+    <p:extLst>
+      <p:ext uri="{BB962C8B-B14F-4D97-AF65-F5344CB8AC3E}">
+        <p14:creationId xmlns:p14="http://schemas.microsoft.com/office/powerpoint/2010/main" val="3292078178"/>
+      </p:ext>
+    </p:extLst>
+  </p:cSld>
+  <p:clrMapOvr>
+    <a:masterClrMapping/>
+  </p:clrMapOvr>
+</p:sldLayout>
+</file>
+
+<file path=ppt/slideLayouts/slideLayout31.xml><?xml version="1.0" encoding="utf-8"?>
+<p:sldLayout xmlns:a="http://schemas.openxmlformats.org/drawingml/2006/main" xmlns:r="http://schemas.openxmlformats.org/officeDocument/2006/relationships" xmlns:p="http://schemas.openxmlformats.org/presentationml/2006/main" type="objTx" preserve="1">
+  <p:cSld name="Content with Caption">
+    <p:spTree>
+      <p:nvGrpSpPr>
+        <p:cNvPr id="1" name=""/>
+        <p:cNvGrpSpPr/>
+        <p:nvPr/>
+      </p:nvGrpSpPr>
+      <p:grpSpPr>
+        <a:xfrm>
+          <a:off x="0" y="0"/>
+          <a:ext cx="0" cy="0"/>
+          <a:chOff x="0" y="0"/>
+          <a:chExt cx="0" cy="0"/>
+        </a:xfrm>
+      </p:grpSpPr>
+      <p:sp>
+        <p:nvSpPr>
+          <p:cNvPr id="2" name="Title 1"/>
+          <p:cNvSpPr>
+            <a:spLocks noGrp="1"/>
+          </p:cNvSpPr>
+          <p:nvPr>
+            <p:ph type="title"/>
+          </p:nvPr>
+        </p:nvSpPr>
+        <p:spPr>
+          <a:xfrm>
+            <a:off x="629841" y="342900"/>
+            <a:ext cx="2949178" cy="1200150"/>
+          </a:xfrm>
+        </p:spPr>
+        <p:txBody>
+          <a:bodyPr anchor="b"/>
+          <a:lstStyle>
+            <a:lvl1pPr>
+              <a:defRPr sz="2400"/>
+            </a:lvl1pPr>
+          </a:lstStyle>
+          <a:p>
+            <a:r>
+              <a:rPr lang="en-US" smtClean="0"/>
+              <a:t>Click to edit Master title style</a:t>
+            </a:r>
+            <a:endParaRPr lang="en-US"/>
+          </a:p>
+        </p:txBody>
+      </p:sp>
+      <p:sp>
+        <p:nvSpPr>
+          <p:cNvPr id="3" name="Content Placeholder 2"/>
+          <p:cNvSpPr>
+            <a:spLocks noGrp="1"/>
+          </p:cNvSpPr>
+          <p:nvPr>
+            <p:ph idx="1"/>
+          </p:nvPr>
+        </p:nvSpPr>
+        <p:spPr>
+          <a:xfrm>
+            <a:off x="3887391" y="740569"/>
+            <a:ext cx="4629150" cy="3655219"/>
+          </a:xfrm>
+        </p:spPr>
+        <p:txBody>
+          <a:bodyPr/>
+          <a:lstStyle>
+            <a:lvl1pPr>
+              <a:defRPr sz="2400"/>
+            </a:lvl1pPr>
+            <a:lvl2pPr>
+              <a:defRPr sz="2100"/>
+            </a:lvl2pPr>
+            <a:lvl3pPr>
+              <a:defRPr sz="1800"/>
+            </a:lvl3pPr>
+            <a:lvl4pPr>
+              <a:defRPr sz="1500"/>
+            </a:lvl4pPr>
+            <a:lvl5pPr>
+              <a:defRPr sz="1500"/>
+            </a:lvl5pPr>
+            <a:lvl6pPr>
+              <a:defRPr sz="1500"/>
+            </a:lvl6pPr>
+            <a:lvl7pPr>
+              <a:defRPr sz="1500"/>
+            </a:lvl7pPr>
+            <a:lvl8pPr>
+              <a:defRPr sz="1500"/>
+            </a:lvl8pPr>
+            <a:lvl9pPr>
+              <a:defRPr sz="1500"/>
+            </a:lvl9pPr>
+          </a:lstStyle>
+          <a:p>
+            <a:pPr lvl="0"/>
+            <a:r>
+              <a:rPr lang="en-US" smtClean="0"/>
+              <a:t>Click to edit Master text styles</a:t>
+            </a:r>
+          </a:p>
+          <a:p>
+            <a:pPr lvl="1"/>
+            <a:r>
+              <a:rPr lang="en-US" smtClean="0"/>
+              <a:t>Second level</a:t>
+            </a:r>
+          </a:p>
+          <a:p>
+            <a:pPr lvl="2"/>
+            <a:r>
+              <a:rPr lang="en-US" smtClean="0"/>
+              <a:t>Third level</a:t>
+            </a:r>
+          </a:p>
+          <a:p>
+            <a:pPr lvl="3"/>
+            <a:r>
+              <a:rPr lang="en-US" smtClean="0"/>
+              <a:t>Fourth level</a:t>
+            </a:r>
+          </a:p>
+          <a:p>
+            <a:pPr lvl="4"/>
+            <a:r>
+              <a:rPr lang="en-US" smtClean="0"/>
+              <a:t>Fifth level</a:t>
+            </a:r>
+            <a:endParaRPr lang="en-US"/>
+          </a:p>
+        </p:txBody>
+      </p:sp>
+      <p:sp>
+        <p:nvSpPr>
+          <p:cNvPr id="4" name="Text Placeholder 3"/>
+          <p:cNvSpPr>
+            <a:spLocks noGrp="1"/>
+          </p:cNvSpPr>
+          <p:nvPr>
+            <p:ph type="body" sz="half" idx="2"/>
+          </p:nvPr>
+        </p:nvSpPr>
+        <p:spPr>
+          <a:xfrm>
+            <a:off x="629841" y="1543050"/>
+            <a:ext cx="2949178" cy="2858691"/>
+          </a:xfrm>
+        </p:spPr>
+        <p:txBody>
+          <a:bodyPr/>
+          <a:lstStyle>
+            <a:lvl1pPr marL="0" indent="0">
+              <a:buNone/>
+              <a:defRPr sz="1200"/>
+            </a:lvl1pPr>
+            <a:lvl2pPr marL="342900" indent="0">
+              <a:buNone/>
+              <a:defRPr sz="1100"/>
+            </a:lvl2pPr>
+            <a:lvl3pPr marL="685800" indent="0">
+              <a:buNone/>
+              <a:defRPr sz="900"/>
+            </a:lvl3pPr>
+            <a:lvl4pPr marL="1028700" indent="0">
+              <a:buNone/>
+              <a:defRPr sz="800"/>
+            </a:lvl4pPr>
+            <a:lvl5pPr marL="1371600" indent="0">
+              <a:buNone/>
+              <a:defRPr sz="800"/>
+            </a:lvl5pPr>
+            <a:lvl6pPr marL="1714500" indent="0">
+              <a:buNone/>
+              <a:defRPr sz="800"/>
+            </a:lvl6pPr>
+            <a:lvl7pPr marL="2057400" indent="0">
+              <a:buNone/>
+              <a:defRPr sz="800"/>
+            </a:lvl7pPr>
+            <a:lvl8pPr marL="2400300" indent="0">
+              <a:buNone/>
+              <a:defRPr sz="800"/>
+            </a:lvl8pPr>
+            <a:lvl9pPr marL="2743200" indent="0">
+              <a:buNone/>
+              <a:defRPr sz="800"/>
+            </a:lvl9pPr>
+          </a:lstStyle>
+          <a:p>
+            <a:pPr lvl="0"/>
+            <a:r>
+              <a:rPr lang="en-US" smtClean="0"/>
+              <a:t>Click to edit Master text styles</a:t>
+            </a:r>
+          </a:p>
+        </p:txBody>
+      </p:sp>
+      <p:sp>
+        <p:nvSpPr>
+          <p:cNvPr id="5" name="Date Placeholder 4"/>
+          <p:cNvSpPr>
+            <a:spLocks noGrp="1"/>
+          </p:cNvSpPr>
+          <p:nvPr>
+            <p:ph type="dt" sz="half" idx="10"/>
+          </p:nvPr>
+        </p:nvSpPr>
+        <p:spPr/>
+        <p:txBody>
+          <a:bodyPr/>
+          <a:lstStyle/>
+          <a:p>
+            <a:fld id="{D2C2715B-F942-4F5E-A633-D0A1D132D002}" type="datetimeFigureOut">
+              <a:rPr lang="en-US" smtClean="0">
+                <a:solidFill>
+                  <a:prstClr val="black">
+                    <a:tint val="75000"/>
+                  </a:prstClr>
+                </a:solidFill>
+                <a:latin typeface="Calibri"/>
+              </a:rPr>
+              <a:pPr/>
+              <a:t>10/29/13</a:t>
+            </a:fld>
+            <a:endParaRPr lang="en-US">
+              <a:solidFill>
+                <a:prstClr val="black">
+                  <a:tint val="75000"/>
+                </a:prstClr>
+              </a:solidFill>
+              <a:latin typeface="Calibri"/>
+            </a:endParaRPr>
+          </a:p>
+        </p:txBody>
+      </p:sp>
+      <p:sp>
+        <p:nvSpPr>
+          <p:cNvPr id="6" name="Footer Placeholder 5"/>
+          <p:cNvSpPr>
+            <a:spLocks noGrp="1"/>
+          </p:cNvSpPr>
+          <p:nvPr>
+            <p:ph type="ftr" sz="quarter" idx="11"/>
+          </p:nvPr>
+        </p:nvSpPr>
+        <p:spPr/>
+        <p:txBody>
+          <a:bodyPr/>
+          <a:lstStyle/>
+          <a:p>
+            <a:endParaRPr lang="en-US">
+              <a:solidFill>
+                <a:prstClr val="black">
+                  <a:tint val="75000"/>
+                </a:prstClr>
+              </a:solidFill>
+              <a:latin typeface="Calibri"/>
+            </a:endParaRPr>
+          </a:p>
+        </p:txBody>
+      </p:sp>
+      <p:sp>
+        <p:nvSpPr>
+          <p:cNvPr id="7" name="Slide Number Placeholder 6"/>
+          <p:cNvSpPr>
+            <a:spLocks noGrp="1"/>
+          </p:cNvSpPr>
+          <p:nvPr>
+            <p:ph type="sldNum" sz="quarter" idx="12"/>
+          </p:nvPr>
+        </p:nvSpPr>
+        <p:spPr/>
+        <p:txBody>
+          <a:bodyPr/>
+          <a:lstStyle/>
+          <a:p>
+            <a:fld id="{0DE94595-C6D2-4D8B-9FF7-0FE108ABBDE1}" type="slidenum">
+              <a:rPr lang="en-US" smtClean="0">
+                <a:solidFill>
+                  <a:prstClr val="black">
+                    <a:tint val="75000"/>
+                  </a:prstClr>
+                </a:solidFill>
+                <a:latin typeface="Calibri"/>
+              </a:rPr>
+              <a:pPr/>
+              <a:t>‹#›</a:t>
+            </a:fld>
+            <a:endParaRPr lang="en-US">
+              <a:solidFill>
+                <a:prstClr val="black">
+                  <a:tint val="75000"/>
+                </a:prstClr>
+              </a:solidFill>
+              <a:latin typeface="Calibri"/>
+            </a:endParaRPr>
+          </a:p>
+        </p:txBody>
+      </p:sp>
+    </p:spTree>
+    <p:extLst>
+      <p:ext uri="{BB962C8B-B14F-4D97-AF65-F5344CB8AC3E}">
+        <p14:creationId xmlns:p14="http://schemas.microsoft.com/office/powerpoint/2010/main" val="477095117"/>
+      </p:ext>
+    </p:extLst>
+  </p:cSld>
+  <p:clrMapOvr>
+    <a:masterClrMapping/>
+  </p:clrMapOvr>
+</p:sldLayout>
+</file>
+
+<file path=ppt/slideLayouts/slideLayout32.xml><?xml version="1.0" encoding="utf-8"?>
+<p:sldLayout xmlns:a="http://schemas.openxmlformats.org/drawingml/2006/main" xmlns:r="http://schemas.openxmlformats.org/officeDocument/2006/relationships" xmlns:p="http://schemas.openxmlformats.org/presentationml/2006/main" type="picTx" preserve="1">
+  <p:cSld name="Picture with Caption">
+    <p:spTree>
+      <p:nvGrpSpPr>
+        <p:cNvPr id="1" name=""/>
+        <p:cNvGrpSpPr/>
+        <p:nvPr/>
+      </p:nvGrpSpPr>
+      <p:grpSpPr>
+        <a:xfrm>
+          <a:off x="0" y="0"/>
+          <a:ext cx="0" cy="0"/>
+          <a:chOff x="0" y="0"/>
+          <a:chExt cx="0" cy="0"/>
+        </a:xfrm>
+      </p:grpSpPr>
+      <p:sp>
+        <p:nvSpPr>
+          <p:cNvPr id="2" name="Title 1"/>
+          <p:cNvSpPr>
+            <a:spLocks noGrp="1"/>
+          </p:cNvSpPr>
+          <p:nvPr>
+            <p:ph type="title"/>
+          </p:nvPr>
+        </p:nvSpPr>
+        <p:spPr>
+          <a:xfrm>
+            <a:off x="629841" y="342900"/>
+            <a:ext cx="2949178" cy="1200150"/>
+          </a:xfrm>
+        </p:spPr>
+        <p:txBody>
+          <a:bodyPr anchor="b"/>
+          <a:lstStyle>
+            <a:lvl1pPr>
+              <a:defRPr sz="2400"/>
+            </a:lvl1pPr>
+          </a:lstStyle>
+          <a:p>
+            <a:r>
+              <a:rPr lang="en-US" smtClean="0"/>
+              <a:t>Click to edit Master title style</a:t>
+            </a:r>
+            <a:endParaRPr lang="en-US"/>
+          </a:p>
+        </p:txBody>
+      </p:sp>
+      <p:sp>
+        <p:nvSpPr>
+          <p:cNvPr id="3" name="Picture Placeholder 2"/>
+          <p:cNvSpPr>
+            <a:spLocks noGrp="1"/>
+          </p:cNvSpPr>
+          <p:nvPr>
+            <p:ph type="pic" idx="1"/>
+          </p:nvPr>
+        </p:nvSpPr>
+        <p:spPr>
+          <a:xfrm>
+            <a:off x="3887391" y="740569"/>
+            <a:ext cx="4629150" cy="3655219"/>
+          </a:xfrm>
+        </p:spPr>
+        <p:txBody>
+          <a:bodyPr/>
+          <a:lstStyle>
+            <a:lvl1pPr marL="0" indent="0">
+              <a:buNone/>
+              <a:defRPr sz="2400"/>
+            </a:lvl1pPr>
+            <a:lvl2pPr marL="342900" indent="0">
+              <a:buNone/>
+              <a:defRPr sz="2100"/>
+            </a:lvl2pPr>
+            <a:lvl3pPr marL="685800" indent="0">
+              <a:buNone/>
+              <a:defRPr sz="1800"/>
+            </a:lvl3pPr>
+            <a:lvl4pPr marL="1028700" indent="0">
+              <a:buNone/>
+              <a:defRPr sz="1500"/>
+            </a:lvl4pPr>
+            <a:lvl5pPr marL="1371600" indent="0">
+              <a:buNone/>
+              <a:defRPr sz="1500"/>
+            </a:lvl5pPr>
+            <a:lvl6pPr marL="1714500" indent="0">
+              <a:buNone/>
+              <a:defRPr sz="1500"/>
+            </a:lvl6pPr>
+            <a:lvl7pPr marL="2057400" indent="0">
+              <a:buNone/>
+              <a:defRPr sz="1500"/>
+            </a:lvl7pPr>
+            <a:lvl8pPr marL="2400300" indent="0">
+              <a:buNone/>
+              <a:defRPr sz="1500"/>
+            </a:lvl8pPr>
+            <a:lvl9pPr marL="2743200" indent="0">
+              <a:buNone/>
+              <a:defRPr sz="1500"/>
+            </a:lvl9pPr>
+          </a:lstStyle>
+          <a:p>
+            <a:endParaRPr lang="en-US"/>
+          </a:p>
+        </p:txBody>
+      </p:sp>
+      <p:sp>
+        <p:nvSpPr>
+          <p:cNvPr id="4" name="Text Placeholder 3"/>
+          <p:cNvSpPr>
+            <a:spLocks noGrp="1"/>
+          </p:cNvSpPr>
+          <p:nvPr>
+            <p:ph type="body" sz="half" idx="2"/>
+          </p:nvPr>
+        </p:nvSpPr>
+        <p:spPr>
+          <a:xfrm>
+            <a:off x="629841" y="1543050"/>
+            <a:ext cx="2949178" cy="2858691"/>
+          </a:xfrm>
+        </p:spPr>
+        <p:txBody>
+          <a:bodyPr/>
+          <a:lstStyle>
+            <a:lvl1pPr marL="0" indent="0">
+              <a:buNone/>
+              <a:defRPr sz="1200"/>
+            </a:lvl1pPr>
+            <a:lvl2pPr marL="342900" indent="0">
+              <a:buNone/>
+              <a:defRPr sz="1100"/>
+            </a:lvl2pPr>
+            <a:lvl3pPr marL="685800" indent="0">
+              <a:buNone/>
+              <a:defRPr sz="900"/>
+            </a:lvl3pPr>
+            <a:lvl4pPr marL="1028700" indent="0">
+              <a:buNone/>
+              <a:defRPr sz="800"/>
+            </a:lvl4pPr>
+            <a:lvl5pPr marL="1371600" indent="0">
+              <a:buNone/>
+              <a:defRPr sz="800"/>
+            </a:lvl5pPr>
+            <a:lvl6pPr marL="1714500" indent="0">
+              <a:buNone/>
+              <a:defRPr sz="800"/>
+            </a:lvl6pPr>
+            <a:lvl7pPr marL="2057400" indent="0">
+              <a:buNone/>
+              <a:defRPr sz="800"/>
+            </a:lvl7pPr>
+            <a:lvl8pPr marL="2400300" indent="0">
+              <a:buNone/>
+              <a:defRPr sz="800"/>
+            </a:lvl8pPr>
+            <a:lvl9pPr marL="2743200" indent="0">
+              <a:buNone/>
+              <a:defRPr sz="800"/>
+            </a:lvl9pPr>
+          </a:lstStyle>
+          <a:p>
+            <a:pPr lvl="0"/>
+            <a:r>
+              <a:rPr lang="en-US" smtClean="0"/>
+              <a:t>Click to edit Master text styles</a:t>
+            </a:r>
+          </a:p>
+        </p:txBody>
+      </p:sp>
+      <p:sp>
+        <p:nvSpPr>
+          <p:cNvPr id="5" name="Date Placeholder 4"/>
+          <p:cNvSpPr>
+            <a:spLocks noGrp="1"/>
+          </p:cNvSpPr>
+          <p:nvPr>
+            <p:ph type="dt" sz="half" idx="10"/>
+          </p:nvPr>
+        </p:nvSpPr>
+        <p:spPr/>
+        <p:txBody>
+          <a:bodyPr/>
+          <a:lstStyle/>
+          <a:p>
+            <a:fld id="{D2C2715B-F942-4F5E-A633-D0A1D132D002}" type="datetimeFigureOut">
+              <a:rPr lang="en-US" smtClean="0">
+                <a:solidFill>
+                  <a:prstClr val="black">
+                    <a:tint val="75000"/>
+                  </a:prstClr>
+                </a:solidFill>
+                <a:latin typeface="Calibri"/>
+              </a:rPr>
+              <a:pPr/>
+              <a:t>10/29/13</a:t>
+            </a:fld>
+            <a:endParaRPr lang="en-US">
+              <a:solidFill>
+                <a:prstClr val="black">
+                  <a:tint val="75000"/>
+                </a:prstClr>
+              </a:solidFill>
+              <a:latin typeface="Calibri"/>
+            </a:endParaRPr>
+          </a:p>
+        </p:txBody>
+      </p:sp>
+      <p:sp>
+        <p:nvSpPr>
+          <p:cNvPr id="6" name="Footer Placeholder 5"/>
+          <p:cNvSpPr>
+            <a:spLocks noGrp="1"/>
+          </p:cNvSpPr>
+          <p:nvPr>
+            <p:ph type="ftr" sz="quarter" idx="11"/>
+          </p:nvPr>
+        </p:nvSpPr>
+        <p:spPr/>
+        <p:txBody>
+          <a:bodyPr/>
+          <a:lstStyle/>
+          <a:p>
+            <a:endParaRPr lang="en-US">
+              <a:solidFill>
+                <a:prstClr val="black">
+                  <a:tint val="75000"/>
+                </a:prstClr>
+              </a:solidFill>
+              <a:latin typeface="Calibri"/>
+            </a:endParaRPr>
+          </a:p>
+        </p:txBody>
+      </p:sp>
+      <p:sp>
+        <p:nvSpPr>
+          <p:cNvPr id="7" name="Slide Number Placeholder 6"/>
+          <p:cNvSpPr>
+            <a:spLocks noGrp="1"/>
+          </p:cNvSpPr>
+          <p:nvPr>
+            <p:ph type="sldNum" sz="quarter" idx="12"/>
+          </p:nvPr>
+        </p:nvSpPr>
+        <p:spPr/>
+        <p:txBody>
+          <a:bodyPr/>
+          <a:lstStyle/>
+          <a:p>
+            <a:fld id="{0DE94595-C6D2-4D8B-9FF7-0FE108ABBDE1}" type="slidenum">
+              <a:rPr lang="en-US" smtClean="0">
+                <a:solidFill>
+                  <a:prstClr val="black">
+                    <a:tint val="75000"/>
+                  </a:prstClr>
+                </a:solidFill>
+                <a:latin typeface="Calibri"/>
+              </a:rPr>
+              <a:pPr/>
+              <a:t>‹#›</a:t>
+            </a:fld>
+            <a:endParaRPr lang="en-US">
+              <a:solidFill>
+                <a:prstClr val="black">
+                  <a:tint val="75000"/>
+                </a:prstClr>
+              </a:solidFill>
+              <a:latin typeface="Calibri"/>
+            </a:endParaRPr>
+          </a:p>
+        </p:txBody>
+      </p:sp>
+    </p:spTree>
+    <p:extLst>
+      <p:ext uri="{BB962C8B-B14F-4D97-AF65-F5344CB8AC3E}">
+        <p14:creationId xmlns:p14="http://schemas.microsoft.com/office/powerpoint/2010/main" val="2577697899"/>
+      </p:ext>
+    </p:extLst>
+  </p:cSld>
+  <p:clrMapOvr>
+    <a:masterClrMapping/>
+  </p:clrMapOvr>
+</p:sldLayout>
+</file>
+
+<file path=ppt/slideLayouts/slideLayout33.xml><?xml version="1.0" encoding="utf-8"?>
+<p:sldLayout xmlns:a="http://schemas.openxmlformats.org/drawingml/2006/main" xmlns:r="http://schemas.openxmlformats.org/officeDocument/2006/relationships" xmlns:p="http://schemas.openxmlformats.org/presentationml/2006/main" type="vertTx" preserve="1">
+  <p:cSld name="Title and Vertical Text">
+    <p:spTree>
+      <p:nvGrpSpPr>
+        <p:cNvPr id="1" name=""/>
+        <p:cNvGrpSpPr/>
+        <p:nvPr/>
+      </p:nvGrpSpPr>
+      <p:grpSpPr>
+        <a:xfrm>
+          <a:off x="0" y="0"/>
+          <a:ext cx="0" cy="0"/>
+          <a:chOff x="0" y="0"/>
+          <a:chExt cx="0" cy="0"/>
+        </a:xfrm>
+      </p:grpSpPr>
+      <p:sp>
+        <p:nvSpPr>
+          <p:cNvPr id="2" name="Title 1"/>
+          <p:cNvSpPr>
+            <a:spLocks noGrp="1"/>
+          </p:cNvSpPr>
+          <p:nvPr>
+            <p:ph type="title"/>
+          </p:nvPr>
+        </p:nvSpPr>
+        <p:spPr/>
+        <p:txBody>
+          <a:bodyPr/>
+          <a:lstStyle/>
+          <a:p>
+            <a:r>
+              <a:rPr lang="en-US" smtClean="0"/>
+              <a:t>Click to edit Master title style</a:t>
+            </a:r>
+            <a:endParaRPr lang="en-US"/>
+          </a:p>
+        </p:txBody>
+      </p:sp>
+      <p:sp>
+        <p:nvSpPr>
+          <p:cNvPr id="3" name="Vertical Text Placeholder 2"/>
+          <p:cNvSpPr>
+            <a:spLocks noGrp="1"/>
+          </p:cNvSpPr>
+          <p:nvPr>
+            <p:ph type="body" orient="vert" idx="1"/>
+          </p:nvPr>
+        </p:nvSpPr>
+        <p:spPr/>
+        <p:txBody>
+          <a:bodyPr vert="eaVert"/>
+          <a:lstStyle/>
+          <a:p>
+            <a:pPr lvl="0"/>
+            <a:r>
+              <a:rPr lang="en-US" smtClean="0"/>
+              <a:t>Click to edit Master text styles</a:t>
+            </a:r>
+          </a:p>
+          <a:p>
+            <a:pPr lvl="1"/>
+            <a:r>
+              <a:rPr lang="en-US" smtClean="0"/>
+              <a:t>Second level</a:t>
+            </a:r>
+          </a:p>
+          <a:p>
+            <a:pPr lvl="2"/>
+            <a:r>
+              <a:rPr lang="en-US" smtClean="0"/>
+              <a:t>Third level</a:t>
+            </a:r>
+          </a:p>
+          <a:p>
+            <a:pPr lvl="3"/>
+            <a:r>
+              <a:rPr lang="en-US" smtClean="0"/>
+              <a:t>Fourth level</a:t>
+            </a:r>
+          </a:p>
+          <a:p>
+            <a:pPr lvl="4"/>
+            <a:r>
+              <a:rPr lang="en-US" smtClean="0"/>
+              <a:t>Fifth level</a:t>
+            </a:r>
+            <a:endParaRPr lang="en-US"/>
+          </a:p>
+        </p:txBody>
+      </p:sp>
+      <p:sp>
+        <p:nvSpPr>
+          <p:cNvPr id="4" name="Date Placeholder 3"/>
+          <p:cNvSpPr>
+            <a:spLocks noGrp="1"/>
+          </p:cNvSpPr>
+          <p:nvPr>
+            <p:ph type="dt" sz="half" idx="10"/>
+          </p:nvPr>
+        </p:nvSpPr>
+        <p:spPr/>
+        <p:txBody>
+          <a:bodyPr/>
+          <a:lstStyle/>
+          <a:p>
+            <a:fld id="{D2C2715B-F942-4F5E-A633-D0A1D132D002}" type="datetimeFigureOut">
+              <a:rPr lang="en-US" smtClean="0">
+                <a:solidFill>
+                  <a:prstClr val="black">
+                    <a:tint val="75000"/>
+                  </a:prstClr>
+                </a:solidFill>
+                <a:latin typeface="Calibri"/>
+              </a:rPr>
+              <a:pPr/>
+              <a:t>10/29/13</a:t>
+            </a:fld>
+            <a:endParaRPr lang="en-US">
+              <a:solidFill>
+                <a:prstClr val="black">
+                  <a:tint val="75000"/>
+                </a:prstClr>
+              </a:solidFill>
+              <a:latin typeface="Calibri"/>
+            </a:endParaRPr>
+          </a:p>
+        </p:txBody>
+      </p:sp>
+      <p:sp>
+        <p:nvSpPr>
+          <p:cNvPr id="5" name="Footer Placeholder 4"/>
+          <p:cNvSpPr>
+            <a:spLocks noGrp="1"/>
+          </p:cNvSpPr>
+          <p:nvPr>
+            <p:ph type="ftr" sz="quarter" idx="11"/>
+          </p:nvPr>
+        </p:nvSpPr>
+        <p:spPr/>
+        <p:txBody>
+          <a:bodyPr/>
+          <a:lstStyle/>
+          <a:p>
+            <a:endParaRPr lang="en-US">
+              <a:solidFill>
+                <a:prstClr val="black">
+                  <a:tint val="75000"/>
+                </a:prstClr>
+              </a:solidFill>
+              <a:latin typeface="Calibri"/>
+            </a:endParaRPr>
+          </a:p>
+        </p:txBody>
+      </p:sp>
+      <p:sp>
+        <p:nvSpPr>
+          <p:cNvPr id="6" name="Slide Number Placeholder 5"/>
+          <p:cNvSpPr>
+            <a:spLocks noGrp="1"/>
+          </p:cNvSpPr>
+          <p:nvPr>
+            <p:ph type="sldNum" sz="quarter" idx="12"/>
+          </p:nvPr>
+        </p:nvSpPr>
+        <p:spPr/>
+        <p:txBody>
+          <a:bodyPr/>
+          <a:lstStyle/>
+          <a:p>
+            <a:fld id="{0DE94595-C6D2-4D8B-9FF7-0FE108ABBDE1}" type="slidenum">
+              <a:rPr lang="en-US" smtClean="0">
+                <a:solidFill>
+                  <a:prstClr val="black">
+                    <a:tint val="75000"/>
+                  </a:prstClr>
+                </a:solidFill>
+                <a:latin typeface="Calibri"/>
+              </a:rPr>
+              <a:pPr/>
+              <a:t>‹#›</a:t>
+            </a:fld>
+            <a:endParaRPr lang="en-US">
+              <a:solidFill>
+                <a:prstClr val="black">
+                  <a:tint val="75000"/>
+                </a:prstClr>
+              </a:solidFill>
+              <a:latin typeface="Calibri"/>
+            </a:endParaRPr>
+          </a:p>
+        </p:txBody>
+      </p:sp>
+    </p:spTree>
+    <p:extLst>
+      <p:ext uri="{BB962C8B-B14F-4D97-AF65-F5344CB8AC3E}">
+        <p14:creationId xmlns:p14="http://schemas.microsoft.com/office/powerpoint/2010/main" val="2531342467"/>
+      </p:ext>
+    </p:extLst>
+  </p:cSld>
+  <p:clrMapOvr>
+    <a:masterClrMapping/>
+  </p:clrMapOvr>
+</p:sldLayout>
+</file>
+
+<file path=ppt/slideLayouts/slideLayout34.xml><?xml version="1.0" encoding="utf-8"?>
+<p:sldLayout xmlns:a="http://schemas.openxmlformats.org/drawingml/2006/main" xmlns:r="http://schemas.openxmlformats.org/officeDocument/2006/relationships" xmlns:p="http://schemas.openxmlformats.org/presentationml/2006/main" type="vertTitleAndTx" preserve="1">
+  <p:cSld name="Vertical Title and Text">
+    <p:spTree>
+      <p:nvGrpSpPr>
+        <p:cNvPr id="1" name=""/>
+        <p:cNvGrpSpPr/>
+        <p:nvPr/>
+      </p:nvGrpSpPr>
+      <p:grpSpPr>
+        <a:xfrm>
+          <a:off x="0" y="0"/>
+          <a:ext cx="0" cy="0"/>
+          <a:chOff x="0" y="0"/>
+          <a:chExt cx="0" cy="0"/>
+        </a:xfrm>
+      </p:grpSpPr>
+      <p:sp>
+        <p:nvSpPr>
+          <p:cNvPr id="2" name="Vertical Title 1"/>
+          <p:cNvSpPr>
+            <a:spLocks noGrp="1"/>
+          </p:cNvSpPr>
+          <p:nvPr>
+            <p:ph type="title" orient="vert"/>
+          </p:nvPr>
+        </p:nvSpPr>
+        <p:spPr>
+          <a:xfrm>
+            <a:off x="6543675" y="273844"/>
+            <a:ext cx="1971675" cy="4358879"/>
+          </a:xfrm>
+        </p:spPr>
+        <p:txBody>
+          <a:bodyPr vert="eaVert"/>
+          <a:lstStyle/>
+          <a:p>
+            <a:r>
+              <a:rPr lang="en-US" smtClean="0"/>
+              <a:t>Click to edit Master title style</a:t>
+            </a:r>
+            <a:endParaRPr lang="en-US"/>
+          </a:p>
+        </p:txBody>
+      </p:sp>
+      <p:sp>
+        <p:nvSpPr>
+          <p:cNvPr id="3" name="Vertical Text Placeholder 2"/>
+          <p:cNvSpPr>
+            <a:spLocks noGrp="1"/>
+          </p:cNvSpPr>
+          <p:nvPr>
+            <p:ph type="body" orient="vert" idx="1"/>
+          </p:nvPr>
+        </p:nvSpPr>
+        <p:spPr>
+          <a:xfrm>
+            <a:off x="628650" y="273844"/>
+            <a:ext cx="5800725" cy="4358879"/>
+          </a:xfrm>
+        </p:spPr>
+        <p:txBody>
+          <a:bodyPr vert="eaVert"/>
+          <a:lstStyle/>
+          <a:p>
+            <a:pPr lvl="0"/>
+            <a:r>
+              <a:rPr lang="en-US" smtClean="0"/>
+              <a:t>Click to edit Master text styles</a:t>
+            </a:r>
+          </a:p>
+          <a:p>
+            <a:pPr lvl="1"/>
+            <a:r>
+              <a:rPr lang="en-US" smtClean="0"/>
+              <a:t>Second level</a:t>
+            </a:r>
+          </a:p>
+          <a:p>
+            <a:pPr lvl="2"/>
+            <a:r>
+              <a:rPr lang="en-US" smtClean="0"/>
+              <a:t>Third level</a:t>
+            </a:r>
+          </a:p>
+          <a:p>
+            <a:pPr lvl="3"/>
+            <a:r>
+              <a:rPr lang="en-US" smtClean="0"/>
+              <a:t>Fourth level</a:t>
+            </a:r>
+          </a:p>
+          <a:p>
+            <a:pPr lvl="4"/>
+            <a:r>
+              <a:rPr lang="en-US" smtClean="0"/>
+              <a:t>Fifth level</a:t>
+            </a:r>
+            <a:endParaRPr lang="en-US"/>
+          </a:p>
+        </p:txBody>
+      </p:sp>
+      <p:sp>
+        <p:nvSpPr>
+          <p:cNvPr id="4" name="Date Placeholder 3"/>
+          <p:cNvSpPr>
+            <a:spLocks noGrp="1"/>
+          </p:cNvSpPr>
+          <p:nvPr>
+            <p:ph type="dt" sz="half" idx="10"/>
+          </p:nvPr>
+        </p:nvSpPr>
+        <p:spPr/>
+        <p:txBody>
+          <a:bodyPr/>
+          <a:lstStyle/>
+          <a:p>
+            <a:fld id="{D2C2715B-F942-4F5E-A633-D0A1D132D002}" type="datetimeFigureOut">
+              <a:rPr lang="en-US" smtClean="0">
+                <a:solidFill>
+                  <a:prstClr val="black">
+                    <a:tint val="75000"/>
+                  </a:prstClr>
+                </a:solidFill>
+                <a:latin typeface="Calibri"/>
+              </a:rPr>
+              <a:pPr/>
+              <a:t>10/29/13</a:t>
+            </a:fld>
+            <a:endParaRPr lang="en-US">
+              <a:solidFill>
+                <a:prstClr val="black">
+                  <a:tint val="75000"/>
+                </a:prstClr>
+              </a:solidFill>
+              <a:latin typeface="Calibri"/>
+            </a:endParaRPr>
+          </a:p>
+        </p:txBody>
+      </p:sp>
+      <p:sp>
+        <p:nvSpPr>
+          <p:cNvPr id="5" name="Footer Placeholder 4"/>
+          <p:cNvSpPr>
+            <a:spLocks noGrp="1"/>
+          </p:cNvSpPr>
+          <p:nvPr>
+            <p:ph type="ftr" sz="quarter" idx="11"/>
+          </p:nvPr>
+        </p:nvSpPr>
+        <p:spPr/>
+        <p:txBody>
+          <a:bodyPr/>
+          <a:lstStyle/>
+          <a:p>
+            <a:endParaRPr lang="en-US">
+              <a:solidFill>
+                <a:prstClr val="black">
+                  <a:tint val="75000"/>
+                </a:prstClr>
+              </a:solidFill>
+              <a:latin typeface="Calibri"/>
+            </a:endParaRPr>
+          </a:p>
+        </p:txBody>
+      </p:sp>
+      <p:sp>
+        <p:nvSpPr>
+          <p:cNvPr id="6" name="Slide Number Placeholder 5"/>
+          <p:cNvSpPr>
+            <a:spLocks noGrp="1"/>
+          </p:cNvSpPr>
+          <p:nvPr>
+            <p:ph type="sldNum" sz="quarter" idx="12"/>
+          </p:nvPr>
+        </p:nvSpPr>
+        <p:spPr/>
+        <p:txBody>
+          <a:bodyPr/>
+          <a:lstStyle/>
+          <a:p>
+            <a:fld id="{0DE94595-C6D2-4D8B-9FF7-0FE108ABBDE1}" type="slidenum">
+              <a:rPr lang="en-US" smtClean="0">
+                <a:solidFill>
+                  <a:prstClr val="black">
+                    <a:tint val="75000"/>
+                  </a:prstClr>
+                </a:solidFill>
+                <a:latin typeface="Calibri"/>
+              </a:rPr>
+              <a:pPr/>
+              <a:t>‹#›</a:t>
+            </a:fld>
+            <a:endParaRPr lang="en-US">
+              <a:solidFill>
+                <a:prstClr val="black">
+                  <a:tint val="75000"/>
+                </a:prstClr>
+              </a:solidFill>
+              <a:latin typeface="Calibri"/>
+            </a:endParaRPr>
+          </a:p>
+        </p:txBody>
+      </p:sp>
+    </p:spTree>
+    <p:extLst>
+      <p:ext uri="{BB962C8B-B14F-4D97-AF65-F5344CB8AC3E}">
+        <p14:creationId xmlns:p14="http://schemas.microsoft.com/office/powerpoint/2010/main" val="1142434535"/>
+      </p:ext>
+    </p:extLst>
   </p:cSld>
   <p:clrMapOvr>
     <a:masterClrMapping/>
@@ -1608,8 +7027,8 @@
         </p:nvSpPr>
         <p:spPr>
           <a:xfrm>
-            <a:off x="549275" y="2403144"/>
-            <a:ext cx="8056563" cy="1362075"/>
+            <a:off x="549277" y="1802359"/>
+            <a:ext cx="8056563" cy="1021556"/>
           </a:xfrm>
         </p:spPr>
         <p:txBody>
@@ -1640,8 +7059,8 @@
         </p:nvSpPr>
         <p:spPr>
           <a:xfrm>
-            <a:off x="549275" y="3736005"/>
-            <a:ext cx="8056563" cy="1500187"/>
+            <a:off x="549277" y="2802004"/>
+            <a:ext cx="8056563" cy="1125140"/>
           </a:xfrm>
         </p:spPr>
         <p:txBody>
@@ -1662,7 +7081,7 @@
                 </a:solidFill>
               </a:defRPr>
             </a:lvl1pPr>
-            <a:lvl2pPr marL="457200" indent="0">
+            <a:lvl2pPr marL="457189" indent="0">
               <a:buNone/>
               <a:defRPr sz="1800">
                 <a:solidFill>
@@ -1672,7 +7091,7 @@
                 </a:solidFill>
               </a:defRPr>
             </a:lvl2pPr>
-            <a:lvl3pPr marL="914400" indent="0">
+            <a:lvl3pPr marL="914378" indent="0">
               <a:buNone/>
               <a:defRPr sz="1600">
                 <a:solidFill>
@@ -1682,7 +7101,7 @@
                 </a:solidFill>
               </a:defRPr>
             </a:lvl3pPr>
-            <a:lvl4pPr marL="1371600" indent="0">
+            <a:lvl4pPr marL="1371566" indent="0">
               <a:buNone/>
               <a:defRPr sz="1400">
                 <a:solidFill>
@@ -1692,7 +7111,7 @@
                 </a:solidFill>
               </a:defRPr>
             </a:lvl4pPr>
-            <a:lvl5pPr marL="1828800" indent="0">
+            <a:lvl5pPr marL="1828754" indent="0">
               <a:buNone/>
               <a:defRPr sz="1400">
                 <a:solidFill>
@@ -1702,7 +7121,7 @@
                 </a:solidFill>
               </a:defRPr>
             </a:lvl5pPr>
-            <a:lvl6pPr marL="2286000" indent="0">
+            <a:lvl6pPr marL="2285943" indent="0">
               <a:buNone/>
               <a:defRPr sz="1400">
                 <a:solidFill>
@@ -1712,7 +7131,7 @@
                 </a:solidFill>
               </a:defRPr>
             </a:lvl6pPr>
-            <a:lvl7pPr marL="2743200" indent="0">
+            <a:lvl7pPr marL="2743132" indent="0">
               <a:buNone/>
               <a:defRPr sz="1400">
                 <a:solidFill>
@@ -1722,7 +7141,7 @@
                 </a:solidFill>
               </a:defRPr>
             </a:lvl7pPr>
-            <a:lvl8pPr marL="3200400" indent="0">
+            <a:lvl8pPr marL="3200320" indent="0">
               <a:buNone/>
               <a:defRPr sz="1400">
                 <a:solidFill>
@@ -1732,7 +7151,7 @@
                 </a:solidFill>
               </a:defRPr>
             </a:lvl8pPr>
-            <a:lvl9pPr marL="3657600" indent="0">
+            <a:lvl9pPr marL="3657509" indent="0">
               <a:buNone/>
               <a:defRPr sz="1400">
                 <a:solidFill>
@@ -1769,7 +7188,7 @@
           <a:p>
             <a:fld id="{B01F9CA3-105E-4857-9057-6DB6197DA786}" type="datetimeFigureOut">
               <a:rPr lang="en-US" smtClean="0"/>
-              <a:t>10/28/13</a:t>
+              <a:t>10/29/13</a:t>
             </a:fld>
             <a:endParaRPr lang="en-US"/>
           </a:p>
@@ -1854,8 +7273,8 @@
         </p:nvSpPr>
         <p:spPr>
           <a:xfrm>
-            <a:off x="549275" y="107576"/>
-            <a:ext cx="8042276" cy="1336956"/>
+            <a:off x="549276" y="80683"/>
+            <a:ext cx="8042276" cy="1002717"/>
           </a:xfrm>
         </p:spPr>
         <p:txBody>
@@ -1882,8 +7301,8 @@
         </p:nvSpPr>
         <p:spPr>
           <a:xfrm>
-            <a:off x="549275" y="1600201"/>
-            <a:ext cx="3840480" cy="4343400"/>
+            <a:off x="549275" y="1200151"/>
+            <a:ext cx="3840480" cy="3257550"/>
           </a:xfrm>
         </p:spPr>
         <p:txBody>
@@ -1972,8 +7391,8 @@
         </p:nvSpPr>
         <p:spPr>
           <a:xfrm>
-            <a:off x="4751071" y="1600201"/>
-            <a:ext cx="3840480" cy="4343400"/>
+            <a:off x="4751071" y="1200151"/>
+            <a:ext cx="3840480" cy="3257550"/>
           </a:xfrm>
         </p:spPr>
         <p:txBody>
@@ -2067,7 +7486,7 @@
           <a:p>
             <a:fld id="{B01F9CA3-105E-4857-9057-6DB6197DA786}" type="datetimeFigureOut">
               <a:rPr lang="en-US" smtClean="0"/>
-              <a:t>10/28/13</a:t>
+              <a:t>10/29/13</a:t>
             </a:fld>
             <a:endParaRPr lang="en-US"/>
           </a:p>
@@ -2152,8 +7571,8 @@
         </p:nvSpPr>
         <p:spPr>
           <a:xfrm>
-            <a:off x="549274" y="107576"/>
-            <a:ext cx="8042276" cy="1336956"/>
+            <a:off x="549274" y="80683"/>
+            <a:ext cx="8042276" cy="1002717"/>
           </a:xfrm>
         </p:spPr>
         <p:txBody>
@@ -2184,8 +7603,8 @@
         </p:nvSpPr>
         <p:spPr>
           <a:xfrm>
-            <a:off x="549274" y="1453224"/>
-            <a:ext cx="3840480" cy="750887"/>
+            <a:off x="549274" y="1089920"/>
+            <a:ext cx="3840480" cy="563165"/>
           </a:xfrm>
         </p:spPr>
         <p:txBody>
@@ -2207,35 +7626,35 @@
                 </a:solidFill>
               </a:defRPr>
             </a:lvl1pPr>
-            <a:lvl2pPr marL="457200" indent="0">
+            <a:lvl2pPr marL="457189" indent="0">
               <a:buNone/>
               <a:defRPr sz="2000" b="1"/>
             </a:lvl2pPr>
-            <a:lvl3pPr marL="914400" indent="0">
+            <a:lvl3pPr marL="914378" indent="0">
               <a:buNone/>
               <a:defRPr sz="1800" b="1"/>
             </a:lvl3pPr>
-            <a:lvl4pPr marL="1371600" indent="0">
+            <a:lvl4pPr marL="1371566" indent="0">
               <a:buNone/>
               <a:defRPr sz="1600" b="1"/>
             </a:lvl4pPr>
-            <a:lvl5pPr marL="1828800" indent="0">
+            <a:lvl5pPr marL="1828754" indent="0">
               <a:buNone/>
               <a:defRPr sz="1600" b="1"/>
             </a:lvl5pPr>
-            <a:lvl6pPr marL="2286000" indent="0">
+            <a:lvl6pPr marL="2285943" indent="0">
               <a:buNone/>
               <a:defRPr sz="1600" b="1"/>
             </a:lvl6pPr>
-            <a:lvl7pPr marL="2743200" indent="0">
+            <a:lvl7pPr marL="2743132" indent="0">
               <a:buNone/>
               <a:defRPr sz="1600" b="1"/>
             </a:lvl7pPr>
-            <a:lvl8pPr marL="3200400" indent="0">
+            <a:lvl8pPr marL="3200320" indent="0">
               <a:buNone/>
               <a:defRPr sz="1600" b="1"/>
             </a:lvl8pPr>
-            <a:lvl9pPr marL="3657600" indent="0">
+            <a:lvl9pPr marL="3657509" indent="0">
               <a:buNone/>
               <a:defRPr sz="1600" b="1"/>
             </a:lvl9pPr>
@@ -2261,8 +7680,8 @@
         </p:nvSpPr>
         <p:spPr>
           <a:xfrm>
-            <a:off x="549274" y="2347415"/>
-            <a:ext cx="3840480" cy="3596185"/>
+            <a:off x="549274" y="1760563"/>
+            <a:ext cx="3840480" cy="2697139"/>
           </a:xfrm>
         </p:spPr>
         <p:txBody>
@@ -2351,8 +7770,8 @@
         </p:nvSpPr>
         <p:spPr>
           <a:xfrm>
-            <a:off x="4751070" y="1453224"/>
-            <a:ext cx="3840480" cy="750887"/>
+            <a:off x="4751070" y="1089920"/>
+            <a:ext cx="3840480" cy="563165"/>
           </a:xfrm>
         </p:spPr>
         <p:txBody>
@@ -2374,35 +7793,35 @@
                 </a:solidFill>
               </a:defRPr>
             </a:lvl1pPr>
-            <a:lvl2pPr marL="457200" indent="0">
+            <a:lvl2pPr marL="457189" indent="0">
               <a:buNone/>
               <a:defRPr sz="2000" b="1"/>
             </a:lvl2pPr>
-            <a:lvl3pPr marL="914400" indent="0">
+            <a:lvl3pPr marL="914378" indent="0">
               <a:buNone/>
               <a:defRPr sz="1800" b="1"/>
             </a:lvl3pPr>
-            <a:lvl4pPr marL="1371600" indent="0">
+            <a:lvl4pPr marL="1371566" indent="0">
               <a:buNone/>
               <a:defRPr sz="1600" b="1"/>
             </a:lvl4pPr>
-            <a:lvl5pPr marL="1828800" indent="0">
+            <a:lvl5pPr marL="1828754" indent="0">
               <a:buNone/>
               <a:defRPr sz="1600" b="1"/>
             </a:lvl5pPr>
-            <a:lvl6pPr marL="2286000" indent="0">
+            <a:lvl6pPr marL="2285943" indent="0">
               <a:buNone/>
               <a:defRPr sz="1600" b="1"/>
             </a:lvl6pPr>
-            <a:lvl7pPr marL="2743200" indent="0">
+            <a:lvl7pPr marL="2743132" indent="0">
               <a:buNone/>
               <a:defRPr sz="1600" b="1"/>
             </a:lvl7pPr>
-            <a:lvl8pPr marL="3200400" indent="0">
+            <a:lvl8pPr marL="3200320" indent="0">
               <a:buNone/>
               <a:defRPr sz="1600" b="1"/>
             </a:lvl8pPr>
-            <a:lvl9pPr marL="3657600" indent="0">
+            <a:lvl9pPr marL="3657509" indent="0">
               <a:buNone/>
               <a:defRPr sz="1600" b="1"/>
             </a:lvl9pPr>
@@ -2428,8 +7847,8 @@
         </p:nvSpPr>
         <p:spPr>
           <a:xfrm>
-            <a:off x="4751070" y="2347415"/>
-            <a:ext cx="3840480" cy="3596185"/>
+            <a:off x="4751070" y="1760563"/>
+            <a:ext cx="3840480" cy="2697139"/>
           </a:xfrm>
         </p:spPr>
         <p:txBody>
@@ -2523,7 +7942,7 @@
           <a:p>
             <a:fld id="{B01F9CA3-105E-4857-9057-6DB6197DA786}" type="datetimeFigureOut">
               <a:rPr lang="en-US" smtClean="0"/>
-              <a:t>10/28/13</a:t>
+              <a:t>10/29/13</a:t>
             </a:fld>
             <a:endParaRPr lang="en-US"/>
           </a:p>
@@ -2636,7 +8055,7 @@
           <a:p>
             <a:fld id="{B01F9CA3-105E-4857-9057-6DB6197DA786}" type="datetimeFigureOut">
               <a:rPr lang="en-US" smtClean="0"/>
-              <a:t>10/28/13</a:t>
+              <a:t>10/29/13</a:t>
             </a:fld>
             <a:endParaRPr lang="en-US"/>
           </a:p>
@@ -2726,7 +8145,7 @@
           <a:p>
             <a:fld id="{B01F9CA3-105E-4857-9057-6DB6197DA786}" type="datetimeFigureOut">
               <a:rPr lang="en-US" smtClean="0"/>
-              <a:t>10/28/13</a:t>
+              <a:t>10/29/13</a:t>
             </a:fld>
             <a:endParaRPr lang="en-US"/>
           </a:p>
@@ -2811,8 +8230,8 @@
         </p:nvSpPr>
         <p:spPr>
           <a:xfrm>
-            <a:off x="533399" y="611872"/>
-            <a:ext cx="3840480" cy="1162050"/>
+            <a:off x="533399" y="458905"/>
+            <a:ext cx="3840480" cy="871538"/>
           </a:xfrm>
         </p:spPr>
         <p:txBody>
@@ -2843,8 +8262,8 @@
         </p:nvSpPr>
         <p:spPr>
           <a:xfrm>
-            <a:off x="4742824" y="368300"/>
-            <a:ext cx="3840480" cy="5575300"/>
+            <a:off x="4742824" y="276226"/>
+            <a:ext cx="3840480" cy="4181475"/>
           </a:xfrm>
         </p:spPr>
         <p:txBody>
@@ -2933,8 +8352,8 @@
         </p:nvSpPr>
         <p:spPr>
           <a:xfrm>
-            <a:off x="533399" y="1787856"/>
-            <a:ext cx="3840480" cy="3720152"/>
+            <a:off x="533399" y="1340892"/>
+            <a:ext cx="3840480" cy="2790114"/>
           </a:xfrm>
         </p:spPr>
         <p:txBody>
@@ -2949,35 +8368,35 @@
               <a:buNone/>
               <a:defRPr sz="1800"/>
             </a:lvl1pPr>
-            <a:lvl2pPr marL="457200" indent="0">
+            <a:lvl2pPr marL="457189" indent="0">
               <a:buNone/>
               <a:defRPr sz="1200"/>
             </a:lvl2pPr>
-            <a:lvl3pPr marL="914400" indent="0">
+            <a:lvl3pPr marL="914378" indent="0">
               <a:buNone/>
               <a:defRPr sz="1000"/>
             </a:lvl3pPr>
-            <a:lvl4pPr marL="1371600" indent="0">
+            <a:lvl4pPr marL="1371566" indent="0">
               <a:buNone/>
               <a:defRPr sz="900"/>
             </a:lvl4pPr>
-            <a:lvl5pPr marL="1828800" indent="0">
+            <a:lvl5pPr marL="1828754" indent="0">
               <a:buNone/>
               <a:defRPr sz="900"/>
             </a:lvl5pPr>
-            <a:lvl6pPr marL="2286000" indent="0">
+            <a:lvl6pPr marL="2285943" indent="0">
               <a:buNone/>
               <a:defRPr sz="900"/>
             </a:lvl6pPr>
-            <a:lvl7pPr marL="2743200" indent="0">
+            <a:lvl7pPr marL="2743132" indent="0">
               <a:buNone/>
               <a:defRPr sz="900"/>
             </a:lvl7pPr>
-            <a:lvl8pPr marL="3200400" indent="0">
+            <a:lvl8pPr marL="3200320" indent="0">
               <a:buNone/>
               <a:defRPr sz="900"/>
             </a:lvl8pPr>
-            <a:lvl9pPr marL="3657600" indent="0">
+            <a:lvl9pPr marL="3657509" indent="0">
               <a:buNone/>
               <a:defRPr sz="900"/>
             </a:lvl9pPr>
@@ -3008,7 +8427,7 @@
           <a:p>
             <a:fld id="{B01F9CA3-105E-4857-9057-6DB6197DA786}" type="datetimeFigureOut">
               <a:rPr lang="en-US" smtClean="0"/>
-              <a:t>10/28/13</a:t>
+              <a:t>10/29/13</a:t>
             </a:fld>
             <a:endParaRPr lang="en-US"/>
           </a:p>
@@ -3068,9 +8487,14 @@
 <p:sldMaster xmlns:a="http://schemas.openxmlformats.org/drawingml/2006/main" xmlns:r="http://schemas.openxmlformats.org/officeDocument/2006/relationships" xmlns:p="http://schemas.openxmlformats.org/presentationml/2006/main">
   <p:cSld>
     <p:bg>
-      <p:bgRef idx="1003">
-        <a:schemeClr val="bg2"/>
-      </p:bgRef>
+      <p:bgPr>
+        <a:solidFill>
+          <a:srgbClr val="C8FFD8">
+            <a:alpha val="66000"/>
+          </a:srgbClr>
+        </a:solidFill>
+        <a:effectLst/>
+      </p:bgPr>
     </p:bg>
     <p:spTree>
       <p:nvGrpSpPr>
@@ -3098,15 +8522,15 @@
         </p:nvSpPr>
         <p:spPr>
           <a:xfrm>
-            <a:off x="549275" y="107576"/>
-            <a:ext cx="8042276" cy="1336956"/>
+            <a:off x="549276" y="80683"/>
+            <a:ext cx="8042276" cy="1002717"/>
           </a:xfrm>
           <a:prstGeom prst="rect">
             <a:avLst/>
           </a:prstGeom>
         </p:spPr>
         <p:txBody>
-          <a:bodyPr vert="horz" lIns="91440" tIns="45720" rIns="91440" bIns="45720" rtlCol="0" anchor="b" anchorCtr="0">
+          <a:bodyPr vert="horz" lIns="91438" tIns="45719" rIns="91438" bIns="45719" rtlCol="0" anchor="b" anchorCtr="0">
             <a:noAutofit/>
           </a:bodyPr>
           <a:lstStyle/>
@@ -3131,15 +8555,15 @@
         </p:nvSpPr>
         <p:spPr>
           <a:xfrm>
-            <a:off x="549275" y="1600201"/>
-            <a:ext cx="8042276" cy="4343400"/>
+            <a:off x="549276" y="1200151"/>
+            <a:ext cx="8042276" cy="3257550"/>
           </a:xfrm>
           <a:prstGeom prst="rect">
             <a:avLst/>
           </a:prstGeom>
         </p:spPr>
         <p:txBody>
-          <a:bodyPr vert="horz" lIns="91440" tIns="45720" rIns="91440" bIns="45720" rtlCol="0">
+          <a:bodyPr vert="horz" lIns="91438" tIns="45719" rIns="91438" bIns="45719" rtlCol="0">
             <a:normAutofit/>
           </a:bodyPr>
           <a:lstStyle/>
@@ -3193,15 +8617,15 @@
         </p:nvSpPr>
         <p:spPr>
           <a:xfrm>
-            <a:off x="5629835" y="6275668"/>
-            <a:ext cx="2133600" cy="365125"/>
+            <a:off x="5629835" y="4706751"/>
+            <a:ext cx="2133600" cy="273844"/>
           </a:xfrm>
           <a:prstGeom prst="rect">
             <a:avLst/>
           </a:prstGeom>
         </p:spPr>
         <p:txBody>
-          <a:bodyPr vert="horz" lIns="91440" tIns="45720" rIns="91440" bIns="45720" rtlCol="0" anchor="ctr"/>
+          <a:bodyPr vert="horz" lIns="91438" tIns="45719" rIns="91438" bIns="45719" rtlCol="0" anchor="ctr"/>
           <a:lstStyle>
             <a:lvl1pPr algn="r">
               <a:defRPr sz="1200">
@@ -3214,7 +8638,7 @@
           <a:p>
             <a:fld id="{B01F9CA3-105E-4857-9057-6DB6197DA786}" type="datetimeFigureOut">
               <a:rPr lang="en-US" smtClean="0"/>
-              <a:t>10/28/13</a:t>
+              <a:t>10/29/13</a:t>
             </a:fld>
             <a:endParaRPr lang="en-US"/>
           </a:p>
@@ -3232,15 +8656,15 @@
         </p:nvSpPr>
         <p:spPr>
           <a:xfrm>
-            <a:off x="264458" y="6275668"/>
-            <a:ext cx="4840941" cy="365125"/>
+            <a:off x="264460" y="4706751"/>
+            <a:ext cx="4840941" cy="273844"/>
           </a:xfrm>
           <a:prstGeom prst="rect">
             <a:avLst/>
           </a:prstGeom>
         </p:spPr>
         <p:txBody>
-          <a:bodyPr vert="horz" lIns="91440" tIns="45720" rIns="91440" bIns="45720" rtlCol="0" anchor="ctr"/>
+          <a:bodyPr vert="horz" lIns="91438" tIns="45719" rIns="91438" bIns="45719" rtlCol="0" anchor="ctr"/>
           <a:lstStyle>
             <a:lvl1pPr algn="l">
               <a:defRPr sz="1200">
@@ -3267,15 +8691,15 @@
         </p:nvSpPr>
         <p:spPr>
           <a:xfrm>
-            <a:off x="7897906" y="6275668"/>
-            <a:ext cx="990600" cy="365125"/>
+            <a:off x="7897906" y="4706751"/>
+            <a:ext cx="990600" cy="273844"/>
           </a:xfrm>
           <a:prstGeom prst="rect">
             <a:avLst/>
           </a:prstGeom>
         </p:spPr>
         <p:txBody>
-          <a:bodyPr vert="horz" lIns="91440" tIns="45720" rIns="91440" bIns="45720" rtlCol="0" anchor="ctr"/>
+          <a:bodyPr vert="horz" lIns="91438" tIns="45719" rIns="91438" bIns="45719" rtlCol="0" anchor="ctr"/>
           <a:lstStyle>
             <a:lvl1pPr algn="r">
               <a:defRPr sz="3600">
@@ -3313,7 +8737,7 @@
   </p:sldLayoutIdLst>
   <p:txStyles>
     <p:titleStyle>
-      <a:lvl1pPr algn="ctr" defTabSz="914400" rtl="0" eaLnBrk="1" latinLnBrk="0" hangingPunct="1">
+      <a:lvl1pPr algn="ctr" defTabSz="914378" rtl="0" eaLnBrk="1" latinLnBrk="0" hangingPunct="1">
         <a:spcBef>
           <a:spcPct val="0"/>
         </a:spcBef>
@@ -3329,7 +8753,7 @@
       </a:lvl1pPr>
     </p:titleStyle>
     <p:bodyStyle>
-      <a:lvl1pPr marL="349250" indent="-349250" algn="l" defTabSz="914400" rtl="0" eaLnBrk="1" latinLnBrk="0" hangingPunct="1">
+      <a:lvl1pPr marL="349241" indent="-349241" algn="l" defTabSz="914378" rtl="0" eaLnBrk="1" latinLnBrk="0" hangingPunct="1">
         <a:spcBef>
           <a:spcPts val="2000"/>
         </a:spcBef>
@@ -3354,7 +8778,7 @@
           <a:cs typeface="+mn-cs"/>
         </a:defRPr>
       </a:lvl1pPr>
-      <a:lvl2pPr marL="685800" indent="-336550" algn="l" defTabSz="914400" rtl="0" eaLnBrk="1" latinLnBrk="0" hangingPunct="1">
+      <a:lvl2pPr marL="685783" indent="-336542" algn="l" defTabSz="914378" rtl="0" eaLnBrk="1" latinLnBrk="0" hangingPunct="1">
         <a:spcBef>
           <a:spcPts val="600"/>
         </a:spcBef>
@@ -3378,7 +8802,7 @@
           <a:cs typeface="+mn-cs"/>
         </a:defRPr>
       </a:lvl2pPr>
-      <a:lvl3pPr marL="968375" indent="-282575" algn="l" defTabSz="914400" rtl="0" eaLnBrk="1" latinLnBrk="0" hangingPunct="1">
+      <a:lvl3pPr marL="968351" indent="-282568" algn="l" defTabSz="914378" rtl="0" eaLnBrk="1" latinLnBrk="0" hangingPunct="1">
         <a:spcBef>
           <a:spcPts val="600"/>
         </a:spcBef>
@@ -3403,7 +8827,7 @@
           <a:cs typeface="+mn-cs"/>
         </a:defRPr>
       </a:lvl3pPr>
-      <a:lvl4pPr marL="1263650" indent="-295275" algn="l" defTabSz="914400" rtl="0" eaLnBrk="1" latinLnBrk="0" hangingPunct="1">
+      <a:lvl4pPr marL="1263619" indent="-295268" algn="l" defTabSz="914378" rtl="0" eaLnBrk="1" latinLnBrk="0" hangingPunct="1">
         <a:spcBef>
           <a:spcPts val="600"/>
         </a:spcBef>
@@ -3427,7 +8851,7 @@
           <a:cs typeface="+mn-cs"/>
         </a:defRPr>
       </a:lvl4pPr>
-      <a:lvl5pPr marL="1546225" indent="-282575" algn="l" defTabSz="914400" rtl="0" eaLnBrk="1" latinLnBrk="0" hangingPunct="1">
+      <a:lvl5pPr marL="1546187" indent="-282568" algn="l" defTabSz="914378" rtl="0" eaLnBrk="1" latinLnBrk="0" hangingPunct="1">
         <a:spcBef>
           <a:spcPts val="600"/>
         </a:spcBef>
@@ -3452,7 +8876,7 @@
           <a:cs typeface="+mn-cs"/>
         </a:defRPr>
       </a:lvl5pPr>
-      <a:lvl6pPr marL="1828800" indent="-282575" algn="l" defTabSz="914400" rtl="0" eaLnBrk="1" latinLnBrk="0" hangingPunct="1">
+      <a:lvl6pPr marL="1828754" indent="-282568" algn="l" defTabSz="914378" rtl="0" eaLnBrk="1" latinLnBrk="0" hangingPunct="1">
         <a:spcBef>
           <a:spcPct val="20000"/>
         </a:spcBef>
@@ -3474,7 +8898,7 @@
           <a:cs typeface="+mn-cs"/>
         </a:defRPr>
       </a:lvl6pPr>
-      <a:lvl7pPr marL="2117725" indent="-282575" algn="l" defTabSz="914400" rtl="0" eaLnBrk="1" latinLnBrk="0" hangingPunct="1">
+      <a:lvl7pPr marL="2117672" indent="-282568" algn="l" defTabSz="914378" rtl="0" eaLnBrk="1" latinLnBrk="0" hangingPunct="1">
         <a:spcBef>
           <a:spcPct val="20000"/>
         </a:spcBef>
@@ -3499,7 +8923,7 @@
           <a:cs typeface="+mn-cs"/>
         </a:defRPr>
       </a:lvl7pPr>
-      <a:lvl8pPr marL="2398713" indent="-282575" algn="l" defTabSz="914400" rtl="0" eaLnBrk="1" latinLnBrk="0" hangingPunct="1">
+      <a:lvl8pPr marL="2398653" indent="-282568" algn="l" defTabSz="914378" rtl="0" eaLnBrk="1" latinLnBrk="0" hangingPunct="1">
         <a:spcBef>
           <a:spcPct val="20000"/>
         </a:spcBef>
@@ -3521,7 +8945,7 @@
           <a:cs typeface="+mn-cs"/>
         </a:defRPr>
       </a:lvl8pPr>
-      <a:lvl9pPr marL="2689225" indent="-282575" algn="l" defTabSz="914400" rtl="0" eaLnBrk="1" latinLnBrk="0" hangingPunct="1">
+      <a:lvl9pPr marL="2689158" indent="-282568" algn="l" defTabSz="914378" rtl="0" eaLnBrk="1" latinLnBrk="0" hangingPunct="1">
         <a:spcBef>
           <a:spcPct val="20000"/>
         </a:spcBef>
@@ -3551,7 +8975,7 @@
       <a:defPPr>
         <a:defRPr/>
       </a:defPPr>
-      <a:lvl1pPr marL="0" algn="l" defTabSz="914400" rtl="0" eaLnBrk="1" latinLnBrk="0" hangingPunct="1">
+      <a:lvl1pPr marL="0" algn="l" defTabSz="914378" rtl="0" eaLnBrk="1" latinLnBrk="0" hangingPunct="1">
         <a:defRPr sz="1800" kern="1200">
           <a:solidFill>
             <a:schemeClr val="tx1"/>
@@ -3561,7 +8985,7 @@
           <a:cs typeface="+mn-cs"/>
         </a:defRPr>
       </a:lvl1pPr>
-      <a:lvl2pPr marL="457200" algn="l" defTabSz="914400" rtl="0" eaLnBrk="1" latinLnBrk="0" hangingPunct="1">
+      <a:lvl2pPr marL="457189" algn="l" defTabSz="914378" rtl="0" eaLnBrk="1" latinLnBrk="0" hangingPunct="1">
         <a:defRPr sz="1800" kern="1200">
           <a:solidFill>
             <a:schemeClr val="tx1"/>
@@ -3571,7 +8995,7 @@
           <a:cs typeface="+mn-cs"/>
         </a:defRPr>
       </a:lvl2pPr>
-      <a:lvl3pPr marL="914400" algn="l" defTabSz="914400" rtl="0" eaLnBrk="1" latinLnBrk="0" hangingPunct="1">
+      <a:lvl3pPr marL="914378" algn="l" defTabSz="914378" rtl="0" eaLnBrk="1" latinLnBrk="0" hangingPunct="1">
         <a:defRPr sz="1800" kern="1200">
           <a:solidFill>
             <a:schemeClr val="tx1"/>
@@ -3581,7 +9005,7 @@
           <a:cs typeface="+mn-cs"/>
         </a:defRPr>
       </a:lvl3pPr>
-      <a:lvl4pPr marL="1371600" algn="l" defTabSz="914400" rtl="0" eaLnBrk="1" latinLnBrk="0" hangingPunct="1">
+      <a:lvl4pPr marL="1371566" algn="l" defTabSz="914378" rtl="0" eaLnBrk="1" latinLnBrk="0" hangingPunct="1">
         <a:defRPr sz="1800" kern="1200">
           <a:solidFill>
             <a:schemeClr val="tx1"/>
@@ -3591,7 +9015,7 @@
           <a:cs typeface="+mn-cs"/>
         </a:defRPr>
       </a:lvl4pPr>
-      <a:lvl5pPr marL="1828800" algn="l" defTabSz="914400" rtl="0" eaLnBrk="1" latinLnBrk="0" hangingPunct="1">
+      <a:lvl5pPr marL="1828754" algn="l" defTabSz="914378" rtl="0" eaLnBrk="1" latinLnBrk="0" hangingPunct="1">
         <a:defRPr sz="1800" kern="1200">
           <a:solidFill>
             <a:schemeClr val="tx1"/>
@@ -3601,7 +9025,7 @@
           <a:cs typeface="+mn-cs"/>
         </a:defRPr>
       </a:lvl5pPr>
-      <a:lvl6pPr marL="2286000" algn="l" defTabSz="914400" rtl="0" eaLnBrk="1" latinLnBrk="0" hangingPunct="1">
+      <a:lvl6pPr marL="2285943" algn="l" defTabSz="914378" rtl="0" eaLnBrk="1" latinLnBrk="0" hangingPunct="1">
         <a:defRPr sz="1800" kern="1200">
           <a:solidFill>
             <a:schemeClr val="tx1"/>
@@ -3611,7 +9035,7 @@
           <a:cs typeface="+mn-cs"/>
         </a:defRPr>
       </a:lvl6pPr>
-      <a:lvl7pPr marL="2743200" algn="l" defTabSz="914400" rtl="0" eaLnBrk="1" latinLnBrk="0" hangingPunct="1">
+      <a:lvl7pPr marL="2743132" algn="l" defTabSz="914378" rtl="0" eaLnBrk="1" latinLnBrk="0" hangingPunct="1">
         <a:defRPr sz="1800" kern="1200">
           <a:solidFill>
             <a:schemeClr val="tx1"/>
@@ -3621,7 +9045,7 @@
           <a:cs typeface="+mn-cs"/>
         </a:defRPr>
       </a:lvl7pPr>
-      <a:lvl8pPr marL="3200400" algn="l" defTabSz="914400" rtl="0" eaLnBrk="1" latinLnBrk="0" hangingPunct="1">
+      <a:lvl8pPr marL="3200320" algn="l" defTabSz="914378" rtl="0" eaLnBrk="1" latinLnBrk="0" hangingPunct="1">
         <a:defRPr sz="1800" kern="1200">
           <a:solidFill>
             <a:schemeClr val="tx1"/>
@@ -3631,8 +9055,1173 @@
           <a:cs typeface="+mn-cs"/>
         </a:defRPr>
       </a:lvl8pPr>
-      <a:lvl9pPr marL="3657600" algn="l" defTabSz="914400" rtl="0" eaLnBrk="1" latinLnBrk="0" hangingPunct="1">
+      <a:lvl9pPr marL="3657509" algn="l" defTabSz="914378" rtl="0" eaLnBrk="1" latinLnBrk="0" hangingPunct="1">
         <a:defRPr sz="1800" kern="1200">
+          <a:solidFill>
+            <a:schemeClr val="tx1"/>
+          </a:solidFill>
+          <a:latin typeface="+mn-lt"/>
+          <a:ea typeface="+mn-ea"/>
+          <a:cs typeface="+mn-cs"/>
+        </a:defRPr>
+      </a:lvl9pPr>
+    </p:otherStyle>
+  </p:txStyles>
+</p:sldMaster>
+</file>
+
+<file path=ppt/slideMasters/slideMaster2.xml><?xml version="1.0" encoding="utf-8"?>
+<p:sldMaster xmlns:a="http://schemas.openxmlformats.org/drawingml/2006/main" xmlns:r="http://schemas.openxmlformats.org/officeDocument/2006/relationships" xmlns:p="http://schemas.openxmlformats.org/presentationml/2006/main">
+  <p:cSld>
+    <p:bg>
+      <p:bgPr>
+        <a:solidFill>
+          <a:srgbClr val="C8FFD8">
+            <a:alpha val="66000"/>
+          </a:srgbClr>
+        </a:solidFill>
+        <a:effectLst/>
+      </p:bgPr>
+    </p:bg>
+    <p:spTree>
+      <p:nvGrpSpPr>
+        <p:cNvPr id="1" name=""/>
+        <p:cNvGrpSpPr/>
+        <p:nvPr/>
+      </p:nvGrpSpPr>
+      <p:grpSpPr>
+        <a:xfrm>
+          <a:off x="0" y="0"/>
+          <a:ext cx="0" cy="0"/>
+          <a:chOff x="0" y="0"/>
+          <a:chExt cx="0" cy="0"/>
+        </a:xfrm>
+      </p:grpSpPr>
+      <p:sp>
+        <p:nvSpPr>
+          <p:cNvPr id="2" name="Title Placeholder 1"/>
+          <p:cNvSpPr>
+            <a:spLocks noGrp="1"/>
+          </p:cNvSpPr>
+          <p:nvPr>
+            <p:ph type="title"/>
+          </p:nvPr>
+        </p:nvSpPr>
+        <p:spPr>
+          <a:xfrm>
+            <a:off x="628650" y="273844"/>
+            <a:ext cx="7886700" cy="994172"/>
+          </a:xfrm>
+          <a:prstGeom prst="rect">
+            <a:avLst/>
+          </a:prstGeom>
+        </p:spPr>
+        <p:txBody>
+          <a:bodyPr vert="horz" lIns="68579" tIns="34289" rIns="68579" bIns="34289" rtlCol="0" anchor="ctr">
+            <a:normAutofit/>
+          </a:bodyPr>
+          <a:lstStyle/>
+          <a:p>
+            <a:r>
+              <a:rPr lang="en-US" smtClean="0"/>
+              <a:t>Click to edit Master title style</a:t>
+            </a:r>
+            <a:endParaRPr lang="en-US"/>
+          </a:p>
+        </p:txBody>
+      </p:sp>
+      <p:sp>
+        <p:nvSpPr>
+          <p:cNvPr id="3" name="Text Placeholder 2"/>
+          <p:cNvSpPr>
+            <a:spLocks noGrp="1"/>
+          </p:cNvSpPr>
+          <p:nvPr>
+            <p:ph type="body" idx="1"/>
+          </p:nvPr>
+        </p:nvSpPr>
+        <p:spPr>
+          <a:xfrm>
+            <a:off x="628650" y="1369219"/>
+            <a:ext cx="7886700" cy="3263504"/>
+          </a:xfrm>
+          <a:prstGeom prst="rect">
+            <a:avLst/>
+          </a:prstGeom>
+        </p:spPr>
+        <p:txBody>
+          <a:bodyPr vert="horz" lIns="68579" tIns="34289" rIns="68579" bIns="34289" rtlCol="0">
+            <a:normAutofit/>
+          </a:bodyPr>
+          <a:lstStyle/>
+          <a:p>
+            <a:pPr lvl="0"/>
+            <a:r>
+              <a:rPr lang="en-US" smtClean="0"/>
+              <a:t>Click to edit Master text styles</a:t>
+            </a:r>
+          </a:p>
+          <a:p>
+            <a:pPr lvl="1"/>
+            <a:r>
+              <a:rPr lang="en-US" smtClean="0"/>
+              <a:t>Second level</a:t>
+            </a:r>
+          </a:p>
+          <a:p>
+            <a:pPr lvl="2"/>
+            <a:r>
+              <a:rPr lang="en-US" smtClean="0"/>
+              <a:t>Third level</a:t>
+            </a:r>
+          </a:p>
+          <a:p>
+            <a:pPr lvl="3"/>
+            <a:r>
+              <a:rPr lang="en-US" smtClean="0"/>
+              <a:t>Fourth level</a:t>
+            </a:r>
+          </a:p>
+          <a:p>
+            <a:pPr lvl="4"/>
+            <a:r>
+              <a:rPr lang="en-US" smtClean="0"/>
+              <a:t>Fifth level</a:t>
+            </a:r>
+            <a:endParaRPr lang="en-US"/>
+          </a:p>
+        </p:txBody>
+      </p:sp>
+      <p:sp>
+        <p:nvSpPr>
+          <p:cNvPr id="4" name="Date Placeholder 3"/>
+          <p:cNvSpPr>
+            <a:spLocks noGrp="1"/>
+          </p:cNvSpPr>
+          <p:nvPr>
+            <p:ph type="dt" sz="half" idx="2"/>
+          </p:nvPr>
+        </p:nvSpPr>
+        <p:spPr>
+          <a:xfrm>
+            <a:off x="628650" y="4767264"/>
+            <a:ext cx="2057400" cy="273844"/>
+          </a:xfrm>
+          <a:prstGeom prst="rect">
+            <a:avLst/>
+          </a:prstGeom>
+        </p:spPr>
+        <p:txBody>
+          <a:bodyPr vert="horz" lIns="68579" tIns="34289" rIns="68579" bIns="34289" rtlCol="0" anchor="ctr"/>
+          <a:lstStyle>
+            <a:lvl1pPr algn="l">
+              <a:defRPr sz="900">
+                <a:solidFill>
+                  <a:schemeClr val="tx1">
+                    <a:tint val="75000"/>
+                  </a:schemeClr>
+                </a:solidFill>
+              </a:defRPr>
+            </a:lvl1pPr>
+          </a:lstStyle>
+          <a:p>
+            <a:pPr defTabSz="685783"/>
+            <a:fld id="{D2C2715B-F942-4F5E-A633-D0A1D132D002}" type="datetimeFigureOut">
+              <a:rPr lang="en-US" smtClean="0">
+                <a:solidFill>
+                  <a:prstClr val="black">
+                    <a:tint val="75000"/>
+                  </a:prstClr>
+                </a:solidFill>
+                <a:latin typeface="Calibri"/>
+              </a:rPr>
+              <a:pPr defTabSz="685783"/>
+              <a:t>10/29/13</a:t>
+            </a:fld>
+            <a:endParaRPr lang="en-US">
+              <a:solidFill>
+                <a:prstClr val="black">
+                  <a:tint val="75000"/>
+                </a:prstClr>
+              </a:solidFill>
+              <a:latin typeface="Calibri"/>
+            </a:endParaRPr>
+          </a:p>
+        </p:txBody>
+      </p:sp>
+      <p:sp>
+        <p:nvSpPr>
+          <p:cNvPr id="5" name="Footer Placeholder 4"/>
+          <p:cNvSpPr>
+            <a:spLocks noGrp="1"/>
+          </p:cNvSpPr>
+          <p:nvPr>
+            <p:ph type="ftr" sz="quarter" idx="3"/>
+          </p:nvPr>
+        </p:nvSpPr>
+        <p:spPr>
+          <a:xfrm>
+            <a:off x="3028950" y="4767264"/>
+            <a:ext cx="3086100" cy="273844"/>
+          </a:xfrm>
+          <a:prstGeom prst="rect">
+            <a:avLst/>
+          </a:prstGeom>
+        </p:spPr>
+        <p:txBody>
+          <a:bodyPr vert="horz" lIns="68579" tIns="34289" rIns="68579" bIns="34289" rtlCol="0" anchor="ctr"/>
+          <a:lstStyle>
+            <a:lvl1pPr algn="ctr">
+              <a:defRPr sz="900">
+                <a:solidFill>
+                  <a:schemeClr val="tx1">
+                    <a:tint val="75000"/>
+                  </a:schemeClr>
+                </a:solidFill>
+              </a:defRPr>
+            </a:lvl1pPr>
+          </a:lstStyle>
+          <a:p>
+            <a:pPr defTabSz="685783"/>
+            <a:endParaRPr lang="en-US">
+              <a:solidFill>
+                <a:prstClr val="black">
+                  <a:tint val="75000"/>
+                </a:prstClr>
+              </a:solidFill>
+              <a:latin typeface="Calibri"/>
+            </a:endParaRPr>
+          </a:p>
+        </p:txBody>
+      </p:sp>
+      <p:sp>
+        <p:nvSpPr>
+          <p:cNvPr id="6" name="Slide Number Placeholder 5"/>
+          <p:cNvSpPr>
+            <a:spLocks noGrp="1"/>
+          </p:cNvSpPr>
+          <p:nvPr>
+            <p:ph type="sldNum" sz="quarter" idx="4"/>
+          </p:nvPr>
+        </p:nvSpPr>
+        <p:spPr>
+          <a:xfrm>
+            <a:off x="6457950" y="4767264"/>
+            <a:ext cx="2057400" cy="273844"/>
+          </a:xfrm>
+          <a:prstGeom prst="rect">
+            <a:avLst/>
+          </a:prstGeom>
+        </p:spPr>
+        <p:txBody>
+          <a:bodyPr vert="horz" lIns="68579" tIns="34289" rIns="68579" bIns="34289" rtlCol="0" anchor="ctr"/>
+          <a:lstStyle>
+            <a:lvl1pPr algn="r">
+              <a:defRPr sz="900">
+                <a:solidFill>
+                  <a:schemeClr val="tx1">
+                    <a:tint val="75000"/>
+                  </a:schemeClr>
+                </a:solidFill>
+              </a:defRPr>
+            </a:lvl1pPr>
+          </a:lstStyle>
+          <a:p>
+            <a:pPr defTabSz="685783"/>
+            <a:fld id="{0DE94595-C6D2-4D8B-9FF7-0FE108ABBDE1}" type="slidenum">
+              <a:rPr lang="en-US" smtClean="0">
+                <a:solidFill>
+                  <a:prstClr val="black">
+                    <a:tint val="75000"/>
+                  </a:prstClr>
+                </a:solidFill>
+                <a:latin typeface="Calibri"/>
+              </a:rPr>
+              <a:pPr defTabSz="685783"/>
+              <a:t>‹#›</a:t>
+            </a:fld>
+            <a:endParaRPr lang="en-US">
+              <a:solidFill>
+                <a:prstClr val="black">
+                  <a:tint val="75000"/>
+                </a:prstClr>
+              </a:solidFill>
+              <a:latin typeface="Calibri"/>
+            </a:endParaRPr>
+          </a:p>
+        </p:txBody>
+      </p:sp>
+    </p:spTree>
+    <p:extLst>
+      <p:ext uri="{BB962C8B-B14F-4D97-AF65-F5344CB8AC3E}">
+        <p14:creationId xmlns:p14="http://schemas.microsoft.com/office/powerpoint/2010/main" val="4185977757"/>
+      </p:ext>
+    </p:extLst>
+  </p:cSld>
+  <p:clrMap bg1="lt1" tx1="dk1" bg2="lt2" tx2="dk2" accent1="accent1" accent2="accent2" accent3="accent3" accent4="accent4" accent5="accent5" accent6="accent6" hlink="hlink" folHlink="folHlink"/>
+  <p:sldLayoutIdLst>
+    <p:sldLayoutId id="2147483674" r:id="rId1"/>
+    <p:sldLayoutId id="2147483675" r:id="rId2"/>
+    <p:sldLayoutId id="2147483676" r:id="rId3"/>
+    <p:sldLayoutId id="2147483677" r:id="rId4"/>
+    <p:sldLayoutId id="2147483678" r:id="rId5"/>
+    <p:sldLayoutId id="2147483679" r:id="rId6"/>
+    <p:sldLayoutId id="2147483680" r:id="rId7"/>
+    <p:sldLayoutId id="2147483681" r:id="rId8"/>
+    <p:sldLayoutId id="2147483682" r:id="rId9"/>
+    <p:sldLayoutId id="2147483683" r:id="rId10"/>
+    <p:sldLayoutId id="2147483684" r:id="rId11"/>
+  </p:sldLayoutIdLst>
+  <p:txStyles>
+    <p:titleStyle>
+      <a:lvl1pPr algn="l" defTabSz="685783" rtl="0" eaLnBrk="1" latinLnBrk="0" hangingPunct="1">
+        <a:lnSpc>
+          <a:spcPct val="90000"/>
+        </a:lnSpc>
+        <a:spcBef>
+          <a:spcPct val="0"/>
+        </a:spcBef>
+        <a:buNone/>
+        <a:defRPr sz="3300" kern="1200">
+          <a:solidFill>
+            <a:schemeClr val="tx1"/>
+          </a:solidFill>
+          <a:latin typeface="+mj-lt"/>
+          <a:ea typeface="+mj-ea"/>
+          <a:cs typeface="+mj-cs"/>
+        </a:defRPr>
+      </a:lvl1pPr>
+    </p:titleStyle>
+    <p:bodyStyle>
+      <a:lvl1pPr marL="171446" indent="-171446" algn="l" defTabSz="685783" rtl="0" eaLnBrk="1" latinLnBrk="0" hangingPunct="1">
+        <a:lnSpc>
+          <a:spcPct val="90000"/>
+        </a:lnSpc>
+        <a:spcBef>
+          <a:spcPts val="750"/>
+        </a:spcBef>
+        <a:buFont typeface="Arial" panose="020B0604020202020204" pitchFamily="34" charset="0"/>
+        <a:buChar char="•"/>
+        <a:defRPr sz="2100" kern="1200">
+          <a:solidFill>
+            <a:schemeClr val="tx1"/>
+          </a:solidFill>
+          <a:latin typeface="+mn-lt"/>
+          <a:ea typeface="+mn-ea"/>
+          <a:cs typeface="+mn-cs"/>
+        </a:defRPr>
+      </a:lvl1pPr>
+      <a:lvl2pPr marL="514337" indent="-171446" algn="l" defTabSz="685783" rtl="0" eaLnBrk="1" latinLnBrk="0" hangingPunct="1">
+        <a:lnSpc>
+          <a:spcPct val="90000"/>
+        </a:lnSpc>
+        <a:spcBef>
+          <a:spcPts val="375"/>
+        </a:spcBef>
+        <a:buFont typeface="Arial" panose="020B0604020202020204" pitchFamily="34" charset="0"/>
+        <a:buChar char="•"/>
+        <a:defRPr sz="1800" kern="1200">
+          <a:solidFill>
+            <a:schemeClr val="tx1"/>
+          </a:solidFill>
+          <a:latin typeface="+mn-lt"/>
+          <a:ea typeface="+mn-ea"/>
+          <a:cs typeface="+mn-cs"/>
+        </a:defRPr>
+      </a:lvl2pPr>
+      <a:lvl3pPr marL="857228" indent="-171446" algn="l" defTabSz="685783" rtl="0" eaLnBrk="1" latinLnBrk="0" hangingPunct="1">
+        <a:lnSpc>
+          <a:spcPct val="90000"/>
+        </a:lnSpc>
+        <a:spcBef>
+          <a:spcPts val="375"/>
+        </a:spcBef>
+        <a:buFont typeface="Arial" panose="020B0604020202020204" pitchFamily="34" charset="0"/>
+        <a:buChar char="•"/>
+        <a:defRPr sz="1500" kern="1200">
+          <a:solidFill>
+            <a:schemeClr val="tx1"/>
+          </a:solidFill>
+          <a:latin typeface="+mn-lt"/>
+          <a:ea typeface="+mn-ea"/>
+          <a:cs typeface="+mn-cs"/>
+        </a:defRPr>
+      </a:lvl3pPr>
+      <a:lvl4pPr marL="1200120" indent="-171446" algn="l" defTabSz="685783" rtl="0" eaLnBrk="1" latinLnBrk="0" hangingPunct="1">
+        <a:lnSpc>
+          <a:spcPct val="90000"/>
+        </a:lnSpc>
+        <a:spcBef>
+          <a:spcPts val="375"/>
+        </a:spcBef>
+        <a:buFont typeface="Arial" panose="020B0604020202020204" pitchFamily="34" charset="0"/>
+        <a:buChar char="•"/>
+        <a:defRPr sz="1400" kern="1200">
+          <a:solidFill>
+            <a:schemeClr val="tx1"/>
+          </a:solidFill>
+          <a:latin typeface="+mn-lt"/>
+          <a:ea typeface="+mn-ea"/>
+          <a:cs typeface="+mn-cs"/>
+        </a:defRPr>
+      </a:lvl4pPr>
+      <a:lvl5pPr marL="1543012" indent="-171446" algn="l" defTabSz="685783" rtl="0" eaLnBrk="1" latinLnBrk="0" hangingPunct="1">
+        <a:lnSpc>
+          <a:spcPct val="90000"/>
+        </a:lnSpc>
+        <a:spcBef>
+          <a:spcPts val="375"/>
+        </a:spcBef>
+        <a:buFont typeface="Arial" panose="020B0604020202020204" pitchFamily="34" charset="0"/>
+        <a:buChar char="•"/>
+        <a:defRPr sz="1400" kern="1200">
+          <a:solidFill>
+            <a:schemeClr val="tx1"/>
+          </a:solidFill>
+          <a:latin typeface="+mn-lt"/>
+          <a:ea typeface="+mn-ea"/>
+          <a:cs typeface="+mn-cs"/>
+        </a:defRPr>
+      </a:lvl5pPr>
+      <a:lvl6pPr marL="1885903" indent="-171446" algn="l" defTabSz="685783" rtl="0" eaLnBrk="1" latinLnBrk="0" hangingPunct="1">
+        <a:lnSpc>
+          <a:spcPct val="90000"/>
+        </a:lnSpc>
+        <a:spcBef>
+          <a:spcPts val="375"/>
+        </a:spcBef>
+        <a:buFont typeface="Arial" panose="020B0604020202020204" pitchFamily="34" charset="0"/>
+        <a:buChar char="•"/>
+        <a:defRPr sz="1400" kern="1200">
+          <a:solidFill>
+            <a:schemeClr val="tx1"/>
+          </a:solidFill>
+          <a:latin typeface="+mn-lt"/>
+          <a:ea typeface="+mn-ea"/>
+          <a:cs typeface="+mn-cs"/>
+        </a:defRPr>
+      </a:lvl6pPr>
+      <a:lvl7pPr marL="2228795" indent="-171446" algn="l" defTabSz="685783" rtl="0" eaLnBrk="1" latinLnBrk="0" hangingPunct="1">
+        <a:lnSpc>
+          <a:spcPct val="90000"/>
+        </a:lnSpc>
+        <a:spcBef>
+          <a:spcPts val="375"/>
+        </a:spcBef>
+        <a:buFont typeface="Arial" panose="020B0604020202020204" pitchFamily="34" charset="0"/>
+        <a:buChar char="•"/>
+        <a:defRPr sz="1400" kern="1200">
+          <a:solidFill>
+            <a:schemeClr val="tx1"/>
+          </a:solidFill>
+          <a:latin typeface="+mn-lt"/>
+          <a:ea typeface="+mn-ea"/>
+          <a:cs typeface="+mn-cs"/>
+        </a:defRPr>
+      </a:lvl7pPr>
+      <a:lvl8pPr marL="2571686" indent="-171446" algn="l" defTabSz="685783" rtl="0" eaLnBrk="1" latinLnBrk="0" hangingPunct="1">
+        <a:lnSpc>
+          <a:spcPct val="90000"/>
+        </a:lnSpc>
+        <a:spcBef>
+          <a:spcPts val="375"/>
+        </a:spcBef>
+        <a:buFont typeface="Arial" panose="020B0604020202020204" pitchFamily="34" charset="0"/>
+        <a:buChar char="•"/>
+        <a:defRPr sz="1400" kern="1200">
+          <a:solidFill>
+            <a:schemeClr val="tx1"/>
+          </a:solidFill>
+          <a:latin typeface="+mn-lt"/>
+          <a:ea typeface="+mn-ea"/>
+          <a:cs typeface="+mn-cs"/>
+        </a:defRPr>
+      </a:lvl8pPr>
+      <a:lvl9pPr marL="2914577" indent="-171446" algn="l" defTabSz="685783" rtl="0" eaLnBrk="1" latinLnBrk="0" hangingPunct="1">
+        <a:lnSpc>
+          <a:spcPct val="90000"/>
+        </a:lnSpc>
+        <a:spcBef>
+          <a:spcPts val="375"/>
+        </a:spcBef>
+        <a:buFont typeface="Arial" panose="020B0604020202020204" pitchFamily="34" charset="0"/>
+        <a:buChar char="•"/>
+        <a:defRPr sz="1400" kern="1200">
+          <a:solidFill>
+            <a:schemeClr val="tx1"/>
+          </a:solidFill>
+          <a:latin typeface="+mn-lt"/>
+          <a:ea typeface="+mn-ea"/>
+          <a:cs typeface="+mn-cs"/>
+        </a:defRPr>
+      </a:lvl9pPr>
+    </p:bodyStyle>
+    <p:otherStyle>
+      <a:defPPr>
+        <a:defRPr lang="en-US"/>
+      </a:defPPr>
+      <a:lvl1pPr marL="0" algn="l" defTabSz="685783" rtl="0" eaLnBrk="1" latinLnBrk="0" hangingPunct="1">
+        <a:defRPr sz="1400" kern="1200">
+          <a:solidFill>
+            <a:schemeClr val="tx1"/>
+          </a:solidFill>
+          <a:latin typeface="+mn-lt"/>
+          <a:ea typeface="+mn-ea"/>
+          <a:cs typeface="+mn-cs"/>
+        </a:defRPr>
+      </a:lvl1pPr>
+      <a:lvl2pPr marL="342892" algn="l" defTabSz="685783" rtl="0" eaLnBrk="1" latinLnBrk="0" hangingPunct="1">
+        <a:defRPr sz="1400" kern="1200">
+          <a:solidFill>
+            <a:schemeClr val="tx1"/>
+          </a:solidFill>
+          <a:latin typeface="+mn-lt"/>
+          <a:ea typeface="+mn-ea"/>
+          <a:cs typeface="+mn-cs"/>
+        </a:defRPr>
+      </a:lvl2pPr>
+      <a:lvl3pPr marL="685783" algn="l" defTabSz="685783" rtl="0" eaLnBrk="1" latinLnBrk="0" hangingPunct="1">
+        <a:defRPr sz="1400" kern="1200">
+          <a:solidFill>
+            <a:schemeClr val="tx1"/>
+          </a:solidFill>
+          <a:latin typeface="+mn-lt"/>
+          <a:ea typeface="+mn-ea"/>
+          <a:cs typeface="+mn-cs"/>
+        </a:defRPr>
+      </a:lvl3pPr>
+      <a:lvl4pPr marL="1028675" algn="l" defTabSz="685783" rtl="0" eaLnBrk="1" latinLnBrk="0" hangingPunct="1">
+        <a:defRPr sz="1400" kern="1200">
+          <a:solidFill>
+            <a:schemeClr val="tx1"/>
+          </a:solidFill>
+          <a:latin typeface="+mn-lt"/>
+          <a:ea typeface="+mn-ea"/>
+          <a:cs typeface="+mn-cs"/>
+        </a:defRPr>
+      </a:lvl4pPr>
+      <a:lvl5pPr marL="1371566" algn="l" defTabSz="685783" rtl="0" eaLnBrk="1" latinLnBrk="0" hangingPunct="1">
+        <a:defRPr sz="1400" kern="1200">
+          <a:solidFill>
+            <a:schemeClr val="tx1"/>
+          </a:solidFill>
+          <a:latin typeface="+mn-lt"/>
+          <a:ea typeface="+mn-ea"/>
+          <a:cs typeface="+mn-cs"/>
+        </a:defRPr>
+      </a:lvl5pPr>
+      <a:lvl6pPr marL="1714457" algn="l" defTabSz="685783" rtl="0" eaLnBrk="1" latinLnBrk="0" hangingPunct="1">
+        <a:defRPr sz="1400" kern="1200">
+          <a:solidFill>
+            <a:schemeClr val="tx1"/>
+          </a:solidFill>
+          <a:latin typeface="+mn-lt"/>
+          <a:ea typeface="+mn-ea"/>
+          <a:cs typeface="+mn-cs"/>
+        </a:defRPr>
+      </a:lvl6pPr>
+      <a:lvl7pPr marL="2057348" algn="l" defTabSz="685783" rtl="0" eaLnBrk="1" latinLnBrk="0" hangingPunct="1">
+        <a:defRPr sz="1400" kern="1200">
+          <a:solidFill>
+            <a:schemeClr val="tx1"/>
+          </a:solidFill>
+          <a:latin typeface="+mn-lt"/>
+          <a:ea typeface="+mn-ea"/>
+          <a:cs typeface="+mn-cs"/>
+        </a:defRPr>
+      </a:lvl7pPr>
+      <a:lvl8pPr marL="2400240" algn="l" defTabSz="685783" rtl="0" eaLnBrk="1" latinLnBrk="0" hangingPunct="1">
+        <a:defRPr sz="1400" kern="1200">
+          <a:solidFill>
+            <a:schemeClr val="tx1"/>
+          </a:solidFill>
+          <a:latin typeface="+mn-lt"/>
+          <a:ea typeface="+mn-ea"/>
+          <a:cs typeface="+mn-cs"/>
+        </a:defRPr>
+      </a:lvl8pPr>
+      <a:lvl9pPr marL="2743132" algn="l" defTabSz="685783" rtl="0" eaLnBrk="1" latinLnBrk="0" hangingPunct="1">
+        <a:defRPr sz="1400" kern="1200">
+          <a:solidFill>
+            <a:schemeClr val="tx1"/>
+          </a:solidFill>
+          <a:latin typeface="+mn-lt"/>
+          <a:ea typeface="+mn-ea"/>
+          <a:cs typeface="+mn-cs"/>
+        </a:defRPr>
+      </a:lvl9pPr>
+    </p:otherStyle>
+  </p:txStyles>
+</p:sldMaster>
+</file>
+
+<file path=ppt/slideMasters/slideMaster3.xml><?xml version="1.0" encoding="utf-8"?>
+<p:sldMaster xmlns:a="http://schemas.openxmlformats.org/drawingml/2006/main" xmlns:r="http://schemas.openxmlformats.org/officeDocument/2006/relationships" xmlns:p="http://schemas.openxmlformats.org/presentationml/2006/main">
+  <p:cSld>
+    <p:bg>
+      <p:bgRef idx="1001">
+        <a:schemeClr val="bg1"/>
+      </p:bgRef>
+    </p:bg>
+    <p:spTree>
+      <p:nvGrpSpPr>
+        <p:cNvPr id="1" name=""/>
+        <p:cNvGrpSpPr/>
+        <p:nvPr/>
+      </p:nvGrpSpPr>
+      <p:grpSpPr>
+        <a:xfrm>
+          <a:off x="0" y="0"/>
+          <a:ext cx="0" cy="0"/>
+          <a:chOff x="0" y="0"/>
+          <a:chExt cx="0" cy="0"/>
+        </a:xfrm>
+      </p:grpSpPr>
+      <p:sp>
+        <p:nvSpPr>
+          <p:cNvPr id="2" name="Title Placeholder 1"/>
+          <p:cNvSpPr>
+            <a:spLocks noGrp="1"/>
+          </p:cNvSpPr>
+          <p:nvPr>
+            <p:ph type="title"/>
+          </p:nvPr>
+        </p:nvSpPr>
+        <p:spPr>
+          <a:xfrm>
+            <a:off x="628650" y="273844"/>
+            <a:ext cx="7886700" cy="994172"/>
+          </a:xfrm>
+          <a:prstGeom prst="rect">
+            <a:avLst/>
+          </a:prstGeom>
+        </p:spPr>
+        <p:txBody>
+          <a:bodyPr vert="horz" lIns="68580" tIns="34290" rIns="68580" bIns="34290" rtlCol="0" anchor="ctr">
+            <a:normAutofit/>
+          </a:bodyPr>
+          <a:lstStyle/>
+          <a:p>
+            <a:r>
+              <a:rPr lang="en-US" smtClean="0"/>
+              <a:t>Click to edit Master title style</a:t>
+            </a:r>
+            <a:endParaRPr lang="en-US"/>
+          </a:p>
+        </p:txBody>
+      </p:sp>
+      <p:sp>
+        <p:nvSpPr>
+          <p:cNvPr id="3" name="Text Placeholder 2"/>
+          <p:cNvSpPr>
+            <a:spLocks noGrp="1"/>
+          </p:cNvSpPr>
+          <p:nvPr>
+            <p:ph type="body" idx="1"/>
+          </p:nvPr>
+        </p:nvSpPr>
+        <p:spPr>
+          <a:xfrm>
+            <a:off x="628650" y="1369219"/>
+            <a:ext cx="7886700" cy="3263504"/>
+          </a:xfrm>
+          <a:prstGeom prst="rect">
+            <a:avLst/>
+          </a:prstGeom>
+        </p:spPr>
+        <p:txBody>
+          <a:bodyPr vert="horz" lIns="68580" tIns="34290" rIns="68580" bIns="34290" rtlCol="0">
+            <a:normAutofit/>
+          </a:bodyPr>
+          <a:lstStyle/>
+          <a:p>
+            <a:pPr lvl="0"/>
+            <a:r>
+              <a:rPr lang="en-US" smtClean="0"/>
+              <a:t>Click to edit Master text styles</a:t>
+            </a:r>
+          </a:p>
+          <a:p>
+            <a:pPr lvl="1"/>
+            <a:r>
+              <a:rPr lang="en-US" smtClean="0"/>
+              <a:t>Second level</a:t>
+            </a:r>
+          </a:p>
+          <a:p>
+            <a:pPr lvl="2"/>
+            <a:r>
+              <a:rPr lang="en-US" smtClean="0"/>
+              <a:t>Third level</a:t>
+            </a:r>
+          </a:p>
+          <a:p>
+            <a:pPr lvl="3"/>
+            <a:r>
+              <a:rPr lang="en-US" smtClean="0"/>
+              <a:t>Fourth level</a:t>
+            </a:r>
+          </a:p>
+          <a:p>
+            <a:pPr lvl="4"/>
+            <a:r>
+              <a:rPr lang="en-US" smtClean="0"/>
+              <a:t>Fifth level</a:t>
+            </a:r>
+            <a:endParaRPr lang="en-US"/>
+          </a:p>
+        </p:txBody>
+      </p:sp>
+      <p:sp>
+        <p:nvSpPr>
+          <p:cNvPr id="4" name="Date Placeholder 3"/>
+          <p:cNvSpPr>
+            <a:spLocks noGrp="1"/>
+          </p:cNvSpPr>
+          <p:nvPr>
+            <p:ph type="dt" sz="half" idx="2"/>
+          </p:nvPr>
+        </p:nvSpPr>
+        <p:spPr>
+          <a:xfrm>
+            <a:off x="628650" y="4767263"/>
+            <a:ext cx="2057400" cy="273844"/>
+          </a:xfrm>
+          <a:prstGeom prst="rect">
+            <a:avLst/>
+          </a:prstGeom>
+        </p:spPr>
+        <p:txBody>
+          <a:bodyPr vert="horz" lIns="68580" tIns="34290" rIns="68580" bIns="34290" rtlCol="0" anchor="ctr"/>
+          <a:lstStyle>
+            <a:lvl1pPr algn="l">
+              <a:defRPr sz="900">
+                <a:solidFill>
+                  <a:schemeClr val="tx1">
+                    <a:tint val="75000"/>
+                  </a:schemeClr>
+                </a:solidFill>
+              </a:defRPr>
+            </a:lvl1pPr>
+          </a:lstStyle>
+          <a:p>
+            <a:pPr defTabSz="685800"/>
+            <a:fld id="{D2C2715B-F942-4F5E-A633-D0A1D132D002}" type="datetimeFigureOut">
+              <a:rPr lang="en-US" smtClean="0">
+                <a:solidFill>
+                  <a:prstClr val="black">
+                    <a:tint val="75000"/>
+                  </a:prstClr>
+                </a:solidFill>
+                <a:latin typeface="Calibri"/>
+              </a:rPr>
+              <a:pPr defTabSz="685800"/>
+              <a:t>10/29/13</a:t>
+            </a:fld>
+            <a:endParaRPr lang="en-US">
+              <a:solidFill>
+                <a:prstClr val="black">
+                  <a:tint val="75000"/>
+                </a:prstClr>
+              </a:solidFill>
+              <a:latin typeface="Calibri"/>
+            </a:endParaRPr>
+          </a:p>
+        </p:txBody>
+      </p:sp>
+      <p:sp>
+        <p:nvSpPr>
+          <p:cNvPr id="5" name="Footer Placeholder 4"/>
+          <p:cNvSpPr>
+            <a:spLocks noGrp="1"/>
+          </p:cNvSpPr>
+          <p:nvPr>
+            <p:ph type="ftr" sz="quarter" idx="3"/>
+          </p:nvPr>
+        </p:nvSpPr>
+        <p:spPr>
+          <a:xfrm>
+            <a:off x="3028950" y="4767263"/>
+            <a:ext cx="3086100" cy="273844"/>
+          </a:xfrm>
+          <a:prstGeom prst="rect">
+            <a:avLst/>
+          </a:prstGeom>
+        </p:spPr>
+        <p:txBody>
+          <a:bodyPr vert="horz" lIns="68580" tIns="34290" rIns="68580" bIns="34290" rtlCol="0" anchor="ctr"/>
+          <a:lstStyle>
+            <a:lvl1pPr algn="ctr">
+              <a:defRPr sz="900">
+                <a:solidFill>
+                  <a:schemeClr val="tx1">
+                    <a:tint val="75000"/>
+                  </a:schemeClr>
+                </a:solidFill>
+              </a:defRPr>
+            </a:lvl1pPr>
+          </a:lstStyle>
+          <a:p>
+            <a:pPr defTabSz="685800"/>
+            <a:endParaRPr lang="en-US">
+              <a:solidFill>
+                <a:prstClr val="black">
+                  <a:tint val="75000"/>
+                </a:prstClr>
+              </a:solidFill>
+              <a:latin typeface="Calibri"/>
+            </a:endParaRPr>
+          </a:p>
+        </p:txBody>
+      </p:sp>
+      <p:sp>
+        <p:nvSpPr>
+          <p:cNvPr id="6" name="Slide Number Placeholder 5"/>
+          <p:cNvSpPr>
+            <a:spLocks noGrp="1"/>
+          </p:cNvSpPr>
+          <p:nvPr>
+            <p:ph type="sldNum" sz="quarter" idx="4"/>
+          </p:nvPr>
+        </p:nvSpPr>
+        <p:spPr>
+          <a:xfrm>
+            <a:off x="6457950" y="4767263"/>
+            <a:ext cx="2057400" cy="273844"/>
+          </a:xfrm>
+          <a:prstGeom prst="rect">
+            <a:avLst/>
+          </a:prstGeom>
+        </p:spPr>
+        <p:txBody>
+          <a:bodyPr vert="horz" lIns="68580" tIns="34290" rIns="68580" bIns="34290" rtlCol="0" anchor="ctr"/>
+          <a:lstStyle>
+            <a:lvl1pPr algn="r">
+              <a:defRPr sz="900">
+                <a:solidFill>
+                  <a:schemeClr val="tx1">
+                    <a:tint val="75000"/>
+                  </a:schemeClr>
+                </a:solidFill>
+              </a:defRPr>
+            </a:lvl1pPr>
+          </a:lstStyle>
+          <a:p>
+            <a:pPr defTabSz="685800"/>
+            <a:fld id="{0DE94595-C6D2-4D8B-9FF7-0FE108ABBDE1}" type="slidenum">
+              <a:rPr lang="en-US" smtClean="0">
+                <a:solidFill>
+                  <a:prstClr val="black">
+                    <a:tint val="75000"/>
+                  </a:prstClr>
+                </a:solidFill>
+                <a:latin typeface="Calibri"/>
+              </a:rPr>
+              <a:pPr defTabSz="685800"/>
+              <a:t>‹#›</a:t>
+            </a:fld>
+            <a:endParaRPr lang="en-US">
+              <a:solidFill>
+                <a:prstClr val="black">
+                  <a:tint val="75000"/>
+                </a:prstClr>
+              </a:solidFill>
+              <a:latin typeface="Calibri"/>
+            </a:endParaRPr>
+          </a:p>
+        </p:txBody>
+      </p:sp>
+    </p:spTree>
+    <p:extLst>
+      <p:ext uri="{BB962C8B-B14F-4D97-AF65-F5344CB8AC3E}">
+        <p14:creationId xmlns:p14="http://schemas.microsoft.com/office/powerpoint/2010/main" val="1860829915"/>
+      </p:ext>
+    </p:extLst>
+  </p:cSld>
+  <p:clrMap bg1="lt1" tx1="dk1" bg2="lt2" tx2="dk2" accent1="accent1" accent2="accent2" accent3="accent3" accent4="accent4" accent5="accent5" accent6="accent6" hlink="hlink" folHlink="folHlink"/>
+  <p:sldLayoutIdLst>
+    <p:sldLayoutId id="2147483686" r:id="rId1"/>
+    <p:sldLayoutId id="2147483687" r:id="rId2"/>
+    <p:sldLayoutId id="2147483688" r:id="rId3"/>
+    <p:sldLayoutId id="2147483689" r:id="rId4"/>
+    <p:sldLayoutId id="2147483690" r:id="rId5"/>
+    <p:sldLayoutId id="2147483691" r:id="rId6"/>
+    <p:sldLayoutId id="2147483692" r:id="rId7"/>
+    <p:sldLayoutId id="2147483693" r:id="rId8"/>
+    <p:sldLayoutId id="2147483694" r:id="rId9"/>
+    <p:sldLayoutId id="2147483695" r:id="rId10"/>
+    <p:sldLayoutId id="2147483696" r:id="rId11"/>
+  </p:sldLayoutIdLst>
+  <p:txStyles>
+    <p:titleStyle>
+      <a:lvl1pPr algn="l" defTabSz="685800" rtl="0" eaLnBrk="1" latinLnBrk="0" hangingPunct="1">
+        <a:lnSpc>
+          <a:spcPct val="90000"/>
+        </a:lnSpc>
+        <a:spcBef>
+          <a:spcPct val="0"/>
+        </a:spcBef>
+        <a:buNone/>
+        <a:defRPr sz="3300" kern="1200">
+          <a:solidFill>
+            <a:schemeClr val="tx1"/>
+          </a:solidFill>
+          <a:latin typeface="+mj-lt"/>
+          <a:ea typeface="+mj-ea"/>
+          <a:cs typeface="+mj-cs"/>
+        </a:defRPr>
+      </a:lvl1pPr>
+    </p:titleStyle>
+    <p:bodyStyle>
+      <a:lvl1pPr marL="171450" indent="-171450" algn="l" defTabSz="685800" rtl="0" eaLnBrk="1" latinLnBrk="0" hangingPunct="1">
+        <a:lnSpc>
+          <a:spcPct val="90000"/>
+        </a:lnSpc>
+        <a:spcBef>
+          <a:spcPts val="750"/>
+        </a:spcBef>
+        <a:buFont typeface="Arial" panose="020B0604020202020204" pitchFamily="34" charset="0"/>
+        <a:buChar char="•"/>
+        <a:defRPr sz="2100" kern="1200">
+          <a:solidFill>
+            <a:schemeClr val="tx1"/>
+          </a:solidFill>
+          <a:latin typeface="+mn-lt"/>
+          <a:ea typeface="+mn-ea"/>
+          <a:cs typeface="+mn-cs"/>
+        </a:defRPr>
+      </a:lvl1pPr>
+      <a:lvl2pPr marL="514350" indent="-171450" algn="l" defTabSz="685800" rtl="0" eaLnBrk="1" latinLnBrk="0" hangingPunct="1">
+        <a:lnSpc>
+          <a:spcPct val="90000"/>
+        </a:lnSpc>
+        <a:spcBef>
+          <a:spcPts val="375"/>
+        </a:spcBef>
+        <a:buFont typeface="Arial" panose="020B0604020202020204" pitchFamily="34" charset="0"/>
+        <a:buChar char="•"/>
+        <a:defRPr sz="1800" kern="1200">
+          <a:solidFill>
+            <a:schemeClr val="tx1"/>
+          </a:solidFill>
+          <a:latin typeface="+mn-lt"/>
+          <a:ea typeface="+mn-ea"/>
+          <a:cs typeface="+mn-cs"/>
+        </a:defRPr>
+      </a:lvl2pPr>
+      <a:lvl3pPr marL="857250" indent="-171450" algn="l" defTabSz="685800" rtl="0" eaLnBrk="1" latinLnBrk="0" hangingPunct="1">
+        <a:lnSpc>
+          <a:spcPct val="90000"/>
+        </a:lnSpc>
+        <a:spcBef>
+          <a:spcPts val="375"/>
+        </a:spcBef>
+        <a:buFont typeface="Arial" panose="020B0604020202020204" pitchFamily="34" charset="0"/>
+        <a:buChar char="•"/>
+        <a:defRPr sz="1500" kern="1200">
+          <a:solidFill>
+            <a:schemeClr val="tx1"/>
+          </a:solidFill>
+          <a:latin typeface="+mn-lt"/>
+          <a:ea typeface="+mn-ea"/>
+          <a:cs typeface="+mn-cs"/>
+        </a:defRPr>
+      </a:lvl3pPr>
+      <a:lvl4pPr marL="1200150" indent="-171450" algn="l" defTabSz="685800" rtl="0" eaLnBrk="1" latinLnBrk="0" hangingPunct="1">
+        <a:lnSpc>
+          <a:spcPct val="90000"/>
+        </a:lnSpc>
+        <a:spcBef>
+          <a:spcPts val="375"/>
+        </a:spcBef>
+        <a:buFont typeface="Arial" panose="020B0604020202020204" pitchFamily="34" charset="0"/>
+        <a:buChar char="•"/>
+        <a:defRPr sz="1400" kern="1200">
+          <a:solidFill>
+            <a:schemeClr val="tx1"/>
+          </a:solidFill>
+          <a:latin typeface="+mn-lt"/>
+          <a:ea typeface="+mn-ea"/>
+          <a:cs typeface="+mn-cs"/>
+        </a:defRPr>
+      </a:lvl4pPr>
+      <a:lvl5pPr marL="1543050" indent="-171450" algn="l" defTabSz="685800" rtl="0" eaLnBrk="1" latinLnBrk="0" hangingPunct="1">
+        <a:lnSpc>
+          <a:spcPct val="90000"/>
+        </a:lnSpc>
+        <a:spcBef>
+          <a:spcPts val="375"/>
+        </a:spcBef>
+        <a:buFont typeface="Arial" panose="020B0604020202020204" pitchFamily="34" charset="0"/>
+        <a:buChar char="•"/>
+        <a:defRPr sz="1400" kern="1200">
+          <a:solidFill>
+            <a:schemeClr val="tx1"/>
+          </a:solidFill>
+          <a:latin typeface="+mn-lt"/>
+          <a:ea typeface="+mn-ea"/>
+          <a:cs typeface="+mn-cs"/>
+        </a:defRPr>
+      </a:lvl5pPr>
+      <a:lvl6pPr marL="1885950" indent="-171450" algn="l" defTabSz="685800" rtl="0" eaLnBrk="1" latinLnBrk="0" hangingPunct="1">
+        <a:lnSpc>
+          <a:spcPct val="90000"/>
+        </a:lnSpc>
+        <a:spcBef>
+          <a:spcPts val="375"/>
+        </a:spcBef>
+        <a:buFont typeface="Arial" panose="020B0604020202020204" pitchFamily="34" charset="0"/>
+        <a:buChar char="•"/>
+        <a:defRPr sz="1400" kern="1200">
+          <a:solidFill>
+            <a:schemeClr val="tx1"/>
+          </a:solidFill>
+          <a:latin typeface="+mn-lt"/>
+          <a:ea typeface="+mn-ea"/>
+          <a:cs typeface="+mn-cs"/>
+        </a:defRPr>
+      </a:lvl6pPr>
+      <a:lvl7pPr marL="2228850" indent="-171450" algn="l" defTabSz="685800" rtl="0" eaLnBrk="1" latinLnBrk="0" hangingPunct="1">
+        <a:lnSpc>
+          <a:spcPct val="90000"/>
+        </a:lnSpc>
+        <a:spcBef>
+          <a:spcPts val="375"/>
+        </a:spcBef>
+        <a:buFont typeface="Arial" panose="020B0604020202020204" pitchFamily="34" charset="0"/>
+        <a:buChar char="•"/>
+        <a:defRPr sz="1400" kern="1200">
+          <a:solidFill>
+            <a:schemeClr val="tx1"/>
+          </a:solidFill>
+          <a:latin typeface="+mn-lt"/>
+          <a:ea typeface="+mn-ea"/>
+          <a:cs typeface="+mn-cs"/>
+        </a:defRPr>
+      </a:lvl7pPr>
+      <a:lvl8pPr marL="2571750" indent="-171450" algn="l" defTabSz="685800" rtl="0" eaLnBrk="1" latinLnBrk="0" hangingPunct="1">
+        <a:lnSpc>
+          <a:spcPct val="90000"/>
+        </a:lnSpc>
+        <a:spcBef>
+          <a:spcPts val="375"/>
+        </a:spcBef>
+        <a:buFont typeface="Arial" panose="020B0604020202020204" pitchFamily="34" charset="0"/>
+        <a:buChar char="•"/>
+        <a:defRPr sz="1400" kern="1200">
+          <a:solidFill>
+            <a:schemeClr val="tx1"/>
+          </a:solidFill>
+          <a:latin typeface="+mn-lt"/>
+          <a:ea typeface="+mn-ea"/>
+          <a:cs typeface="+mn-cs"/>
+        </a:defRPr>
+      </a:lvl8pPr>
+      <a:lvl9pPr marL="2914650" indent="-171450" algn="l" defTabSz="685800" rtl="0" eaLnBrk="1" latinLnBrk="0" hangingPunct="1">
+        <a:lnSpc>
+          <a:spcPct val="90000"/>
+        </a:lnSpc>
+        <a:spcBef>
+          <a:spcPts val="375"/>
+        </a:spcBef>
+        <a:buFont typeface="Arial" panose="020B0604020202020204" pitchFamily="34" charset="0"/>
+        <a:buChar char="•"/>
+        <a:defRPr sz="1400" kern="1200">
+          <a:solidFill>
+            <a:schemeClr val="tx1"/>
+          </a:solidFill>
+          <a:latin typeface="+mn-lt"/>
+          <a:ea typeface="+mn-ea"/>
+          <a:cs typeface="+mn-cs"/>
+        </a:defRPr>
+      </a:lvl9pPr>
+    </p:bodyStyle>
+    <p:otherStyle>
+      <a:defPPr>
+        <a:defRPr lang="en-US"/>
+      </a:defPPr>
+      <a:lvl1pPr marL="0" algn="l" defTabSz="685800" rtl="0" eaLnBrk="1" latinLnBrk="0" hangingPunct="1">
+        <a:defRPr sz="1400" kern="1200">
+          <a:solidFill>
+            <a:schemeClr val="tx1"/>
+          </a:solidFill>
+          <a:latin typeface="+mn-lt"/>
+          <a:ea typeface="+mn-ea"/>
+          <a:cs typeface="+mn-cs"/>
+        </a:defRPr>
+      </a:lvl1pPr>
+      <a:lvl2pPr marL="342900" algn="l" defTabSz="685800" rtl="0" eaLnBrk="1" latinLnBrk="0" hangingPunct="1">
+        <a:defRPr sz="1400" kern="1200">
+          <a:solidFill>
+            <a:schemeClr val="tx1"/>
+          </a:solidFill>
+          <a:latin typeface="+mn-lt"/>
+          <a:ea typeface="+mn-ea"/>
+          <a:cs typeface="+mn-cs"/>
+        </a:defRPr>
+      </a:lvl2pPr>
+      <a:lvl3pPr marL="685800" algn="l" defTabSz="685800" rtl="0" eaLnBrk="1" latinLnBrk="0" hangingPunct="1">
+        <a:defRPr sz="1400" kern="1200">
+          <a:solidFill>
+            <a:schemeClr val="tx1"/>
+          </a:solidFill>
+          <a:latin typeface="+mn-lt"/>
+          <a:ea typeface="+mn-ea"/>
+          <a:cs typeface="+mn-cs"/>
+        </a:defRPr>
+      </a:lvl3pPr>
+      <a:lvl4pPr marL="1028700" algn="l" defTabSz="685800" rtl="0" eaLnBrk="1" latinLnBrk="0" hangingPunct="1">
+        <a:defRPr sz="1400" kern="1200">
+          <a:solidFill>
+            <a:schemeClr val="tx1"/>
+          </a:solidFill>
+          <a:latin typeface="+mn-lt"/>
+          <a:ea typeface="+mn-ea"/>
+          <a:cs typeface="+mn-cs"/>
+        </a:defRPr>
+      </a:lvl4pPr>
+      <a:lvl5pPr marL="1371600" algn="l" defTabSz="685800" rtl="0" eaLnBrk="1" latinLnBrk="0" hangingPunct="1">
+        <a:defRPr sz="1400" kern="1200">
+          <a:solidFill>
+            <a:schemeClr val="tx1"/>
+          </a:solidFill>
+          <a:latin typeface="+mn-lt"/>
+          <a:ea typeface="+mn-ea"/>
+          <a:cs typeface="+mn-cs"/>
+        </a:defRPr>
+      </a:lvl5pPr>
+      <a:lvl6pPr marL="1714500" algn="l" defTabSz="685800" rtl="0" eaLnBrk="1" latinLnBrk="0" hangingPunct="1">
+        <a:defRPr sz="1400" kern="1200">
+          <a:solidFill>
+            <a:schemeClr val="tx1"/>
+          </a:solidFill>
+          <a:latin typeface="+mn-lt"/>
+          <a:ea typeface="+mn-ea"/>
+          <a:cs typeface="+mn-cs"/>
+        </a:defRPr>
+      </a:lvl6pPr>
+      <a:lvl7pPr marL="2057400" algn="l" defTabSz="685800" rtl="0" eaLnBrk="1" latinLnBrk="0" hangingPunct="1">
+        <a:defRPr sz="1400" kern="1200">
+          <a:solidFill>
+            <a:schemeClr val="tx1"/>
+          </a:solidFill>
+          <a:latin typeface="+mn-lt"/>
+          <a:ea typeface="+mn-ea"/>
+          <a:cs typeface="+mn-cs"/>
+        </a:defRPr>
+      </a:lvl7pPr>
+      <a:lvl8pPr marL="2400300" algn="l" defTabSz="685800" rtl="0" eaLnBrk="1" latinLnBrk="0" hangingPunct="1">
+        <a:defRPr sz="1400" kern="1200">
+          <a:solidFill>
+            <a:schemeClr val="tx1"/>
+          </a:solidFill>
+          <a:latin typeface="+mn-lt"/>
+          <a:ea typeface="+mn-ea"/>
+          <a:cs typeface="+mn-cs"/>
+        </a:defRPr>
+      </a:lvl8pPr>
+      <a:lvl9pPr marL="2743200" algn="l" defTabSz="685800" rtl="0" eaLnBrk="1" latinLnBrk="0" hangingPunct="1">
+        <a:defRPr sz="1400" kern="1200">
           <a:solidFill>
             <a:schemeClr val="tx1"/>
           </a:solidFill>
@@ -3673,15 +10262,15 @@
         </p:nvSpPr>
         <p:spPr>
           <a:xfrm>
-            <a:off x="1322921" y="1523999"/>
-            <a:ext cx="6498158" cy="1724867"/>
+            <a:off x="559092" y="1143001"/>
+            <a:ext cx="7419108" cy="1293650"/>
           </a:xfrm>
           <a:prstGeom prst="rect">
             <a:avLst/>
           </a:prstGeom>
         </p:spPr>
         <p:txBody>
-          <a:bodyPr/>
+          <a:bodyPr lIns="91438" tIns="45719" rIns="91438" bIns="45719"/>
           <a:lstStyle>
             <a:lvl1pPr algn="ctr" defTabSz="914400" rtl="0" eaLnBrk="1" latinLnBrk="0" hangingPunct="1">
               <a:spcBef>
@@ -3700,10 +10289,22 @@
           </a:lstStyle>
           <a:p>
             <a:r>
-              <a:rPr lang="en-US" smtClean="0"/>
+              <a:rPr lang="en-US" sz="4400" dirty="0">
+                <a:solidFill>
+                  <a:schemeClr val="tx1"/>
+                </a:solidFill>
+                <a:latin typeface="Calibri Light"/>
+                <a:cs typeface="Calibri Light"/>
+              </a:rPr>
               <a:t>Course Availability Progress Report</a:t>
             </a:r>
-            <a:endParaRPr lang="en-US" dirty="0"/>
+            <a:endParaRPr lang="en-US" sz="4400" dirty="0">
+              <a:solidFill>
+                <a:schemeClr val="tx1"/>
+              </a:solidFill>
+              <a:latin typeface="Calibri Light"/>
+              <a:cs typeface="Calibri Light"/>
+            </a:endParaRPr>
           </a:p>
         </p:txBody>
       </p:sp>
@@ -3717,8 +10318,8 @@
         </p:nvSpPr>
         <p:spPr>
           <a:xfrm>
-            <a:off x="1480040" y="3600234"/>
-            <a:ext cx="6498159" cy="1493345"/>
+            <a:off x="1115228" y="2794740"/>
+            <a:ext cx="6978243" cy="1120009"/>
           </a:xfrm>
           <a:prstGeom prst="rect">
             <a:avLst/>
@@ -3728,7 +10329,7 @@
           </a:ln>
         </p:spPr>
         <p:txBody>
-          <a:bodyPr>
+          <a:bodyPr lIns="91438" tIns="45719" rIns="91438" bIns="45719">
             <a:noAutofit/>
           </a:bodyPr>
           <a:lstStyle>
@@ -3955,33 +10556,41 @@
               <a:buNone/>
             </a:pPr>
             <a:r>
-              <a:rPr lang="en-US" sz="4000" dirty="0" smtClean="0">
+              <a:rPr lang="en-US" sz="4400" dirty="0">
                 <a:solidFill>
                   <a:schemeClr val="tx1"/>
                 </a:solidFill>
+                <a:latin typeface="Calibri Light"/>
+                <a:cs typeface="Calibri Light"/>
               </a:rPr>
               <a:t>By: </a:t>
             </a:r>
             <a:r>
-              <a:rPr lang="en-US" sz="4000" dirty="0" err="1" smtClean="0">
+              <a:rPr lang="en-US" sz="4400" dirty="0" err="1">
                 <a:solidFill>
                   <a:schemeClr val="tx1"/>
                 </a:solidFill>
+                <a:latin typeface="Calibri Light"/>
+                <a:cs typeface="Calibri Light"/>
               </a:rPr>
               <a:t>Branden</a:t>
             </a:r>
             <a:r>
-              <a:rPr lang="en-US" sz="4000" dirty="0" smtClean="0">
+              <a:rPr lang="en-US" sz="4400" dirty="0">
                 <a:solidFill>
                   <a:schemeClr val="tx1"/>
                 </a:solidFill>
+                <a:latin typeface="Calibri Light"/>
+                <a:cs typeface="Calibri Light"/>
               </a:rPr>
               <a:t> Ogata, and Hansen Cheng</a:t>
             </a:r>
-            <a:endParaRPr lang="en-US" sz="4000" dirty="0">
+            <a:endParaRPr lang="en-US" sz="4400" dirty="0">
               <a:solidFill>
                 <a:schemeClr val="tx1"/>
               </a:solidFill>
+              <a:latin typeface="Calibri Light"/>
+              <a:cs typeface="Calibri Light"/>
             </a:endParaRPr>
           </a:p>
         </p:txBody>
@@ -4002,6 +10611,16 @@
 <file path=ppt/slides/slide2.xml><?xml version="1.0" encoding="utf-8"?>
 <p:sld xmlns:a="http://schemas.openxmlformats.org/drawingml/2006/main" xmlns:r="http://schemas.openxmlformats.org/officeDocument/2006/relationships" xmlns:p="http://schemas.openxmlformats.org/presentationml/2006/main">
   <p:cSld>
+    <p:bg>
+      <p:bgPr>
+        <a:solidFill>
+          <a:srgbClr val="C8FFD8">
+            <a:alpha val="66000"/>
+          </a:srgbClr>
+        </a:solidFill>
+        <a:effectLst/>
+      </p:bgPr>
+    </p:bg>
     <p:spTree>
       <p:nvGrpSpPr>
         <p:cNvPr id="1" name=""/>
@@ -4018,104 +10637,93 @@
       </p:grpSpPr>
       <p:sp>
         <p:nvSpPr>
-          <p:cNvPr id="4" name="TextBox 3"/>
-          <p:cNvSpPr txBox="1"/>
-          <p:nvPr/>
-        </p:nvSpPr>
-        <p:spPr>
-          <a:xfrm>
-            <a:off x="620888" y="564444"/>
-            <a:ext cx="5065889" cy="707886"/>
-          </a:xfrm>
-          <a:prstGeom prst="rect">
-            <a:avLst/>
-          </a:prstGeom>
-          <a:noFill/>
-        </p:spPr>
-        <p:txBody>
-          <a:bodyPr wrap="square" rtlCol="0">
-            <a:spAutoFit/>
+          <p:cNvPr id="4" name="Title 3"/>
+          <p:cNvSpPr>
+            <a:spLocks noGrp="1"/>
+          </p:cNvSpPr>
+          <p:nvPr>
+            <p:ph type="title"/>
+          </p:nvPr>
+        </p:nvSpPr>
+        <p:spPr/>
+        <p:txBody>
+          <a:bodyPr/>
+          <a:lstStyle/>
+          <a:p>
+            <a:r>
+              <a:rPr lang="en-US" dirty="0" smtClean="0"/>
+              <a:t>Course Availability Project</a:t>
+            </a:r>
+            <a:endParaRPr lang="en-US" dirty="0"/>
+          </a:p>
+        </p:txBody>
+      </p:sp>
+      <p:sp>
+        <p:nvSpPr>
+          <p:cNvPr id="5" name="Content Placeholder 4"/>
+          <p:cNvSpPr>
+            <a:spLocks noGrp="1"/>
+          </p:cNvSpPr>
+          <p:nvPr>
+            <p:ph idx="1"/>
+          </p:nvPr>
+        </p:nvSpPr>
+        <p:spPr/>
+        <p:txBody>
+          <a:bodyPr>
+            <a:noAutofit/>
           </a:bodyPr>
           <a:lstStyle/>
           <a:p>
             <a:r>
-              <a:rPr lang="en-US" sz="4000" dirty="0" smtClean="0"/>
-              <a:t>Course Availability </a:t>
-            </a:r>
-            <a:endParaRPr lang="en-US" sz="4000" dirty="0"/>
-          </a:p>
-        </p:txBody>
-      </p:sp>
-      <p:sp>
-        <p:nvSpPr>
-          <p:cNvPr id="5" name="TextBox 4"/>
-          <p:cNvSpPr txBox="1"/>
-          <p:nvPr/>
-        </p:nvSpPr>
-        <p:spPr>
-          <a:xfrm>
-            <a:off x="903110" y="1665111"/>
-            <a:ext cx="7874001" cy="1477328"/>
-          </a:xfrm>
-          <a:prstGeom prst="rect">
-            <a:avLst/>
-          </a:prstGeom>
-          <a:noFill/>
-        </p:spPr>
-        <p:txBody>
-          <a:bodyPr wrap="square" rtlCol="0">
-            <a:spAutoFit/>
-          </a:bodyPr>
-          <a:lstStyle/>
-          <a:p>
-            <a:r>
-              <a:rPr lang="en-US" sz="3000" dirty="0" smtClean="0"/>
-              <a:t>Purpose: Allow users to be notified of seat availability on the UH course list and increase chance of getting the class</a:t>
-            </a:r>
-            <a:endParaRPr lang="en-US" sz="3000" dirty="0"/>
-          </a:p>
-        </p:txBody>
-      </p:sp>
-      <p:sp>
-        <p:nvSpPr>
-          <p:cNvPr id="6" name="TextBox 5"/>
-          <p:cNvSpPr txBox="1"/>
-          <p:nvPr/>
-        </p:nvSpPr>
-        <p:spPr>
-          <a:xfrm>
-            <a:off x="900289" y="3383832"/>
-            <a:ext cx="7874001" cy="1938992"/>
-          </a:xfrm>
-          <a:prstGeom prst="rect">
-            <a:avLst/>
-          </a:prstGeom>
-          <a:noFill/>
-        </p:spPr>
-        <p:txBody>
-          <a:bodyPr wrap="square" rtlCol="0">
-            <a:spAutoFit/>
-          </a:bodyPr>
-          <a:lstStyle/>
-          <a:p>
-            <a:r>
-              <a:rPr lang="en-US" sz="3000" dirty="0" smtClean="0"/>
-              <a:t>Functionality: User creates a profile then search for their interested class. Then select which ones they want to be notified and the frequency of the messages</a:t>
-            </a:r>
-            <a:endParaRPr lang="en-US" sz="3000" dirty="0"/>
+              <a:rPr lang="en-US" sz="3000" dirty="0" smtClean="0">
+                <a:latin typeface="Calibri Light"/>
+                <a:cs typeface="Calibri Light"/>
+              </a:rPr>
+              <a:t>Looks at UH Course Availability site</a:t>
+            </a:r>
+          </a:p>
+          <a:p>
+            <a:r>
+              <a:rPr lang="en-US" sz="3000" dirty="0" smtClean="0">
+                <a:latin typeface="Calibri Light"/>
+                <a:cs typeface="Calibri Light"/>
+              </a:rPr>
+              <a:t>Tracks courses that a user is interested in</a:t>
+            </a:r>
+          </a:p>
+          <a:p>
+            <a:r>
+              <a:rPr lang="en-US" sz="3000" dirty="0" smtClean="0">
+                <a:latin typeface="Calibri Light"/>
+                <a:cs typeface="Calibri Light"/>
+              </a:rPr>
+              <a:t>If there are seats available, sends notification to user</a:t>
+            </a:r>
+            <a:endParaRPr lang="en-US" sz="3000" dirty="0">
+              <a:latin typeface="Calibri Light"/>
+              <a:cs typeface="Calibri Light"/>
+            </a:endParaRPr>
           </a:p>
         </p:txBody>
       </p:sp>
     </p:spTree>
     <p:extLst>
       <p:ext uri="{BB962C8B-B14F-4D97-AF65-F5344CB8AC3E}">
-        <p14:creationId xmlns:p14="http://schemas.microsoft.com/office/powerpoint/2010/main" val="217725151"/>
+        <p14:creationId xmlns:p14="http://schemas.microsoft.com/office/powerpoint/2010/main" val="2343579097"/>
       </p:ext>
     </p:extLst>
   </p:cSld>
   <p:clrMapOvr>
     <a:masterClrMapping/>
   </p:clrMapOvr>
+  <p:timing>
+    <p:tnLst>
+      <p:par>
+        <p:cTn xmlns:p14="http://schemas.microsoft.com/office/powerpoint/2010/main" id="1" dur="indefinite" restart="never" nodeType="tmRoot"/>
+      </p:par>
+    </p:tnLst>
+  </p:timing>
 </p:sld>
 </file>
 
@@ -4144,7 +10752,7 @@
         </p:nvSpPr>
         <p:spPr>
           <a:xfrm>
-            <a:off x="620888" y="564444"/>
+            <a:off x="620890" y="423333"/>
             <a:ext cx="5065889" cy="707886"/>
           </a:xfrm>
           <a:prstGeom prst="rect">
@@ -4153,16 +10761,22 @@
           <a:noFill/>
         </p:spPr>
         <p:txBody>
-          <a:bodyPr wrap="square" rtlCol="0">
+          <a:bodyPr wrap="square" lIns="91438" tIns="45719" rIns="91438" bIns="45719" rtlCol="0">
             <a:spAutoFit/>
           </a:bodyPr>
           <a:lstStyle/>
           <a:p>
             <a:r>
-              <a:rPr lang="en-US" sz="4000" dirty="0" smtClean="0"/>
+              <a:rPr lang="en-US" sz="4000" dirty="0">
+                <a:latin typeface="Calibri Light"/>
+                <a:cs typeface="Calibri Light"/>
+              </a:rPr>
               <a:t>Technology</a:t>
             </a:r>
-            <a:endParaRPr lang="en-US" sz="4000" dirty="0"/>
+            <a:endParaRPr lang="en-US" sz="4000" dirty="0">
+              <a:latin typeface="Calibri Light"/>
+              <a:cs typeface="Calibri Light"/>
+            </a:endParaRPr>
           </a:p>
         </p:txBody>
       </p:sp>
@@ -4174,7 +10788,7 @@
         </p:nvSpPr>
         <p:spPr>
           <a:xfrm>
-            <a:off x="903110" y="1665111"/>
+            <a:off x="903112" y="1248834"/>
             <a:ext cx="7874001" cy="1938992"/>
           </a:xfrm>
           <a:prstGeom prst="rect">
@@ -4183,16 +10797,22 @@
           <a:noFill/>
         </p:spPr>
         <p:txBody>
-          <a:bodyPr wrap="square" rtlCol="0">
+          <a:bodyPr wrap="square" lIns="91438" tIns="45719" rIns="91438" bIns="45719" rtlCol="0">
             <a:spAutoFit/>
           </a:bodyPr>
           <a:lstStyle/>
           <a:p>
             <a:r>
-              <a:rPr lang="en-US" sz="3000" dirty="0" smtClean="0"/>
+              <a:rPr lang="en-US" sz="3000" dirty="0">
+                <a:latin typeface="Calibri Light"/>
+                <a:cs typeface="Calibri Light"/>
+              </a:rPr>
               <a:t>Ruby on Rails because it provides an organized structure for web development. It also provides Bootstrap (through the installation of gems) for responsiveness</a:t>
             </a:r>
-            <a:endParaRPr lang="en-US" sz="3000" dirty="0"/>
+            <a:endParaRPr lang="en-US" sz="3000" dirty="0">
+              <a:latin typeface="Calibri Light"/>
+              <a:cs typeface="Calibri Light"/>
+            </a:endParaRPr>
           </a:p>
         </p:txBody>
       </p:sp>
@@ -4204,8 +10824,8 @@
         </p:nvSpPr>
         <p:spPr>
           <a:xfrm>
-            <a:off x="903110" y="3883502"/>
-            <a:ext cx="7874001" cy="1477328"/>
+            <a:off x="903112" y="3420459"/>
+            <a:ext cx="7874001" cy="1015663"/>
           </a:xfrm>
           <a:prstGeom prst="rect">
             <a:avLst/>
@@ -4213,24 +10833,36 @@
           <a:noFill/>
         </p:spPr>
         <p:txBody>
-          <a:bodyPr wrap="square" rtlCol="0">
+          <a:bodyPr wrap="square" lIns="91438" tIns="45719" rIns="91438" bIns="45719" rtlCol="0">
             <a:spAutoFit/>
           </a:bodyPr>
           <a:lstStyle/>
           <a:p>
             <a:r>
-              <a:rPr lang="en-US" sz="3000" dirty="0" smtClean="0"/>
+              <a:rPr lang="en-US" sz="3000" dirty="0">
+                <a:latin typeface="Calibri Light"/>
+                <a:cs typeface="Calibri Light"/>
+              </a:rPr>
               <a:t>Use of a dummy email on </a:t>
             </a:r>
             <a:r>
-              <a:rPr lang="en-US" sz="3000" dirty="0"/>
+              <a:rPr lang="en-US" sz="3000" dirty="0">
+                <a:latin typeface="Calibri Light"/>
+                <a:cs typeface="Calibri Light"/>
+              </a:rPr>
               <a:t>G</a:t>
             </a:r>
             <a:r>
-              <a:rPr lang="en-US" sz="3000" dirty="0" smtClean="0"/>
+              <a:rPr lang="en-US" sz="3000" dirty="0">
+                <a:latin typeface="Calibri Light"/>
+                <a:cs typeface="Calibri Light"/>
+              </a:rPr>
               <a:t>mail for testing (in upcoming weeks) of notification system.</a:t>
             </a:r>
-            <a:endParaRPr lang="en-US" sz="3000" dirty="0"/>
+            <a:endParaRPr lang="en-US" sz="3000" dirty="0">
+              <a:latin typeface="Calibri Light"/>
+              <a:cs typeface="Calibri Light"/>
+            </a:endParaRPr>
           </a:p>
         </p:txBody>
       </p:sp>
@@ -4248,6 +10880,367 @@
 </file>
 
 <file path=ppt/slides/slide4.xml><?xml version="1.0" encoding="utf-8"?>
+<p:sld xmlns:a="http://schemas.openxmlformats.org/drawingml/2006/main" xmlns:r="http://schemas.openxmlformats.org/officeDocument/2006/relationships" xmlns:p="http://schemas.openxmlformats.org/presentationml/2006/main">
+  <p:cSld>
+    <p:spTree>
+      <p:nvGrpSpPr>
+        <p:cNvPr id="1" name=""/>
+        <p:cNvGrpSpPr/>
+        <p:nvPr/>
+      </p:nvGrpSpPr>
+      <p:grpSpPr>
+        <a:xfrm>
+          <a:off x="0" y="0"/>
+          <a:ext cx="0" cy="0"/>
+          <a:chOff x="0" y="0"/>
+          <a:chExt cx="0" cy="0"/>
+        </a:xfrm>
+      </p:grpSpPr>
+      <p:sp>
+        <p:nvSpPr>
+          <p:cNvPr id="4" name="Title 3"/>
+          <p:cNvSpPr>
+            <a:spLocks noGrp="1"/>
+          </p:cNvSpPr>
+          <p:nvPr>
+            <p:ph type="title"/>
+          </p:nvPr>
+        </p:nvSpPr>
+        <p:spPr/>
+        <p:txBody>
+          <a:bodyPr/>
+          <a:lstStyle/>
+          <a:p>
+            <a:r>
+              <a:rPr lang="en-US" dirty="0" smtClean="0"/>
+              <a:t>Program Flow</a:t>
+            </a:r>
+            <a:endParaRPr lang="en-US" dirty="0"/>
+          </a:p>
+        </p:txBody>
+      </p:sp>
+      <p:sp>
+        <p:nvSpPr>
+          <p:cNvPr id="8" name="Rectangle 7"/>
+          <p:cNvSpPr/>
+          <p:nvPr/>
+        </p:nvSpPr>
+        <p:spPr>
+          <a:xfrm>
+            <a:off x="2524993" y="1200152"/>
+            <a:ext cx="1636568" cy="506557"/>
+          </a:xfrm>
+          <a:prstGeom prst="rect">
+            <a:avLst/>
+          </a:prstGeom>
+        </p:spPr>
+        <p:style>
+          <a:lnRef idx="2">
+            <a:schemeClr val="accent1">
+              <a:shade val="50000"/>
+            </a:schemeClr>
+          </a:lnRef>
+          <a:fillRef idx="1">
+            <a:schemeClr val="accent1"/>
+          </a:fillRef>
+          <a:effectRef idx="0">
+            <a:schemeClr val="accent1"/>
+          </a:effectRef>
+          <a:fontRef idx="minor">
+            <a:schemeClr val="lt1"/>
+          </a:fontRef>
+        </p:style>
+        <p:txBody>
+          <a:bodyPr lIns="68577" tIns="34289" rIns="68577" bIns="34289" rtlCol="0" anchor="ctr"/>
+          <a:lstStyle/>
+          <a:p>
+            <a:pPr algn="ctr" defTabSz="685766"/>
+            <a:r>
+              <a:rPr lang="en-US" sz="1400" dirty="0">
+                <a:solidFill>
+                  <a:prstClr val="white"/>
+                </a:solidFill>
+                <a:latin typeface="Calibri"/>
+              </a:rPr>
+              <a:t>UH Course Availability Site</a:t>
+            </a:r>
+          </a:p>
+        </p:txBody>
+      </p:sp>
+      <p:sp>
+        <p:nvSpPr>
+          <p:cNvPr id="9" name="Rectangle 8"/>
+          <p:cNvSpPr/>
+          <p:nvPr/>
+        </p:nvSpPr>
+        <p:spPr>
+          <a:xfrm>
+            <a:off x="2524993" y="1922321"/>
+            <a:ext cx="1636568" cy="506557"/>
+          </a:xfrm>
+          <a:prstGeom prst="rect">
+            <a:avLst/>
+          </a:prstGeom>
+        </p:spPr>
+        <p:style>
+          <a:lnRef idx="2">
+            <a:schemeClr val="accent1">
+              <a:shade val="50000"/>
+            </a:schemeClr>
+          </a:lnRef>
+          <a:fillRef idx="1">
+            <a:schemeClr val="accent1"/>
+          </a:fillRef>
+          <a:effectRef idx="0">
+            <a:schemeClr val="accent1"/>
+          </a:effectRef>
+          <a:fontRef idx="minor">
+            <a:schemeClr val="lt1"/>
+          </a:fontRef>
+        </p:style>
+        <p:txBody>
+          <a:bodyPr lIns="68577" tIns="34289" rIns="68577" bIns="34289" rtlCol="0" anchor="ctr"/>
+          <a:lstStyle/>
+          <a:p>
+            <a:pPr algn="ctr" defTabSz="685766"/>
+            <a:r>
+              <a:rPr lang="en-US" sz="1400" dirty="0">
+                <a:solidFill>
+                  <a:prstClr val="white"/>
+                </a:solidFill>
+                <a:latin typeface="Calibri"/>
+              </a:rPr>
+              <a:t>User</a:t>
+            </a:r>
+          </a:p>
+        </p:txBody>
+      </p:sp>
+      <p:sp>
+        <p:nvSpPr>
+          <p:cNvPr id="10" name="Rectangle 9"/>
+          <p:cNvSpPr/>
+          <p:nvPr/>
+        </p:nvSpPr>
+        <p:spPr>
+          <a:xfrm>
+            <a:off x="4418734" y="1922321"/>
+            <a:ext cx="1636568" cy="506557"/>
+          </a:xfrm>
+          <a:prstGeom prst="rect">
+            <a:avLst/>
+          </a:prstGeom>
+        </p:spPr>
+        <p:style>
+          <a:lnRef idx="2">
+            <a:schemeClr val="accent1">
+              <a:shade val="50000"/>
+            </a:schemeClr>
+          </a:lnRef>
+          <a:fillRef idx="1">
+            <a:schemeClr val="accent1"/>
+          </a:fillRef>
+          <a:effectRef idx="0">
+            <a:schemeClr val="accent1"/>
+          </a:effectRef>
+          <a:fontRef idx="minor">
+            <a:schemeClr val="lt1"/>
+          </a:fontRef>
+        </p:style>
+        <p:txBody>
+          <a:bodyPr lIns="68577" tIns="34289" rIns="68577" bIns="34289" rtlCol="0" anchor="ctr"/>
+          <a:lstStyle/>
+          <a:p>
+            <a:pPr algn="ctr" defTabSz="685766"/>
+            <a:r>
+              <a:rPr lang="en-US" sz="1400" dirty="0">
+                <a:solidFill>
+                  <a:prstClr val="white"/>
+                </a:solidFill>
+                <a:latin typeface="Calibri"/>
+              </a:rPr>
+              <a:t>Course</a:t>
+            </a:r>
+          </a:p>
+        </p:txBody>
+      </p:sp>
+      <p:sp>
+        <p:nvSpPr>
+          <p:cNvPr id="11" name="Rectangle 10"/>
+          <p:cNvSpPr/>
+          <p:nvPr/>
+        </p:nvSpPr>
+        <p:spPr>
+          <a:xfrm>
+            <a:off x="2524993" y="2770157"/>
+            <a:ext cx="1636568" cy="506557"/>
+          </a:xfrm>
+          <a:prstGeom prst="rect">
+            <a:avLst/>
+          </a:prstGeom>
+        </p:spPr>
+        <p:style>
+          <a:lnRef idx="2">
+            <a:schemeClr val="accent1">
+              <a:shade val="50000"/>
+            </a:schemeClr>
+          </a:lnRef>
+          <a:fillRef idx="1">
+            <a:schemeClr val="accent1"/>
+          </a:fillRef>
+          <a:effectRef idx="0">
+            <a:schemeClr val="accent1"/>
+          </a:effectRef>
+          <a:fontRef idx="minor">
+            <a:schemeClr val="lt1"/>
+          </a:fontRef>
+        </p:style>
+        <p:txBody>
+          <a:bodyPr lIns="68577" tIns="34289" rIns="68577" bIns="34289" rtlCol="0" anchor="ctr"/>
+          <a:lstStyle/>
+          <a:p>
+            <a:pPr algn="ctr" defTabSz="685766"/>
+            <a:r>
+              <a:rPr lang="en-US" sz="1400" dirty="0">
+                <a:solidFill>
+                  <a:prstClr val="white"/>
+                </a:solidFill>
+                <a:latin typeface="Calibri"/>
+              </a:rPr>
+              <a:t>Email</a:t>
+            </a:r>
+          </a:p>
+        </p:txBody>
+      </p:sp>
+      <p:cxnSp>
+        <p:nvCxnSpPr>
+          <p:cNvPr id="17" name="Straight Arrow Connector 16"/>
+          <p:cNvCxnSpPr>
+            <a:stCxn id="8" idx="3"/>
+            <a:endCxn id="10" idx="0"/>
+          </p:cNvCxnSpPr>
+          <p:nvPr/>
+        </p:nvCxnSpPr>
+        <p:spPr>
+          <a:xfrm>
+            <a:off x="4161559" y="1453429"/>
+            <a:ext cx="1075458" cy="468890"/>
+          </a:xfrm>
+          <a:prstGeom prst="straightConnector1">
+            <a:avLst/>
+          </a:prstGeom>
+          <a:ln>
+            <a:headEnd type="triangle"/>
+            <a:tailEnd type="triangle"/>
+          </a:ln>
+        </p:spPr>
+        <p:style>
+          <a:lnRef idx="1">
+            <a:schemeClr val="accent1"/>
+          </a:lnRef>
+          <a:fillRef idx="0">
+            <a:schemeClr val="accent1"/>
+          </a:fillRef>
+          <a:effectRef idx="0">
+            <a:schemeClr val="accent1"/>
+          </a:effectRef>
+          <a:fontRef idx="minor">
+            <a:schemeClr val="tx1"/>
+          </a:fontRef>
+        </p:style>
+      </p:cxnSp>
+      <p:cxnSp>
+        <p:nvCxnSpPr>
+          <p:cNvPr id="20" name="Straight Arrow Connector 19"/>
+          <p:cNvCxnSpPr>
+            <a:stCxn id="10" idx="1"/>
+            <a:endCxn id="9" idx="3"/>
+          </p:cNvCxnSpPr>
+          <p:nvPr/>
+        </p:nvCxnSpPr>
+        <p:spPr>
+          <a:xfrm flipH="1">
+            <a:off x="4161559" y="2175598"/>
+            <a:ext cx="257174" cy="0"/>
+          </a:xfrm>
+          <a:prstGeom prst="straightConnector1">
+            <a:avLst/>
+          </a:prstGeom>
+          <a:ln>
+            <a:tailEnd type="triangle"/>
+          </a:ln>
+        </p:spPr>
+        <p:style>
+          <a:lnRef idx="1">
+            <a:schemeClr val="accent1"/>
+          </a:lnRef>
+          <a:fillRef idx="0">
+            <a:schemeClr val="accent1"/>
+          </a:fillRef>
+          <a:effectRef idx="0">
+            <a:schemeClr val="accent1"/>
+          </a:effectRef>
+          <a:fontRef idx="minor">
+            <a:schemeClr val="tx1"/>
+          </a:fontRef>
+        </p:style>
+      </p:cxnSp>
+      <p:cxnSp>
+        <p:nvCxnSpPr>
+          <p:cNvPr id="22" name="Straight Arrow Connector 21"/>
+          <p:cNvCxnSpPr>
+            <a:stCxn id="9" idx="2"/>
+            <a:endCxn id="11" idx="0"/>
+          </p:cNvCxnSpPr>
+          <p:nvPr/>
+        </p:nvCxnSpPr>
+        <p:spPr>
+          <a:xfrm>
+            <a:off x="3343275" y="2428878"/>
+            <a:ext cx="0" cy="341279"/>
+          </a:xfrm>
+          <a:prstGeom prst="straightConnector1">
+            <a:avLst/>
+          </a:prstGeom>
+          <a:ln>
+            <a:tailEnd type="triangle"/>
+          </a:ln>
+        </p:spPr>
+        <p:style>
+          <a:lnRef idx="1">
+            <a:schemeClr val="accent1"/>
+          </a:lnRef>
+          <a:fillRef idx="0">
+            <a:schemeClr val="accent1"/>
+          </a:fillRef>
+          <a:effectRef idx="0">
+            <a:schemeClr val="accent1"/>
+          </a:effectRef>
+          <a:fontRef idx="minor">
+            <a:schemeClr val="tx1"/>
+          </a:fontRef>
+        </p:style>
+      </p:cxnSp>
+    </p:spTree>
+    <p:extLst>
+      <p:ext uri="{BB962C8B-B14F-4D97-AF65-F5344CB8AC3E}">
+        <p14:creationId xmlns:p14="http://schemas.microsoft.com/office/powerpoint/2010/main" val="2352690507"/>
+      </p:ext>
+    </p:extLst>
+  </p:cSld>
+  <p:clrMapOvr>
+    <a:masterClrMapping/>
+  </p:clrMapOvr>
+  <p:timing>
+    <p:tnLst>
+      <p:par>
+        <p:cTn xmlns:p14="http://schemas.microsoft.com/office/powerpoint/2010/main" id="1" dur="indefinite" restart="never" nodeType="tmRoot"/>
+      </p:par>
+    </p:tnLst>
+  </p:timing>
+</p:sld>
+</file>
+
+<file path=ppt/slides/slide5.xml><?xml version="1.0" encoding="utf-8"?>
 <p:sld xmlns:a="http://schemas.openxmlformats.org/drawingml/2006/main" xmlns:r="http://schemas.openxmlformats.org/officeDocument/2006/relationships" xmlns:p="http://schemas.openxmlformats.org/presentationml/2006/main">
   <p:cSld>
     <p:spTree>
@@ -4286,8 +11279,8 @@
         </p:blipFill>
         <p:spPr>
           <a:xfrm>
-            <a:off x="0" y="1155700"/>
-            <a:ext cx="9144000" cy="4533847"/>
+            <a:off x="648559" y="556074"/>
+            <a:ext cx="7840646" cy="3496586"/>
           </a:xfrm>
           <a:prstGeom prst="rect">
             <a:avLst/>
@@ -4307,7 +11300,7 @@
 </p:sld>
 </file>
 
-<file path=ppt/slides/slide5.xml><?xml version="1.0" encoding="utf-8"?>
+<file path=ppt/slides/slide6.xml><?xml version="1.0" encoding="utf-8"?>
 <p:sld xmlns:a="http://schemas.openxmlformats.org/drawingml/2006/main" xmlns:r="http://schemas.openxmlformats.org/officeDocument/2006/relationships" xmlns:p="http://schemas.openxmlformats.org/presentationml/2006/main">
   <p:cSld>
     <p:spTree>
@@ -4326,7 +11319,7 @@
       </p:grpSpPr>
       <p:pic>
         <p:nvPicPr>
-          <p:cNvPr id="2" name="Picture 1" descr="Sign_in.jpg"/>
+          <p:cNvPr id="3" name="Picture 2" descr="Sign_in.jpg"/>
           <p:cNvPicPr>
             <a:picLocks noChangeAspect="1"/>
           </p:cNvPicPr>
@@ -4346,8 +11339,8 @@
         </p:blipFill>
         <p:spPr>
           <a:xfrm>
-            <a:off x="0" y="1168400"/>
-            <a:ext cx="9144000" cy="4521200"/>
+            <a:off x="932301" y="724794"/>
+            <a:ext cx="7498959" cy="2976808"/>
           </a:xfrm>
           <a:prstGeom prst="rect">
             <a:avLst/>
@@ -4367,7 +11360,127 @@
 </p:sld>
 </file>
 
-<file path=ppt/slides/slide6.xml><?xml version="1.0" encoding="utf-8"?>
+<file path=ppt/slides/slide7.xml><?xml version="1.0" encoding="utf-8"?>
+<p:sld xmlns:a="http://schemas.openxmlformats.org/drawingml/2006/main" xmlns:r="http://schemas.openxmlformats.org/officeDocument/2006/relationships" xmlns:p="http://schemas.openxmlformats.org/presentationml/2006/main">
+  <p:cSld>
+    <p:spTree>
+      <p:nvGrpSpPr>
+        <p:cNvPr id="1" name=""/>
+        <p:cNvGrpSpPr/>
+        <p:nvPr/>
+      </p:nvGrpSpPr>
+      <p:grpSpPr>
+        <a:xfrm>
+          <a:off x="0" y="0"/>
+          <a:ext cx="0" cy="0"/>
+          <a:chOff x="0" y="0"/>
+          <a:chExt cx="0" cy="0"/>
+        </a:xfrm>
+      </p:grpSpPr>
+      <p:pic>
+        <p:nvPicPr>
+          <p:cNvPr id="3" name="Picture 2" descr="Create_User_with_content.jpg"/>
+          <p:cNvPicPr>
+            <a:picLocks noChangeAspect="1"/>
+          </p:cNvPicPr>
+          <p:nvPr/>
+        </p:nvPicPr>
+        <p:blipFill>
+          <a:blip r:embed="rId2">
+            <a:extLst>
+              <a:ext uri="{28A0092B-C50C-407E-A947-70E740481C1C}">
+                <a14:useLocalDpi xmlns:a14="http://schemas.microsoft.com/office/drawing/2010/main" val="0"/>
+              </a:ext>
+            </a:extLst>
+          </a:blip>
+          <a:stretch>
+            <a:fillRect/>
+          </a:stretch>
+        </p:blipFill>
+        <p:spPr>
+          <a:xfrm>
+            <a:off x="0" y="837549"/>
+            <a:ext cx="9144000" cy="3224387"/>
+          </a:xfrm>
+          <a:prstGeom prst="rect">
+            <a:avLst/>
+          </a:prstGeom>
+        </p:spPr>
+      </p:pic>
+    </p:spTree>
+    <p:extLst>
+      <p:ext uri="{BB962C8B-B14F-4D97-AF65-F5344CB8AC3E}">
+        <p14:creationId xmlns:p14="http://schemas.microsoft.com/office/powerpoint/2010/main" val="2188518232"/>
+      </p:ext>
+    </p:extLst>
+  </p:cSld>
+  <p:clrMapOvr>
+    <a:masterClrMapping/>
+  </p:clrMapOvr>
+</p:sld>
+</file>
+
+<file path=ppt/slides/slide8.xml><?xml version="1.0" encoding="utf-8"?>
+<p:sld xmlns:a="http://schemas.openxmlformats.org/drawingml/2006/main" xmlns:r="http://schemas.openxmlformats.org/officeDocument/2006/relationships" xmlns:p="http://schemas.openxmlformats.org/presentationml/2006/main">
+  <p:cSld>
+    <p:spTree>
+      <p:nvGrpSpPr>
+        <p:cNvPr id="1" name=""/>
+        <p:cNvGrpSpPr/>
+        <p:nvPr/>
+      </p:nvGrpSpPr>
+      <p:grpSpPr>
+        <a:xfrm>
+          <a:off x="0" y="0"/>
+          <a:ext cx="0" cy="0"/>
+          <a:chOff x="0" y="0"/>
+          <a:chExt cx="0" cy="0"/>
+        </a:xfrm>
+      </p:grpSpPr>
+      <p:pic>
+        <p:nvPicPr>
+          <p:cNvPr id="3" name="Picture 2" descr="Sign_in_with_content.jpg"/>
+          <p:cNvPicPr>
+            <a:picLocks noChangeAspect="1"/>
+          </p:cNvPicPr>
+          <p:nvPr/>
+        </p:nvPicPr>
+        <p:blipFill>
+          <a:blip r:embed="rId2">
+            <a:extLst>
+              <a:ext uri="{28A0092B-C50C-407E-A947-70E740481C1C}">
+                <a14:useLocalDpi xmlns:a14="http://schemas.microsoft.com/office/drawing/2010/main" val="0"/>
+              </a:ext>
+            </a:extLst>
+          </a:blip>
+          <a:stretch>
+            <a:fillRect/>
+          </a:stretch>
+        </p:blipFill>
+        <p:spPr>
+          <a:xfrm>
+            <a:off x="270231" y="715971"/>
+            <a:ext cx="8477527" cy="3390724"/>
+          </a:xfrm>
+          <a:prstGeom prst="rect">
+            <a:avLst/>
+          </a:prstGeom>
+        </p:spPr>
+      </p:pic>
+    </p:spTree>
+    <p:extLst>
+      <p:ext uri="{BB962C8B-B14F-4D97-AF65-F5344CB8AC3E}">
+        <p14:creationId xmlns:p14="http://schemas.microsoft.com/office/powerpoint/2010/main" val="2567115370"/>
+      </p:ext>
+    </p:extLst>
+  </p:cSld>
+  <p:clrMapOvr>
+    <a:masterClrMapping/>
+  </p:clrMapOvr>
+</p:sld>
+</file>
+
+<file path=ppt/slides/slide9.xml><?xml version="1.0" encoding="utf-8"?>
 <p:sld xmlns:a="http://schemas.openxmlformats.org/drawingml/2006/main" xmlns:r="http://schemas.openxmlformats.org/officeDocument/2006/relationships" xmlns:p="http://schemas.openxmlformats.org/presentationml/2006/main">
   <p:cSld>
     <p:spTree>
@@ -4406,8 +11519,8 @@
         </p:blipFill>
         <p:spPr>
           <a:xfrm>
-            <a:off x="0" y="2527300"/>
-            <a:ext cx="9144000" cy="1800802"/>
+            <a:off x="162139" y="1067201"/>
+            <a:ext cx="8660961" cy="3080021"/>
           </a:xfrm>
           <a:prstGeom prst="rect">
             <a:avLst/>
@@ -4691,4 +11804,526 @@
   </a:objectDefaults>
   <a:extraClrSchemeLst/>
 </a:theme>
+</file>
+
+<file path=ppt/theme/theme2.xml><?xml version="1.0" encoding="utf-8"?>
+<a:theme xmlns:a="http://schemas.openxmlformats.org/drawingml/2006/main" name="Office Theme">
+  <a:themeElements>
+    <a:clrScheme name="Office">
+      <a:dk1>
+        <a:sysClr val="windowText" lastClr="000000"/>
+      </a:dk1>
+      <a:lt1>
+        <a:sysClr val="window" lastClr="FFFFFF"/>
+      </a:lt1>
+      <a:dk2>
+        <a:srgbClr val="44546A"/>
+      </a:dk2>
+      <a:lt2>
+        <a:srgbClr val="E7E6E6"/>
+      </a:lt2>
+      <a:accent1>
+        <a:srgbClr val="5B9BD5"/>
+      </a:accent1>
+      <a:accent2>
+        <a:srgbClr val="ED7D31"/>
+      </a:accent2>
+      <a:accent3>
+        <a:srgbClr val="A5A5A5"/>
+      </a:accent3>
+      <a:accent4>
+        <a:srgbClr val="FFC000"/>
+      </a:accent4>
+      <a:accent5>
+        <a:srgbClr val="4472C4"/>
+      </a:accent5>
+      <a:accent6>
+        <a:srgbClr val="70AD47"/>
+      </a:accent6>
+      <a:hlink>
+        <a:srgbClr val="0563C1"/>
+      </a:hlink>
+      <a:folHlink>
+        <a:srgbClr val="954F72"/>
+      </a:folHlink>
+    </a:clrScheme>
+    <a:fontScheme name="Office">
+      <a:majorFont>
+        <a:latin typeface="Calibri Light"/>
+        <a:ea typeface=""/>
+        <a:cs typeface=""/>
+        <a:font script="Jpan" typeface="ＭＳ Ｐゴシック"/>
+        <a:font script="Hang" typeface="맑은 고딕"/>
+        <a:font script="Hans" typeface="宋体"/>
+        <a:font script="Hant" typeface="新細明體"/>
+        <a:font script="Arab" typeface="Times New Roman"/>
+        <a:font script="Hebr" typeface="Times New Roman"/>
+        <a:font script="Thai" typeface="Angsana New"/>
+        <a:font script="Ethi" typeface="Nyala"/>
+        <a:font script="Beng" typeface="Vrinda"/>
+        <a:font script="Gujr" typeface="Shruti"/>
+        <a:font script="Khmr" typeface="MoolBoran"/>
+        <a:font script="Knda" typeface="Tunga"/>
+        <a:font script="Guru" typeface="Raavi"/>
+        <a:font script="Cans" typeface="Euphemia"/>
+        <a:font script="Cher" typeface="Plantagenet Cherokee"/>
+        <a:font script="Yiii" typeface="Microsoft Yi Baiti"/>
+        <a:font script="Tibt" typeface="Microsoft Himalaya"/>
+        <a:font script="Thaa" typeface="MV Boli"/>
+        <a:font script="Deva" typeface="Mangal"/>
+        <a:font script="Telu" typeface="Gautami"/>
+        <a:font script="Taml" typeface="Latha"/>
+        <a:font script="Syrc" typeface="Estrangelo Edessa"/>
+        <a:font script="Orya" typeface="Kalinga"/>
+        <a:font script="Mlym" typeface="Kartika"/>
+        <a:font script="Laoo" typeface="DokChampa"/>
+        <a:font script="Sinh" typeface="Iskoola Pota"/>
+        <a:font script="Mong" typeface="Mongolian Baiti"/>
+        <a:font script="Viet" typeface="Times New Roman"/>
+        <a:font script="Uigh" typeface="Microsoft Uighur"/>
+        <a:font script="Geor" typeface="Sylfaen"/>
+      </a:majorFont>
+      <a:minorFont>
+        <a:latin typeface="Calibri"/>
+        <a:ea typeface=""/>
+        <a:cs typeface=""/>
+        <a:font script="Jpan" typeface="ＭＳ Ｐゴシック"/>
+        <a:font script="Hang" typeface="맑은 고딕"/>
+        <a:font script="Hans" typeface="宋体"/>
+        <a:font script="Hant" typeface="新細明體"/>
+        <a:font script="Arab" typeface="Arial"/>
+        <a:font script="Hebr" typeface="Arial"/>
+        <a:font script="Thai" typeface="Cordia New"/>
+        <a:font script="Ethi" typeface="Nyala"/>
+        <a:font script="Beng" typeface="Vrinda"/>
+        <a:font script="Gujr" typeface="Shruti"/>
+        <a:font script="Khmr" typeface="DaunPenh"/>
+        <a:font script="Knda" typeface="Tunga"/>
+        <a:font script="Guru" typeface="Raavi"/>
+        <a:font script="Cans" typeface="Euphemia"/>
+        <a:font script="Cher" typeface="Plantagenet Cherokee"/>
+        <a:font script="Yiii" typeface="Microsoft Yi Baiti"/>
+        <a:font script="Tibt" typeface="Microsoft Himalaya"/>
+        <a:font script="Thaa" typeface="MV Boli"/>
+        <a:font script="Deva" typeface="Mangal"/>
+        <a:font script="Telu" typeface="Gautami"/>
+        <a:font script="Taml" typeface="Latha"/>
+        <a:font script="Syrc" typeface="Estrangelo Edessa"/>
+        <a:font script="Orya" typeface="Kalinga"/>
+        <a:font script="Mlym" typeface="Kartika"/>
+        <a:font script="Laoo" typeface="DokChampa"/>
+        <a:font script="Sinh" typeface="Iskoola Pota"/>
+        <a:font script="Mong" typeface="Mongolian Baiti"/>
+        <a:font script="Viet" typeface="Arial"/>
+        <a:font script="Uigh" typeface="Microsoft Uighur"/>
+        <a:font script="Geor" typeface="Sylfaen"/>
+      </a:minorFont>
+    </a:fontScheme>
+    <a:fmtScheme name="Office">
+      <a:fillStyleLst>
+        <a:solidFill>
+          <a:schemeClr val="phClr"/>
+        </a:solidFill>
+        <a:gradFill rotWithShape="1">
+          <a:gsLst>
+            <a:gs pos="0">
+              <a:schemeClr val="phClr">
+                <a:lumMod val="110000"/>
+                <a:satMod val="105000"/>
+                <a:tint val="67000"/>
+              </a:schemeClr>
+            </a:gs>
+            <a:gs pos="50000">
+              <a:schemeClr val="phClr">
+                <a:lumMod val="105000"/>
+                <a:satMod val="103000"/>
+                <a:tint val="73000"/>
+              </a:schemeClr>
+            </a:gs>
+            <a:gs pos="100000">
+              <a:schemeClr val="phClr">
+                <a:lumMod val="105000"/>
+                <a:satMod val="109000"/>
+                <a:tint val="81000"/>
+              </a:schemeClr>
+            </a:gs>
+          </a:gsLst>
+          <a:lin ang="5400000" scaled="0"/>
+        </a:gradFill>
+        <a:gradFill rotWithShape="1">
+          <a:gsLst>
+            <a:gs pos="0">
+              <a:schemeClr val="phClr">
+                <a:satMod val="103000"/>
+                <a:lumMod val="102000"/>
+                <a:tint val="94000"/>
+              </a:schemeClr>
+            </a:gs>
+            <a:gs pos="50000">
+              <a:schemeClr val="phClr">
+                <a:satMod val="110000"/>
+                <a:lumMod val="100000"/>
+                <a:shade val="100000"/>
+              </a:schemeClr>
+            </a:gs>
+            <a:gs pos="100000">
+              <a:schemeClr val="phClr">
+                <a:lumMod val="99000"/>
+                <a:satMod val="120000"/>
+                <a:shade val="78000"/>
+              </a:schemeClr>
+            </a:gs>
+          </a:gsLst>
+          <a:lin ang="5400000" scaled="0"/>
+        </a:gradFill>
+      </a:fillStyleLst>
+      <a:lnStyleLst>
+        <a:ln w="6350" cap="flat" cmpd="sng" algn="ctr">
+          <a:solidFill>
+            <a:schemeClr val="phClr"/>
+          </a:solidFill>
+          <a:prstDash val="solid"/>
+          <a:miter lim="800000"/>
+        </a:ln>
+        <a:ln w="12700" cap="flat" cmpd="sng" algn="ctr">
+          <a:solidFill>
+            <a:schemeClr val="phClr"/>
+          </a:solidFill>
+          <a:prstDash val="solid"/>
+          <a:miter lim="800000"/>
+        </a:ln>
+        <a:ln w="19050" cap="flat" cmpd="sng" algn="ctr">
+          <a:solidFill>
+            <a:schemeClr val="phClr"/>
+          </a:solidFill>
+          <a:prstDash val="solid"/>
+          <a:miter lim="800000"/>
+        </a:ln>
+      </a:lnStyleLst>
+      <a:effectStyleLst>
+        <a:effectStyle>
+          <a:effectLst/>
+        </a:effectStyle>
+        <a:effectStyle>
+          <a:effectLst/>
+        </a:effectStyle>
+        <a:effectStyle>
+          <a:effectLst>
+            <a:outerShdw blurRad="57150" dist="19050" dir="5400000" algn="ctr" rotWithShape="0">
+              <a:srgbClr val="000000">
+                <a:alpha val="63000"/>
+              </a:srgbClr>
+            </a:outerShdw>
+          </a:effectLst>
+        </a:effectStyle>
+      </a:effectStyleLst>
+      <a:bgFillStyleLst>
+        <a:solidFill>
+          <a:schemeClr val="phClr"/>
+        </a:solidFill>
+        <a:solidFill>
+          <a:schemeClr val="phClr">
+            <a:tint val="95000"/>
+            <a:satMod val="170000"/>
+          </a:schemeClr>
+        </a:solidFill>
+        <a:gradFill rotWithShape="1">
+          <a:gsLst>
+            <a:gs pos="0">
+              <a:schemeClr val="phClr">
+                <a:tint val="93000"/>
+                <a:satMod val="150000"/>
+                <a:shade val="98000"/>
+                <a:lumMod val="102000"/>
+              </a:schemeClr>
+            </a:gs>
+            <a:gs pos="50000">
+              <a:schemeClr val="phClr">
+                <a:tint val="98000"/>
+                <a:satMod val="130000"/>
+                <a:shade val="90000"/>
+                <a:lumMod val="103000"/>
+              </a:schemeClr>
+            </a:gs>
+            <a:gs pos="100000">
+              <a:schemeClr val="phClr">
+                <a:shade val="63000"/>
+                <a:satMod val="120000"/>
+              </a:schemeClr>
+            </a:gs>
+          </a:gsLst>
+          <a:lin ang="5400000" scaled="0"/>
+        </a:gradFill>
+      </a:bgFillStyleLst>
+    </a:fmtScheme>
+  </a:themeElements>
+  <a:objectDefaults/>
+  <a:extraClrSchemeLst/>
+  <a:extLst>
+    <a:ext uri="{05A4C25C-085E-4340-85A3-A5531E510DB2}">
+      <thm15:themeFamily xmlns:thm15="http://schemas.microsoft.com/office/thememl/2012/main" xmlns="" name="Office Theme" id="{62F939B6-93AF-4DB8-9C6B-D6C7DFDC589F}" vid="{4A3C46E8-61CC-4603-A589-7422A47A8E4A}"/>
+    </a:ext>
+  </a:extLst>
+</a:theme>
+</file>
+
+<file path=ppt/theme/theme3.xml><?xml version="1.0" encoding="utf-8"?>
+<a:theme xmlns:a="http://schemas.openxmlformats.org/drawingml/2006/main" name="1_Office Theme">
+  <a:themeElements>
+    <a:clrScheme name="Office">
+      <a:dk1>
+        <a:sysClr val="windowText" lastClr="000000"/>
+      </a:dk1>
+      <a:lt1>
+        <a:sysClr val="window" lastClr="FFFFFF"/>
+      </a:lt1>
+      <a:dk2>
+        <a:srgbClr val="44546A"/>
+      </a:dk2>
+      <a:lt2>
+        <a:srgbClr val="E7E6E6"/>
+      </a:lt2>
+      <a:accent1>
+        <a:srgbClr val="5B9BD5"/>
+      </a:accent1>
+      <a:accent2>
+        <a:srgbClr val="ED7D31"/>
+      </a:accent2>
+      <a:accent3>
+        <a:srgbClr val="A5A5A5"/>
+      </a:accent3>
+      <a:accent4>
+        <a:srgbClr val="FFC000"/>
+      </a:accent4>
+      <a:accent5>
+        <a:srgbClr val="4472C4"/>
+      </a:accent5>
+      <a:accent6>
+        <a:srgbClr val="70AD47"/>
+      </a:accent6>
+      <a:hlink>
+        <a:srgbClr val="0563C1"/>
+      </a:hlink>
+      <a:folHlink>
+        <a:srgbClr val="954F72"/>
+      </a:folHlink>
+    </a:clrScheme>
+    <a:fontScheme name="Office">
+      <a:majorFont>
+        <a:latin typeface="Calibri Light"/>
+        <a:ea typeface=""/>
+        <a:cs typeface=""/>
+        <a:font script="Jpan" typeface="ＭＳ Ｐゴシック"/>
+        <a:font script="Hang" typeface="맑은 고딕"/>
+        <a:font script="Hans" typeface="宋体"/>
+        <a:font script="Hant" typeface="新細明體"/>
+        <a:font script="Arab" typeface="Times New Roman"/>
+        <a:font script="Hebr" typeface="Times New Roman"/>
+        <a:font script="Thai" typeface="Angsana New"/>
+        <a:font script="Ethi" typeface="Nyala"/>
+        <a:font script="Beng" typeface="Vrinda"/>
+        <a:font script="Gujr" typeface="Shruti"/>
+        <a:font script="Khmr" typeface="MoolBoran"/>
+        <a:font script="Knda" typeface="Tunga"/>
+        <a:font script="Guru" typeface="Raavi"/>
+        <a:font script="Cans" typeface="Euphemia"/>
+        <a:font script="Cher" typeface="Plantagenet Cherokee"/>
+        <a:font script="Yiii" typeface="Microsoft Yi Baiti"/>
+        <a:font script="Tibt" typeface="Microsoft Himalaya"/>
+        <a:font script="Thaa" typeface="MV Boli"/>
+        <a:font script="Deva" typeface="Mangal"/>
+        <a:font script="Telu" typeface="Gautami"/>
+        <a:font script="Taml" typeface="Latha"/>
+        <a:font script="Syrc" typeface="Estrangelo Edessa"/>
+        <a:font script="Orya" typeface="Kalinga"/>
+        <a:font script="Mlym" typeface="Kartika"/>
+        <a:font script="Laoo" typeface="DokChampa"/>
+        <a:font script="Sinh" typeface="Iskoola Pota"/>
+        <a:font script="Mong" typeface="Mongolian Baiti"/>
+        <a:font script="Viet" typeface="Times New Roman"/>
+        <a:font script="Uigh" typeface="Microsoft Uighur"/>
+        <a:font script="Geor" typeface="Sylfaen"/>
+      </a:majorFont>
+      <a:minorFont>
+        <a:latin typeface="Calibri"/>
+        <a:ea typeface=""/>
+        <a:cs typeface=""/>
+        <a:font script="Jpan" typeface="ＭＳ Ｐゴシック"/>
+        <a:font script="Hang" typeface="맑은 고딕"/>
+        <a:font script="Hans" typeface="宋体"/>
+        <a:font script="Hant" typeface="新細明體"/>
+        <a:font script="Arab" typeface="Arial"/>
+        <a:font script="Hebr" typeface="Arial"/>
+        <a:font script="Thai" typeface="Cordia New"/>
+        <a:font script="Ethi" typeface="Nyala"/>
+        <a:font script="Beng" typeface="Vrinda"/>
+        <a:font script="Gujr" typeface="Shruti"/>
+        <a:font script="Khmr" typeface="DaunPenh"/>
+        <a:font script="Knda" typeface="Tunga"/>
+        <a:font script="Guru" typeface="Raavi"/>
+        <a:font script="Cans" typeface="Euphemia"/>
+        <a:font script="Cher" typeface="Plantagenet Cherokee"/>
+        <a:font script="Yiii" typeface="Microsoft Yi Baiti"/>
+        <a:font script="Tibt" typeface="Microsoft Himalaya"/>
+        <a:font script="Thaa" typeface="MV Boli"/>
+        <a:font script="Deva" typeface="Mangal"/>
+        <a:font script="Telu" typeface="Gautami"/>
+        <a:font script="Taml" typeface="Latha"/>
+        <a:font script="Syrc" typeface="Estrangelo Edessa"/>
+        <a:font script="Orya" typeface="Kalinga"/>
+        <a:font script="Mlym" typeface="Kartika"/>
+        <a:font script="Laoo" typeface="DokChampa"/>
+        <a:font script="Sinh" typeface="Iskoola Pota"/>
+        <a:font script="Mong" typeface="Mongolian Baiti"/>
+        <a:font script="Viet" typeface="Arial"/>
+        <a:font script="Uigh" typeface="Microsoft Uighur"/>
+        <a:font script="Geor" typeface="Sylfaen"/>
+      </a:minorFont>
+    </a:fontScheme>
+    <a:fmtScheme name="Office">
+      <a:fillStyleLst>
+        <a:solidFill>
+          <a:schemeClr val="phClr"/>
+        </a:solidFill>
+        <a:gradFill rotWithShape="1">
+          <a:gsLst>
+            <a:gs pos="0">
+              <a:schemeClr val="phClr">
+                <a:lumMod val="110000"/>
+                <a:satMod val="105000"/>
+                <a:tint val="67000"/>
+              </a:schemeClr>
+            </a:gs>
+            <a:gs pos="50000">
+              <a:schemeClr val="phClr">
+                <a:lumMod val="105000"/>
+                <a:satMod val="103000"/>
+                <a:tint val="73000"/>
+              </a:schemeClr>
+            </a:gs>
+            <a:gs pos="100000">
+              <a:schemeClr val="phClr">
+                <a:lumMod val="105000"/>
+                <a:satMod val="109000"/>
+                <a:tint val="81000"/>
+              </a:schemeClr>
+            </a:gs>
+          </a:gsLst>
+          <a:lin ang="5400000" scaled="0"/>
+        </a:gradFill>
+        <a:gradFill rotWithShape="1">
+          <a:gsLst>
+            <a:gs pos="0">
+              <a:schemeClr val="phClr">
+                <a:satMod val="103000"/>
+                <a:lumMod val="102000"/>
+                <a:tint val="94000"/>
+              </a:schemeClr>
+            </a:gs>
+            <a:gs pos="50000">
+              <a:schemeClr val="phClr">
+                <a:satMod val="110000"/>
+                <a:lumMod val="100000"/>
+                <a:shade val="100000"/>
+              </a:schemeClr>
+            </a:gs>
+            <a:gs pos="100000">
+              <a:schemeClr val="phClr">
+                <a:lumMod val="99000"/>
+                <a:satMod val="120000"/>
+                <a:shade val="78000"/>
+              </a:schemeClr>
+            </a:gs>
+          </a:gsLst>
+          <a:lin ang="5400000" scaled="0"/>
+        </a:gradFill>
+      </a:fillStyleLst>
+      <a:lnStyleLst>
+        <a:ln w="6350" cap="flat" cmpd="sng" algn="ctr">
+          <a:solidFill>
+            <a:schemeClr val="phClr"/>
+          </a:solidFill>
+          <a:prstDash val="solid"/>
+          <a:miter lim="800000"/>
+        </a:ln>
+        <a:ln w="12700" cap="flat" cmpd="sng" algn="ctr">
+          <a:solidFill>
+            <a:schemeClr val="phClr"/>
+          </a:solidFill>
+          <a:prstDash val="solid"/>
+          <a:miter lim="800000"/>
+        </a:ln>
+        <a:ln w="19050" cap="flat" cmpd="sng" algn="ctr">
+          <a:solidFill>
+            <a:schemeClr val="phClr"/>
+          </a:solidFill>
+          <a:prstDash val="solid"/>
+          <a:miter lim="800000"/>
+        </a:ln>
+      </a:lnStyleLst>
+      <a:effectStyleLst>
+        <a:effectStyle>
+          <a:effectLst/>
+        </a:effectStyle>
+        <a:effectStyle>
+          <a:effectLst/>
+        </a:effectStyle>
+        <a:effectStyle>
+          <a:effectLst>
+            <a:outerShdw blurRad="57150" dist="19050" dir="5400000" algn="ctr" rotWithShape="0">
+              <a:srgbClr val="000000">
+                <a:alpha val="63000"/>
+              </a:srgbClr>
+            </a:outerShdw>
+          </a:effectLst>
+        </a:effectStyle>
+      </a:effectStyleLst>
+      <a:bgFillStyleLst>
+        <a:solidFill>
+          <a:schemeClr val="phClr"/>
+        </a:solidFill>
+        <a:solidFill>
+          <a:schemeClr val="phClr">
+            <a:tint val="95000"/>
+            <a:satMod val="170000"/>
+          </a:schemeClr>
+        </a:solidFill>
+        <a:gradFill rotWithShape="1">
+          <a:gsLst>
+            <a:gs pos="0">
+              <a:schemeClr val="phClr">
+                <a:tint val="93000"/>
+                <a:satMod val="150000"/>
+                <a:shade val="98000"/>
+                <a:lumMod val="102000"/>
+              </a:schemeClr>
+            </a:gs>
+            <a:gs pos="50000">
+              <a:schemeClr val="phClr">
+                <a:tint val="98000"/>
+                <a:satMod val="130000"/>
+                <a:shade val="90000"/>
+                <a:lumMod val="103000"/>
+              </a:schemeClr>
+            </a:gs>
+            <a:gs pos="100000">
+              <a:schemeClr val="phClr">
+                <a:shade val="63000"/>
+                <a:satMod val="120000"/>
+              </a:schemeClr>
+            </a:gs>
+          </a:gsLst>
+          <a:lin ang="5400000" scaled="0"/>
+        </a:gradFill>
+      </a:bgFillStyleLst>
+    </a:fmtScheme>
+  </a:themeElements>
+  <a:objectDefaults/>
+  <a:extraClrSchemeLst/>
+  <a:extLst>
+    <a:ext uri="{05A4C25C-085E-4340-85A3-A5531E510DB2}">
+      <thm15:themeFamily xmlns:thm15="http://schemas.microsoft.com/office/thememl/2012/main" xmlns="" name="Office Theme" id="{62F939B6-93AF-4DB8-9C6B-D6C7DFDC589F}" vid="{4A3C46E8-61CC-4603-A589-7422A47A8E4A}"/>
+    </a:ext>
+  </a:extLst>
+</a:theme>
 </file>
--- a/Course_Avail_Progress.pptx
+++ b/Course_Avail_Progress.pptx
@@ -6,6 +6,9 @@
     <p:sldMasterId id="2147483673" r:id="rId2"/>
     <p:sldMasterId id="2147483685" r:id="rId3"/>
   </p:sldMasterIdLst>
+  <p:notesMasterIdLst>
+    <p:notesMasterId r:id="rId13"/>
+  </p:notesMasterIdLst>
   <p:sldIdLst>
     <p:sldId id="258" r:id="rId4"/>
     <p:sldId id="265" r:id="rId5"/>
@@ -114,7 +117,465 @@
       </a:defRPr>
     </a:lvl9pPr>
   </p:defaultTextStyle>
+  <p:extLst>
+    <p:ext uri="{EFAFB233-063F-42B5-8137-9DF3F51BA10A}">
+      <p15:sldGuideLst xmlns:p15="http://schemas.microsoft.com/office/powerpoint/2012/main">
+        <p15:guide id="1" orient="horz" pos="1620">
+          <p15:clr>
+            <a:srgbClr val="A4A3A4"/>
+          </p15:clr>
+        </p15:guide>
+        <p15:guide id="2" pos="2880">
+          <p15:clr>
+            <a:srgbClr val="A4A3A4"/>
+          </p15:clr>
+        </p15:guide>
+      </p15:sldGuideLst>
+    </p:ext>
+  </p:extLst>
 </p:presentation>
+</file>
+
+<file path=ppt/notesMasters/notesMaster1.xml><?xml version="1.0" encoding="utf-8"?>
+<p:notesMaster xmlns:a="http://schemas.openxmlformats.org/drawingml/2006/main" xmlns:r="http://schemas.openxmlformats.org/officeDocument/2006/relationships" xmlns:p="http://schemas.openxmlformats.org/presentationml/2006/main">
+  <p:cSld>
+    <p:bg>
+      <p:bgRef idx="1001">
+        <a:schemeClr val="bg1"/>
+      </p:bgRef>
+    </p:bg>
+    <p:spTree>
+      <p:nvGrpSpPr>
+        <p:cNvPr id="1" name=""/>
+        <p:cNvGrpSpPr/>
+        <p:nvPr/>
+      </p:nvGrpSpPr>
+      <p:grpSpPr>
+        <a:xfrm>
+          <a:off x="0" y="0"/>
+          <a:ext cx="0" cy="0"/>
+          <a:chOff x="0" y="0"/>
+          <a:chExt cx="0" cy="0"/>
+        </a:xfrm>
+      </p:grpSpPr>
+      <p:sp>
+        <p:nvSpPr>
+          <p:cNvPr id="2" name="Header Placeholder 1"/>
+          <p:cNvSpPr>
+            <a:spLocks noGrp="1"/>
+          </p:cNvSpPr>
+          <p:nvPr>
+            <p:ph type="hdr" sz="quarter"/>
+          </p:nvPr>
+        </p:nvSpPr>
+        <p:spPr>
+          <a:xfrm>
+            <a:off x="0" y="0"/>
+            <a:ext cx="2971800" cy="458788"/>
+          </a:xfrm>
+          <a:prstGeom prst="rect">
+            <a:avLst/>
+          </a:prstGeom>
+        </p:spPr>
+        <p:txBody>
+          <a:bodyPr vert="horz" lIns="91440" tIns="45720" rIns="91440" bIns="45720" rtlCol="0"/>
+          <a:lstStyle>
+            <a:lvl1pPr algn="l">
+              <a:defRPr sz="1200"/>
+            </a:lvl1pPr>
+          </a:lstStyle>
+          <a:p>
+            <a:endParaRPr lang="en-US"/>
+          </a:p>
+        </p:txBody>
+      </p:sp>
+      <p:sp>
+        <p:nvSpPr>
+          <p:cNvPr id="3" name="Date Placeholder 2"/>
+          <p:cNvSpPr>
+            <a:spLocks noGrp="1"/>
+          </p:cNvSpPr>
+          <p:nvPr>
+            <p:ph type="dt" idx="1"/>
+          </p:nvPr>
+        </p:nvSpPr>
+        <p:spPr>
+          <a:xfrm>
+            <a:off x="3884613" y="0"/>
+            <a:ext cx="2971800" cy="458788"/>
+          </a:xfrm>
+          <a:prstGeom prst="rect">
+            <a:avLst/>
+          </a:prstGeom>
+        </p:spPr>
+        <p:txBody>
+          <a:bodyPr vert="horz" lIns="91440" tIns="45720" rIns="91440" bIns="45720" rtlCol="0"/>
+          <a:lstStyle>
+            <a:lvl1pPr algn="r">
+              <a:defRPr sz="1200"/>
+            </a:lvl1pPr>
+          </a:lstStyle>
+          <a:p>
+            <a:fld id="{A37281A0-962A-47F4-9481-A75AEA6E69B5}" type="datetimeFigureOut">
+              <a:rPr lang="en-US" smtClean="0"/>
+              <a:t>10/29/2013</a:t>
+            </a:fld>
+            <a:endParaRPr lang="en-US"/>
+          </a:p>
+        </p:txBody>
+      </p:sp>
+      <p:sp>
+        <p:nvSpPr>
+          <p:cNvPr id="4" name="Slide Image Placeholder 3"/>
+          <p:cNvSpPr>
+            <a:spLocks noGrp="1" noRot="1" noChangeAspect="1"/>
+          </p:cNvSpPr>
+          <p:nvPr>
+            <p:ph type="sldImg" idx="2"/>
+          </p:nvPr>
+        </p:nvSpPr>
+        <p:spPr>
+          <a:xfrm>
+            <a:off x="685800" y="1143000"/>
+            <a:ext cx="5486400" cy="3086100"/>
+          </a:xfrm>
+          <a:prstGeom prst="rect">
+            <a:avLst/>
+          </a:prstGeom>
+          <a:noFill/>
+          <a:ln w="12700">
+            <a:solidFill>
+              <a:prstClr val="black"/>
+            </a:solidFill>
+          </a:ln>
+        </p:spPr>
+        <p:txBody>
+          <a:bodyPr vert="horz" lIns="91440" tIns="45720" rIns="91440" bIns="45720" rtlCol="0" anchor="ctr"/>
+          <a:lstStyle/>
+          <a:p>
+            <a:endParaRPr lang="en-US"/>
+          </a:p>
+        </p:txBody>
+      </p:sp>
+      <p:sp>
+        <p:nvSpPr>
+          <p:cNvPr id="5" name="Notes Placeholder 4"/>
+          <p:cNvSpPr>
+            <a:spLocks noGrp="1"/>
+          </p:cNvSpPr>
+          <p:nvPr>
+            <p:ph type="body" sz="quarter" idx="3"/>
+          </p:nvPr>
+        </p:nvSpPr>
+        <p:spPr>
+          <a:xfrm>
+            <a:off x="685800" y="4400550"/>
+            <a:ext cx="5486400" cy="3600450"/>
+          </a:xfrm>
+          <a:prstGeom prst="rect">
+            <a:avLst/>
+          </a:prstGeom>
+        </p:spPr>
+        <p:txBody>
+          <a:bodyPr vert="horz" lIns="91440" tIns="45720" rIns="91440" bIns="45720" rtlCol="0"/>
+          <a:lstStyle/>
+          <a:p>
+            <a:pPr lvl="0"/>
+            <a:r>
+              <a:rPr lang="en-US" smtClean="0"/>
+              <a:t>Click to edit Master text styles</a:t>
+            </a:r>
+          </a:p>
+          <a:p>
+            <a:pPr lvl="1"/>
+            <a:r>
+              <a:rPr lang="en-US" smtClean="0"/>
+              <a:t>Second level</a:t>
+            </a:r>
+          </a:p>
+          <a:p>
+            <a:pPr lvl="2"/>
+            <a:r>
+              <a:rPr lang="en-US" smtClean="0"/>
+              <a:t>Third level</a:t>
+            </a:r>
+          </a:p>
+          <a:p>
+            <a:pPr lvl="3"/>
+            <a:r>
+              <a:rPr lang="en-US" smtClean="0"/>
+              <a:t>Fourth level</a:t>
+            </a:r>
+          </a:p>
+          <a:p>
+            <a:pPr lvl="4"/>
+            <a:r>
+              <a:rPr lang="en-US" smtClean="0"/>
+              <a:t>Fifth level</a:t>
+            </a:r>
+            <a:endParaRPr lang="en-US"/>
+          </a:p>
+        </p:txBody>
+      </p:sp>
+      <p:sp>
+        <p:nvSpPr>
+          <p:cNvPr id="6" name="Footer Placeholder 5"/>
+          <p:cNvSpPr>
+            <a:spLocks noGrp="1"/>
+          </p:cNvSpPr>
+          <p:nvPr>
+            <p:ph type="ftr" sz="quarter" idx="4"/>
+          </p:nvPr>
+        </p:nvSpPr>
+        <p:spPr>
+          <a:xfrm>
+            <a:off x="0" y="8685213"/>
+            <a:ext cx="2971800" cy="458787"/>
+          </a:xfrm>
+          <a:prstGeom prst="rect">
+            <a:avLst/>
+          </a:prstGeom>
+        </p:spPr>
+        <p:txBody>
+          <a:bodyPr vert="horz" lIns="91440" tIns="45720" rIns="91440" bIns="45720" rtlCol="0" anchor="b"/>
+          <a:lstStyle>
+            <a:lvl1pPr algn="l">
+              <a:defRPr sz="1200"/>
+            </a:lvl1pPr>
+          </a:lstStyle>
+          <a:p>
+            <a:endParaRPr lang="en-US"/>
+          </a:p>
+        </p:txBody>
+      </p:sp>
+      <p:sp>
+        <p:nvSpPr>
+          <p:cNvPr id="7" name="Slide Number Placeholder 6"/>
+          <p:cNvSpPr>
+            <a:spLocks noGrp="1"/>
+          </p:cNvSpPr>
+          <p:nvPr>
+            <p:ph type="sldNum" sz="quarter" idx="5"/>
+          </p:nvPr>
+        </p:nvSpPr>
+        <p:spPr>
+          <a:xfrm>
+            <a:off x="3884613" y="8685213"/>
+            <a:ext cx="2971800" cy="458787"/>
+          </a:xfrm>
+          <a:prstGeom prst="rect">
+            <a:avLst/>
+          </a:prstGeom>
+        </p:spPr>
+        <p:txBody>
+          <a:bodyPr vert="horz" lIns="91440" tIns="45720" rIns="91440" bIns="45720" rtlCol="0" anchor="b"/>
+          <a:lstStyle>
+            <a:lvl1pPr algn="r">
+              <a:defRPr sz="1200"/>
+            </a:lvl1pPr>
+          </a:lstStyle>
+          <a:p>
+            <a:fld id="{3485A29B-357A-4063-A4EA-E6DDBC92BB77}" type="slidenum">
+              <a:rPr lang="en-US" smtClean="0"/>
+              <a:t>‹#›</a:t>
+            </a:fld>
+            <a:endParaRPr lang="en-US"/>
+          </a:p>
+        </p:txBody>
+      </p:sp>
+    </p:spTree>
+    <p:extLst>
+      <p:ext uri="{BB962C8B-B14F-4D97-AF65-F5344CB8AC3E}">
+        <p14:creationId xmlns:p14="http://schemas.microsoft.com/office/powerpoint/2010/main" val="482003196"/>
+      </p:ext>
+    </p:extLst>
+  </p:cSld>
+  <p:clrMap bg1="lt1" tx1="dk1" bg2="lt2" tx2="dk2" accent1="accent1" accent2="accent2" accent3="accent3" accent4="accent4" accent5="accent5" accent6="accent6" hlink="hlink" folHlink="folHlink"/>
+  <p:notesStyle>
+    <a:lvl1pPr marL="0" algn="l" defTabSz="914400" rtl="0" eaLnBrk="1" latinLnBrk="0" hangingPunct="1">
+      <a:defRPr sz="1200" kern="1200">
+        <a:solidFill>
+          <a:schemeClr val="tx1"/>
+        </a:solidFill>
+        <a:latin typeface="+mn-lt"/>
+        <a:ea typeface="+mn-ea"/>
+        <a:cs typeface="+mn-cs"/>
+      </a:defRPr>
+    </a:lvl1pPr>
+    <a:lvl2pPr marL="457200" algn="l" defTabSz="914400" rtl="0" eaLnBrk="1" latinLnBrk="0" hangingPunct="1">
+      <a:defRPr sz="1200" kern="1200">
+        <a:solidFill>
+          <a:schemeClr val="tx1"/>
+        </a:solidFill>
+        <a:latin typeface="+mn-lt"/>
+        <a:ea typeface="+mn-ea"/>
+        <a:cs typeface="+mn-cs"/>
+      </a:defRPr>
+    </a:lvl2pPr>
+    <a:lvl3pPr marL="914400" algn="l" defTabSz="914400" rtl="0" eaLnBrk="1" latinLnBrk="0" hangingPunct="1">
+      <a:defRPr sz="1200" kern="1200">
+        <a:solidFill>
+          <a:schemeClr val="tx1"/>
+        </a:solidFill>
+        <a:latin typeface="+mn-lt"/>
+        <a:ea typeface="+mn-ea"/>
+        <a:cs typeface="+mn-cs"/>
+      </a:defRPr>
+    </a:lvl3pPr>
+    <a:lvl4pPr marL="1371600" algn="l" defTabSz="914400" rtl="0" eaLnBrk="1" latinLnBrk="0" hangingPunct="1">
+      <a:defRPr sz="1200" kern="1200">
+        <a:solidFill>
+          <a:schemeClr val="tx1"/>
+        </a:solidFill>
+        <a:latin typeface="+mn-lt"/>
+        <a:ea typeface="+mn-ea"/>
+        <a:cs typeface="+mn-cs"/>
+      </a:defRPr>
+    </a:lvl4pPr>
+    <a:lvl5pPr marL="1828800" algn="l" defTabSz="914400" rtl="0" eaLnBrk="1" latinLnBrk="0" hangingPunct="1">
+      <a:defRPr sz="1200" kern="1200">
+        <a:solidFill>
+          <a:schemeClr val="tx1"/>
+        </a:solidFill>
+        <a:latin typeface="+mn-lt"/>
+        <a:ea typeface="+mn-ea"/>
+        <a:cs typeface="+mn-cs"/>
+      </a:defRPr>
+    </a:lvl5pPr>
+    <a:lvl6pPr marL="2286000" algn="l" defTabSz="914400" rtl="0" eaLnBrk="1" latinLnBrk="0" hangingPunct="1">
+      <a:defRPr sz="1200" kern="1200">
+        <a:solidFill>
+          <a:schemeClr val="tx1"/>
+        </a:solidFill>
+        <a:latin typeface="+mn-lt"/>
+        <a:ea typeface="+mn-ea"/>
+        <a:cs typeface="+mn-cs"/>
+      </a:defRPr>
+    </a:lvl6pPr>
+    <a:lvl7pPr marL="2743200" algn="l" defTabSz="914400" rtl="0" eaLnBrk="1" latinLnBrk="0" hangingPunct="1">
+      <a:defRPr sz="1200" kern="1200">
+        <a:solidFill>
+          <a:schemeClr val="tx1"/>
+        </a:solidFill>
+        <a:latin typeface="+mn-lt"/>
+        <a:ea typeface="+mn-ea"/>
+        <a:cs typeface="+mn-cs"/>
+      </a:defRPr>
+    </a:lvl7pPr>
+    <a:lvl8pPr marL="3200400" algn="l" defTabSz="914400" rtl="0" eaLnBrk="1" latinLnBrk="0" hangingPunct="1">
+      <a:defRPr sz="1200" kern="1200">
+        <a:solidFill>
+          <a:schemeClr val="tx1"/>
+        </a:solidFill>
+        <a:latin typeface="+mn-lt"/>
+        <a:ea typeface="+mn-ea"/>
+        <a:cs typeface="+mn-cs"/>
+      </a:defRPr>
+    </a:lvl8pPr>
+    <a:lvl9pPr marL="3657600" algn="l" defTabSz="914400" rtl="0" eaLnBrk="1" latinLnBrk="0" hangingPunct="1">
+      <a:defRPr sz="1200" kern="1200">
+        <a:solidFill>
+          <a:schemeClr val="tx1"/>
+        </a:solidFill>
+        <a:latin typeface="+mn-lt"/>
+        <a:ea typeface="+mn-ea"/>
+        <a:cs typeface="+mn-cs"/>
+      </a:defRPr>
+    </a:lvl9pPr>
+  </p:notesStyle>
+</p:notesMaster>
+</file>
+
+<file path=ppt/notesSlides/notesSlide1.xml><?xml version="1.0" encoding="utf-8"?>
+<p:notes xmlns:a="http://schemas.openxmlformats.org/drawingml/2006/main" xmlns:r="http://schemas.openxmlformats.org/officeDocument/2006/relationships" xmlns:p="http://schemas.openxmlformats.org/presentationml/2006/main">
+  <p:cSld>
+    <p:spTree>
+      <p:nvGrpSpPr>
+        <p:cNvPr id="1" name=""/>
+        <p:cNvGrpSpPr/>
+        <p:nvPr/>
+      </p:nvGrpSpPr>
+      <p:grpSpPr>
+        <a:xfrm>
+          <a:off x="0" y="0"/>
+          <a:ext cx="0" cy="0"/>
+          <a:chOff x="0" y="0"/>
+          <a:chExt cx="0" cy="0"/>
+        </a:xfrm>
+      </p:grpSpPr>
+      <p:sp>
+        <p:nvSpPr>
+          <p:cNvPr id="2" name="Slide Image Placeholder 1"/>
+          <p:cNvSpPr>
+            <a:spLocks noGrp="1" noRot="1" noChangeAspect="1"/>
+          </p:cNvSpPr>
+          <p:nvPr>
+            <p:ph type="sldImg"/>
+          </p:nvPr>
+        </p:nvSpPr>
+        <p:spPr/>
+      </p:sp>
+      <p:sp>
+        <p:nvSpPr>
+          <p:cNvPr id="3" name="Notes Placeholder 2"/>
+          <p:cNvSpPr>
+            <a:spLocks noGrp="1"/>
+          </p:cNvSpPr>
+          <p:nvPr>
+            <p:ph type="body" idx="1"/>
+          </p:nvPr>
+        </p:nvSpPr>
+        <p:spPr/>
+        <p:txBody>
+          <a:bodyPr/>
+          <a:lstStyle/>
+          <a:p>
+            <a:r>
+              <a:rPr lang="en-US" dirty="0" smtClean="0"/>
+              <a:t>User sets interval</a:t>
+            </a:r>
+            <a:r>
+              <a:rPr lang="en-US" baseline="0" dirty="0" smtClean="0"/>
+              <a:t> for checking site-&gt;Application loops through all users-&gt;if time for update check, look on site-&gt;if changed, update Course entry and send message to user</a:t>
+            </a:r>
+            <a:endParaRPr lang="en-US" dirty="0"/>
+          </a:p>
+        </p:txBody>
+      </p:sp>
+      <p:sp>
+        <p:nvSpPr>
+          <p:cNvPr id="4" name="Slide Number Placeholder 3"/>
+          <p:cNvSpPr>
+            <a:spLocks noGrp="1"/>
+          </p:cNvSpPr>
+          <p:nvPr>
+            <p:ph type="sldNum" sz="quarter" idx="10"/>
+          </p:nvPr>
+        </p:nvSpPr>
+        <p:spPr/>
+        <p:txBody>
+          <a:bodyPr/>
+          <a:lstStyle/>
+          <a:p>
+            <a:fld id="{3485A29B-357A-4063-A4EA-E6DDBC92BB77}" type="slidenum">
+              <a:rPr lang="en-US" smtClean="0"/>
+              <a:t>4</a:t>
+            </a:fld>
+            <a:endParaRPr lang="en-US"/>
+          </a:p>
+        </p:txBody>
+      </p:sp>
+    </p:spTree>
+    <p:extLst>
+      <p:ext uri="{BB962C8B-B14F-4D97-AF65-F5344CB8AC3E}">
+        <p14:creationId xmlns:p14="http://schemas.microsoft.com/office/powerpoint/2010/main" val="2061364425"/>
+      </p:ext>
+    </p:extLst>
+  </p:cSld>
+  <p:clrMapOvr>
+    <a:masterClrMapping/>
+  </p:clrMapOvr>
+</p:notes>
 </file>
 
 <file path=ppt/slideLayouts/slideLayout1.xml><?xml version="1.0" encoding="utf-8"?>
@@ -400,7 +861,7 @@
           <a:p>
             <a:fld id="{B01F9CA3-105E-4857-9057-6DB6197DA786}" type="datetimeFigureOut">
               <a:rPr lang="en-US" smtClean="0"/>
-              <a:t>10/29/13</a:t>
+              <a:t>10/29/2013</a:t>
             </a:fld>
             <a:endParaRPr lang="en-US"/>
           </a:p>
@@ -592,7 +1053,7 @@
           <a:p>
             <a:fld id="{B01F9CA3-105E-4857-9057-6DB6197DA786}" type="datetimeFigureOut">
               <a:rPr lang="en-US" smtClean="0"/>
-              <a:t>10/29/13</a:t>
+              <a:t>10/29/2013</a:t>
             </a:fld>
             <a:endParaRPr lang="en-US"/>
           </a:p>
@@ -861,7 +1322,7 @@
           <a:p>
             <a:fld id="{B01F9CA3-105E-4857-9057-6DB6197DA786}" type="datetimeFigureOut">
               <a:rPr lang="en-US" smtClean="0"/>
-              <a:t>10/29/13</a:t>
+              <a:t>10/29/2013</a:t>
             </a:fld>
             <a:endParaRPr lang="en-US"/>
           </a:p>
@@ -1040,7 +1501,7 @@
           <a:p>
             <a:fld id="{B01F9CA3-105E-4857-9057-6DB6197DA786}" type="datetimeFigureOut">
               <a:rPr lang="en-US" smtClean="0"/>
-              <a:t>10/29/13</a:t>
+              <a:t>10/29/2013</a:t>
             </a:fld>
             <a:endParaRPr lang="en-US"/>
           </a:p>
@@ -1235,7 +1696,7 @@
                 <a:latin typeface="Calibri"/>
               </a:rPr>
               <a:pPr/>
-              <a:t>10/29/13</a:t>
+              <a:t>10/29/2013</a:t>
             </a:fld>
             <a:endParaRPr lang="en-US">
               <a:solidFill>
@@ -1442,7 +1903,7 @@
                 <a:latin typeface="Calibri"/>
               </a:rPr>
               <a:pPr/>
-              <a:t>10/29/13</a:t>
+              <a:t>10/29/2013</a:t>
             </a:fld>
             <a:endParaRPr lang="en-US">
               <a:solidFill>
@@ -1725,7 +2186,7 @@
                 <a:latin typeface="Calibri"/>
               </a:rPr>
               <a:pPr/>
-              <a:t>10/29/13</a:t>
+              <a:t>10/29/2013</a:t>
             </a:fld>
             <a:endParaRPr lang="en-US">
               <a:solidFill>
@@ -1994,7 +2455,7 @@
                 <a:latin typeface="Calibri"/>
               </a:rPr>
               <a:pPr/>
-              <a:t>10/29/13</a:t>
+              <a:t>10/29/2013</a:t>
             </a:fld>
             <a:endParaRPr lang="en-US">
               <a:solidFill>
@@ -2398,7 +2859,7 @@
                 <a:latin typeface="Calibri"/>
               </a:rPr>
               <a:pPr/>
-              <a:t>10/29/13</a:t>
+              <a:t>10/29/2013</a:t>
             </a:fld>
             <a:endParaRPr lang="en-US">
               <a:solidFill>
@@ -2553,7 +3014,7 @@
                 <a:latin typeface="Calibri"/>
               </a:rPr>
               <a:pPr/>
-              <a:t>10/29/13</a:t>
+              <a:t>10/29/2013</a:t>
             </a:fld>
             <a:endParaRPr lang="en-US">
               <a:solidFill>
@@ -2685,7 +3146,7 @@
                 <a:latin typeface="Calibri"/>
               </a:rPr>
               <a:pPr/>
-              <a:t>10/29/13</a:t>
+              <a:t>10/29/2013</a:t>
             </a:fld>
             <a:endParaRPr lang="en-US">
               <a:solidFill>
@@ -2888,7 +3349,7 @@
           <a:p>
             <a:fld id="{B01F9CA3-105E-4857-9057-6DB6197DA786}" type="datetimeFigureOut">
               <a:rPr lang="en-US" smtClean="0"/>
-              <a:t>10/29/13</a:t>
+              <a:t>10/29/2013</a:t>
             </a:fld>
             <a:endParaRPr lang="en-US"/>
           </a:p>
@@ -3168,7 +3629,7 @@
                 <a:latin typeface="Calibri"/>
               </a:rPr>
               <a:pPr/>
-              <a:t>10/29/13</a:t>
+              <a:t>10/29/2013</a:t>
             </a:fld>
             <a:endParaRPr lang="en-US">
               <a:solidFill>
@@ -3458,7 +3919,7 @@
                 <a:latin typeface="Calibri"/>
               </a:rPr>
               <a:pPr/>
-              <a:t>10/29/13</a:t>
+              <a:t>10/29/2013</a:t>
             </a:fld>
             <a:endParaRPr lang="en-US">
               <a:solidFill>
@@ -3665,7 +4126,7 @@
                 <a:latin typeface="Calibri"/>
               </a:rPr>
               <a:pPr/>
-              <a:t>10/29/13</a:t>
+              <a:t>10/29/2013</a:t>
             </a:fld>
             <a:endParaRPr lang="en-US">
               <a:solidFill>
@@ -3882,7 +4343,7 @@
                 <a:latin typeface="Calibri"/>
               </a:rPr>
               <a:pPr/>
-              <a:t>10/29/13</a:t>
+              <a:t>10/29/2013</a:t>
             </a:fld>
             <a:endParaRPr lang="en-US">
               <a:solidFill>
@@ -4111,7 +4572,7 @@
                 <a:latin typeface="Calibri"/>
               </a:rPr>
               <a:pPr/>
-              <a:t>10/29/13</a:t>
+              <a:t>10/29/2013</a:t>
             </a:fld>
             <a:endParaRPr lang="en-US">
               <a:solidFill>
@@ -4318,7 +4779,7 @@
                 <a:latin typeface="Calibri"/>
               </a:rPr>
               <a:pPr/>
-              <a:t>10/29/13</a:t>
+              <a:t>10/29/2013</a:t>
             </a:fld>
             <a:endParaRPr lang="en-US">
               <a:solidFill>
@@ -4601,7 +5062,7 @@
                 <a:latin typeface="Calibri"/>
               </a:rPr>
               <a:pPr/>
-              <a:t>10/29/13</a:t>
+              <a:t>10/29/2013</a:t>
             </a:fld>
             <a:endParaRPr lang="en-US">
               <a:solidFill>
@@ -4870,7 +5331,7 @@
                 <a:latin typeface="Calibri"/>
               </a:rPr>
               <a:pPr/>
-              <a:t>10/29/13</a:t>
+              <a:t>10/29/2013</a:t>
             </a:fld>
             <a:endParaRPr lang="en-US">
               <a:solidFill>
@@ -5274,7 +5735,7 @@
                 <a:latin typeface="Calibri"/>
               </a:rPr>
               <a:pPr/>
-              <a:t>10/29/13</a:t>
+              <a:t>10/29/2013</a:t>
             </a:fld>
             <a:endParaRPr lang="en-US">
               <a:solidFill>
@@ -5429,7 +5890,7 @@
                 <a:latin typeface="Calibri"/>
               </a:rPr>
               <a:pPr/>
-              <a:t>10/29/13</a:t>
+              <a:t>10/29/2013</a:t>
             </a:fld>
             <a:endParaRPr lang="en-US">
               <a:solidFill>
@@ -5705,7 +6166,7 @@
           <a:p>
             <a:fld id="{B01F9CA3-105E-4857-9057-6DB6197DA786}" type="datetimeFigureOut">
               <a:rPr lang="en-US" smtClean="0"/>
-              <a:t>10/29/13</a:t>
+              <a:t>10/29/2013</a:t>
             </a:fld>
             <a:endParaRPr lang="en-US"/>
           </a:p>
@@ -5880,7 +6341,7 @@
                 <a:latin typeface="Calibri"/>
               </a:rPr>
               <a:pPr/>
-              <a:t>10/29/13</a:t>
+              <a:t>10/29/2013</a:t>
             </a:fld>
             <a:endParaRPr lang="en-US">
               <a:solidFill>
@@ -6194,7 +6655,7 @@
                 <a:latin typeface="Calibri"/>
               </a:rPr>
               <a:pPr/>
-              <a:t>10/29/13</a:t>
+              <a:t>10/29/2013</a:t>
             </a:fld>
             <a:endParaRPr lang="en-US">
               <a:solidFill>
@@ -6484,7 +6945,7 @@
                 <a:latin typeface="Calibri"/>
               </a:rPr>
               <a:pPr/>
-              <a:t>10/29/13</a:t>
+              <a:t>10/29/2013</a:t>
             </a:fld>
             <a:endParaRPr lang="en-US">
               <a:solidFill>
@@ -6691,7 +7152,7 @@
                 <a:latin typeface="Calibri"/>
               </a:rPr>
               <a:pPr/>
-              <a:t>10/29/13</a:t>
+              <a:t>10/29/2013</a:t>
             </a:fld>
             <a:endParaRPr lang="en-US">
               <a:solidFill>
@@ -6908,7 +7369,7 @@
                 <a:latin typeface="Calibri"/>
               </a:rPr>
               <a:pPr/>
-              <a:t>10/29/13</a:t>
+              <a:t>10/29/2013</a:t>
             </a:fld>
             <a:endParaRPr lang="en-US">
               <a:solidFill>
@@ -7188,7 +7649,7 @@
           <a:p>
             <a:fld id="{B01F9CA3-105E-4857-9057-6DB6197DA786}" type="datetimeFigureOut">
               <a:rPr lang="en-US" smtClean="0"/>
-              <a:t>10/29/13</a:t>
+              <a:t>10/29/2013</a:t>
             </a:fld>
             <a:endParaRPr lang="en-US"/>
           </a:p>
@@ -7486,7 +7947,7 @@
           <a:p>
             <a:fld id="{B01F9CA3-105E-4857-9057-6DB6197DA786}" type="datetimeFigureOut">
               <a:rPr lang="en-US" smtClean="0"/>
-              <a:t>10/29/13</a:t>
+              <a:t>10/29/2013</a:t>
             </a:fld>
             <a:endParaRPr lang="en-US"/>
           </a:p>
@@ -7942,7 +8403,7 @@
           <a:p>
             <a:fld id="{B01F9CA3-105E-4857-9057-6DB6197DA786}" type="datetimeFigureOut">
               <a:rPr lang="en-US" smtClean="0"/>
-              <a:t>10/29/13</a:t>
+              <a:t>10/29/2013</a:t>
             </a:fld>
             <a:endParaRPr lang="en-US"/>
           </a:p>
@@ -8055,7 +8516,7 @@
           <a:p>
             <a:fld id="{B01F9CA3-105E-4857-9057-6DB6197DA786}" type="datetimeFigureOut">
               <a:rPr lang="en-US" smtClean="0"/>
-              <a:t>10/29/13</a:t>
+              <a:t>10/29/2013</a:t>
             </a:fld>
             <a:endParaRPr lang="en-US"/>
           </a:p>
@@ -8145,7 +8606,7 @@
           <a:p>
             <a:fld id="{B01F9CA3-105E-4857-9057-6DB6197DA786}" type="datetimeFigureOut">
               <a:rPr lang="en-US" smtClean="0"/>
-              <a:t>10/29/13</a:t>
+              <a:t>10/29/2013</a:t>
             </a:fld>
             <a:endParaRPr lang="en-US"/>
           </a:p>
@@ -8427,7 +8888,7 @@
           <a:p>
             <a:fld id="{B01F9CA3-105E-4857-9057-6DB6197DA786}" type="datetimeFigureOut">
               <a:rPr lang="en-US" smtClean="0"/>
-              <a:t>10/29/13</a:t>
+              <a:t>10/29/2013</a:t>
             </a:fld>
             <a:endParaRPr lang="en-US"/>
           </a:p>
@@ -8638,7 +9099,7 @@
           <a:p>
             <a:fld id="{B01F9CA3-105E-4857-9057-6DB6197DA786}" type="datetimeFigureOut">
               <a:rPr lang="en-US" smtClean="0"/>
-              <a:t>10/29/13</a:t>
+              <a:t>10/29/2013</a:t>
             </a:fld>
             <a:endParaRPr lang="en-US"/>
           </a:p>
@@ -9236,7 +9697,7 @@
                 <a:latin typeface="Calibri"/>
               </a:rPr>
               <a:pPr defTabSz="685783"/>
-              <a:t>10/29/13</a:t>
+              <a:t>10/29/2013</a:t>
             </a:fld>
             <a:endParaRPr lang="en-US">
               <a:solidFill>
@@ -9816,7 +10277,7 @@
                 <a:latin typeface="Calibri"/>
               </a:rPr>
               <a:pPr defTabSz="685800"/>
-              <a:t>10/29/13</a:t>
+              <a:t>10/29/2013</a:t>
             </a:fld>
             <a:endParaRPr lang="en-US">
               <a:solidFill>
@@ -10298,13 +10759,6 @@
               </a:rPr>
               <a:t>Course Availability Progress Report</a:t>
             </a:r>
-            <a:endParaRPr lang="en-US" sz="4400" dirty="0">
-              <a:solidFill>
-                <a:schemeClr val="tx1"/>
-              </a:solidFill>
-              <a:latin typeface="Calibri Light"/>
-              <a:cs typeface="Calibri Light"/>
-            </a:endParaRPr>
           </a:p>
         </p:txBody>
       </p:sp>
@@ -10585,13 +11039,6 @@
               </a:rPr>
               <a:t> Ogata, and Hansen Cheng</a:t>
             </a:r>
-            <a:endParaRPr lang="en-US" sz="4400" dirty="0">
-              <a:solidFill>
-                <a:schemeClr val="tx1"/>
-              </a:solidFill>
-              <a:latin typeface="Calibri Light"/>
-              <a:cs typeface="Calibri Light"/>
-            </a:endParaRPr>
           </a:p>
         </p:txBody>
       </p:sp>
@@ -10605,6 +11052,13 @@
   <p:clrMapOvr>
     <a:masterClrMapping/>
   </p:clrMapOvr>
+  <p:timing>
+    <p:tnLst>
+      <p:par>
+        <p:cTn id="1" dur="indefinite" restart="never" nodeType="tmRoot"/>
+      </p:par>
+    </p:tnLst>
+  </p:timing>
 </p:sld>
 </file>
 
@@ -10720,7 +11174,7 @@
   <p:timing>
     <p:tnLst>
       <p:par>
-        <p:cTn xmlns:p14="http://schemas.microsoft.com/office/powerpoint/2010/main" id="1" dur="indefinite" restart="never" nodeType="tmRoot"/>
+        <p:cTn id="1" dur="indefinite" restart="never" nodeType="tmRoot"/>
       </p:par>
     </p:tnLst>
   </p:timing>
@@ -10773,10 +11227,6 @@
               </a:rPr>
               <a:t>Technology</a:t>
             </a:r>
-            <a:endParaRPr lang="en-US" sz="4000" dirty="0">
-              <a:latin typeface="Calibri Light"/>
-              <a:cs typeface="Calibri Light"/>
-            </a:endParaRPr>
           </a:p>
         </p:txBody>
       </p:sp>
@@ -10809,10 +11259,6 @@
               </a:rPr>
               <a:t>Ruby on Rails because it provides an organized structure for web development. It also provides Bootstrap (through the installation of gems) for responsiveness</a:t>
             </a:r>
-            <a:endParaRPr lang="en-US" sz="3000" dirty="0">
-              <a:latin typeface="Calibri Light"/>
-              <a:cs typeface="Calibri Light"/>
-            </a:endParaRPr>
           </a:p>
         </p:txBody>
       </p:sp>
@@ -10843,26 +11289,8 @@
                 <a:latin typeface="Calibri Light"/>
                 <a:cs typeface="Calibri Light"/>
               </a:rPr>
-              <a:t>Use of a dummy email on </a:t>
-            </a:r>
-            <a:r>
-              <a:rPr lang="en-US" sz="3000" dirty="0">
-                <a:latin typeface="Calibri Light"/>
-                <a:cs typeface="Calibri Light"/>
-              </a:rPr>
-              <a:t>G</a:t>
-            </a:r>
-            <a:r>
-              <a:rPr lang="en-US" sz="3000" dirty="0">
-                <a:latin typeface="Calibri Light"/>
-                <a:cs typeface="Calibri Light"/>
-              </a:rPr>
-              <a:t>mail for testing (in upcoming weeks) of notification system.</a:t>
-            </a:r>
-            <a:endParaRPr lang="en-US" sz="3000" dirty="0">
-              <a:latin typeface="Calibri Light"/>
-              <a:cs typeface="Calibri Light"/>
-            </a:endParaRPr>
+              <a:t>Use of a dummy email on Gmail for testing (in upcoming weeks) of notification system.</a:t>
+            </a:r>
           </a:p>
         </p:txBody>
       </p:sp>
@@ -10876,6 +11304,13 @@
   <p:clrMapOvr>
     <a:masterClrMapping/>
   </p:clrMapOvr>
+  <p:timing>
+    <p:tnLst>
+      <p:par>
+        <p:cTn id="1" dur="indefinite" restart="never" nodeType="tmRoot"/>
+      </p:par>
+    </p:tnLst>
+  </p:timing>
 </p:sld>
 </file>
 
@@ -11115,15 +11550,15 @@
         <p:nvCxnSpPr>
           <p:cNvPr id="17" name="Straight Arrow Connector 16"/>
           <p:cNvCxnSpPr>
-            <a:stCxn id="8" idx="3"/>
-            <a:endCxn id="10" idx="0"/>
+            <a:stCxn id="8" idx="2"/>
+            <a:endCxn id="9" idx="0"/>
           </p:cNvCxnSpPr>
           <p:nvPr/>
         </p:nvCxnSpPr>
         <p:spPr>
           <a:xfrm>
-            <a:off x="4161559" y="1453429"/>
-            <a:ext cx="1075458" cy="468890"/>
+            <a:off x="3343277" y="1706709"/>
+            <a:ext cx="0" cy="215612"/>
           </a:xfrm>
           <a:prstGeom prst="straightConnector1">
             <a:avLst/>
@@ -11152,15 +11587,15 @@
         <p:nvCxnSpPr>
           <p:cNvPr id="20" name="Straight Arrow Connector 19"/>
           <p:cNvCxnSpPr>
-            <a:stCxn id="10" idx="1"/>
-            <a:endCxn id="9" idx="3"/>
+            <a:stCxn id="9" idx="3"/>
+            <a:endCxn id="10" idx="1"/>
           </p:cNvCxnSpPr>
           <p:nvPr/>
         </p:nvCxnSpPr>
         <p:spPr>
-          <a:xfrm flipH="1">
-            <a:off x="4161559" y="2175598"/>
-            <a:ext cx="257174" cy="0"/>
+          <a:xfrm>
+            <a:off x="4161561" y="2175600"/>
+            <a:ext cx="257173" cy="0"/>
           </a:xfrm>
           <a:prstGeom prst="straightConnector1">
             <a:avLst/>
@@ -11233,7 +11668,7 @@
   <p:timing>
     <p:tnLst>
       <p:par>
-        <p:cTn xmlns:p14="http://schemas.microsoft.com/office/powerpoint/2010/main" id="1" dur="indefinite" restart="never" nodeType="tmRoot"/>
+        <p:cTn id="1" dur="indefinite" restart="never" nodeType="tmRoot"/>
       </p:par>
     </p:tnLst>
   </p:timing>
@@ -11266,7 +11701,7 @@
           <p:nvPr/>
         </p:nvPicPr>
         <p:blipFill>
-          <a:blip r:embed="rId2">
+          <a:blip r:embed="rId2" cstate="email">
             <a:extLst>
               <a:ext uri="{28A0092B-C50C-407E-A947-70E740481C1C}">
                 <a14:useLocalDpi xmlns:a14="http://schemas.microsoft.com/office/drawing/2010/main" val="0"/>
@@ -11297,6 +11732,13 @@
   <p:clrMapOvr>
     <a:masterClrMapping/>
   </p:clrMapOvr>
+  <p:timing>
+    <p:tnLst>
+      <p:par>
+        <p:cTn id="1" dur="indefinite" restart="never" nodeType="tmRoot"/>
+      </p:par>
+    </p:tnLst>
+  </p:timing>
 </p:sld>
 </file>
 
@@ -11326,7 +11768,7 @@
           <p:nvPr/>
         </p:nvPicPr>
         <p:blipFill>
-          <a:blip r:embed="rId2">
+          <a:blip r:embed="rId2" cstate="email">
             <a:extLst>
               <a:ext uri="{28A0092B-C50C-407E-A947-70E740481C1C}">
                 <a14:useLocalDpi xmlns:a14="http://schemas.microsoft.com/office/drawing/2010/main" val="0"/>
@@ -11357,6 +11799,13 @@
   <p:clrMapOvr>
     <a:masterClrMapping/>
   </p:clrMapOvr>
+  <p:timing>
+    <p:tnLst>
+      <p:par>
+        <p:cTn id="1" dur="indefinite" restart="never" nodeType="tmRoot"/>
+      </p:par>
+    </p:tnLst>
+  </p:timing>
 </p:sld>
 </file>
 
@@ -11386,7 +11835,7 @@
           <p:nvPr/>
         </p:nvPicPr>
         <p:blipFill>
-          <a:blip r:embed="rId2">
+          <a:blip r:embed="rId2" cstate="email">
             <a:extLst>
               <a:ext uri="{28A0092B-C50C-407E-A947-70E740481C1C}">
                 <a14:useLocalDpi xmlns:a14="http://schemas.microsoft.com/office/drawing/2010/main" val="0"/>
@@ -11417,6 +11866,13 @@
   <p:clrMapOvr>
     <a:masterClrMapping/>
   </p:clrMapOvr>
+  <p:timing>
+    <p:tnLst>
+      <p:par>
+        <p:cTn id="1" dur="indefinite" restart="never" nodeType="tmRoot"/>
+      </p:par>
+    </p:tnLst>
+  </p:timing>
 </p:sld>
 </file>
 
@@ -11446,7 +11902,7 @@
           <p:nvPr/>
         </p:nvPicPr>
         <p:blipFill>
-          <a:blip r:embed="rId2">
+          <a:blip r:embed="rId2" cstate="email">
             <a:extLst>
               <a:ext uri="{28A0092B-C50C-407E-A947-70E740481C1C}">
                 <a14:useLocalDpi xmlns:a14="http://schemas.microsoft.com/office/drawing/2010/main" val="0"/>
@@ -11477,6 +11933,13 @@
   <p:clrMapOvr>
     <a:masterClrMapping/>
   </p:clrMapOvr>
+  <p:timing>
+    <p:tnLst>
+      <p:par>
+        <p:cTn id="1" dur="indefinite" restart="never" nodeType="tmRoot"/>
+      </p:par>
+    </p:tnLst>
+  </p:timing>
 </p:sld>
 </file>
 
@@ -11537,6 +12000,13 @@
   <p:clrMapOvr>
     <a:masterClrMapping/>
   </p:clrMapOvr>
+  <p:timing>
+    <p:tnLst>
+      <p:par>
+        <p:cTn id="1" dur="indefinite" restart="never" nodeType="tmRoot"/>
+      </p:par>
+    </p:tnLst>
+  </p:timing>
 </p:sld>
 </file>
 
@@ -12061,7 +12531,7 @@
   <a:extraClrSchemeLst/>
   <a:extLst>
     <a:ext uri="{05A4C25C-085E-4340-85A3-A5531E510DB2}">
-      <thm15:themeFamily xmlns:thm15="http://schemas.microsoft.com/office/thememl/2012/main" xmlns="" name="Office Theme" id="{62F939B6-93AF-4DB8-9C6B-D6C7DFDC589F}" vid="{4A3C46E8-61CC-4603-A589-7422A47A8E4A}"/>
+      <thm15:themeFamily xmlns:thm15="http://schemas.microsoft.com/office/thememl/2012/main" name="Office Theme" id="{62F939B6-93AF-4DB8-9C6B-D6C7DFDC589F}" vid="{4A3C46E8-61CC-4603-A589-7422A47A8E4A}"/>
     </a:ext>
   </a:extLst>
 </a:theme>
@@ -12322,7 +12792,268 @@
   <a:extraClrSchemeLst/>
   <a:extLst>
     <a:ext uri="{05A4C25C-085E-4340-85A3-A5531E510DB2}">
-      <thm15:themeFamily xmlns:thm15="http://schemas.microsoft.com/office/thememl/2012/main" xmlns="" name="Office Theme" id="{62F939B6-93AF-4DB8-9C6B-D6C7DFDC589F}" vid="{4A3C46E8-61CC-4603-A589-7422A47A8E4A}"/>
+      <thm15:themeFamily xmlns:thm15="http://schemas.microsoft.com/office/thememl/2012/main" name="Office Theme" id="{62F939B6-93AF-4DB8-9C6B-D6C7DFDC589F}" vid="{4A3C46E8-61CC-4603-A589-7422A47A8E4A}"/>
+    </a:ext>
+  </a:extLst>
+</a:theme>
+</file>
+
+<file path=ppt/theme/theme4.xml><?xml version="1.0" encoding="utf-8"?>
+<a:theme xmlns:a="http://schemas.openxmlformats.org/drawingml/2006/main" name="Office Theme">
+  <a:themeElements>
+    <a:clrScheme name="Office">
+      <a:dk1>
+        <a:sysClr val="windowText" lastClr="000000"/>
+      </a:dk1>
+      <a:lt1>
+        <a:sysClr val="window" lastClr="FFFFFF"/>
+      </a:lt1>
+      <a:dk2>
+        <a:srgbClr val="44546A"/>
+      </a:dk2>
+      <a:lt2>
+        <a:srgbClr val="E7E6E6"/>
+      </a:lt2>
+      <a:accent1>
+        <a:srgbClr val="5B9BD5"/>
+      </a:accent1>
+      <a:accent2>
+        <a:srgbClr val="ED7D31"/>
+      </a:accent2>
+      <a:accent3>
+        <a:srgbClr val="A5A5A5"/>
+      </a:accent3>
+      <a:accent4>
+        <a:srgbClr val="FFC000"/>
+      </a:accent4>
+      <a:accent5>
+        <a:srgbClr val="4472C4"/>
+      </a:accent5>
+      <a:accent6>
+        <a:srgbClr val="70AD47"/>
+      </a:accent6>
+      <a:hlink>
+        <a:srgbClr val="0563C1"/>
+      </a:hlink>
+      <a:folHlink>
+        <a:srgbClr val="954F72"/>
+      </a:folHlink>
+    </a:clrScheme>
+    <a:fontScheme name="Office">
+      <a:majorFont>
+        <a:latin typeface="Calibri Light" panose="020F0302020204030204"/>
+        <a:ea typeface=""/>
+        <a:cs typeface=""/>
+        <a:font script="Jpan" typeface="ＭＳ Ｐゴシック"/>
+        <a:font script="Hang" typeface="맑은 고딕"/>
+        <a:font script="Hans" typeface="宋体"/>
+        <a:font script="Hant" typeface="新細明體"/>
+        <a:font script="Arab" typeface="Times New Roman"/>
+        <a:font script="Hebr" typeface="Times New Roman"/>
+        <a:font script="Thai" typeface="Angsana New"/>
+        <a:font script="Ethi" typeface="Nyala"/>
+        <a:font script="Beng" typeface="Vrinda"/>
+        <a:font script="Gujr" typeface="Shruti"/>
+        <a:font script="Khmr" typeface="MoolBoran"/>
+        <a:font script="Knda" typeface="Tunga"/>
+        <a:font script="Guru" typeface="Raavi"/>
+        <a:font script="Cans" typeface="Euphemia"/>
+        <a:font script="Cher" typeface="Plantagenet Cherokee"/>
+        <a:font script="Yiii" typeface="Microsoft Yi Baiti"/>
+        <a:font script="Tibt" typeface="Microsoft Himalaya"/>
+        <a:font script="Thaa" typeface="MV Boli"/>
+        <a:font script="Deva" typeface="Mangal"/>
+        <a:font script="Telu" typeface="Gautami"/>
+        <a:font script="Taml" typeface="Latha"/>
+        <a:font script="Syrc" typeface="Estrangelo Edessa"/>
+        <a:font script="Orya" typeface="Kalinga"/>
+        <a:font script="Mlym" typeface="Kartika"/>
+        <a:font script="Laoo" typeface="DokChampa"/>
+        <a:font script="Sinh" typeface="Iskoola Pota"/>
+        <a:font script="Mong" typeface="Mongolian Baiti"/>
+        <a:font script="Viet" typeface="Times New Roman"/>
+        <a:font script="Uigh" typeface="Microsoft Uighur"/>
+        <a:font script="Geor" typeface="Sylfaen"/>
+      </a:majorFont>
+      <a:minorFont>
+        <a:latin typeface="Calibri" panose="020F0502020204030204"/>
+        <a:ea typeface=""/>
+        <a:cs typeface=""/>
+        <a:font script="Jpan" typeface="ＭＳ Ｐゴシック"/>
+        <a:font script="Hang" typeface="맑은 고딕"/>
+        <a:font script="Hans" typeface="宋体"/>
+        <a:font script="Hant" typeface="新細明體"/>
+        <a:font script="Arab" typeface="Arial"/>
+        <a:font script="Hebr" typeface="Arial"/>
+        <a:font script="Thai" typeface="Cordia New"/>
+        <a:font script="Ethi" typeface="Nyala"/>
+        <a:font script="Beng" typeface="Vrinda"/>
+        <a:font script="Gujr" typeface="Shruti"/>
+        <a:font script="Khmr" typeface="DaunPenh"/>
+        <a:font script="Knda" typeface="Tunga"/>
+        <a:font script="Guru" typeface="Raavi"/>
+        <a:font script="Cans" typeface="Euphemia"/>
+        <a:font script="Cher" typeface="Plantagenet Cherokee"/>
+        <a:font script="Yiii" typeface="Microsoft Yi Baiti"/>
+        <a:font script="Tibt" typeface="Microsoft Himalaya"/>
+        <a:font script="Thaa" typeface="MV Boli"/>
+        <a:font script="Deva" typeface="Mangal"/>
+        <a:font script="Telu" typeface="Gautami"/>
+        <a:font script="Taml" typeface="Latha"/>
+        <a:font script="Syrc" typeface="Estrangelo Edessa"/>
+        <a:font script="Orya" typeface="Kalinga"/>
+        <a:font script="Mlym" typeface="Kartika"/>
+        <a:font script="Laoo" typeface="DokChampa"/>
+        <a:font script="Sinh" typeface="Iskoola Pota"/>
+        <a:font script="Mong" typeface="Mongolian Baiti"/>
+        <a:font script="Viet" typeface="Arial"/>
+        <a:font script="Uigh" typeface="Microsoft Uighur"/>
+        <a:font script="Geor" typeface="Sylfaen"/>
+      </a:minorFont>
+    </a:fontScheme>
+    <a:fmtScheme name="Office">
+      <a:fillStyleLst>
+        <a:solidFill>
+          <a:schemeClr val="phClr"/>
+        </a:solidFill>
+        <a:gradFill rotWithShape="1">
+          <a:gsLst>
+            <a:gs pos="0">
+              <a:schemeClr val="phClr">
+                <a:lumMod val="110000"/>
+                <a:satMod val="105000"/>
+                <a:tint val="67000"/>
+              </a:schemeClr>
+            </a:gs>
+            <a:gs pos="50000">
+              <a:schemeClr val="phClr">
+                <a:lumMod val="105000"/>
+                <a:satMod val="103000"/>
+                <a:tint val="73000"/>
+              </a:schemeClr>
+            </a:gs>
+            <a:gs pos="100000">
+              <a:schemeClr val="phClr">
+                <a:lumMod val="105000"/>
+                <a:satMod val="109000"/>
+                <a:tint val="81000"/>
+              </a:schemeClr>
+            </a:gs>
+          </a:gsLst>
+          <a:lin ang="5400000" scaled="0"/>
+        </a:gradFill>
+        <a:gradFill rotWithShape="1">
+          <a:gsLst>
+            <a:gs pos="0">
+              <a:schemeClr val="phClr">
+                <a:satMod val="103000"/>
+                <a:lumMod val="102000"/>
+                <a:tint val="94000"/>
+              </a:schemeClr>
+            </a:gs>
+            <a:gs pos="50000">
+              <a:schemeClr val="phClr">
+                <a:satMod val="110000"/>
+                <a:lumMod val="100000"/>
+                <a:shade val="100000"/>
+              </a:schemeClr>
+            </a:gs>
+            <a:gs pos="100000">
+              <a:schemeClr val="phClr">
+                <a:lumMod val="99000"/>
+                <a:satMod val="120000"/>
+                <a:shade val="78000"/>
+              </a:schemeClr>
+            </a:gs>
+          </a:gsLst>
+          <a:lin ang="5400000" scaled="0"/>
+        </a:gradFill>
+      </a:fillStyleLst>
+      <a:lnStyleLst>
+        <a:ln w="6350" cap="flat" cmpd="sng" algn="ctr">
+          <a:solidFill>
+            <a:schemeClr val="phClr"/>
+          </a:solidFill>
+          <a:prstDash val="solid"/>
+          <a:miter lim="800000"/>
+        </a:ln>
+        <a:ln w="12700" cap="flat" cmpd="sng" algn="ctr">
+          <a:solidFill>
+            <a:schemeClr val="phClr"/>
+          </a:solidFill>
+          <a:prstDash val="solid"/>
+          <a:miter lim="800000"/>
+        </a:ln>
+        <a:ln w="19050" cap="flat" cmpd="sng" algn="ctr">
+          <a:solidFill>
+            <a:schemeClr val="phClr"/>
+          </a:solidFill>
+          <a:prstDash val="solid"/>
+          <a:miter lim="800000"/>
+        </a:ln>
+      </a:lnStyleLst>
+      <a:effectStyleLst>
+        <a:effectStyle>
+          <a:effectLst/>
+        </a:effectStyle>
+        <a:effectStyle>
+          <a:effectLst/>
+        </a:effectStyle>
+        <a:effectStyle>
+          <a:effectLst>
+            <a:outerShdw blurRad="57150" dist="19050" dir="5400000" algn="ctr" rotWithShape="0">
+              <a:srgbClr val="000000">
+                <a:alpha val="63000"/>
+              </a:srgbClr>
+            </a:outerShdw>
+          </a:effectLst>
+        </a:effectStyle>
+      </a:effectStyleLst>
+      <a:bgFillStyleLst>
+        <a:solidFill>
+          <a:schemeClr val="phClr"/>
+        </a:solidFill>
+        <a:solidFill>
+          <a:schemeClr val="phClr">
+            <a:tint val="95000"/>
+            <a:satMod val="170000"/>
+          </a:schemeClr>
+        </a:solidFill>
+        <a:gradFill rotWithShape="1">
+          <a:gsLst>
+            <a:gs pos="0">
+              <a:schemeClr val="phClr">
+                <a:tint val="93000"/>
+                <a:satMod val="150000"/>
+                <a:shade val="98000"/>
+                <a:lumMod val="102000"/>
+              </a:schemeClr>
+            </a:gs>
+            <a:gs pos="50000">
+              <a:schemeClr val="phClr">
+                <a:tint val="98000"/>
+                <a:satMod val="130000"/>
+                <a:shade val="90000"/>
+                <a:lumMod val="103000"/>
+              </a:schemeClr>
+            </a:gs>
+            <a:gs pos="100000">
+              <a:schemeClr val="phClr">
+                <a:shade val="63000"/>
+                <a:satMod val="120000"/>
+              </a:schemeClr>
+            </a:gs>
+          </a:gsLst>
+          <a:lin ang="5400000" scaled="0"/>
+        </a:gradFill>
+      </a:bgFillStyleLst>
+    </a:fmtScheme>
+  </a:themeElements>
+  <a:objectDefaults/>
+  <a:extraClrSchemeLst/>
+  <a:extLst>
+    <a:ext uri="{05A4C25C-085E-4340-85A3-A5531E510DB2}">
+      <thm15:themeFamily xmlns:thm15="http://schemas.microsoft.com/office/thememl/2012/main" name="Office Theme" id="{62F939B6-93AF-4DB8-9C6B-D6C7DFDC589F}" vid="{4A3C46E8-61CC-4603-A589-7422A47A8E4A}"/>
     </a:ext>
   </a:extLst>
 </a:theme>
